--- a/AquaSol.pptx
+++ b/AquaSol.pptx
@@ -6,16 +6,17 @@
     <p:sldMasterId id="2147483743" r:id="rId6"/>
   </p:sldMasterIdLst>
   <p:notesMasterIdLst>
-    <p:notesMasterId r:id="rId11"/>
+    <p:notesMasterId r:id="rId12"/>
   </p:notesMasterIdLst>
   <p:handoutMasterIdLst>
-    <p:handoutMasterId r:id="rId12"/>
+    <p:handoutMasterId r:id="rId13"/>
   </p:handoutMasterIdLst>
   <p:sldIdLst>
     <p:sldId id="275" r:id="rId7"/>
     <p:sldId id="354" r:id="rId8"/>
     <p:sldId id="355" r:id="rId9"/>
     <p:sldId id="356" r:id="rId10"/>
+    <p:sldId id="357" r:id="rId11"/>
   </p:sldIdLst>
   <p:sldSz cx="9144000" cy="5715000" type="screen16x10"/>
   <p:notesSz cx="6858000" cy="9144000"/>
@@ -153,6 +154,7 @@
             <p14:sldId id="354"/>
             <p14:sldId id="355"/>
             <p14:sldId id="356"/>
+            <p14:sldId id="357"/>
           </p14:sldIdLst>
         </p14:section>
       </p14:sectionLst>
@@ -6613,11 +6615,6 @@
               </a:rPr>
               <a:t>Reducing Municipal Fresh Water OPEX</a:t>
             </a:r>
-            <a:endParaRPr lang="en-CA" sz="2800" b="1" dirty="0">
-              <a:solidFill>
-                <a:schemeClr val="tx1"/>
-              </a:solidFill>
-            </a:endParaRPr>
           </a:p>
         </p:txBody>
       </p:sp>
@@ -7529,6 +7526,148 @@
     <p:extLst>
       <p:ext uri="{BB962C8B-B14F-4D97-AF65-F5344CB8AC3E}">
         <p14:creationId xmlns:p14="http://schemas.microsoft.com/office/powerpoint/2010/main" val="1605648751"/>
+      </p:ext>
+    </p:extLst>
+  </p:cSld>
+  <p:clrMapOvr>
+    <a:masterClrMapping/>
+  </p:clrMapOvr>
+</p:sld>
+</file>
+
+<file path=ppt/slides/slide5.xml><?xml version="1.0" encoding="utf-8"?>
+<p:sld xmlns:a="http://schemas.openxmlformats.org/drawingml/2006/main" xmlns:r="http://schemas.openxmlformats.org/officeDocument/2006/relationships" xmlns:p="http://schemas.openxmlformats.org/presentationml/2006/main" showMasterSp="0">
+  <p:cSld>
+    <p:spTree>
+      <p:nvGrpSpPr>
+        <p:cNvPr id="1" name=""/>
+        <p:cNvGrpSpPr/>
+        <p:nvPr/>
+      </p:nvGrpSpPr>
+      <p:grpSpPr>
+        <a:xfrm>
+          <a:off x="0" y="0"/>
+          <a:ext cx="0" cy="0"/>
+          <a:chOff x="0" y="0"/>
+          <a:chExt cx="0" cy="0"/>
+        </a:xfrm>
+      </p:grpSpPr>
+      <p:sp>
+        <p:nvSpPr>
+          <p:cNvPr id="2" name="Title 1"/>
+          <p:cNvSpPr>
+            <a:spLocks noGrp="1"/>
+          </p:cNvSpPr>
+          <p:nvPr>
+            <p:ph type="title"/>
+          </p:nvPr>
+        </p:nvSpPr>
+        <p:spPr/>
+        <p:txBody>
+          <a:bodyPr/>
+          <a:lstStyle/>
+          <a:p>
+            <a:r>
+              <a:rPr lang="en-CA" b="1" dirty="0" smtClean="0"/>
+              <a:t>Sample Report</a:t>
+            </a:r>
+            <a:endParaRPr lang="en-CA" b="1" dirty="0"/>
+          </a:p>
+        </p:txBody>
+      </p:sp>
+      <p:sp>
+        <p:nvSpPr>
+          <p:cNvPr id="3" name="Content Placeholder 2"/>
+          <p:cNvSpPr>
+            <a:spLocks noGrp="1"/>
+          </p:cNvSpPr>
+          <p:nvPr>
+            <p:ph sz="quarter" idx="10"/>
+          </p:nvPr>
+        </p:nvSpPr>
+        <p:spPr/>
+        <p:txBody>
+          <a:bodyPr/>
+          <a:lstStyle/>
+          <a:p>
+            <a:pPr marL="457200" indent="-457200">
+              <a:buFontTx/>
+              <a:buChar char="-"/>
+            </a:pPr>
+            <a:endParaRPr lang="en-CA" dirty="0" smtClean="0"/>
+          </a:p>
+          <a:p>
+            <a:endParaRPr lang="en-CA" dirty="0" smtClean="0"/>
+          </a:p>
+        </p:txBody>
+      </p:sp>
+      <p:sp>
+        <p:nvSpPr>
+          <p:cNvPr id="4" name="Slide Number Placeholder 3"/>
+          <p:cNvSpPr>
+            <a:spLocks noGrp="1"/>
+          </p:cNvSpPr>
+          <p:nvPr>
+            <p:ph type="sldNum" sz="quarter" idx="12"/>
+          </p:nvPr>
+        </p:nvSpPr>
+        <p:spPr/>
+        <p:txBody>
+          <a:bodyPr/>
+          <a:lstStyle/>
+          <a:p>
+            <a:pPr algn="ctr"/>
+            <a:r>
+              <a:rPr lang="en-CA" dirty="0" smtClean="0"/>
+              <a:t>- </a:t>
+            </a:r>
+            <a:fld id="{F93D3C5A-921F-4515-9F35-6261197ACD81}" type="slidenum">
+              <a:rPr lang="en-CA" smtClean="0"/>
+              <a:pPr algn="ctr"/>
+              <a:t>4</a:t>
+            </a:fld>
+            <a:r>
+              <a:rPr lang="en-CA" dirty="0" smtClean="0"/>
+              <a:t> -</a:t>
+            </a:r>
+            <a:endParaRPr lang="en-CA" dirty="0"/>
+          </a:p>
+        </p:txBody>
+      </p:sp>
+      <p:pic>
+        <p:nvPicPr>
+          <p:cNvPr id="6" name="Picture 5"/>
+          <p:cNvPicPr>
+            <a:picLocks noChangeAspect="1"/>
+          </p:cNvPicPr>
+          <p:nvPr/>
+        </p:nvPicPr>
+        <p:blipFill>
+          <a:blip r:embed="rId2">
+            <a:extLst>
+              <a:ext uri="{28A0092B-C50C-407E-A947-70E740481C1C}">
+                <a14:useLocalDpi xmlns:a14="http://schemas.microsoft.com/office/drawing/2010/main" val="0"/>
+              </a:ext>
+            </a:extLst>
+          </a:blip>
+          <a:stretch>
+            <a:fillRect/>
+          </a:stretch>
+        </p:blipFill>
+        <p:spPr>
+          <a:xfrm>
+            <a:off x="71437" y="1034955"/>
+            <a:ext cx="9001125" cy="4327619"/>
+          </a:xfrm>
+          <a:prstGeom prst="rect">
+            <a:avLst/>
+          </a:prstGeom>
+        </p:spPr>
+      </p:pic>
+    </p:spTree>
+    <p:extLst>
+      <p:ext uri="{BB962C8B-B14F-4D97-AF65-F5344CB8AC3E}">
+        <p14:creationId xmlns:p14="http://schemas.microsoft.com/office/powerpoint/2010/main" val="1694940750"/>
       </p:ext>
     </p:extLst>
   </p:cSld>
@@ -9336,6 +9475,27 @@
 </file>
 
 <file path=customXml/item1.xml><?xml version="1.0" encoding="utf-8"?>
+<p:properties xmlns:p="http://schemas.microsoft.com/office/2006/metadata/properties" xmlns:xsi="http://www.w3.org/2001/XMLSchema-instance" xmlns:pc="http://schemas.microsoft.com/office/infopath/2007/PartnerControls">
+  <documentManagement>
+    <_dlc_DocId xmlns="5f30fe18-18b5-4c2d-8cb7-9ddc27a1765c">45UANX6N6NHT-3-440</_dlc_DocId>
+    <_dlc_DocIdUrl xmlns="5f30fe18-18b5-4c2d-8cb7-9ddc27a1765c">
+      <Url>https://project.collaborate.tsl.telus.com/sites/wesp/_layouts/DocIdRedir.aspx?ID=45UANX6N6NHT-3-440</Url>
+      <Description>45UANX6N6NHT-3-440</Description>
+    </_dlc_DocIdUrl>
+  </documentManagement>
+</p:properties>
+</file>
+
+<file path=customXml/item2.xml><?xml version="1.0" encoding="utf-8"?>
+<?mso-contentType ?>
+<FormTemplates xmlns="http://schemas.microsoft.com/sharepoint/v3/contenttype/forms">
+  <Display>DocumentLibraryForm</Display>
+  <Edit>DocumentLibraryForm</Edit>
+  <New>DocumentLibraryForm</New>
+</FormTemplates>
+</file>
+
+<file path=customXml/item3.xml><?xml version="1.0" encoding="utf-8"?>
 <?mso-contentType ?>
 <spe:Receivers xmlns:spe="http://schemas.microsoft.com/sharepoint/events">
   <Receiver>
@@ -9379,27 +9539,6 @@
     <Filter/>
   </Receiver>
 </spe:Receivers>
-</file>
-
-<file path=customXml/item2.xml><?xml version="1.0" encoding="utf-8"?>
-<?mso-contentType ?>
-<FormTemplates xmlns="http://schemas.microsoft.com/sharepoint/v3/contenttype/forms">
-  <Display>DocumentLibraryForm</Display>
-  <Edit>DocumentLibraryForm</Edit>
-  <New>DocumentLibraryForm</New>
-</FormTemplates>
-</file>
-
-<file path=customXml/item3.xml><?xml version="1.0" encoding="utf-8"?>
-<p:properties xmlns:p="http://schemas.microsoft.com/office/2006/metadata/properties" xmlns:xsi="http://www.w3.org/2001/XMLSchema-instance" xmlns:pc="http://schemas.microsoft.com/office/infopath/2007/PartnerControls">
-  <documentManagement>
-    <_dlc_DocId xmlns="5f30fe18-18b5-4c2d-8cb7-9ddc27a1765c">45UANX6N6NHT-3-440</_dlc_DocId>
-    <_dlc_DocIdUrl xmlns="5f30fe18-18b5-4c2d-8cb7-9ddc27a1765c">
-      <Url>https://project.collaborate.tsl.telus.com/sites/wesp/_layouts/DocIdRedir.aspx?ID=45UANX6N6NHT-3-440</Url>
-      <Description>45UANX6N6NHT-3-440</Description>
-    </_dlc_DocIdUrl>
-  </documentManagement>
-</p:properties>
 </file>
 
 <file path=customXml/item4.xml><?xml version="1.0" encoding="utf-8"?>
@@ -9548,9 +9687,17 @@
 </file>
 
 <file path=customXml/itemProps1.xml><?xml version="1.0" encoding="utf-8"?>
-<ds:datastoreItem xmlns:ds="http://schemas.openxmlformats.org/officeDocument/2006/customXml" ds:itemID="{7F0378A7-269C-4778-9CF0-21CEC371B404}">
+<ds:datastoreItem xmlns:ds="http://schemas.openxmlformats.org/officeDocument/2006/customXml" ds:itemID="{380E191F-8FEF-4E3B-8EB7-B5120927D100}">
   <ds:schemaRefs>
-    <ds:schemaRef ds:uri="http://schemas.microsoft.com/sharepoint/events"/>
+    <ds:schemaRef ds:uri="http://purl.org/dc/terms/"/>
+    <ds:schemaRef ds:uri="http://schemas.microsoft.com/office/2006/documentManagement/types"/>
+    <ds:schemaRef ds:uri="http://www.w3.org/XML/1998/namespace"/>
+    <ds:schemaRef ds:uri="http://schemas.microsoft.com/office/infopath/2007/PartnerControls"/>
+    <ds:schemaRef ds:uri="http://schemas.openxmlformats.org/package/2006/metadata/core-properties"/>
+    <ds:schemaRef ds:uri="http://purl.org/dc/elements/1.1/"/>
+    <ds:schemaRef ds:uri="http://purl.org/dc/dcmitype/"/>
+    <ds:schemaRef ds:uri="5f30fe18-18b5-4c2d-8cb7-9ddc27a1765c"/>
+    <ds:schemaRef ds:uri="http://schemas.microsoft.com/office/2006/metadata/properties"/>
   </ds:schemaRefs>
 </ds:datastoreItem>
 </file>
@@ -9564,17 +9711,9 @@
 </file>
 
 <file path=customXml/itemProps3.xml><?xml version="1.0" encoding="utf-8"?>
-<ds:datastoreItem xmlns:ds="http://schemas.openxmlformats.org/officeDocument/2006/customXml" ds:itemID="{380E191F-8FEF-4E3B-8EB7-B5120927D100}">
+<ds:datastoreItem xmlns:ds="http://schemas.openxmlformats.org/officeDocument/2006/customXml" ds:itemID="{7F0378A7-269C-4778-9CF0-21CEC371B404}">
   <ds:schemaRefs>
-    <ds:schemaRef ds:uri="http://purl.org/dc/terms/"/>
-    <ds:schemaRef ds:uri="http://schemas.microsoft.com/office/2006/documentManagement/types"/>
-    <ds:schemaRef ds:uri="http://www.w3.org/XML/1998/namespace"/>
-    <ds:schemaRef ds:uri="http://schemas.microsoft.com/office/infopath/2007/PartnerControls"/>
-    <ds:schemaRef ds:uri="http://schemas.openxmlformats.org/package/2006/metadata/core-properties"/>
-    <ds:schemaRef ds:uri="http://purl.org/dc/elements/1.1/"/>
-    <ds:schemaRef ds:uri="http://purl.org/dc/dcmitype/"/>
-    <ds:schemaRef ds:uri="5f30fe18-18b5-4c2d-8cb7-9ddc27a1765c"/>
-    <ds:schemaRef ds:uri="http://schemas.microsoft.com/office/2006/metadata/properties"/>
+    <ds:schemaRef ds:uri="http://schemas.microsoft.com/sharepoint/events"/>
   </ds:schemaRefs>
 </ds:datastoreItem>
 </file>

--- a/AquaSol.pptx
+++ b/AquaSol.pptx
@@ -265,7 +265,7 @@
               <a:pPr>
                 <a:defRPr/>
               </a:pPr>
-              <a:t>7/12/2016</a:t>
+              <a:t>7/13/2016</a:t>
             </a:fld>
             <a:endParaRPr lang="en-US" dirty="0"/>
           </a:p>
@@ -471,7 +471,7 @@
               <a:pPr>
                 <a:defRPr/>
               </a:pPr>
-              <a:t>7/12/2016</a:t>
+              <a:t>7/13/2016</a:t>
             </a:fld>
             <a:endParaRPr lang="en-US" dirty="0"/>
           </a:p>
@@ -3796,7 +3796,7 @@
             <a:fld id="{91EB5F8D-ED4A-AC42-9755-F05BB20E37B9}" type="datetime1">
               <a:rPr lang="en-CA"/>
               <a:pPr/>
-              <a:t>12/07/2016</a:t>
+              <a:t>13/07/2016</a:t>
             </a:fld>
             <a:endParaRPr lang="en-CA" dirty="0"/>
           </a:p>
@@ -6599,7 +6599,7 @@
         <p:spPr>
           <a:xfrm>
             <a:off x="596742" y="1200150"/>
-            <a:ext cx="8018621" cy="676275"/>
+            <a:ext cx="8018621" cy="3095625"/>
           </a:xfrm>
         </p:spPr>
         <p:txBody>
@@ -6613,8 +6613,80 @@
                   <a:schemeClr val="tx1"/>
                 </a:solidFill>
               </a:rPr>
-              <a:t>Reducing Municipal Fresh Water OPEX</a:t>
-            </a:r>
+              <a:t>Reducing Municipal Fresh Water </a:t>
+            </a:r>
+            <a:r>
+              <a:rPr lang="en-CA" sz="2800" b="1" dirty="0" smtClean="0">
+                <a:solidFill>
+                  <a:schemeClr val="tx1"/>
+                </a:solidFill>
+              </a:rPr>
+              <a:t>OPEX</a:t>
+            </a:r>
+          </a:p>
+          <a:p>
+            <a:pPr algn="l"/>
+            <a:endParaRPr lang="en-CA" sz="2800" b="1" dirty="0">
+              <a:solidFill>
+                <a:schemeClr val="tx1"/>
+              </a:solidFill>
+            </a:endParaRPr>
+          </a:p>
+          <a:p>
+            <a:pPr algn="l"/>
+            <a:r>
+              <a:rPr lang="en-CA" sz="2800" dirty="0" smtClean="0">
+                <a:solidFill>
+                  <a:schemeClr val="tx1"/>
+                </a:solidFill>
+              </a:rPr>
+              <a:t>Smart City </a:t>
+            </a:r>
+            <a:r>
+              <a:rPr lang="en-CA" sz="2800" dirty="0" smtClean="0">
+                <a:solidFill>
+                  <a:schemeClr val="tx1"/>
+                </a:solidFill>
+              </a:rPr>
+              <a:t>&amp; </a:t>
+            </a:r>
+            <a:r>
+              <a:rPr lang="en-CA" sz="2800" dirty="0" err="1" smtClean="0">
+                <a:solidFill>
+                  <a:schemeClr val="tx1"/>
+                </a:solidFill>
+              </a:rPr>
+              <a:t>IoT</a:t>
+            </a:r>
+            <a:endParaRPr lang="en-CA" sz="2800" dirty="0" smtClean="0">
+              <a:solidFill>
+                <a:schemeClr val="tx1"/>
+              </a:solidFill>
+            </a:endParaRPr>
+          </a:p>
+          <a:p>
+            <a:pPr algn="l"/>
+            <a:endParaRPr lang="en-CA" sz="2800" dirty="0">
+              <a:solidFill>
+                <a:schemeClr val="tx1"/>
+              </a:solidFill>
+            </a:endParaRPr>
+          </a:p>
+          <a:p>
+            <a:pPr algn="l"/>
+            <a:r>
+              <a:rPr lang="en-CA" sz="2400" dirty="0" smtClean="0">
+                <a:solidFill>
+                  <a:schemeClr val="tx1"/>
+                </a:solidFill>
+              </a:rPr>
+              <a:t>Steven Shearer, Brian Fu, Jacky Lee, Robert Yuen</a:t>
+            </a:r>
+            <a:endParaRPr lang="en-CA" sz="2400" dirty="0">
+              <a:solidFill>
+                <a:schemeClr val="tx1"/>
+              </a:solidFill>
+            </a:endParaRPr>
           </a:p>
         </p:txBody>
       </p:sp>
@@ -6665,8 +6737,8 @@
         </p:nvSpPr>
         <p:spPr>
           <a:xfrm>
-            <a:off x="934880" y="4395917"/>
-            <a:ext cx="7342346" cy="441854"/>
+            <a:off x="596742" y="4817792"/>
+            <a:ext cx="7680484" cy="441854"/>
           </a:xfrm>
           <a:prstGeom prst="rect">
             <a:avLst/>
@@ -6842,23 +6914,7 @@
                   <a:schemeClr val="tx1"/>
                 </a:solidFill>
               </a:rPr>
-              <a:t> </a:t>
-            </a:r>
-            <a:r>
-              <a:rPr lang="en-CA" sz="2400" dirty="0" err="1" smtClean="0">
-                <a:solidFill>
-                  <a:schemeClr val="tx1"/>
-                </a:solidFill>
-              </a:rPr>
-              <a:t>openHack</a:t>
-            </a:r>
-            <a:r>
-              <a:rPr lang="en-CA" sz="2400" dirty="0" smtClean="0">
-                <a:solidFill>
-                  <a:schemeClr val="tx1"/>
-                </a:solidFill>
-              </a:rPr>
-              <a:t>: Vancouver  July 11 &amp; 12, 2016</a:t>
+              <a:t> {open}:hack - Vancouver  July 11 &amp; 12, 2016</a:t>
             </a:r>
             <a:endParaRPr lang="en-CA" sz="2400" dirty="0">
               <a:solidFill>
@@ -6945,8 +7001,34 @@
           <a:p>
             <a:r>
               <a:rPr lang="en-CA" dirty="0" smtClean="0"/>
-              <a:t>Municipalities purchase fresh water and distribute it to residents.  (Especially older) water distribution lines are susceptible to slow leaks – which is a gross waste of public funds.</a:t>
-            </a:r>
+              <a:t>Municipalities purchase fresh water and distribute it to residents.  (Especially older) water distribution lines are susceptible to slow leaks – which is a gross waste of public funds</a:t>
+            </a:r>
+            <a:r>
+              <a:rPr lang="en-CA" dirty="0" smtClean="0"/>
+              <a:t>.</a:t>
+            </a:r>
+          </a:p>
+          <a:p>
+            <a:endParaRPr lang="en-CA" dirty="0"/>
+          </a:p>
+          <a:p>
+            <a:r>
+              <a:rPr lang="en-CA" dirty="0" smtClean="0"/>
+              <a:t>Recommended sales/</a:t>
+            </a:r>
+            <a:r>
+              <a:rPr lang="en-CA" dirty="0" smtClean="0"/>
+              <a:t>implementation</a:t>
+            </a:r>
+            <a:r>
+              <a:rPr lang="en-CA" dirty="0" smtClean="0"/>
+              <a:t> approac</a:t>
+            </a:r>
+            <a:r>
+              <a:rPr lang="en-CA" dirty="0" smtClean="0"/>
+              <a:t>h is to start on North American east coast, and/or Europe.</a:t>
+            </a:r>
+            <a:endParaRPr lang="en-CA" dirty="0" smtClean="0"/>
           </a:p>
           <a:p>
             <a:endParaRPr lang="en-CA" dirty="0" smtClean="0"/>
@@ -6996,6 +7078,13 @@
   <p:clrMapOvr>
     <a:masterClrMapping/>
   </p:clrMapOvr>
+  <p:timing>
+    <p:tnLst>
+      <p:par>
+        <p:cTn id="1" dur="indefinite" restart="never" nodeType="tmRoot"/>
+      </p:par>
+    </p:tnLst>
+  </p:timing>
 </p:sld>
 </file>
 
@@ -7168,6 +7257,13 @@
   <p:clrMapOvr>
     <a:masterClrMapping/>
   </p:clrMapOvr>
+  <p:timing>
+    <p:tnLst>
+      <p:par>
+        <p:cTn id="1" dur="indefinite" restart="never" nodeType="tmRoot"/>
+      </p:par>
+    </p:tnLst>
+  </p:timing>
 </p:sld>
 </file>
 

--- a/AquaSol.pptx
+++ b/AquaSol.pptx
@@ -6,17 +6,19 @@
     <p:sldMasterId id="2147483743" r:id="rId6"/>
   </p:sldMasterIdLst>
   <p:notesMasterIdLst>
-    <p:notesMasterId r:id="rId12"/>
+    <p:notesMasterId r:id="rId14"/>
   </p:notesMasterIdLst>
   <p:handoutMasterIdLst>
-    <p:handoutMasterId r:id="rId13"/>
+    <p:handoutMasterId r:id="rId15"/>
   </p:handoutMasterIdLst>
   <p:sldIdLst>
     <p:sldId id="275" r:id="rId7"/>
     <p:sldId id="354" r:id="rId8"/>
     <p:sldId id="355" r:id="rId9"/>
     <p:sldId id="356" r:id="rId10"/>
-    <p:sldId id="357" r:id="rId11"/>
+    <p:sldId id="359" r:id="rId11"/>
+    <p:sldId id="357" r:id="rId12"/>
+    <p:sldId id="358" r:id="rId13"/>
   </p:sldIdLst>
   <p:sldSz cx="9144000" cy="5715000" type="screen16x10"/>
   <p:notesSz cx="6858000" cy="9144000"/>
@@ -154,13 +156,3395 @@
             <p14:sldId id="354"/>
             <p14:sldId id="355"/>
             <p14:sldId id="356"/>
+            <p14:sldId id="359"/>
             <p14:sldId id="357"/>
+            <p14:sldId id="358"/>
           </p14:sldIdLst>
         </p14:section>
       </p14:sectionLst>
     </p:ext>
   </p:extLst>
 </p:presentation>
+</file>
+
+<file path=ppt/diagrams/colors1.xml><?xml version="1.0" encoding="utf-8"?>
+<dgm:colorsDef xmlns:dgm="http://schemas.openxmlformats.org/drawingml/2006/diagram" xmlns:a="http://schemas.openxmlformats.org/drawingml/2006/main" uniqueId="urn:microsoft.com/office/officeart/2005/8/colors/accent1_2">
+  <dgm:title val=""/>
+  <dgm:desc val=""/>
+  <dgm:catLst>
+    <dgm:cat type="accent1" pri="11200"/>
+  </dgm:catLst>
+  <dgm:styleLbl name="node0">
+    <dgm:fillClrLst meth="repeat">
+      <a:schemeClr val="accent1"/>
+    </dgm:fillClrLst>
+    <dgm:linClrLst meth="repeat">
+      <a:schemeClr val="lt1"/>
+    </dgm:linClrLst>
+    <dgm:effectClrLst/>
+    <dgm:txLinClrLst/>
+    <dgm:txFillClrLst/>
+    <dgm:txEffectClrLst/>
+  </dgm:styleLbl>
+  <dgm:styleLbl name="alignNode1">
+    <dgm:fillClrLst meth="repeat">
+      <a:schemeClr val="accent1"/>
+    </dgm:fillClrLst>
+    <dgm:linClrLst meth="repeat">
+      <a:schemeClr val="accent1"/>
+    </dgm:linClrLst>
+    <dgm:effectClrLst/>
+    <dgm:txLinClrLst/>
+    <dgm:txFillClrLst/>
+    <dgm:txEffectClrLst/>
+  </dgm:styleLbl>
+  <dgm:styleLbl name="node1">
+    <dgm:fillClrLst meth="repeat">
+      <a:schemeClr val="accent1"/>
+    </dgm:fillClrLst>
+    <dgm:linClrLst meth="repeat">
+      <a:schemeClr val="lt1"/>
+    </dgm:linClrLst>
+    <dgm:effectClrLst/>
+    <dgm:txLinClrLst/>
+    <dgm:txFillClrLst/>
+    <dgm:txEffectClrLst/>
+  </dgm:styleLbl>
+  <dgm:styleLbl name="lnNode1">
+    <dgm:fillClrLst meth="repeat">
+      <a:schemeClr val="accent1"/>
+    </dgm:fillClrLst>
+    <dgm:linClrLst meth="repeat">
+      <a:schemeClr val="lt1"/>
+    </dgm:linClrLst>
+    <dgm:effectClrLst/>
+    <dgm:txLinClrLst/>
+    <dgm:txFillClrLst/>
+    <dgm:txEffectClrLst/>
+  </dgm:styleLbl>
+  <dgm:styleLbl name="vennNode1">
+    <dgm:fillClrLst meth="repeat">
+      <a:schemeClr val="accent1">
+        <a:alpha val="50000"/>
+      </a:schemeClr>
+    </dgm:fillClrLst>
+    <dgm:linClrLst meth="repeat">
+      <a:schemeClr val="lt1"/>
+    </dgm:linClrLst>
+    <dgm:effectClrLst/>
+    <dgm:txLinClrLst/>
+    <dgm:txFillClrLst/>
+    <dgm:txEffectClrLst/>
+  </dgm:styleLbl>
+  <dgm:styleLbl name="node2">
+    <dgm:fillClrLst meth="repeat">
+      <a:schemeClr val="accent1"/>
+    </dgm:fillClrLst>
+    <dgm:linClrLst meth="repeat">
+      <a:schemeClr val="lt1"/>
+    </dgm:linClrLst>
+    <dgm:effectClrLst/>
+    <dgm:txLinClrLst/>
+    <dgm:txFillClrLst/>
+    <dgm:txEffectClrLst/>
+  </dgm:styleLbl>
+  <dgm:styleLbl name="node3">
+    <dgm:fillClrLst meth="repeat">
+      <a:schemeClr val="accent1"/>
+    </dgm:fillClrLst>
+    <dgm:linClrLst meth="repeat">
+      <a:schemeClr val="lt1"/>
+    </dgm:linClrLst>
+    <dgm:effectClrLst/>
+    <dgm:txLinClrLst/>
+    <dgm:txFillClrLst/>
+    <dgm:txEffectClrLst/>
+  </dgm:styleLbl>
+  <dgm:styleLbl name="node4">
+    <dgm:fillClrLst meth="repeat">
+      <a:schemeClr val="accent1"/>
+    </dgm:fillClrLst>
+    <dgm:linClrLst meth="repeat">
+      <a:schemeClr val="lt1"/>
+    </dgm:linClrLst>
+    <dgm:effectClrLst/>
+    <dgm:txLinClrLst/>
+    <dgm:txFillClrLst/>
+    <dgm:txEffectClrLst/>
+  </dgm:styleLbl>
+  <dgm:styleLbl name="fgImgPlace1">
+    <dgm:fillClrLst meth="repeat">
+      <a:schemeClr val="accent1">
+        <a:tint val="50000"/>
+      </a:schemeClr>
+    </dgm:fillClrLst>
+    <dgm:linClrLst meth="repeat">
+      <a:schemeClr val="lt1"/>
+    </dgm:linClrLst>
+    <dgm:effectClrLst/>
+    <dgm:txLinClrLst/>
+    <dgm:txFillClrLst meth="repeat">
+      <a:schemeClr val="lt1"/>
+    </dgm:txFillClrLst>
+    <dgm:txEffectClrLst/>
+  </dgm:styleLbl>
+  <dgm:styleLbl name="alignImgPlace1">
+    <dgm:fillClrLst meth="repeat">
+      <a:schemeClr val="accent1">
+        <a:tint val="50000"/>
+      </a:schemeClr>
+    </dgm:fillClrLst>
+    <dgm:linClrLst meth="repeat">
+      <a:schemeClr val="lt1"/>
+    </dgm:linClrLst>
+    <dgm:effectClrLst/>
+    <dgm:txLinClrLst/>
+    <dgm:txFillClrLst meth="repeat">
+      <a:schemeClr val="lt1"/>
+    </dgm:txFillClrLst>
+    <dgm:txEffectClrLst/>
+  </dgm:styleLbl>
+  <dgm:styleLbl name="bgImgPlace1">
+    <dgm:fillClrLst meth="repeat">
+      <a:schemeClr val="accent1">
+        <a:tint val="50000"/>
+      </a:schemeClr>
+    </dgm:fillClrLst>
+    <dgm:linClrLst meth="repeat">
+      <a:schemeClr val="lt1"/>
+    </dgm:linClrLst>
+    <dgm:effectClrLst/>
+    <dgm:txLinClrLst/>
+    <dgm:txFillClrLst meth="repeat">
+      <a:schemeClr val="lt1"/>
+    </dgm:txFillClrLst>
+    <dgm:txEffectClrLst/>
+  </dgm:styleLbl>
+  <dgm:styleLbl name="sibTrans2D1">
+    <dgm:fillClrLst meth="repeat">
+      <a:schemeClr val="accent1">
+        <a:tint val="60000"/>
+      </a:schemeClr>
+    </dgm:fillClrLst>
+    <dgm:linClrLst meth="repeat">
+      <a:schemeClr val="accent1">
+        <a:tint val="60000"/>
+      </a:schemeClr>
+    </dgm:linClrLst>
+    <dgm:effectClrLst/>
+    <dgm:txLinClrLst/>
+    <dgm:txFillClrLst/>
+    <dgm:txEffectClrLst/>
+  </dgm:styleLbl>
+  <dgm:styleLbl name="fgSibTrans2D1">
+    <dgm:fillClrLst meth="repeat">
+      <a:schemeClr val="accent1">
+        <a:tint val="60000"/>
+      </a:schemeClr>
+    </dgm:fillClrLst>
+    <dgm:linClrLst meth="repeat">
+      <a:schemeClr val="accent1">
+        <a:tint val="60000"/>
+      </a:schemeClr>
+    </dgm:linClrLst>
+    <dgm:effectClrLst/>
+    <dgm:txLinClrLst/>
+    <dgm:txFillClrLst/>
+    <dgm:txEffectClrLst/>
+  </dgm:styleLbl>
+  <dgm:styleLbl name="bgSibTrans2D1">
+    <dgm:fillClrLst meth="repeat">
+      <a:schemeClr val="accent1">
+        <a:tint val="60000"/>
+      </a:schemeClr>
+    </dgm:fillClrLst>
+    <dgm:linClrLst meth="repeat">
+      <a:schemeClr val="accent1">
+        <a:tint val="60000"/>
+      </a:schemeClr>
+    </dgm:linClrLst>
+    <dgm:effectClrLst/>
+    <dgm:txLinClrLst/>
+    <dgm:txFillClrLst/>
+    <dgm:txEffectClrLst/>
+  </dgm:styleLbl>
+  <dgm:styleLbl name="sibTrans1D1">
+    <dgm:fillClrLst meth="repeat">
+      <a:schemeClr val="accent1"/>
+    </dgm:fillClrLst>
+    <dgm:linClrLst meth="repeat">
+      <a:schemeClr val="accent1"/>
+    </dgm:linClrLst>
+    <dgm:effectClrLst/>
+    <dgm:txLinClrLst/>
+    <dgm:txFillClrLst meth="repeat">
+      <a:schemeClr val="tx1"/>
+    </dgm:txFillClrLst>
+    <dgm:txEffectClrLst/>
+  </dgm:styleLbl>
+  <dgm:styleLbl name="callout">
+    <dgm:fillClrLst meth="repeat">
+      <a:schemeClr val="accent1"/>
+    </dgm:fillClrLst>
+    <dgm:linClrLst meth="repeat">
+      <a:schemeClr val="accent1">
+        <a:tint val="50000"/>
+      </a:schemeClr>
+    </dgm:linClrLst>
+    <dgm:effectClrLst/>
+    <dgm:txLinClrLst/>
+    <dgm:txFillClrLst meth="repeat">
+      <a:schemeClr val="tx1"/>
+    </dgm:txFillClrLst>
+    <dgm:txEffectClrLst/>
+  </dgm:styleLbl>
+  <dgm:styleLbl name="asst0">
+    <dgm:fillClrLst meth="repeat">
+      <a:schemeClr val="accent1"/>
+    </dgm:fillClrLst>
+    <dgm:linClrLst meth="repeat">
+      <a:schemeClr val="lt1"/>
+    </dgm:linClrLst>
+    <dgm:effectClrLst/>
+    <dgm:txLinClrLst/>
+    <dgm:txFillClrLst/>
+    <dgm:txEffectClrLst/>
+  </dgm:styleLbl>
+  <dgm:styleLbl name="asst1">
+    <dgm:fillClrLst meth="repeat">
+      <a:schemeClr val="accent1"/>
+    </dgm:fillClrLst>
+    <dgm:linClrLst meth="repeat">
+      <a:schemeClr val="lt1"/>
+    </dgm:linClrLst>
+    <dgm:effectClrLst/>
+    <dgm:txLinClrLst/>
+    <dgm:txFillClrLst/>
+    <dgm:txEffectClrLst/>
+  </dgm:styleLbl>
+  <dgm:styleLbl name="asst2">
+    <dgm:fillClrLst meth="repeat">
+      <a:schemeClr val="accent1"/>
+    </dgm:fillClrLst>
+    <dgm:linClrLst meth="repeat">
+      <a:schemeClr val="lt1"/>
+    </dgm:linClrLst>
+    <dgm:effectClrLst/>
+    <dgm:txLinClrLst/>
+    <dgm:txFillClrLst/>
+    <dgm:txEffectClrLst/>
+  </dgm:styleLbl>
+  <dgm:styleLbl name="asst3">
+    <dgm:fillClrLst meth="repeat">
+      <a:schemeClr val="accent1"/>
+    </dgm:fillClrLst>
+    <dgm:linClrLst meth="repeat">
+      <a:schemeClr val="lt1"/>
+    </dgm:linClrLst>
+    <dgm:effectClrLst/>
+    <dgm:txLinClrLst/>
+    <dgm:txFillClrLst/>
+    <dgm:txEffectClrLst/>
+  </dgm:styleLbl>
+  <dgm:styleLbl name="asst4">
+    <dgm:fillClrLst meth="repeat">
+      <a:schemeClr val="accent1"/>
+    </dgm:fillClrLst>
+    <dgm:linClrLst meth="repeat">
+      <a:schemeClr val="lt1"/>
+    </dgm:linClrLst>
+    <dgm:effectClrLst/>
+    <dgm:txLinClrLst/>
+    <dgm:txFillClrLst/>
+    <dgm:txEffectClrLst/>
+  </dgm:styleLbl>
+  <dgm:styleLbl name="parChTrans2D1">
+    <dgm:fillClrLst meth="repeat">
+      <a:schemeClr val="accent1">
+        <a:tint val="60000"/>
+      </a:schemeClr>
+    </dgm:fillClrLst>
+    <dgm:linClrLst meth="repeat">
+      <a:schemeClr val="accent1">
+        <a:tint val="60000"/>
+      </a:schemeClr>
+    </dgm:linClrLst>
+    <dgm:effectClrLst/>
+    <dgm:txLinClrLst/>
+    <dgm:txFillClrLst meth="repeat">
+      <a:schemeClr val="lt1"/>
+    </dgm:txFillClrLst>
+    <dgm:txEffectClrLst/>
+  </dgm:styleLbl>
+  <dgm:styleLbl name="parChTrans2D2">
+    <dgm:fillClrLst meth="repeat">
+      <a:schemeClr val="accent1"/>
+    </dgm:fillClrLst>
+    <dgm:linClrLst meth="repeat">
+      <a:schemeClr val="accent1"/>
+    </dgm:linClrLst>
+    <dgm:effectClrLst/>
+    <dgm:txLinClrLst/>
+    <dgm:txFillClrLst meth="repeat">
+      <a:schemeClr val="lt1"/>
+    </dgm:txFillClrLst>
+    <dgm:txEffectClrLst/>
+  </dgm:styleLbl>
+  <dgm:styleLbl name="parChTrans2D3">
+    <dgm:fillClrLst meth="repeat">
+      <a:schemeClr val="accent1"/>
+    </dgm:fillClrLst>
+    <dgm:linClrLst meth="repeat">
+      <a:schemeClr val="accent1"/>
+    </dgm:linClrLst>
+    <dgm:effectClrLst/>
+    <dgm:txLinClrLst/>
+    <dgm:txFillClrLst meth="repeat">
+      <a:schemeClr val="lt1"/>
+    </dgm:txFillClrLst>
+    <dgm:txEffectClrLst/>
+  </dgm:styleLbl>
+  <dgm:styleLbl name="parChTrans2D4">
+    <dgm:fillClrLst meth="repeat">
+      <a:schemeClr val="accent1"/>
+    </dgm:fillClrLst>
+    <dgm:linClrLst meth="repeat">
+      <a:schemeClr val="accent1"/>
+    </dgm:linClrLst>
+    <dgm:effectClrLst/>
+    <dgm:txLinClrLst/>
+    <dgm:txFillClrLst meth="repeat">
+      <a:schemeClr val="lt1"/>
+    </dgm:txFillClrLst>
+    <dgm:txEffectClrLst/>
+  </dgm:styleLbl>
+  <dgm:styleLbl name="parChTrans1D1">
+    <dgm:fillClrLst meth="repeat">
+      <a:schemeClr val="accent1"/>
+    </dgm:fillClrLst>
+    <dgm:linClrLst meth="repeat">
+      <a:schemeClr val="accent1">
+        <a:shade val="60000"/>
+      </a:schemeClr>
+    </dgm:linClrLst>
+    <dgm:effectClrLst/>
+    <dgm:txLinClrLst/>
+    <dgm:txFillClrLst meth="repeat">
+      <a:schemeClr val="tx1"/>
+    </dgm:txFillClrLst>
+    <dgm:txEffectClrLst/>
+  </dgm:styleLbl>
+  <dgm:styleLbl name="parChTrans1D2">
+    <dgm:fillClrLst meth="repeat">
+      <a:schemeClr val="accent1"/>
+    </dgm:fillClrLst>
+    <dgm:linClrLst meth="repeat">
+      <a:schemeClr val="accent1">
+        <a:shade val="60000"/>
+      </a:schemeClr>
+    </dgm:linClrLst>
+    <dgm:effectClrLst/>
+    <dgm:txLinClrLst/>
+    <dgm:txFillClrLst meth="repeat">
+      <a:schemeClr val="tx1"/>
+    </dgm:txFillClrLst>
+    <dgm:txEffectClrLst/>
+  </dgm:styleLbl>
+  <dgm:styleLbl name="parChTrans1D3">
+    <dgm:fillClrLst meth="repeat">
+      <a:schemeClr val="accent1"/>
+    </dgm:fillClrLst>
+    <dgm:linClrLst meth="repeat">
+      <a:schemeClr val="accent1">
+        <a:shade val="80000"/>
+      </a:schemeClr>
+    </dgm:linClrLst>
+    <dgm:effectClrLst/>
+    <dgm:txLinClrLst/>
+    <dgm:txFillClrLst meth="repeat">
+      <a:schemeClr val="tx1"/>
+    </dgm:txFillClrLst>
+    <dgm:txEffectClrLst/>
+  </dgm:styleLbl>
+  <dgm:styleLbl name="parChTrans1D4">
+    <dgm:fillClrLst meth="repeat">
+      <a:schemeClr val="accent1"/>
+    </dgm:fillClrLst>
+    <dgm:linClrLst meth="repeat">
+      <a:schemeClr val="accent1">
+        <a:shade val="80000"/>
+      </a:schemeClr>
+    </dgm:linClrLst>
+    <dgm:effectClrLst/>
+    <dgm:txLinClrLst/>
+    <dgm:txFillClrLst meth="repeat">
+      <a:schemeClr val="tx1"/>
+    </dgm:txFillClrLst>
+    <dgm:txEffectClrLst/>
+  </dgm:styleLbl>
+  <dgm:styleLbl name="fgAcc1">
+    <dgm:fillClrLst meth="repeat">
+      <a:schemeClr val="lt1">
+        <a:alpha val="90000"/>
+      </a:schemeClr>
+    </dgm:fillClrLst>
+    <dgm:linClrLst meth="repeat">
+      <a:schemeClr val="accent1"/>
+    </dgm:linClrLst>
+    <dgm:effectClrLst/>
+    <dgm:txLinClrLst/>
+    <dgm:txFillClrLst meth="repeat">
+      <a:schemeClr val="dk1"/>
+    </dgm:txFillClrLst>
+    <dgm:txEffectClrLst/>
+  </dgm:styleLbl>
+  <dgm:styleLbl name="conFgAcc1">
+    <dgm:fillClrLst meth="repeat">
+      <a:schemeClr val="lt1">
+        <a:alpha val="90000"/>
+      </a:schemeClr>
+    </dgm:fillClrLst>
+    <dgm:linClrLst meth="repeat">
+      <a:schemeClr val="accent1"/>
+    </dgm:linClrLst>
+    <dgm:effectClrLst/>
+    <dgm:txLinClrLst/>
+    <dgm:txFillClrLst meth="repeat">
+      <a:schemeClr val="dk1"/>
+    </dgm:txFillClrLst>
+    <dgm:txEffectClrLst/>
+  </dgm:styleLbl>
+  <dgm:styleLbl name="alignAcc1">
+    <dgm:fillClrLst meth="repeat">
+      <a:schemeClr val="lt1">
+        <a:alpha val="90000"/>
+      </a:schemeClr>
+    </dgm:fillClrLst>
+    <dgm:linClrLst meth="repeat">
+      <a:schemeClr val="accent1"/>
+    </dgm:linClrLst>
+    <dgm:effectClrLst/>
+    <dgm:txLinClrLst/>
+    <dgm:txFillClrLst meth="repeat">
+      <a:schemeClr val="dk1"/>
+    </dgm:txFillClrLst>
+    <dgm:txEffectClrLst/>
+  </dgm:styleLbl>
+  <dgm:styleLbl name="trAlignAcc1">
+    <dgm:fillClrLst meth="repeat">
+      <a:schemeClr val="lt1">
+        <a:alpha val="40000"/>
+      </a:schemeClr>
+    </dgm:fillClrLst>
+    <dgm:linClrLst meth="repeat">
+      <a:schemeClr val="accent1"/>
+    </dgm:linClrLst>
+    <dgm:effectClrLst/>
+    <dgm:txLinClrLst/>
+    <dgm:txFillClrLst meth="repeat">
+      <a:schemeClr val="dk1"/>
+    </dgm:txFillClrLst>
+    <dgm:txEffectClrLst/>
+  </dgm:styleLbl>
+  <dgm:styleLbl name="bgAcc1">
+    <dgm:fillClrLst meth="repeat">
+      <a:schemeClr val="lt1">
+        <a:alpha val="90000"/>
+      </a:schemeClr>
+    </dgm:fillClrLst>
+    <dgm:linClrLst meth="repeat">
+      <a:schemeClr val="accent1"/>
+    </dgm:linClrLst>
+    <dgm:effectClrLst/>
+    <dgm:txLinClrLst/>
+    <dgm:txFillClrLst meth="repeat">
+      <a:schemeClr val="dk1"/>
+    </dgm:txFillClrLst>
+    <dgm:txEffectClrLst/>
+  </dgm:styleLbl>
+  <dgm:styleLbl name="solidFgAcc1">
+    <dgm:fillClrLst meth="repeat">
+      <a:schemeClr val="lt1"/>
+    </dgm:fillClrLst>
+    <dgm:linClrLst meth="repeat">
+      <a:schemeClr val="accent1"/>
+    </dgm:linClrLst>
+    <dgm:effectClrLst/>
+    <dgm:txLinClrLst/>
+    <dgm:txFillClrLst meth="repeat">
+      <a:schemeClr val="dk1"/>
+    </dgm:txFillClrLst>
+    <dgm:txEffectClrLst/>
+  </dgm:styleLbl>
+  <dgm:styleLbl name="solidAlignAcc1">
+    <dgm:fillClrLst meth="repeat">
+      <a:schemeClr val="lt1"/>
+    </dgm:fillClrLst>
+    <dgm:linClrLst meth="repeat">
+      <a:schemeClr val="accent1"/>
+    </dgm:linClrLst>
+    <dgm:effectClrLst/>
+    <dgm:txLinClrLst/>
+    <dgm:txFillClrLst meth="repeat">
+      <a:schemeClr val="dk1"/>
+    </dgm:txFillClrLst>
+    <dgm:txEffectClrLst/>
+  </dgm:styleLbl>
+  <dgm:styleLbl name="solidBgAcc1">
+    <dgm:fillClrLst meth="repeat">
+      <a:schemeClr val="lt1"/>
+    </dgm:fillClrLst>
+    <dgm:linClrLst meth="repeat">
+      <a:schemeClr val="accent1"/>
+    </dgm:linClrLst>
+    <dgm:effectClrLst/>
+    <dgm:txLinClrLst/>
+    <dgm:txFillClrLst meth="repeat">
+      <a:schemeClr val="dk1"/>
+    </dgm:txFillClrLst>
+    <dgm:txEffectClrLst/>
+  </dgm:styleLbl>
+  <dgm:styleLbl name="fgAccFollowNode1">
+    <dgm:fillClrLst meth="repeat">
+      <a:schemeClr val="accent1">
+        <a:alpha val="90000"/>
+        <a:tint val="40000"/>
+      </a:schemeClr>
+    </dgm:fillClrLst>
+    <dgm:linClrLst meth="repeat">
+      <a:schemeClr val="accent1">
+        <a:alpha val="90000"/>
+        <a:tint val="40000"/>
+      </a:schemeClr>
+    </dgm:linClrLst>
+    <dgm:effectClrLst/>
+    <dgm:txLinClrLst/>
+    <dgm:txFillClrLst meth="repeat">
+      <a:schemeClr val="dk1"/>
+    </dgm:txFillClrLst>
+    <dgm:txEffectClrLst/>
+  </dgm:styleLbl>
+  <dgm:styleLbl name="alignAccFollowNode1">
+    <dgm:fillClrLst meth="repeat">
+      <a:schemeClr val="accent1">
+        <a:alpha val="90000"/>
+        <a:tint val="40000"/>
+      </a:schemeClr>
+    </dgm:fillClrLst>
+    <dgm:linClrLst meth="repeat">
+      <a:schemeClr val="accent1">
+        <a:alpha val="90000"/>
+        <a:tint val="40000"/>
+      </a:schemeClr>
+    </dgm:linClrLst>
+    <dgm:effectClrLst/>
+    <dgm:txLinClrLst/>
+    <dgm:txFillClrLst meth="repeat">
+      <a:schemeClr val="dk1"/>
+    </dgm:txFillClrLst>
+    <dgm:txEffectClrLst/>
+  </dgm:styleLbl>
+  <dgm:styleLbl name="bgAccFollowNode1">
+    <dgm:fillClrLst meth="repeat">
+      <a:schemeClr val="accent1">
+        <a:alpha val="90000"/>
+        <a:tint val="40000"/>
+      </a:schemeClr>
+    </dgm:fillClrLst>
+    <dgm:linClrLst meth="repeat">
+      <a:schemeClr val="accent1">
+        <a:alpha val="90000"/>
+        <a:tint val="40000"/>
+      </a:schemeClr>
+    </dgm:linClrLst>
+    <dgm:effectClrLst/>
+    <dgm:txLinClrLst/>
+    <dgm:txFillClrLst meth="repeat">
+      <a:schemeClr val="dk1"/>
+    </dgm:txFillClrLst>
+    <dgm:txEffectClrLst/>
+  </dgm:styleLbl>
+  <dgm:styleLbl name="fgAcc0">
+    <dgm:fillClrLst meth="repeat">
+      <a:schemeClr val="lt1">
+        <a:alpha val="90000"/>
+      </a:schemeClr>
+    </dgm:fillClrLst>
+    <dgm:linClrLst meth="repeat">
+      <a:schemeClr val="accent1"/>
+    </dgm:linClrLst>
+    <dgm:effectClrLst/>
+    <dgm:txLinClrLst/>
+    <dgm:txFillClrLst meth="repeat">
+      <a:schemeClr val="dk1"/>
+    </dgm:txFillClrLst>
+    <dgm:txEffectClrLst/>
+  </dgm:styleLbl>
+  <dgm:styleLbl name="fgAcc2">
+    <dgm:fillClrLst meth="repeat">
+      <a:schemeClr val="lt1">
+        <a:alpha val="90000"/>
+      </a:schemeClr>
+    </dgm:fillClrLst>
+    <dgm:linClrLst meth="repeat">
+      <a:schemeClr val="accent1"/>
+    </dgm:linClrLst>
+    <dgm:effectClrLst/>
+    <dgm:txLinClrLst/>
+    <dgm:txFillClrLst meth="repeat">
+      <a:schemeClr val="dk1"/>
+    </dgm:txFillClrLst>
+    <dgm:txEffectClrLst/>
+  </dgm:styleLbl>
+  <dgm:styleLbl name="fgAcc3">
+    <dgm:fillClrLst meth="repeat">
+      <a:schemeClr val="lt1">
+        <a:alpha val="90000"/>
+      </a:schemeClr>
+    </dgm:fillClrLst>
+    <dgm:linClrLst meth="repeat">
+      <a:schemeClr val="accent1"/>
+    </dgm:linClrLst>
+    <dgm:effectClrLst/>
+    <dgm:txLinClrLst/>
+    <dgm:txFillClrLst meth="repeat">
+      <a:schemeClr val="dk1"/>
+    </dgm:txFillClrLst>
+    <dgm:txEffectClrLst/>
+  </dgm:styleLbl>
+  <dgm:styleLbl name="fgAcc4">
+    <dgm:fillClrLst meth="repeat">
+      <a:schemeClr val="lt1">
+        <a:alpha val="90000"/>
+      </a:schemeClr>
+    </dgm:fillClrLst>
+    <dgm:linClrLst meth="repeat">
+      <a:schemeClr val="accent1"/>
+    </dgm:linClrLst>
+    <dgm:effectClrLst/>
+    <dgm:txLinClrLst/>
+    <dgm:txFillClrLst meth="repeat">
+      <a:schemeClr val="dk1"/>
+    </dgm:txFillClrLst>
+    <dgm:txEffectClrLst/>
+  </dgm:styleLbl>
+  <dgm:styleLbl name="bgShp">
+    <dgm:fillClrLst meth="repeat">
+      <a:schemeClr val="accent1">
+        <a:tint val="40000"/>
+      </a:schemeClr>
+    </dgm:fillClrLst>
+    <dgm:linClrLst meth="repeat">
+      <a:schemeClr val="accent1"/>
+    </dgm:linClrLst>
+    <dgm:effectClrLst/>
+    <dgm:txLinClrLst/>
+    <dgm:txFillClrLst meth="repeat">
+      <a:schemeClr val="dk1"/>
+    </dgm:txFillClrLst>
+    <dgm:txEffectClrLst/>
+  </dgm:styleLbl>
+  <dgm:styleLbl name="dkBgShp">
+    <dgm:fillClrLst meth="repeat">
+      <a:schemeClr val="accent1">
+        <a:shade val="80000"/>
+      </a:schemeClr>
+    </dgm:fillClrLst>
+    <dgm:linClrLst meth="repeat">
+      <a:schemeClr val="accent1"/>
+    </dgm:linClrLst>
+    <dgm:effectClrLst/>
+    <dgm:txLinClrLst/>
+    <dgm:txFillClrLst meth="repeat">
+      <a:schemeClr val="lt1"/>
+    </dgm:txFillClrLst>
+    <dgm:txEffectClrLst/>
+  </dgm:styleLbl>
+  <dgm:styleLbl name="trBgShp">
+    <dgm:fillClrLst meth="repeat">
+      <a:schemeClr val="accent1">
+        <a:tint val="50000"/>
+        <a:alpha val="40000"/>
+      </a:schemeClr>
+    </dgm:fillClrLst>
+    <dgm:linClrLst meth="repeat">
+      <a:schemeClr val="accent1"/>
+    </dgm:linClrLst>
+    <dgm:effectClrLst/>
+    <dgm:txLinClrLst/>
+    <dgm:txFillClrLst meth="repeat">
+      <a:schemeClr val="lt1"/>
+    </dgm:txFillClrLst>
+    <dgm:txEffectClrLst/>
+  </dgm:styleLbl>
+  <dgm:styleLbl name="fgShp">
+    <dgm:fillClrLst meth="repeat">
+      <a:schemeClr val="accent1">
+        <a:tint val="60000"/>
+      </a:schemeClr>
+    </dgm:fillClrLst>
+    <dgm:linClrLst meth="repeat">
+      <a:schemeClr val="lt1"/>
+    </dgm:linClrLst>
+    <dgm:effectClrLst/>
+    <dgm:txLinClrLst/>
+    <dgm:txFillClrLst meth="repeat">
+      <a:schemeClr val="dk1"/>
+    </dgm:txFillClrLst>
+    <dgm:txEffectClrLst/>
+  </dgm:styleLbl>
+  <dgm:styleLbl name="revTx">
+    <dgm:fillClrLst meth="repeat">
+      <a:schemeClr val="lt1">
+        <a:alpha val="0"/>
+      </a:schemeClr>
+    </dgm:fillClrLst>
+    <dgm:linClrLst meth="repeat">
+      <a:schemeClr val="dk1">
+        <a:alpha val="0"/>
+      </a:schemeClr>
+    </dgm:linClrLst>
+    <dgm:effectClrLst/>
+    <dgm:txLinClrLst/>
+    <dgm:txFillClrLst meth="repeat">
+      <a:schemeClr val="tx1"/>
+    </dgm:txFillClrLst>
+    <dgm:txEffectClrLst/>
+  </dgm:styleLbl>
+</dgm:colorsDef>
+</file>
+
+<file path=ppt/diagrams/data1.xml><?xml version="1.0" encoding="utf-8"?>
+<dgm:dataModel xmlns:dgm="http://schemas.openxmlformats.org/drawingml/2006/diagram" xmlns:a="http://schemas.openxmlformats.org/drawingml/2006/main">
+  <dgm:ptLst>
+    <dgm:pt modelId="{53E154C2-CB2C-426C-B682-B16BD4B77059}" type="doc">
+      <dgm:prSet loTypeId="urn:microsoft.com/office/officeart/2005/8/layout/process1" loCatId="process" qsTypeId="urn:microsoft.com/office/officeart/2005/8/quickstyle/simple1" qsCatId="simple" csTypeId="urn:microsoft.com/office/officeart/2005/8/colors/accent1_2" csCatId="accent1" phldr="1"/>
+      <dgm:spPr/>
+    </dgm:pt>
+    <dgm:pt modelId="{085DC0ED-B0C4-4B7B-99DD-4EAE5241B057}">
+      <dgm:prSet phldrT="[Text]"/>
+      <dgm:spPr/>
+      <dgm:t>
+        <a:bodyPr/>
+        <a:lstStyle/>
+        <a:p>
+          <a:r>
+            <a:rPr lang="en-CA" dirty="0" smtClean="0"/>
+            <a:t>Get Property &amp; Water Meter  Detail</a:t>
+          </a:r>
+          <a:endParaRPr lang="en-CA" dirty="0"/>
+        </a:p>
+      </dgm:t>
+    </dgm:pt>
+    <dgm:pt modelId="{3E8C8F7D-6B50-4C35-B0B5-77BAE2453CEF}" type="parTrans" cxnId="{365CB130-DA35-46D4-902E-87D0B74753DE}">
+      <dgm:prSet/>
+      <dgm:spPr/>
+      <dgm:t>
+        <a:bodyPr/>
+        <a:lstStyle/>
+        <a:p>
+          <a:endParaRPr lang="en-CA"/>
+        </a:p>
+      </dgm:t>
+    </dgm:pt>
+    <dgm:pt modelId="{F3F5052F-3ECA-4AB0-B283-B686AEDF8520}" type="sibTrans" cxnId="{365CB130-DA35-46D4-902E-87D0B74753DE}">
+      <dgm:prSet/>
+      <dgm:spPr/>
+      <dgm:t>
+        <a:bodyPr/>
+        <a:lstStyle/>
+        <a:p>
+          <a:endParaRPr lang="en-CA"/>
+        </a:p>
+      </dgm:t>
+    </dgm:pt>
+    <dgm:pt modelId="{77FD4F83-9A97-4A3C-B3EB-8E2B524FFC8C}">
+      <dgm:prSet/>
+      <dgm:spPr/>
+      <dgm:t>
+        <a:bodyPr/>
+        <a:lstStyle/>
+        <a:p>
+          <a:r>
+            <a:rPr lang="en-CA" dirty="0" smtClean="0"/>
+            <a:t>Get Property Water Usage History</a:t>
+          </a:r>
+          <a:endParaRPr lang="en-CA" dirty="0"/>
+        </a:p>
+      </dgm:t>
+    </dgm:pt>
+    <dgm:pt modelId="{07377A3D-564A-4A00-B7B3-F1897EFCAA6E}" type="parTrans" cxnId="{64DADED5-E08F-431C-B9B7-F48E9A8D1D9A}">
+      <dgm:prSet/>
+      <dgm:spPr/>
+      <dgm:t>
+        <a:bodyPr/>
+        <a:lstStyle/>
+        <a:p>
+          <a:endParaRPr lang="en-CA"/>
+        </a:p>
+      </dgm:t>
+    </dgm:pt>
+    <dgm:pt modelId="{79DBB6E9-634C-4E2D-83E4-88BCD95EF030}" type="sibTrans" cxnId="{64DADED5-E08F-431C-B9B7-F48E9A8D1D9A}">
+      <dgm:prSet/>
+      <dgm:spPr/>
+      <dgm:t>
+        <a:bodyPr/>
+        <a:lstStyle/>
+        <a:p>
+          <a:endParaRPr lang="en-CA"/>
+        </a:p>
+      </dgm:t>
+    </dgm:pt>
+    <dgm:pt modelId="{2C99E25D-2722-4455-BB8C-A32B92FA5750}">
+      <dgm:prSet/>
+      <dgm:spPr/>
+      <dgm:t>
+        <a:bodyPr/>
+        <a:lstStyle/>
+        <a:p>
+          <a:r>
+            <a:rPr lang="en-CA" dirty="0" smtClean="0"/>
+            <a:t>Get Municipal Water Supply History</a:t>
+          </a:r>
+          <a:endParaRPr lang="en-CA" dirty="0"/>
+        </a:p>
+      </dgm:t>
+    </dgm:pt>
+    <dgm:pt modelId="{2BB2FB2C-C523-4D5F-9E38-52333B2E0F94}" type="parTrans" cxnId="{A0EF7125-E4D0-4EDB-9482-704196069F9B}">
+      <dgm:prSet/>
+      <dgm:spPr/>
+      <dgm:t>
+        <a:bodyPr/>
+        <a:lstStyle/>
+        <a:p>
+          <a:endParaRPr lang="en-CA"/>
+        </a:p>
+      </dgm:t>
+    </dgm:pt>
+    <dgm:pt modelId="{21255A2B-7920-4E1F-90F1-56AFA976EDBA}" type="sibTrans" cxnId="{A0EF7125-E4D0-4EDB-9482-704196069F9B}">
+      <dgm:prSet/>
+      <dgm:spPr/>
+      <dgm:t>
+        <a:bodyPr/>
+        <a:lstStyle/>
+        <a:p>
+          <a:endParaRPr lang="en-CA"/>
+        </a:p>
+      </dgm:t>
+    </dgm:pt>
+    <dgm:pt modelId="{4355F683-E0BD-4B02-A026-895F54B6308A}">
+      <dgm:prSet/>
+      <dgm:spPr/>
+      <dgm:t>
+        <a:bodyPr/>
+        <a:lstStyle/>
+        <a:p>
+          <a:r>
+            <a:rPr lang="en-CA" dirty="0" smtClean="0"/>
+            <a:t>Get Municipal Water Segment Distribution History</a:t>
+          </a:r>
+          <a:endParaRPr lang="en-CA" dirty="0"/>
+        </a:p>
+      </dgm:t>
+    </dgm:pt>
+    <dgm:pt modelId="{64D90874-5512-41B8-BA20-650DE40C2BA0}" type="parTrans" cxnId="{B0B7FAB4-8B74-452A-A787-541697CB30C7}">
+      <dgm:prSet/>
+      <dgm:spPr/>
+      <dgm:t>
+        <a:bodyPr/>
+        <a:lstStyle/>
+        <a:p>
+          <a:endParaRPr lang="en-CA"/>
+        </a:p>
+      </dgm:t>
+    </dgm:pt>
+    <dgm:pt modelId="{FF727AC0-DF8F-4B69-882A-FA9EAD0E4B39}" type="sibTrans" cxnId="{B0B7FAB4-8B74-452A-A787-541697CB30C7}">
+      <dgm:prSet/>
+      <dgm:spPr/>
+      <dgm:t>
+        <a:bodyPr/>
+        <a:lstStyle/>
+        <a:p>
+          <a:endParaRPr lang="en-CA"/>
+        </a:p>
+      </dgm:t>
+    </dgm:pt>
+    <dgm:pt modelId="{F99FDF6E-A39B-4D68-9ECF-921AC73E9490}">
+      <dgm:prSet/>
+      <dgm:spPr/>
+      <dgm:t>
+        <a:bodyPr/>
+        <a:lstStyle/>
+        <a:p>
+          <a:r>
+            <a:rPr lang="en-CA" dirty="0" err="1" smtClean="0"/>
+            <a:t>Calc</a:t>
+          </a:r>
+          <a:r>
+            <a:rPr lang="en-CA" dirty="0" smtClean="0"/>
+            <a:t> Water Supply, Usage, &amp; Leakage per Segment</a:t>
+          </a:r>
+          <a:endParaRPr lang="en-CA" dirty="0"/>
+        </a:p>
+      </dgm:t>
+    </dgm:pt>
+    <dgm:pt modelId="{543F8AC6-A707-4ED5-BCDD-16C75AFCEA28}" type="parTrans" cxnId="{AD173941-E47D-4D32-901C-DFF21DE61FEA}">
+      <dgm:prSet/>
+      <dgm:spPr/>
+      <dgm:t>
+        <a:bodyPr/>
+        <a:lstStyle/>
+        <a:p>
+          <a:endParaRPr lang="en-CA"/>
+        </a:p>
+      </dgm:t>
+    </dgm:pt>
+    <dgm:pt modelId="{C8604062-8451-4F4F-99E2-51262C7B8FFE}" type="sibTrans" cxnId="{AD173941-E47D-4D32-901C-DFF21DE61FEA}">
+      <dgm:prSet/>
+      <dgm:spPr/>
+      <dgm:t>
+        <a:bodyPr/>
+        <a:lstStyle/>
+        <a:p>
+          <a:endParaRPr lang="en-CA"/>
+        </a:p>
+      </dgm:t>
+    </dgm:pt>
+    <dgm:pt modelId="{DF891D23-80B7-475A-A156-C9DD9FDA0EAA}">
+      <dgm:prSet/>
+      <dgm:spPr/>
+      <dgm:t>
+        <a:bodyPr/>
+        <a:lstStyle/>
+        <a:p>
+          <a:r>
+            <a:rPr lang="en-CA" dirty="0" smtClean="0"/>
+            <a:t>Review Water Leakage Findings</a:t>
+          </a:r>
+          <a:endParaRPr lang="en-CA" dirty="0"/>
+        </a:p>
+      </dgm:t>
+    </dgm:pt>
+    <dgm:pt modelId="{B4CE75B2-F73D-4545-AF2C-2DC02B8626CD}" type="parTrans" cxnId="{DA6EDA98-BB69-4D76-8DC0-F287FE87D150}">
+      <dgm:prSet/>
+      <dgm:spPr/>
+      <dgm:t>
+        <a:bodyPr/>
+        <a:lstStyle/>
+        <a:p>
+          <a:endParaRPr lang="en-CA"/>
+        </a:p>
+      </dgm:t>
+    </dgm:pt>
+    <dgm:pt modelId="{40EEF238-3267-487E-A3A7-423988F94280}" type="sibTrans" cxnId="{DA6EDA98-BB69-4D76-8DC0-F287FE87D150}">
+      <dgm:prSet/>
+      <dgm:spPr/>
+      <dgm:t>
+        <a:bodyPr/>
+        <a:lstStyle/>
+        <a:p>
+          <a:endParaRPr lang="en-CA"/>
+        </a:p>
+      </dgm:t>
+    </dgm:pt>
+    <dgm:pt modelId="{4B92FC68-B798-44BF-905E-2DFB5F64ADEC}">
+      <dgm:prSet/>
+      <dgm:spPr/>
+      <dgm:t>
+        <a:bodyPr/>
+        <a:lstStyle/>
+        <a:p>
+          <a:r>
+            <a:rPr lang="en-CA" smtClean="0"/>
+            <a:t>Get Water Network Hierarchy</a:t>
+          </a:r>
+          <a:endParaRPr lang="en-CA" dirty="0"/>
+        </a:p>
+      </dgm:t>
+    </dgm:pt>
+    <dgm:pt modelId="{E328DE60-4133-4744-8358-E17B24BA01E7}" type="parTrans" cxnId="{D4C8CCF6-605E-49DC-B01E-49143ABE4705}">
+      <dgm:prSet/>
+      <dgm:spPr/>
+      <dgm:t>
+        <a:bodyPr/>
+        <a:lstStyle/>
+        <a:p>
+          <a:endParaRPr lang="en-CA"/>
+        </a:p>
+      </dgm:t>
+    </dgm:pt>
+    <dgm:pt modelId="{3BF5A1EF-059F-408C-AE35-FA41AC870AD0}" type="sibTrans" cxnId="{D4C8CCF6-605E-49DC-B01E-49143ABE4705}">
+      <dgm:prSet/>
+      <dgm:spPr/>
+      <dgm:t>
+        <a:bodyPr/>
+        <a:lstStyle/>
+        <a:p>
+          <a:endParaRPr lang="en-CA"/>
+        </a:p>
+      </dgm:t>
+    </dgm:pt>
+    <dgm:pt modelId="{084061F7-6007-4FF2-ACAA-F67CA1DA16EA}" type="pres">
+      <dgm:prSet presAssocID="{53E154C2-CB2C-426C-B682-B16BD4B77059}" presName="Name0" presStyleCnt="0">
+        <dgm:presLayoutVars>
+          <dgm:dir/>
+          <dgm:resizeHandles val="exact"/>
+        </dgm:presLayoutVars>
+      </dgm:prSet>
+      <dgm:spPr/>
+    </dgm:pt>
+    <dgm:pt modelId="{AC51BA1E-B8BA-438E-AAA5-E4822B2375CB}" type="pres">
+      <dgm:prSet presAssocID="{085DC0ED-B0C4-4B7B-99DD-4EAE5241B057}" presName="node" presStyleLbl="node1" presStyleIdx="0" presStyleCnt="7">
+        <dgm:presLayoutVars>
+          <dgm:bulletEnabled val="1"/>
+        </dgm:presLayoutVars>
+      </dgm:prSet>
+      <dgm:spPr/>
+      <dgm:t>
+        <a:bodyPr/>
+        <a:lstStyle/>
+        <a:p>
+          <a:endParaRPr lang="en-CA"/>
+        </a:p>
+      </dgm:t>
+    </dgm:pt>
+    <dgm:pt modelId="{FA96DE1E-2C96-4F10-9A42-57D649BC599A}" type="pres">
+      <dgm:prSet presAssocID="{F3F5052F-3ECA-4AB0-B283-B686AEDF8520}" presName="sibTrans" presStyleLbl="sibTrans2D1" presStyleIdx="0" presStyleCnt="6"/>
+      <dgm:spPr/>
+    </dgm:pt>
+    <dgm:pt modelId="{98930155-B503-4105-8C31-4870AC111E1A}" type="pres">
+      <dgm:prSet presAssocID="{F3F5052F-3ECA-4AB0-B283-B686AEDF8520}" presName="connectorText" presStyleLbl="sibTrans2D1" presStyleIdx="0" presStyleCnt="6"/>
+      <dgm:spPr/>
+    </dgm:pt>
+    <dgm:pt modelId="{533EF14F-E03E-46D2-87AE-6967FA564D3B}" type="pres">
+      <dgm:prSet presAssocID="{4B92FC68-B798-44BF-905E-2DFB5F64ADEC}" presName="node" presStyleLbl="node1" presStyleIdx="1" presStyleCnt="7">
+        <dgm:presLayoutVars>
+          <dgm:bulletEnabled val="1"/>
+        </dgm:presLayoutVars>
+      </dgm:prSet>
+      <dgm:spPr/>
+    </dgm:pt>
+    <dgm:pt modelId="{F13539C2-1EE3-42A9-AE02-B1A8194BE4F1}" type="pres">
+      <dgm:prSet presAssocID="{3BF5A1EF-059F-408C-AE35-FA41AC870AD0}" presName="sibTrans" presStyleLbl="sibTrans2D1" presStyleIdx="1" presStyleCnt="6"/>
+      <dgm:spPr/>
+    </dgm:pt>
+    <dgm:pt modelId="{8C432981-7C81-4FE6-BDCB-F96003871488}" type="pres">
+      <dgm:prSet presAssocID="{3BF5A1EF-059F-408C-AE35-FA41AC870AD0}" presName="connectorText" presStyleLbl="sibTrans2D1" presStyleIdx="1" presStyleCnt="6"/>
+      <dgm:spPr/>
+    </dgm:pt>
+    <dgm:pt modelId="{0960E6F3-2D9F-4976-8598-426032845852}" type="pres">
+      <dgm:prSet presAssocID="{77FD4F83-9A97-4A3C-B3EB-8E2B524FFC8C}" presName="node" presStyleLbl="node1" presStyleIdx="2" presStyleCnt="7">
+        <dgm:presLayoutVars>
+          <dgm:bulletEnabled val="1"/>
+        </dgm:presLayoutVars>
+      </dgm:prSet>
+      <dgm:spPr/>
+      <dgm:t>
+        <a:bodyPr/>
+        <a:lstStyle/>
+        <a:p>
+          <a:endParaRPr lang="en-CA"/>
+        </a:p>
+      </dgm:t>
+    </dgm:pt>
+    <dgm:pt modelId="{899EE98D-172D-4A4D-8596-794F4F1A9791}" type="pres">
+      <dgm:prSet presAssocID="{79DBB6E9-634C-4E2D-83E4-88BCD95EF030}" presName="sibTrans" presStyleLbl="sibTrans2D1" presStyleIdx="2" presStyleCnt="6"/>
+      <dgm:spPr/>
+    </dgm:pt>
+    <dgm:pt modelId="{F00A7316-8E09-4F22-B3F8-704CD81A50E3}" type="pres">
+      <dgm:prSet presAssocID="{79DBB6E9-634C-4E2D-83E4-88BCD95EF030}" presName="connectorText" presStyleLbl="sibTrans2D1" presStyleIdx="2" presStyleCnt="6"/>
+      <dgm:spPr/>
+    </dgm:pt>
+    <dgm:pt modelId="{13EFEA9D-E4BB-46FE-AC3D-F4DF4F69F47E}" type="pres">
+      <dgm:prSet presAssocID="{2C99E25D-2722-4455-BB8C-A32B92FA5750}" presName="node" presStyleLbl="node1" presStyleIdx="3" presStyleCnt="7">
+        <dgm:presLayoutVars>
+          <dgm:bulletEnabled val="1"/>
+        </dgm:presLayoutVars>
+      </dgm:prSet>
+      <dgm:spPr/>
+    </dgm:pt>
+    <dgm:pt modelId="{AF6D3AE1-7600-4A2E-A59D-354913D332CB}" type="pres">
+      <dgm:prSet presAssocID="{21255A2B-7920-4E1F-90F1-56AFA976EDBA}" presName="sibTrans" presStyleLbl="sibTrans2D1" presStyleIdx="3" presStyleCnt="6"/>
+      <dgm:spPr/>
+    </dgm:pt>
+    <dgm:pt modelId="{809A4A02-DB33-4E6C-A61D-2F83FFA0D071}" type="pres">
+      <dgm:prSet presAssocID="{21255A2B-7920-4E1F-90F1-56AFA976EDBA}" presName="connectorText" presStyleLbl="sibTrans2D1" presStyleIdx="3" presStyleCnt="6"/>
+      <dgm:spPr/>
+    </dgm:pt>
+    <dgm:pt modelId="{5772F78E-7DC5-4908-A700-3738728F3A46}" type="pres">
+      <dgm:prSet presAssocID="{4355F683-E0BD-4B02-A026-895F54B6308A}" presName="node" presStyleLbl="node1" presStyleIdx="4" presStyleCnt="7">
+        <dgm:presLayoutVars>
+          <dgm:bulletEnabled val="1"/>
+        </dgm:presLayoutVars>
+      </dgm:prSet>
+      <dgm:spPr/>
+      <dgm:t>
+        <a:bodyPr/>
+        <a:lstStyle/>
+        <a:p>
+          <a:endParaRPr lang="en-CA"/>
+        </a:p>
+      </dgm:t>
+    </dgm:pt>
+    <dgm:pt modelId="{07A3E70D-4FCE-48E0-AED4-63D9E5488AAF}" type="pres">
+      <dgm:prSet presAssocID="{FF727AC0-DF8F-4B69-882A-FA9EAD0E4B39}" presName="sibTrans" presStyleLbl="sibTrans2D1" presStyleIdx="4" presStyleCnt="6"/>
+      <dgm:spPr/>
+    </dgm:pt>
+    <dgm:pt modelId="{C97EC4E9-3DA7-4705-B3C8-7F3248D5F0BC}" type="pres">
+      <dgm:prSet presAssocID="{FF727AC0-DF8F-4B69-882A-FA9EAD0E4B39}" presName="connectorText" presStyleLbl="sibTrans2D1" presStyleIdx="4" presStyleCnt="6"/>
+      <dgm:spPr/>
+    </dgm:pt>
+    <dgm:pt modelId="{38EF2B51-EA83-4A86-A98F-AE8DCE7568F4}" type="pres">
+      <dgm:prSet presAssocID="{F99FDF6E-A39B-4D68-9ECF-921AC73E9490}" presName="node" presStyleLbl="node1" presStyleIdx="5" presStyleCnt="7">
+        <dgm:presLayoutVars>
+          <dgm:bulletEnabled val="1"/>
+        </dgm:presLayoutVars>
+      </dgm:prSet>
+      <dgm:spPr/>
+      <dgm:t>
+        <a:bodyPr/>
+        <a:lstStyle/>
+        <a:p>
+          <a:endParaRPr lang="en-CA"/>
+        </a:p>
+      </dgm:t>
+    </dgm:pt>
+    <dgm:pt modelId="{38925A46-0CC0-4AAF-BFC5-753005BE8E9B}" type="pres">
+      <dgm:prSet presAssocID="{C8604062-8451-4F4F-99E2-51262C7B8FFE}" presName="sibTrans" presStyleLbl="sibTrans2D1" presStyleIdx="5" presStyleCnt="6"/>
+      <dgm:spPr/>
+    </dgm:pt>
+    <dgm:pt modelId="{2742BCA2-50C8-4C41-A379-8894D3713B13}" type="pres">
+      <dgm:prSet presAssocID="{C8604062-8451-4F4F-99E2-51262C7B8FFE}" presName="connectorText" presStyleLbl="sibTrans2D1" presStyleIdx="5" presStyleCnt="6"/>
+      <dgm:spPr/>
+    </dgm:pt>
+    <dgm:pt modelId="{74F465C6-C483-4C91-896A-88314E8E9524}" type="pres">
+      <dgm:prSet presAssocID="{DF891D23-80B7-475A-A156-C9DD9FDA0EAA}" presName="node" presStyleLbl="node1" presStyleIdx="6" presStyleCnt="7">
+        <dgm:presLayoutVars>
+          <dgm:bulletEnabled val="1"/>
+        </dgm:presLayoutVars>
+      </dgm:prSet>
+      <dgm:spPr/>
+    </dgm:pt>
+  </dgm:ptLst>
+  <dgm:cxnLst>
+    <dgm:cxn modelId="{A2D73832-F322-4C87-BF7C-0A728EA51791}" type="presOf" srcId="{FF727AC0-DF8F-4B69-882A-FA9EAD0E4B39}" destId="{C97EC4E9-3DA7-4705-B3C8-7F3248D5F0BC}" srcOrd="1" destOrd="0" presId="urn:microsoft.com/office/officeart/2005/8/layout/process1"/>
+    <dgm:cxn modelId="{05C052E6-CAF9-498E-9ACF-4ED67E85C80E}" type="presOf" srcId="{4355F683-E0BD-4B02-A026-895F54B6308A}" destId="{5772F78E-7DC5-4908-A700-3738728F3A46}" srcOrd="0" destOrd="0" presId="urn:microsoft.com/office/officeart/2005/8/layout/process1"/>
+    <dgm:cxn modelId="{D49C0066-A067-414B-8938-EB3BFC78E4FD}" type="presOf" srcId="{79DBB6E9-634C-4E2D-83E4-88BCD95EF030}" destId="{899EE98D-172D-4A4D-8596-794F4F1A9791}" srcOrd="0" destOrd="0" presId="urn:microsoft.com/office/officeart/2005/8/layout/process1"/>
+    <dgm:cxn modelId="{A131D07D-A1B8-4EBD-AE8E-13166ECB3B9A}" type="presOf" srcId="{21255A2B-7920-4E1F-90F1-56AFA976EDBA}" destId="{809A4A02-DB33-4E6C-A61D-2F83FFA0D071}" srcOrd="1" destOrd="0" presId="urn:microsoft.com/office/officeart/2005/8/layout/process1"/>
+    <dgm:cxn modelId="{64DADED5-E08F-431C-B9B7-F48E9A8D1D9A}" srcId="{53E154C2-CB2C-426C-B682-B16BD4B77059}" destId="{77FD4F83-9A97-4A3C-B3EB-8E2B524FFC8C}" srcOrd="2" destOrd="0" parTransId="{07377A3D-564A-4A00-B7B3-F1897EFCAA6E}" sibTransId="{79DBB6E9-634C-4E2D-83E4-88BCD95EF030}"/>
+    <dgm:cxn modelId="{3286ADDC-52D2-4B60-AFBC-29DF512E923C}" type="presOf" srcId="{4B92FC68-B798-44BF-905E-2DFB5F64ADEC}" destId="{533EF14F-E03E-46D2-87AE-6967FA564D3B}" srcOrd="0" destOrd="0" presId="urn:microsoft.com/office/officeart/2005/8/layout/process1"/>
+    <dgm:cxn modelId="{09191F56-B674-42DE-AB5C-81EAA103EEAE}" type="presOf" srcId="{21255A2B-7920-4E1F-90F1-56AFA976EDBA}" destId="{AF6D3AE1-7600-4A2E-A59D-354913D332CB}" srcOrd="0" destOrd="0" presId="urn:microsoft.com/office/officeart/2005/8/layout/process1"/>
+    <dgm:cxn modelId="{01531F5D-7108-4BE9-8CD0-0A8B3BBBC07C}" type="presOf" srcId="{C8604062-8451-4F4F-99E2-51262C7B8FFE}" destId="{38925A46-0CC0-4AAF-BFC5-753005BE8E9B}" srcOrd="0" destOrd="0" presId="urn:microsoft.com/office/officeart/2005/8/layout/process1"/>
+    <dgm:cxn modelId="{F0204558-EF4F-4709-A0BA-BDD2602AE76C}" type="presOf" srcId="{53E154C2-CB2C-426C-B682-B16BD4B77059}" destId="{084061F7-6007-4FF2-ACAA-F67CA1DA16EA}" srcOrd="0" destOrd="0" presId="urn:microsoft.com/office/officeart/2005/8/layout/process1"/>
+    <dgm:cxn modelId="{B0B7FAB4-8B74-452A-A787-541697CB30C7}" srcId="{53E154C2-CB2C-426C-B682-B16BD4B77059}" destId="{4355F683-E0BD-4B02-A026-895F54B6308A}" srcOrd="4" destOrd="0" parTransId="{64D90874-5512-41B8-BA20-650DE40C2BA0}" sibTransId="{FF727AC0-DF8F-4B69-882A-FA9EAD0E4B39}"/>
+    <dgm:cxn modelId="{41A2B08D-05DD-4E94-95D2-A9702733A903}" type="presOf" srcId="{3BF5A1EF-059F-408C-AE35-FA41AC870AD0}" destId="{8C432981-7C81-4FE6-BDCB-F96003871488}" srcOrd="1" destOrd="0" presId="urn:microsoft.com/office/officeart/2005/8/layout/process1"/>
+    <dgm:cxn modelId="{EC914D8F-4B90-40D2-9F41-71C3AD08A7DA}" type="presOf" srcId="{3BF5A1EF-059F-408C-AE35-FA41AC870AD0}" destId="{F13539C2-1EE3-42A9-AE02-B1A8194BE4F1}" srcOrd="0" destOrd="0" presId="urn:microsoft.com/office/officeart/2005/8/layout/process1"/>
+    <dgm:cxn modelId="{12E5C6E9-C3AC-4EC4-B5E4-C03648A14126}" type="presOf" srcId="{F3F5052F-3ECA-4AB0-B283-B686AEDF8520}" destId="{98930155-B503-4105-8C31-4870AC111E1A}" srcOrd="1" destOrd="0" presId="urn:microsoft.com/office/officeart/2005/8/layout/process1"/>
+    <dgm:cxn modelId="{E15FAEF1-DEC8-4686-A389-2FF92E2C67D6}" type="presOf" srcId="{77FD4F83-9A97-4A3C-B3EB-8E2B524FFC8C}" destId="{0960E6F3-2D9F-4976-8598-426032845852}" srcOrd="0" destOrd="0" presId="urn:microsoft.com/office/officeart/2005/8/layout/process1"/>
+    <dgm:cxn modelId="{D4C8CCF6-605E-49DC-B01E-49143ABE4705}" srcId="{53E154C2-CB2C-426C-B682-B16BD4B77059}" destId="{4B92FC68-B798-44BF-905E-2DFB5F64ADEC}" srcOrd="1" destOrd="0" parTransId="{E328DE60-4133-4744-8358-E17B24BA01E7}" sibTransId="{3BF5A1EF-059F-408C-AE35-FA41AC870AD0}"/>
+    <dgm:cxn modelId="{871A0CD8-4A4F-4C05-8DE4-C59F03E63BBF}" type="presOf" srcId="{79DBB6E9-634C-4E2D-83E4-88BCD95EF030}" destId="{F00A7316-8E09-4F22-B3F8-704CD81A50E3}" srcOrd="1" destOrd="0" presId="urn:microsoft.com/office/officeart/2005/8/layout/process1"/>
+    <dgm:cxn modelId="{89316A24-EE3E-4216-A055-C2BE32BA6B90}" type="presOf" srcId="{C8604062-8451-4F4F-99E2-51262C7B8FFE}" destId="{2742BCA2-50C8-4C41-A379-8894D3713B13}" srcOrd="1" destOrd="0" presId="urn:microsoft.com/office/officeart/2005/8/layout/process1"/>
+    <dgm:cxn modelId="{A8E7C8B6-B0C6-4653-AF9B-B76752390E5D}" type="presOf" srcId="{F99FDF6E-A39B-4D68-9ECF-921AC73E9490}" destId="{38EF2B51-EA83-4A86-A98F-AE8DCE7568F4}" srcOrd="0" destOrd="0" presId="urn:microsoft.com/office/officeart/2005/8/layout/process1"/>
+    <dgm:cxn modelId="{AD173941-E47D-4D32-901C-DFF21DE61FEA}" srcId="{53E154C2-CB2C-426C-B682-B16BD4B77059}" destId="{F99FDF6E-A39B-4D68-9ECF-921AC73E9490}" srcOrd="5" destOrd="0" parTransId="{543F8AC6-A707-4ED5-BCDD-16C75AFCEA28}" sibTransId="{C8604062-8451-4F4F-99E2-51262C7B8FFE}"/>
+    <dgm:cxn modelId="{06736AC6-4AF6-4C8F-9BE5-691C4953ACD6}" type="presOf" srcId="{F3F5052F-3ECA-4AB0-B283-B686AEDF8520}" destId="{FA96DE1E-2C96-4F10-9A42-57D649BC599A}" srcOrd="0" destOrd="0" presId="urn:microsoft.com/office/officeart/2005/8/layout/process1"/>
+    <dgm:cxn modelId="{C49D8520-AF51-4E3F-BD89-047FF9A12D63}" type="presOf" srcId="{085DC0ED-B0C4-4B7B-99DD-4EAE5241B057}" destId="{AC51BA1E-B8BA-438E-AAA5-E4822B2375CB}" srcOrd="0" destOrd="0" presId="urn:microsoft.com/office/officeart/2005/8/layout/process1"/>
+    <dgm:cxn modelId="{A0EF7125-E4D0-4EDB-9482-704196069F9B}" srcId="{53E154C2-CB2C-426C-B682-B16BD4B77059}" destId="{2C99E25D-2722-4455-BB8C-A32B92FA5750}" srcOrd="3" destOrd="0" parTransId="{2BB2FB2C-C523-4D5F-9E38-52333B2E0F94}" sibTransId="{21255A2B-7920-4E1F-90F1-56AFA976EDBA}"/>
+    <dgm:cxn modelId="{11AB694D-B471-4CBF-91E0-F4727AAB5904}" type="presOf" srcId="{FF727AC0-DF8F-4B69-882A-FA9EAD0E4B39}" destId="{07A3E70D-4FCE-48E0-AED4-63D9E5488AAF}" srcOrd="0" destOrd="0" presId="urn:microsoft.com/office/officeart/2005/8/layout/process1"/>
+    <dgm:cxn modelId="{365CB130-DA35-46D4-902E-87D0B74753DE}" srcId="{53E154C2-CB2C-426C-B682-B16BD4B77059}" destId="{085DC0ED-B0C4-4B7B-99DD-4EAE5241B057}" srcOrd="0" destOrd="0" parTransId="{3E8C8F7D-6B50-4C35-B0B5-77BAE2453CEF}" sibTransId="{F3F5052F-3ECA-4AB0-B283-B686AEDF8520}"/>
+    <dgm:cxn modelId="{DA6EDA98-BB69-4D76-8DC0-F287FE87D150}" srcId="{53E154C2-CB2C-426C-B682-B16BD4B77059}" destId="{DF891D23-80B7-475A-A156-C9DD9FDA0EAA}" srcOrd="6" destOrd="0" parTransId="{B4CE75B2-F73D-4545-AF2C-2DC02B8626CD}" sibTransId="{40EEF238-3267-487E-A3A7-423988F94280}"/>
+    <dgm:cxn modelId="{7D54CD0B-54C9-4191-ACD1-9D1973F60958}" type="presOf" srcId="{2C99E25D-2722-4455-BB8C-A32B92FA5750}" destId="{13EFEA9D-E4BB-46FE-AC3D-F4DF4F69F47E}" srcOrd="0" destOrd="0" presId="urn:microsoft.com/office/officeart/2005/8/layout/process1"/>
+    <dgm:cxn modelId="{85E26880-75DB-424C-ABC2-ADB42CBB26C6}" type="presOf" srcId="{DF891D23-80B7-475A-A156-C9DD9FDA0EAA}" destId="{74F465C6-C483-4C91-896A-88314E8E9524}" srcOrd="0" destOrd="0" presId="urn:microsoft.com/office/officeart/2005/8/layout/process1"/>
+    <dgm:cxn modelId="{AFB6D0FD-B7FC-4414-A94E-68615EF7C377}" type="presParOf" srcId="{084061F7-6007-4FF2-ACAA-F67CA1DA16EA}" destId="{AC51BA1E-B8BA-438E-AAA5-E4822B2375CB}" srcOrd="0" destOrd="0" presId="urn:microsoft.com/office/officeart/2005/8/layout/process1"/>
+    <dgm:cxn modelId="{597E86BF-426C-4338-BA7F-145EB17C4EB8}" type="presParOf" srcId="{084061F7-6007-4FF2-ACAA-F67CA1DA16EA}" destId="{FA96DE1E-2C96-4F10-9A42-57D649BC599A}" srcOrd="1" destOrd="0" presId="urn:microsoft.com/office/officeart/2005/8/layout/process1"/>
+    <dgm:cxn modelId="{4D1C6C82-741C-4E6E-B79E-9E5F66F9235B}" type="presParOf" srcId="{FA96DE1E-2C96-4F10-9A42-57D649BC599A}" destId="{98930155-B503-4105-8C31-4870AC111E1A}" srcOrd="0" destOrd="0" presId="urn:microsoft.com/office/officeart/2005/8/layout/process1"/>
+    <dgm:cxn modelId="{4E9AF082-8BCB-4D12-A953-FB123BDD1E9F}" type="presParOf" srcId="{084061F7-6007-4FF2-ACAA-F67CA1DA16EA}" destId="{533EF14F-E03E-46D2-87AE-6967FA564D3B}" srcOrd="2" destOrd="0" presId="urn:microsoft.com/office/officeart/2005/8/layout/process1"/>
+    <dgm:cxn modelId="{EB21AFC2-A4E5-446D-B269-E19029066CB3}" type="presParOf" srcId="{084061F7-6007-4FF2-ACAA-F67CA1DA16EA}" destId="{F13539C2-1EE3-42A9-AE02-B1A8194BE4F1}" srcOrd="3" destOrd="0" presId="urn:microsoft.com/office/officeart/2005/8/layout/process1"/>
+    <dgm:cxn modelId="{7FD1F90A-9FDA-4677-85FB-E2C00EEB9F1E}" type="presParOf" srcId="{F13539C2-1EE3-42A9-AE02-B1A8194BE4F1}" destId="{8C432981-7C81-4FE6-BDCB-F96003871488}" srcOrd="0" destOrd="0" presId="urn:microsoft.com/office/officeart/2005/8/layout/process1"/>
+    <dgm:cxn modelId="{4983591F-BAA0-46CD-8781-EEB297722AD3}" type="presParOf" srcId="{084061F7-6007-4FF2-ACAA-F67CA1DA16EA}" destId="{0960E6F3-2D9F-4976-8598-426032845852}" srcOrd="4" destOrd="0" presId="urn:microsoft.com/office/officeart/2005/8/layout/process1"/>
+    <dgm:cxn modelId="{596BC4B1-60BD-4C6E-A604-1ECC227D3091}" type="presParOf" srcId="{084061F7-6007-4FF2-ACAA-F67CA1DA16EA}" destId="{899EE98D-172D-4A4D-8596-794F4F1A9791}" srcOrd="5" destOrd="0" presId="urn:microsoft.com/office/officeart/2005/8/layout/process1"/>
+    <dgm:cxn modelId="{7ADB27C5-B9C1-4381-86A2-D24089C4EB2E}" type="presParOf" srcId="{899EE98D-172D-4A4D-8596-794F4F1A9791}" destId="{F00A7316-8E09-4F22-B3F8-704CD81A50E3}" srcOrd="0" destOrd="0" presId="urn:microsoft.com/office/officeart/2005/8/layout/process1"/>
+    <dgm:cxn modelId="{91137481-FD4A-498E-ACCF-26308E085CCA}" type="presParOf" srcId="{084061F7-6007-4FF2-ACAA-F67CA1DA16EA}" destId="{13EFEA9D-E4BB-46FE-AC3D-F4DF4F69F47E}" srcOrd="6" destOrd="0" presId="urn:microsoft.com/office/officeart/2005/8/layout/process1"/>
+    <dgm:cxn modelId="{738FCF7E-3F84-4816-A6AC-4D5B9DF259E6}" type="presParOf" srcId="{084061F7-6007-4FF2-ACAA-F67CA1DA16EA}" destId="{AF6D3AE1-7600-4A2E-A59D-354913D332CB}" srcOrd="7" destOrd="0" presId="urn:microsoft.com/office/officeart/2005/8/layout/process1"/>
+    <dgm:cxn modelId="{FAD0D293-12CE-4C89-9575-578DEE928A0F}" type="presParOf" srcId="{AF6D3AE1-7600-4A2E-A59D-354913D332CB}" destId="{809A4A02-DB33-4E6C-A61D-2F83FFA0D071}" srcOrd="0" destOrd="0" presId="urn:microsoft.com/office/officeart/2005/8/layout/process1"/>
+    <dgm:cxn modelId="{BE30A0BD-691D-4562-8011-D1877BEE4D46}" type="presParOf" srcId="{084061F7-6007-4FF2-ACAA-F67CA1DA16EA}" destId="{5772F78E-7DC5-4908-A700-3738728F3A46}" srcOrd="8" destOrd="0" presId="urn:microsoft.com/office/officeart/2005/8/layout/process1"/>
+    <dgm:cxn modelId="{CF5F619C-2D97-4C3A-B0F4-706A3DD64BA6}" type="presParOf" srcId="{084061F7-6007-4FF2-ACAA-F67CA1DA16EA}" destId="{07A3E70D-4FCE-48E0-AED4-63D9E5488AAF}" srcOrd="9" destOrd="0" presId="urn:microsoft.com/office/officeart/2005/8/layout/process1"/>
+    <dgm:cxn modelId="{EFBDFBD7-F6C9-42D4-A542-DD6EA9D2D9CD}" type="presParOf" srcId="{07A3E70D-4FCE-48E0-AED4-63D9E5488AAF}" destId="{C97EC4E9-3DA7-4705-B3C8-7F3248D5F0BC}" srcOrd="0" destOrd="0" presId="urn:microsoft.com/office/officeart/2005/8/layout/process1"/>
+    <dgm:cxn modelId="{4C844240-5E42-4CCF-B22E-110B48D62F3B}" type="presParOf" srcId="{084061F7-6007-4FF2-ACAA-F67CA1DA16EA}" destId="{38EF2B51-EA83-4A86-A98F-AE8DCE7568F4}" srcOrd="10" destOrd="0" presId="urn:microsoft.com/office/officeart/2005/8/layout/process1"/>
+    <dgm:cxn modelId="{638BACBD-6FE6-47C9-99F8-2091CB31BBBB}" type="presParOf" srcId="{084061F7-6007-4FF2-ACAA-F67CA1DA16EA}" destId="{38925A46-0CC0-4AAF-BFC5-753005BE8E9B}" srcOrd="11" destOrd="0" presId="urn:microsoft.com/office/officeart/2005/8/layout/process1"/>
+    <dgm:cxn modelId="{607A8F29-D175-4C1C-B976-BE4100313EF3}" type="presParOf" srcId="{38925A46-0CC0-4AAF-BFC5-753005BE8E9B}" destId="{2742BCA2-50C8-4C41-A379-8894D3713B13}" srcOrd="0" destOrd="0" presId="urn:microsoft.com/office/officeart/2005/8/layout/process1"/>
+    <dgm:cxn modelId="{C9930902-07E3-42F3-994F-B56B20813784}" type="presParOf" srcId="{084061F7-6007-4FF2-ACAA-F67CA1DA16EA}" destId="{74F465C6-C483-4C91-896A-88314E8E9524}" srcOrd="12" destOrd="0" presId="urn:microsoft.com/office/officeart/2005/8/layout/process1"/>
+  </dgm:cxnLst>
+  <dgm:bg/>
+  <dgm:whole/>
+  <dgm:extLst>
+    <a:ext uri="http://schemas.microsoft.com/office/drawing/2008/diagram">
+      <dsp:dataModelExt xmlns:dsp="http://schemas.microsoft.com/office/drawing/2008/diagram" relId="rId6" minVer="http://schemas.openxmlformats.org/drawingml/2006/diagram"/>
+    </a:ext>
+  </dgm:extLst>
+</dgm:dataModel>
+</file>
+
+<file path=ppt/diagrams/drawing1.xml><?xml version="1.0" encoding="utf-8"?>
+<dsp:drawing xmlns:dgm="http://schemas.openxmlformats.org/drawingml/2006/diagram" xmlns:dsp="http://schemas.microsoft.com/office/drawing/2008/diagram" xmlns:a="http://schemas.openxmlformats.org/drawingml/2006/main">
+  <dsp:spTree>
+    <dsp:nvGrpSpPr>
+      <dsp:cNvPr id="0" name=""/>
+      <dsp:cNvGrpSpPr/>
+    </dsp:nvGrpSpPr>
+    <dsp:grpSpPr/>
+    <dsp:sp modelId="{AC51BA1E-B8BA-438E-AAA5-E4822B2375CB}">
+      <dsp:nvSpPr>
+        <dsp:cNvPr id="0" name=""/>
+        <dsp:cNvSpPr/>
+      </dsp:nvSpPr>
+      <dsp:spPr>
+        <a:xfrm>
+          <a:off x="2438" y="1454970"/>
+          <a:ext cx="923608" cy="1154059"/>
+        </a:xfrm>
+        <a:prstGeom prst="roundRect">
+          <a:avLst>
+            <a:gd name="adj" fmla="val 10000"/>
+          </a:avLst>
+        </a:prstGeom>
+        <a:solidFill>
+          <a:schemeClr val="accent1">
+            <a:hueOff val="0"/>
+            <a:satOff val="0"/>
+            <a:lumOff val="0"/>
+            <a:alphaOff val="0"/>
+          </a:schemeClr>
+        </a:solidFill>
+        <a:ln w="25400" cap="flat" cmpd="sng" algn="ctr">
+          <a:solidFill>
+            <a:schemeClr val="lt1">
+              <a:hueOff val="0"/>
+              <a:satOff val="0"/>
+              <a:lumOff val="0"/>
+              <a:alphaOff val="0"/>
+            </a:schemeClr>
+          </a:solidFill>
+          <a:prstDash val="solid"/>
+        </a:ln>
+        <a:effectLst/>
+      </dsp:spPr>
+      <dsp:style>
+        <a:lnRef idx="2">
+          <a:scrgbClr r="0" g="0" b="0"/>
+        </a:lnRef>
+        <a:fillRef idx="1">
+          <a:scrgbClr r="0" g="0" b="0"/>
+        </a:fillRef>
+        <a:effectRef idx="0">
+          <a:scrgbClr r="0" g="0" b="0"/>
+        </a:effectRef>
+        <a:fontRef idx="minor">
+          <a:schemeClr val="lt1"/>
+        </a:fontRef>
+      </dsp:style>
+      <dsp:txBody>
+        <a:bodyPr spcFirstLastPara="0" vert="horz" wrap="square" lIns="45720" tIns="45720" rIns="45720" bIns="45720" numCol="1" spcCol="1270" anchor="ctr" anchorCtr="0">
+          <a:noAutofit/>
+        </a:bodyPr>
+        <a:lstStyle/>
+        <a:p>
+          <a:pPr lvl="0" algn="ctr" defTabSz="533400">
+            <a:lnSpc>
+              <a:spcPct val="90000"/>
+            </a:lnSpc>
+            <a:spcBef>
+              <a:spcPct val="0"/>
+            </a:spcBef>
+            <a:spcAft>
+              <a:spcPct val="35000"/>
+            </a:spcAft>
+          </a:pPr>
+          <a:r>
+            <a:rPr lang="en-CA" sz="1200" kern="1200" dirty="0" smtClean="0"/>
+            <a:t>Get Property &amp; Water Meter  Detail</a:t>
+          </a:r>
+          <a:endParaRPr lang="en-CA" sz="1200" kern="1200" dirty="0"/>
+        </a:p>
+      </dsp:txBody>
+      <dsp:txXfrm>
+        <a:off x="29490" y="1482022"/>
+        <a:ext cx="869504" cy="1099955"/>
+      </dsp:txXfrm>
+    </dsp:sp>
+    <dsp:sp modelId="{FA96DE1E-2C96-4F10-9A42-57D649BC599A}">
+      <dsp:nvSpPr>
+        <dsp:cNvPr id="0" name=""/>
+        <dsp:cNvSpPr/>
+      </dsp:nvSpPr>
+      <dsp:spPr>
+        <a:xfrm>
+          <a:off x="1018408" y="1917472"/>
+          <a:ext cx="195805" cy="229054"/>
+        </a:xfrm>
+        <a:prstGeom prst="rightArrow">
+          <a:avLst>
+            <a:gd name="adj1" fmla="val 60000"/>
+            <a:gd name="adj2" fmla="val 50000"/>
+          </a:avLst>
+        </a:prstGeom>
+        <a:solidFill>
+          <a:schemeClr val="accent1">
+            <a:tint val="60000"/>
+            <a:hueOff val="0"/>
+            <a:satOff val="0"/>
+            <a:lumOff val="0"/>
+            <a:alphaOff val="0"/>
+          </a:schemeClr>
+        </a:solidFill>
+        <a:ln>
+          <a:noFill/>
+        </a:ln>
+        <a:effectLst/>
+      </dsp:spPr>
+      <dsp:style>
+        <a:lnRef idx="0">
+          <a:scrgbClr r="0" g="0" b="0"/>
+        </a:lnRef>
+        <a:fillRef idx="1">
+          <a:scrgbClr r="0" g="0" b="0"/>
+        </a:fillRef>
+        <a:effectRef idx="0">
+          <a:scrgbClr r="0" g="0" b="0"/>
+        </a:effectRef>
+        <a:fontRef idx="minor">
+          <a:schemeClr val="lt1"/>
+        </a:fontRef>
+      </dsp:style>
+      <dsp:txBody>
+        <a:bodyPr spcFirstLastPara="0" vert="horz" wrap="square" lIns="0" tIns="0" rIns="0" bIns="0" numCol="1" spcCol="1270" anchor="ctr" anchorCtr="0">
+          <a:noAutofit/>
+        </a:bodyPr>
+        <a:lstStyle/>
+        <a:p>
+          <a:pPr lvl="0" algn="ctr" defTabSz="400050">
+            <a:lnSpc>
+              <a:spcPct val="90000"/>
+            </a:lnSpc>
+            <a:spcBef>
+              <a:spcPct val="0"/>
+            </a:spcBef>
+            <a:spcAft>
+              <a:spcPct val="35000"/>
+            </a:spcAft>
+          </a:pPr>
+          <a:endParaRPr lang="en-CA" sz="900" kern="1200"/>
+        </a:p>
+      </dsp:txBody>
+      <dsp:txXfrm>
+        <a:off x="1018408" y="1963283"/>
+        <a:ext cx="137064" cy="137432"/>
+      </dsp:txXfrm>
+    </dsp:sp>
+    <dsp:sp modelId="{533EF14F-E03E-46D2-87AE-6967FA564D3B}">
+      <dsp:nvSpPr>
+        <dsp:cNvPr id="0" name=""/>
+        <dsp:cNvSpPr/>
+      </dsp:nvSpPr>
+      <dsp:spPr>
+        <a:xfrm>
+          <a:off x="1295491" y="1454970"/>
+          <a:ext cx="923608" cy="1154059"/>
+        </a:xfrm>
+        <a:prstGeom prst="roundRect">
+          <a:avLst>
+            <a:gd name="adj" fmla="val 10000"/>
+          </a:avLst>
+        </a:prstGeom>
+        <a:solidFill>
+          <a:schemeClr val="accent1">
+            <a:hueOff val="0"/>
+            <a:satOff val="0"/>
+            <a:lumOff val="0"/>
+            <a:alphaOff val="0"/>
+          </a:schemeClr>
+        </a:solidFill>
+        <a:ln w="25400" cap="flat" cmpd="sng" algn="ctr">
+          <a:solidFill>
+            <a:schemeClr val="lt1">
+              <a:hueOff val="0"/>
+              <a:satOff val="0"/>
+              <a:lumOff val="0"/>
+              <a:alphaOff val="0"/>
+            </a:schemeClr>
+          </a:solidFill>
+          <a:prstDash val="solid"/>
+        </a:ln>
+        <a:effectLst/>
+      </dsp:spPr>
+      <dsp:style>
+        <a:lnRef idx="2">
+          <a:scrgbClr r="0" g="0" b="0"/>
+        </a:lnRef>
+        <a:fillRef idx="1">
+          <a:scrgbClr r="0" g="0" b="0"/>
+        </a:fillRef>
+        <a:effectRef idx="0">
+          <a:scrgbClr r="0" g="0" b="0"/>
+        </a:effectRef>
+        <a:fontRef idx="minor">
+          <a:schemeClr val="lt1"/>
+        </a:fontRef>
+      </dsp:style>
+      <dsp:txBody>
+        <a:bodyPr spcFirstLastPara="0" vert="horz" wrap="square" lIns="45720" tIns="45720" rIns="45720" bIns="45720" numCol="1" spcCol="1270" anchor="ctr" anchorCtr="0">
+          <a:noAutofit/>
+        </a:bodyPr>
+        <a:lstStyle/>
+        <a:p>
+          <a:pPr lvl="0" algn="ctr" defTabSz="533400">
+            <a:lnSpc>
+              <a:spcPct val="90000"/>
+            </a:lnSpc>
+            <a:spcBef>
+              <a:spcPct val="0"/>
+            </a:spcBef>
+            <a:spcAft>
+              <a:spcPct val="35000"/>
+            </a:spcAft>
+          </a:pPr>
+          <a:r>
+            <a:rPr lang="en-CA" sz="1200" kern="1200" smtClean="0"/>
+            <a:t>Get Water Network Hierarchy</a:t>
+          </a:r>
+          <a:endParaRPr lang="en-CA" sz="1200" kern="1200" dirty="0"/>
+        </a:p>
+      </dsp:txBody>
+      <dsp:txXfrm>
+        <a:off x="1322543" y="1482022"/>
+        <a:ext cx="869504" cy="1099955"/>
+      </dsp:txXfrm>
+    </dsp:sp>
+    <dsp:sp modelId="{F13539C2-1EE3-42A9-AE02-B1A8194BE4F1}">
+      <dsp:nvSpPr>
+        <dsp:cNvPr id="0" name=""/>
+        <dsp:cNvSpPr/>
+      </dsp:nvSpPr>
+      <dsp:spPr>
+        <a:xfrm>
+          <a:off x="2311460" y="1917472"/>
+          <a:ext cx="195805" cy="229054"/>
+        </a:xfrm>
+        <a:prstGeom prst="rightArrow">
+          <a:avLst>
+            <a:gd name="adj1" fmla="val 60000"/>
+            <a:gd name="adj2" fmla="val 50000"/>
+          </a:avLst>
+        </a:prstGeom>
+        <a:solidFill>
+          <a:schemeClr val="accent1">
+            <a:tint val="60000"/>
+            <a:hueOff val="0"/>
+            <a:satOff val="0"/>
+            <a:lumOff val="0"/>
+            <a:alphaOff val="0"/>
+          </a:schemeClr>
+        </a:solidFill>
+        <a:ln>
+          <a:noFill/>
+        </a:ln>
+        <a:effectLst/>
+      </dsp:spPr>
+      <dsp:style>
+        <a:lnRef idx="0">
+          <a:scrgbClr r="0" g="0" b="0"/>
+        </a:lnRef>
+        <a:fillRef idx="1">
+          <a:scrgbClr r="0" g="0" b="0"/>
+        </a:fillRef>
+        <a:effectRef idx="0">
+          <a:scrgbClr r="0" g="0" b="0"/>
+        </a:effectRef>
+        <a:fontRef idx="minor">
+          <a:schemeClr val="lt1"/>
+        </a:fontRef>
+      </dsp:style>
+      <dsp:txBody>
+        <a:bodyPr spcFirstLastPara="0" vert="horz" wrap="square" lIns="0" tIns="0" rIns="0" bIns="0" numCol="1" spcCol="1270" anchor="ctr" anchorCtr="0">
+          <a:noAutofit/>
+        </a:bodyPr>
+        <a:lstStyle/>
+        <a:p>
+          <a:pPr lvl="0" algn="ctr" defTabSz="400050">
+            <a:lnSpc>
+              <a:spcPct val="90000"/>
+            </a:lnSpc>
+            <a:spcBef>
+              <a:spcPct val="0"/>
+            </a:spcBef>
+            <a:spcAft>
+              <a:spcPct val="35000"/>
+            </a:spcAft>
+          </a:pPr>
+          <a:endParaRPr lang="en-CA" sz="900" kern="1200"/>
+        </a:p>
+      </dsp:txBody>
+      <dsp:txXfrm>
+        <a:off x="2311460" y="1963283"/>
+        <a:ext cx="137064" cy="137432"/>
+      </dsp:txXfrm>
+    </dsp:sp>
+    <dsp:sp modelId="{0960E6F3-2D9F-4976-8598-426032845852}">
+      <dsp:nvSpPr>
+        <dsp:cNvPr id="0" name=""/>
+        <dsp:cNvSpPr/>
+      </dsp:nvSpPr>
+      <dsp:spPr>
+        <a:xfrm>
+          <a:off x="2588543" y="1454970"/>
+          <a:ext cx="923608" cy="1154059"/>
+        </a:xfrm>
+        <a:prstGeom prst="roundRect">
+          <a:avLst>
+            <a:gd name="adj" fmla="val 10000"/>
+          </a:avLst>
+        </a:prstGeom>
+        <a:solidFill>
+          <a:schemeClr val="accent1">
+            <a:hueOff val="0"/>
+            <a:satOff val="0"/>
+            <a:lumOff val="0"/>
+            <a:alphaOff val="0"/>
+          </a:schemeClr>
+        </a:solidFill>
+        <a:ln w="25400" cap="flat" cmpd="sng" algn="ctr">
+          <a:solidFill>
+            <a:schemeClr val="lt1">
+              <a:hueOff val="0"/>
+              <a:satOff val="0"/>
+              <a:lumOff val="0"/>
+              <a:alphaOff val="0"/>
+            </a:schemeClr>
+          </a:solidFill>
+          <a:prstDash val="solid"/>
+        </a:ln>
+        <a:effectLst/>
+      </dsp:spPr>
+      <dsp:style>
+        <a:lnRef idx="2">
+          <a:scrgbClr r="0" g="0" b="0"/>
+        </a:lnRef>
+        <a:fillRef idx="1">
+          <a:scrgbClr r="0" g="0" b="0"/>
+        </a:fillRef>
+        <a:effectRef idx="0">
+          <a:scrgbClr r="0" g="0" b="0"/>
+        </a:effectRef>
+        <a:fontRef idx="minor">
+          <a:schemeClr val="lt1"/>
+        </a:fontRef>
+      </dsp:style>
+      <dsp:txBody>
+        <a:bodyPr spcFirstLastPara="0" vert="horz" wrap="square" lIns="45720" tIns="45720" rIns="45720" bIns="45720" numCol="1" spcCol="1270" anchor="ctr" anchorCtr="0">
+          <a:noAutofit/>
+        </a:bodyPr>
+        <a:lstStyle/>
+        <a:p>
+          <a:pPr lvl="0" algn="ctr" defTabSz="533400">
+            <a:lnSpc>
+              <a:spcPct val="90000"/>
+            </a:lnSpc>
+            <a:spcBef>
+              <a:spcPct val="0"/>
+            </a:spcBef>
+            <a:spcAft>
+              <a:spcPct val="35000"/>
+            </a:spcAft>
+          </a:pPr>
+          <a:r>
+            <a:rPr lang="en-CA" sz="1200" kern="1200" dirty="0" smtClean="0"/>
+            <a:t>Get Property Water Usage History</a:t>
+          </a:r>
+          <a:endParaRPr lang="en-CA" sz="1200" kern="1200" dirty="0"/>
+        </a:p>
+      </dsp:txBody>
+      <dsp:txXfrm>
+        <a:off x="2615595" y="1482022"/>
+        <a:ext cx="869504" cy="1099955"/>
+      </dsp:txXfrm>
+    </dsp:sp>
+    <dsp:sp modelId="{899EE98D-172D-4A4D-8596-794F4F1A9791}">
+      <dsp:nvSpPr>
+        <dsp:cNvPr id="0" name=""/>
+        <dsp:cNvSpPr/>
+      </dsp:nvSpPr>
+      <dsp:spPr>
+        <a:xfrm>
+          <a:off x="3604513" y="1917472"/>
+          <a:ext cx="195805" cy="229054"/>
+        </a:xfrm>
+        <a:prstGeom prst="rightArrow">
+          <a:avLst>
+            <a:gd name="adj1" fmla="val 60000"/>
+            <a:gd name="adj2" fmla="val 50000"/>
+          </a:avLst>
+        </a:prstGeom>
+        <a:solidFill>
+          <a:schemeClr val="accent1">
+            <a:tint val="60000"/>
+            <a:hueOff val="0"/>
+            <a:satOff val="0"/>
+            <a:lumOff val="0"/>
+            <a:alphaOff val="0"/>
+          </a:schemeClr>
+        </a:solidFill>
+        <a:ln>
+          <a:noFill/>
+        </a:ln>
+        <a:effectLst/>
+      </dsp:spPr>
+      <dsp:style>
+        <a:lnRef idx="0">
+          <a:scrgbClr r="0" g="0" b="0"/>
+        </a:lnRef>
+        <a:fillRef idx="1">
+          <a:scrgbClr r="0" g="0" b="0"/>
+        </a:fillRef>
+        <a:effectRef idx="0">
+          <a:scrgbClr r="0" g="0" b="0"/>
+        </a:effectRef>
+        <a:fontRef idx="minor">
+          <a:schemeClr val="lt1"/>
+        </a:fontRef>
+      </dsp:style>
+      <dsp:txBody>
+        <a:bodyPr spcFirstLastPara="0" vert="horz" wrap="square" lIns="0" tIns="0" rIns="0" bIns="0" numCol="1" spcCol="1270" anchor="ctr" anchorCtr="0">
+          <a:noAutofit/>
+        </a:bodyPr>
+        <a:lstStyle/>
+        <a:p>
+          <a:pPr lvl="0" algn="ctr" defTabSz="400050">
+            <a:lnSpc>
+              <a:spcPct val="90000"/>
+            </a:lnSpc>
+            <a:spcBef>
+              <a:spcPct val="0"/>
+            </a:spcBef>
+            <a:spcAft>
+              <a:spcPct val="35000"/>
+            </a:spcAft>
+          </a:pPr>
+          <a:endParaRPr lang="en-CA" sz="900" kern="1200"/>
+        </a:p>
+      </dsp:txBody>
+      <dsp:txXfrm>
+        <a:off x="3604513" y="1963283"/>
+        <a:ext cx="137064" cy="137432"/>
+      </dsp:txXfrm>
+    </dsp:sp>
+    <dsp:sp modelId="{13EFEA9D-E4BB-46FE-AC3D-F4DF4F69F47E}">
+      <dsp:nvSpPr>
+        <dsp:cNvPr id="0" name=""/>
+        <dsp:cNvSpPr/>
+      </dsp:nvSpPr>
+      <dsp:spPr>
+        <a:xfrm>
+          <a:off x="3881595" y="1454970"/>
+          <a:ext cx="923608" cy="1154059"/>
+        </a:xfrm>
+        <a:prstGeom prst="roundRect">
+          <a:avLst>
+            <a:gd name="adj" fmla="val 10000"/>
+          </a:avLst>
+        </a:prstGeom>
+        <a:solidFill>
+          <a:schemeClr val="accent1">
+            <a:hueOff val="0"/>
+            <a:satOff val="0"/>
+            <a:lumOff val="0"/>
+            <a:alphaOff val="0"/>
+          </a:schemeClr>
+        </a:solidFill>
+        <a:ln w="25400" cap="flat" cmpd="sng" algn="ctr">
+          <a:solidFill>
+            <a:schemeClr val="lt1">
+              <a:hueOff val="0"/>
+              <a:satOff val="0"/>
+              <a:lumOff val="0"/>
+              <a:alphaOff val="0"/>
+            </a:schemeClr>
+          </a:solidFill>
+          <a:prstDash val="solid"/>
+        </a:ln>
+        <a:effectLst/>
+      </dsp:spPr>
+      <dsp:style>
+        <a:lnRef idx="2">
+          <a:scrgbClr r="0" g="0" b="0"/>
+        </a:lnRef>
+        <a:fillRef idx="1">
+          <a:scrgbClr r="0" g="0" b="0"/>
+        </a:fillRef>
+        <a:effectRef idx="0">
+          <a:scrgbClr r="0" g="0" b="0"/>
+        </a:effectRef>
+        <a:fontRef idx="minor">
+          <a:schemeClr val="lt1"/>
+        </a:fontRef>
+      </dsp:style>
+      <dsp:txBody>
+        <a:bodyPr spcFirstLastPara="0" vert="horz" wrap="square" lIns="45720" tIns="45720" rIns="45720" bIns="45720" numCol="1" spcCol="1270" anchor="ctr" anchorCtr="0">
+          <a:noAutofit/>
+        </a:bodyPr>
+        <a:lstStyle/>
+        <a:p>
+          <a:pPr lvl="0" algn="ctr" defTabSz="533400">
+            <a:lnSpc>
+              <a:spcPct val="90000"/>
+            </a:lnSpc>
+            <a:spcBef>
+              <a:spcPct val="0"/>
+            </a:spcBef>
+            <a:spcAft>
+              <a:spcPct val="35000"/>
+            </a:spcAft>
+          </a:pPr>
+          <a:r>
+            <a:rPr lang="en-CA" sz="1200" kern="1200" dirty="0" smtClean="0"/>
+            <a:t>Get Municipal Water Supply History</a:t>
+          </a:r>
+          <a:endParaRPr lang="en-CA" sz="1200" kern="1200" dirty="0"/>
+        </a:p>
+      </dsp:txBody>
+      <dsp:txXfrm>
+        <a:off x="3908647" y="1482022"/>
+        <a:ext cx="869504" cy="1099955"/>
+      </dsp:txXfrm>
+    </dsp:sp>
+    <dsp:sp modelId="{AF6D3AE1-7600-4A2E-A59D-354913D332CB}">
+      <dsp:nvSpPr>
+        <dsp:cNvPr id="0" name=""/>
+        <dsp:cNvSpPr/>
+      </dsp:nvSpPr>
+      <dsp:spPr>
+        <a:xfrm>
+          <a:off x="4897565" y="1917472"/>
+          <a:ext cx="195805" cy="229054"/>
+        </a:xfrm>
+        <a:prstGeom prst="rightArrow">
+          <a:avLst>
+            <a:gd name="adj1" fmla="val 60000"/>
+            <a:gd name="adj2" fmla="val 50000"/>
+          </a:avLst>
+        </a:prstGeom>
+        <a:solidFill>
+          <a:schemeClr val="accent1">
+            <a:tint val="60000"/>
+            <a:hueOff val="0"/>
+            <a:satOff val="0"/>
+            <a:lumOff val="0"/>
+            <a:alphaOff val="0"/>
+          </a:schemeClr>
+        </a:solidFill>
+        <a:ln>
+          <a:noFill/>
+        </a:ln>
+        <a:effectLst/>
+      </dsp:spPr>
+      <dsp:style>
+        <a:lnRef idx="0">
+          <a:scrgbClr r="0" g="0" b="0"/>
+        </a:lnRef>
+        <a:fillRef idx="1">
+          <a:scrgbClr r="0" g="0" b="0"/>
+        </a:fillRef>
+        <a:effectRef idx="0">
+          <a:scrgbClr r="0" g="0" b="0"/>
+        </a:effectRef>
+        <a:fontRef idx="minor">
+          <a:schemeClr val="lt1"/>
+        </a:fontRef>
+      </dsp:style>
+      <dsp:txBody>
+        <a:bodyPr spcFirstLastPara="0" vert="horz" wrap="square" lIns="0" tIns="0" rIns="0" bIns="0" numCol="1" spcCol="1270" anchor="ctr" anchorCtr="0">
+          <a:noAutofit/>
+        </a:bodyPr>
+        <a:lstStyle/>
+        <a:p>
+          <a:pPr lvl="0" algn="ctr" defTabSz="400050">
+            <a:lnSpc>
+              <a:spcPct val="90000"/>
+            </a:lnSpc>
+            <a:spcBef>
+              <a:spcPct val="0"/>
+            </a:spcBef>
+            <a:spcAft>
+              <a:spcPct val="35000"/>
+            </a:spcAft>
+          </a:pPr>
+          <a:endParaRPr lang="en-CA" sz="900" kern="1200"/>
+        </a:p>
+      </dsp:txBody>
+      <dsp:txXfrm>
+        <a:off x="4897565" y="1963283"/>
+        <a:ext cx="137064" cy="137432"/>
+      </dsp:txXfrm>
+    </dsp:sp>
+    <dsp:sp modelId="{5772F78E-7DC5-4908-A700-3738728F3A46}">
+      <dsp:nvSpPr>
+        <dsp:cNvPr id="0" name=""/>
+        <dsp:cNvSpPr/>
+      </dsp:nvSpPr>
+      <dsp:spPr>
+        <a:xfrm>
+          <a:off x="5174647" y="1454970"/>
+          <a:ext cx="923608" cy="1154059"/>
+        </a:xfrm>
+        <a:prstGeom prst="roundRect">
+          <a:avLst>
+            <a:gd name="adj" fmla="val 10000"/>
+          </a:avLst>
+        </a:prstGeom>
+        <a:solidFill>
+          <a:schemeClr val="accent1">
+            <a:hueOff val="0"/>
+            <a:satOff val="0"/>
+            <a:lumOff val="0"/>
+            <a:alphaOff val="0"/>
+          </a:schemeClr>
+        </a:solidFill>
+        <a:ln w="25400" cap="flat" cmpd="sng" algn="ctr">
+          <a:solidFill>
+            <a:schemeClr val="lt1">
+              <a:hueOff val="0"/>
+              <a:satOff val="0"/>
+              <a:lumOff val="0"/>
+              <a:alphaOff val="0"/>
+            </a:schemeClr>
+          </a:solidFill>
+          <a:prstDash val="solid"/>
+        </a:ln>
+        <a:effectLst/>
+      </dsp:spPr>
+      <dsp:style>
+        <a:lnRef idx="2">
+          <a:scrgbClr r="0" g="0" b="0"/>
+        </a:lnRef>
+        <a:fillRef idx="1">
+          <a:scrgbClr r="0" g="0" b="0"/>
+        </a:fillRef>
+        <a:effectRef idx="0">
+          <a:scrgbClr r="0" g="0" b="0"/>
+        </a:effectRef>
+        <a:fontRef idx="minor">
+          <a:schemeClr val="lt1"/>
+        </a:fontRef>
+      </dsp:style>
+      <dsp:txBody>
+        <a:bodyPr spcFirstLastPara="0" vert="horz" wrap="square" lIns="45720" tIns="45720" rIns="45720" bIns="45720" numCol="1" spcCol="1270" anchor="ctr" anchorCtr="0">
+          <a:noAutofit/>
+        </a:bodyPr>
+        <a:lstStyle/>
+        <a:p>
+          <a:pPr lvl="0" algn="ctr" defTabSz="533400">
+            <a:lnSpc>
+              <a:spcPct val="90000"/>
+            </a:lnSpc>
+            <a:spcBef>
+              <a:spcPct val="0"/>
+            </a:spcBef>
+            <a:spcAft>
+              <a:spcPct val="35000"/>
+            </a:spcAft>
+          </a:pPr>
+          <a:r>
+            <a:rPr lang="en-CA" sz="1200" kern="1200" dirty="0" smtClean="0"/>
+            <a:t>Get Municipal Water Segment Distribution History</a:t>
+          </a:r>
+          <a:endParaRPr lang="en-CA" sz="1200" kern="1200" dirty="0"/>
+        </a:p>
+      </dsp:txBody>
+      <dsp:txXfrm>
+        <a:off x="5201699" y="1482022"/>
+        <a:ext cx="869504" cy="1099955"/>
+      </dsp:txXfrm>
+    </dsp:sp>
+    <dsp:sp modelId="{07A3E70D-4FCE-48E0-AED4-63D9E5488AAF}">
+      <dsp:nvSpPr>
+        <dsp:cNvPr id="0" name=""/>
+        <dsp:cNvSpPr/>
+      </dsp:nvSpPr>
+      <dsp:spPr>
+        <a:xfrm>
+          <a:off x="6190617" y="1917472"/>
+          <a:ext cx="195805" cy="229054"/>
+        </a:xfrm>
+        <a:prstGeom prst="rightArrow">
+          <a:avLst>
+            <a:gd name="adj1" fmla="val 60000"/>
+            <a:gd name="adj2" fmla="val 50000"/>
+          </a:avLst>
+        </a:prstGeom>
+        <a:solidFill>
+          <a:schemeClr val="accent1">
+            <a:tint val="60000"/>
+            <a:hueOff val="0"/>
+            <a:satOff val="0"/>
+            <a:lumOff val="0"/>
+            <a:alphaOff val="0"/>
+          </a:schemeClr>
+        </a:solidFill>
+        <a:ln>
+          <a:noFill/>
+        </a:ln>
+        <a:effectLst/>
+      </dsp:spPr>
+      <dsp:style>
+        <a:lnRef idx="0">
+          <a:scrgbClr r="0" g="0" b="0"/>
+        </a:lnRef>
+        <a:fillRef idx="1">
+          <a:scrgbClr r="0" g="0" b="0"/>
+        </a:fillRef>
+        <a:effectRef idx="0">
+          <a:scrgbClr r="0" g="0" b="0"/>
+        </a:effectRef>
+        <a:fontRef idx="minor">
+          <a:schemeClr val="lt1"/>
+        </a:fontRef>
+      </dsp:style>
+      <dsp:txBody>
+        <a:bodyPr spcFirstLastPara="0" vert="horz" wrap="square" lIns="0" tIns="0" rIns="0" bIns="0" numCol="1" spcCol="1270" anchor="ctr" anchorCtr="0">
+          <a:noAutofit/>
+        </a:bodyPr>
+        <a:lstStyle/>
+        <a:p>
+          <a:pPr lvl="0" algn="ctr" defTabSz="400050">
+            <a:lnSpc>
+              <a:spcPct val="90000"/>
+            </a:lnSpc>
+            <a:spcBef>
+              <a:spcPct val="0"/>
+            </a:spcBef>
+            <a:spcAft>
+              <a:spcPct val="35000"/>
+            </a:spcAft>
+          </a:pPr>
+          <a:endParaRPr lang="en-CA" sz="900" kern="1200"/>
+        </a:p>
+      </dsp:txBody>
+      <dsp:txXfrm>
+        <a:off x="6190617" y="1963283"/>
+        <a:ext cx="137064" cy="137432"/>
+      </dsp:txXfrm>
+    </dsp:sp>
+    <dsp:sp modelId="{38EF2B51-EA83-4A86-A98F-AE8DCE7568F4}">
+      <dsp:nvSpPr>
+        <dsp:cNvPr id="0" name=""/>
+        <dsp:cNvSpPr/>
+      </dsp:nvSpPr>
+      <dsp:spPr>
+        <a:xfrm>
+          <a:off x="6467700" y="1454970"/>
+          <a:ext cx="923608" cy="1154059"/>
+        </a:xfrm>
+        <a:prstGeom prst="roundRect">
+          <a:avLst>
+            <a:gd name="adj" fmla="val 10000"/>
+          </a:avLst>
+        </a:prstGeom>
+        <a:solidFill>
+          <a:schemeClr val="accent1">
+            <a:hueOff val="0"/>
+            <a:satOff val="0"/>
+            <a:lumOff val="0"/>
+            <a:alphaOff val="0"/>
+          </a:schemeClr>
+        </a:solidFill>
+        <a:ln w="25400" cap="flat" cmpd="sng" algn="ctr">
+          <a:solidFill>
+            <a:schemeClr val="lt1">
+              <a:hueOff val="0"/>
+              <a:satOff val="0"/>
+              <a:lumOff val="0"/>
+              <a:alphaOff val="0"/>
+            </a:schemeClr>
+          </a:solidFill>
+          <a:prstDash val="solid"/>
+        </a:ln>
+        <a:effectLst/>
+      </dsp:spPr>
+      <dsp:style>
+        <a:lnRef idx="2">
+          <a:scrgbClr r="0" g="0" b="0"/>
+        </a:lnRef>
+        <a:fillRef idx="1">
+          <a:scrgbClr r="0" g="0" b="0"/>
+        </a:fillRef>
+        <a:effectRef idx="0">
+          <a:scrgbClr r="0" g="0" b="0"/>
+        </a:effectRef>
+        <a:fontRef idx="minor">
+          <a:schemeClr val="lt1"/>
+        </a:fontRef>
+      </dsp:style>
+      <dsp:txBody>
+        <a:bodyPr spcFirstLastPara="0" vert="horz" wrap="square" lIns="45720" tIns="45720" rIns="45720" bIns="45720" numCol="1" spcCol="1270" anchor="ctr" anchorCtr="0">
+          <a:noAutofit/>
+        </a:bodyPr>
+        <a:lstStyle/>
+        <a:p>
+          <a:pPr lvl="0" algn="ctr" defTabSz="533400">
+            <a:lnSpc>
+              <a:spcPct val="90000"/>
+            </a:lnSpc>
+            <a:spcBef>
+              <a:spcPct val="0"/>
+            </a:spcBef>
+            <a:spcAft>
+              <a:spcPct val="35000"/>
+            </a:spcAft>
+          </a:pPr>
+          <a:r>
+            <a:rPr lang="en-CA" sz="1200" kern="1200" dirty="0" err="1" smtClean="0"/>
+            <a:t>Calc</a:t>
+          </a:r>
+          <a:r>
+            <a:rPr lang="en-CA" sz="1200" kern="1200" dirty="0" smtClean="0"/>
+            <a:t> Water Supply, Usage, &amp; Leakage per Segment</a:t>
+          </a:r>
+          <a:endParaRPr lang="en-CA" sz="1200" kern="1200" dirty="0"/>
+        </a:p>
+      </dsp:txBody>
+      <dsp:txXfrm>
+        <a:off x="6494752" y="1482022"/>
+        <a:ext cx="869504" cy="1099955"/>
+      </dsp:txXfrm>
+    </dsp:sp>
+    <dsp:sp modelId="{38925A46-0CC0-4AAF-BFC5-753005BE8E9B}">
+      <dsp:nvSpPr>
+        <dsp:cNvPr id="0" name=""/>
+        <dsp:cNvSpPr/>
+      </dsp:nvSpPr>
+      <dsp:spPr>
+        <a:xfrm>
+          <a:off x="7483669" y="1917472"/>
+          <a:ext cx="195805" cy="229054"/>
+        </a:xfrm>
+        <a:prstGeom prst="rightArrow">
+          <a:avLst>
+            <a:gd name="adj1" fmla="val 60000"/>
+            <a:gd name="adj2" fmla="val 50000"/>
+          </a:avLst>
+        </a:prstGeom>
+        <a:solidFill>
+          <a:schemeClr val="accent1">
+            <a:tint val="60000"/>
+            <a:hueOff val="0"/>
+            <a:satOff val="0"/>
+            <a:lumOff val="0"/>
+            <a:alphaOff val="0"/>
+          </a:schemeClr>
+        </a:solidFill>
+        <a:ln>
+          <a:noFill/>
+        </a:ln>
+        <a:effectLst/>
+      </dsp:spPr>
+      <dsp:style>
+        <a:lnRef idx="0">
+          <a:scrgbClr r="0" g="0" b="0"/>
+        </a:lnRef>
+        <a:fillRef idx="1">
+          <a:scrgbClr r="0" g="0" b="0"/>
+        </a:fillRef>
+        <a:effectRef idx="0">
+          <a:scrgbClr r="0" g="0" b="0"/>
+        </a:effectRef>
+        <a:fontRef idx="minor">
+          <a:schemeClr val="lt1"/>
+        </a:fontRef>
+      </dsp:style>
+      <dsp:txBody>
+        <a:bodyPr spcFirstLastPara="0" vert="horz" wrap="square" lIns="0" tIns="0" rIns="0" bIns="0" numCol="1" spcCol="1270" anchor="ctr" anchorCtr="0">
+          <a:noAutofit/>
+        </a:bodyPr>
+        <a:lstStyle/>
+        <a:p>
+          <a:pPr lvl="0" algn="ctr" defTabSz="400050">
+            <a:lnSpc>
+              <a:spcPct val="90000"/>
+            </a:lnSpc>
+            <a:spcBef>
+              <a:spcPct val="0"/>
+            </a:spcBef>
+            <a:spcAft>
+              <a:spcPct val="35000"/>
+            </a:spcAft>
+          </a:pPr>
+          <a:endParaRPr lang="en-CA" sz="900" kern="1200"/>
+        </a:p>
+      </dsp:txBody>
+      <dsp:txXfrm>
+        <a:off x="7483669" y="1963283"/>
+        <a:ext cx="137064" cy="137432"/>
+      </dsp:txXfrm>
+    </dsp:sp>
+    <dsp:sp modelId="{74F465C6-C483-4C91-896A-88314E8E9524}">
+      <dsp:nvSpPr>
+        <dsp:cNvPr id="0" name=""/>
+        <dsp:cNvSpPr/>
+      </dsp:nvSpPr>
+      <dsp:spPr>
+        <a:xfrm>
+          <a:off x="7760752" y="1454970"/>
+          <a:ext cx="923608" cy="1154059"/>
+        </a:xfrm>
+        <a:prstGeom prst="roundRect">
+          <a:avLst>
+            <a:gd name="adj" fmla="val 10000"/>
+          </a:avLst>
+        </a:prstGeom>
+        <a:solidFill>
+          <a:schemeClr val="accent1">
+            <a:hueOff val="0"/>
+            <a:satOff val="0"/>
+            <a:lumOff val="0"/>
+            <a:alphaOff val="0"/>
+          </a:schemeClr>
+        </a:solidFill>
+        <a:ln w="25400" cap="flat" cmpd="sng" algn="ctr">
+          <a:solidFill>
+            <a:schemeClr val="lt1">
+              <a:hueOff val="0"/>
+              <a:satOff val="0"/>
+              <a:lumOff val="0"/>
+              <a:alphaOff val="0"/>
+            </a:schemeClr>
+          </a:solidFill>
+          <a:prstDash val="solid"/>
+        </a:ln>
+        <a:effectLst/>
+      </dsp:spPr>
+      <dsp:style>
+        <a:lnRef idx="2">
+          <a:scrgbClr r="0" g="0" b="0"/>
+        </a:lnRef>
+        <a:fillRef idx="1">
+          <a:scrgbClr r="0" g="0" b="0"/>
+        </a:fillRef>
+        <a:effectRef idx="0">
+          <a:scrgbClr r="0" g="0" b="0"/>
+        </a:effectRef>
+        <a:fontRef idx="minor">
+          <a:schemeClr val="lt1"/>
+        </a:fontRef>
+      </dsp:style>
+      <dsp:txBody>
+        <a:bodyPr spcFirstLastPara="0" vert="horz" wrap="square" lIns="45720" tIns="45720" rIns="45720" bIns="45720" numCol="1" spcCol="1270" anchor="ctr" anchorCtr="0">
+          <a:noAutofit/>
+        </a:bodyPr>
+        <a:lstStyle/>
+        <a:p>
+          <a:pPr lvl="0" algn="ctr" defTabSz="533400">
+            <a:lnSpc>
+              <a:spcPct val="90000"/>
+            </a:lnSpc>
+            <a:spcBef>
+              <a:spcPct val="0"/>
+            </a:spcBef>
+            <a:spcAft>
+              <a:spcPct val="35000"/>
+            </a:spcAft>
+          </a:pPr>
+          <a:r>
+            <a:rPr lang="en-CA" sz="1200" kern="1200" dirty="0" smtClean="0"/>
+            <a:t>Review Water Leakage Findings</a:t>
+          </a:r>
+          <a:endParaRPr lang="en-CA" sz="1200" kern="1200" dirty="0"/>
+        </a:p>
+      </dsp:txBody>
+      <dsp:txXfrm>
+        <a:off x="7787804" y="1482022"/>
+        <a:ext cx="869504" cy="1099955"/>
+      </dsp:txXfrm>
+    </dsp:sp>
+  </dsp:spTree>
+</dsp:drawing>
+</file>
+
+<file path=ppt/diagrams/layout1.xml><?xml version="1.0" encoding="utf-8"?>
+<dgm:layoutDef xmlns:dgm="http://schemas.openxmlformats.org/drawingml/2006/diagram" xmlns:a="http://schemas.openxmlformats.org/drawingml/2006/main" uniqueId="urn:microsoft.com/office/officeart/2005/8/layout/process1">
+  <dgm:title val=""/>
+  <dgm:desc val=""/>
+  <dgm:catLst>
+    <dgm:cat type="process" pri="1000"/>
+    <dgm:cat type="convert" pri="15000"/>
+  </dgm:catLst>
+  <dgm:sampData useDef="1">
+    <dgm:dataModel>
+      <dgm:ptLst/>
+      <dgm:bg/>
+      <dgm:whole/>
+    </dgm:dataModel>
+  </dgm:sampData>
+  <dgm:styleData>
+    <dgm:dataModel>
+      <dgm:ptLst>
+        <dgm:pt modelId="0" type="doc"/>
+        <dgm:pt modelId="1"/>
+        <dgm:pt modelId="2"/>
+      </dgm:ptLst>
+      <dgm:cxnLst>
+        <dgm:cxn modelId="3" srcId="0" destId="1" srcOrd="0" destOrd="0"/>
+        <dgm:cxn modelId="4" srcId="0" destId="2" srcOrd="1" destOrd="0"/>
+      </dgm:cxnLst>
+      <dgm:bg/>
+      <dgm:whole/>
+    </dgm:dataModel>
+  </dgm:styleData>
+  <dgm:clrData>
+    <dgm:dataModel>
+      <dgm:ptLst>
+        <dgm:pt modelId="0" type="doc"/>
+        <dgm:pt modelId="1"/>
+        <dgm:pt modelId="2"/>
+        <dgm:pt modelId="3"/>
+        <dgm:pt modelId="4"/>
+      </dgm:ptLst>
+      <dgm:cxnLst>
+        <dgm:cxn modelId="5" srcId="0" destId="1" srcOrd="0" destOrd="0"/>
+        <dgm:cxn modelId="6" srcId="0" destId="2" srcOrd="1" destOrd="0"/>
+        <dgm:cxn modelId="7" srcId="0" destId="3" srcOrd="2" destOrd="0"/>
+        <dgm:cxn modelId="8" srcId="0" destId="4" srcOrd="3" destOrd="0"/>
+      </dgm:cxnLst>
+      <dgm:bg/>
+      <dgm:whole/>
+    </dgm:dataModel>
+  </dgm:clrData>
+  <dgm:layoutNode name="Name0">
+    <dgm:varLst>
+      <dgm:dir/>
+      <dgm:resizeHandles val="exact"/>
+    </dgm:varLst>
+    <dgm:choose name="Name1">
+      <dgm:if name="Name2" func="var" arg="dir" op="equ" val="norm">
+        <dgm:alg type="lin"/>
+      </dgm:if>
+      <dgm:else name="Name3">
+        <dgm:alg type="lin">
+          <dgm:param type="linDir" val="fromR"/>
+        </dgm:alg>
+      </dgm:else>
+    </dgm:choose>
+    <dgm:shape xmlns:r="http://schemas.openxmlformats.org/officeDocument/2006/relationships" r:blip="">
+      <dgm:adjLst/>
+    </dgm:shape>
+    <dgm:presOf/>
+    <dgm:constrLst>
+      <dgm:constr type="w" for="ch" ptType="node" refType="w"/>
+      <dgm:constr type="h" for="ch" ptType="node" op="equ"/>
+      <dgm:constr type="primFontSz" for="ch" ptType="node" op="equ" val="65"/>
+      <dgm:constr type="w" for="ch" ptType="sibTrans" refType="w" refFor="ch" refPtType="node" op="equ" fact="0.4"/>
+      <dgm:constr type="h" for="ch" ptType="sibTrans" op="equ"/>
+      <dgm:constr type="primFontSz" for="des" forName="connectorText" op="equ" val="55"/>
+      <dgm:constr type="primFontSz" for="des" forName="connectorText" refType="primFontSz" refFor="ch" refPtType="node" op="lte" fact="0.8"/>
+    </dgm:constrLst>
+    <dgm:ruleLst/>
+    <dgm:forEach name="nodesForEach" axis="ch" ptType="node">
+      <dgm:layoutNode name="node">
+        <dgm:varLst>
+          <dgm:bulletEnabled val="1"/>
+        </dgm:varLst>
+        <dgm:alg type="tx"/>
+        <dgm:shape xmlns:r="http://schemas.openxmlformats.org/officeDocument/2006/relationships" type="roundRect" r:blip="">
+          <dgm:adjLst>
+            <dgm:adj idx="1" val="0.1"/>
+          </dgm:adjLst>
+        </dgm:shape>
+        <dgm:presOf axis="desOrSelf" ptType="node"/>
+        <dgm:constrLst>
+          <dgm:constr type="h" refType="w" fact="0.6"/>
+          <dgm:constr type="tMarg" refType="primFontSz" fact="0.3"/>
+          <dgm:constr type="bMarg" refType="primFontSz" fact="0.3"/>
+          <dgm:constr type="lMarg" refType="primFontSz" fact="0.3"/>
+          <dgm:constr type="rMarg" refType="primFontSz" fact="0.3"/>
+        </dgm:constrLst>
+        <dgm:ruleLst>
+          <dgm:rule type="primFontSz" val="18" fact="NaN" max="NaN"/>
+          <dgm:rule type="h" val="NaN" fact="1.5" max="NaN"/>
+          <dgm:rule type="primFontSz" val="5" fact="NaN" max="NaN"/>
+          <dgm:rule type="h" val="INF" fact="NaN" max="NaN"/>
+        </dgm:ruleLst>
+      </dgm:layoutNode>
+      <dgm:forEach name="sibTransForEach" axis="followSib" ptType="sibTrans" cnt="1">
+        <dgm:layoutNode name="sibTrans">
+          <dgm:alg type="conn">
+            <dgm:param type="begPts" val="auto"/>
+            <dgm:param type="endPts" val="auto"/>
+          </dgm:alg>
+          <dgm:shape xmlns:r="http://schemas.openxmlformats.org/officeDocument/2006/relationships" type="conn" r:blip="">
+            <dgm:adjLst/>
+          </dgm:shape>
+          <dgm:presOf axis="self"/>
+          <dgm:constrLst>
+            <dgm:constr type="h" refType="w" fact="0.62"/>
+            <dgm:constr type="connDist"/>
+            <dgm:constr type="begPad" refType="connDist" fact="0.25"/>
+            <dgm:constr type="endPad" refType="connDist" fact="0.22"/>
+          </dgm:constrLst>
+          <dgm:ruleLst/>
+          <dgm:layoutNode name="connectorText">
+            <dgm:alg type="tx">
+              <dgm:param type="autoTxRot" val="grav"/>
+            </dgm:alg>
+            <dgm:shape xmlns:r="http://schemas.openxmlformats.org/officeDocument/2006/relationships" type="conn" r:blip="" hideGeom="1">
+              <dgm:adjLst/>
+            </dgm:shape>
+            <dgm:presOf axis="self"/>
+            <dgm:constrLst>
+              <dgm:constr type="lMarg"/>
+              <dgm:constr type="rMarg"/>
+              <dgm:constr type="tMarg"/>
+              <dgm:constr type="bMarg"/>
+            </dgm:constrLst>
+            <dgm:ruleLst>
+              <dgm:rule type="primFontSz" val="5" fact="NaN" max="NaN"/>
+            </dgm:ruleLst>
+          </dgm:layoutNode>
+        </dgm:layoutNode>
+      </dgm:forEach>
+    </dgm:forEach>
+  </dgm:layoutNode>
+</dgm:layoutDef>
+</file>
+
+<file path=ppt/diagrams/quickStyle1.xml><?xml version="1.0" encoding="utf-8"?>
+<dgm:styleDef xmlns:dgm="http://schemas.openxmlformats.org/drawingml/2006/diagram" xmlns:a="http://schemas.openxmlformats.org/drawingml/2006/main" uniqueId="urn:microsoft.com/office/officeart/2005/8/quickstyle/simple1">
+  <dgm:title val=""/>
+  <dgm:desc val=""/>
+  <dgm:catLst>
+    <dgm:cat type="simple" pri="10100"/>
+  </dgm:catLst>
+  <dgm:scene3d>
+    <a:camera prst="orthographicFront"/>
+    <a:lightRig rig="threePt" dir="t"/>
+  </dgm:scene3d>
+  <dgm:styleLbl name="node0">
+    <dgm:scene3d>
+      <a:camera prst="orthographicFront"/>
+      <a:lightRig rig="threePt" dir="t"/>
+    </dgm:scene3d>
+    <dgm:sp3d/>
+    <dgm:txPr/>
+    <dgm:style>
+      <a:lnRef idx="2">
+        <a:scrgbClr r="0" g="0" b="0"/>
+      </a:lnRef>
+      <a:fillRef idx="1">
+        <a:scrgbClr r="0" g="0" b="0"/>
+      </a:fillRef>
+      <a:effectRef idx="0">
+        <a:scrgbClr r="0" g="0" b="0"/>
+      </a:effectRef>
+      <a:fontRef idx="minor">
+        <a:schemeClr val="lt1"/>
+      </a:fontRef>
+    </dgm:style>
+  </dgm:styleLbl>
+  <dgm:styleLbl name="lnNode1">
+    <dgm:scene3d>
+      <a:camera prst="orthographicFront"/>
+      <a:lightRig rig="threePt" dir="t"/>
+    </dgm:scene3d>
+    <dgm:sp3d/>
+    <dgm:txPr/>
+    <dgm:style>
+      <a:lnRef idx="2">
+        <a:scrgbClr r="0" g="0" b="0"/>
+      </a:lnRef>
+      <a:fillRef idx="1">
+        <a:scrgbClr r="0" g="0" b="0"/>
+      </a:fillRef>
+      <a:effectRef idx="0">
+        <a:scrgbClr r="0" g="0" b="0"/>
+      </a:effectRef>
+      <a:fontRef idx="minor">
+        <a:schemeClr val="lt1"/>
+      </a:fontRef>
+    </dgm:style>
+  </dgm:styleLbl>
+  <dgm:styleLbl name="vennNode1">
+    <dgm:scene3d>
+      <a:camera prst="orthographicFront"/>
+      <a:lightRig rig="threePt" dir="t"/>
+    </dgm:scene3d>
+    <dgm:sp3d/>
+    <dgm:txPr/>
+    <dgm:style>
+      <a:lnRef idx="2">
+        <a:scrgbClr r="0" g="0" b="0"/>
+      </a:lnRef>
+      <a:fillRef idx="1">
+        <a:scrgbClr r="0" g="0" b="0"/>
+      </a:fillRef>
+      <a:effectRef idx="0">
+        <a:scrgbClr r="0" g="0" b="0"/>
+      </a:effectRef>
+      <a:fontRef idx="minor">
+        <a:schemeClr val="tx1"/>
+      </a:fontRef>
+    </dgm:style>
+  </dgm:styleLbl>
+  <dgm:styleLbl name="alignNode1">
+    <dgm:scene3d>
+      <a:camera prst="orthographicFront"/>
+      <a:lightRig rig="threePt" dir="t"/>
+    </dgm:scene3d>
+    <dgm:sp3d/>
+    <dgm:txPr/>
+    <dgm:style>
+      <a:lnRef idx="2">
+        <a:scrgbClr r="0" g="0" b="0"/>
+      </a:lnRef>
+      <a:fillRef idx="1">
+        <a:scrgbClr r="0" g="0" b="0"/>
+      </a:fillRef>
+      <a:effectRef idx="0">
+        <a:scrgbClr r="0" g="0" b="0"/>
+      </a:effectRef>
+      <a:fontRef idx="minor">
+        <a:schemeClr val="lt1"/>
+      </a:fontRef>
+    </dgm:style>
+  </dgm:styleLbl>
+  <dgm:styleLbl name="node1">
+    <dgm:scene3d>
+      <a:camera prst="orthographicFront"/>
+      <a:lightRig rig="threePt" dir="t"/>
+    </dgm:scene3d>
+    <dgm:sp3d/>
+    <dgm:txPr/>
+    <dgm:style>
+      <a:lnRef idx="2">
+        <a:scrgbClr r="0" g="0" b="0"/>
+      </a:lnRef>
+      <a:fillRef idx="1">
+        <a:scrgbClr r="0" g="0" b="0"/>
+      </a:fillRef>
+      <a:effectRef idx="0">
+        <a:scrgbClr r="0" g="0" b="0"/>
+      </a:effectRef>
+      <a:fontRef idx="minor">
+        <a:schemeClr val="lt1"/>
+      </a:fontRef>
+    </dgm:style>
+  </dgm:styleLbl>
+  <dgm:styleLbl name="node2">
+    <dgm:scene3d>
+      <a:camera prst="orthographicFront"/>
+      <a:lightRig rig="threePt" dir="t"/>
+    </dgm:scene3d>
+    <dgm:sp3d/>
+    <dgm:txPr/>
+    <dgm:style>
+      <a:lnRef idx="2">
+        <a:scrgbClr r="0" g="0" b="0"/>
+      </a:lnRef>
+      <a:fillRef idx="1">
+        <a:scrgbClr r="0" g="0" b="0"/>
+      </a:fillRef>
+      <a:effectRef idx="0">
+        <a:scrgbClr r="0" g="0" b="0"/>
+      </a:effectRef>
+      <a:fontRef idx="minor">
+        <a:schemeClr val="lt1"/>
+      </a:fontRef>
+    </dgm:style>
+  </dgm:styleLbl>
+  <dgm:styleLbl name="node3">
+    <dgm:scene3d>
+      <a:camera prst="orthographicFront"/>
+      <a:lightRig rig="threePt" dir="t"/>
+    </dgm:scene3d>
+    <dgm:sp3d/>
+    <dgm:txPr/>
+    <dgm:style>
+      <a:lnRef idx="2">
+        <a:scrgbClr r="0" g="0" b="0"/>
+      </a:lnRef>
+      <a:fillRef idx="1">
+        <a:scrgbClr r="0" g="0" b="0"/>
+      </a:fillRef>
+      <a:effectRef idx="0">
+        <a:scrgbClr r="0" g="0" b="0"/>
+      </a:effectRef>
+      <a:fontRef idx="minor">
+        <a:schemeClr val="lt1"/>
+      </a:fontRef>
+    </dgm:style>
+  </dgm:styleLbl>
+  <dgm:styleLbl name="node4">
+    <dgm:scene3d>
+      <a:camera prst="orthographicFront"/>
+      <a:lightRig rig="threePt" dir="t"/>
+    </dgm:scene3d>
+    <dgm:sp3d/>
+    <dgm:txPr/>
+    <dgm:style>
+      <a:lnRef idx="2">
+        <a:scrgbClr r="0" g="0" b="0"/>
+      </a:lnRef>
+      <a:fillRef idx="1">
+        <a:scrgbClr r="0" g="0" b="0"/>
+      </a:fillRef>
+      <a:effectRef idx="0">
+        <a:scrgbClr r="0" g="0" b="0"/>
+      </a:effectRef>
+      <a:fontRef idx="minor">
+        <a:schemeClr val="lt1"/>
+      </a:fontRef>
+    </dgm:style>
+  </dgm:styleLbl>
+  <dgm:styleLbl name="fgImgPlace1">
+    <dgm:scene3d>
+      <a:camera prst="orthographicFront"/>
+      <a:lightRig rig="threePt" dir="t"/>
+    </dgm:scene3d>
+    <dgm:sp3d/>
+    <dgm:txPr/>
+    <dgm:style>
+      <a:lnRef idx="2">
+        <a:scrgbClr r="0" g="0" b="0"/>
+      </a:lnRef>
+      <a:fillRef idx="1">
+        <a:scrgbClr r="0" g="0" b="0"/>
+      </a:fillRef>
+      <a:effectRef idx="0">
+        <a:scrgbClr r="0" g="0" b="0"/>
+      </a:effectRef>
+      <a:fontRef idx="minor"/>
+    </dgm:style>
+  </dgm:styleLbl>
+  <dgm:styleLbl name="alignImgPlace1">
+    <dgm:scene3d>
+      <a:camera prst="orthographicFront"/>
+      <a:lightRig rig="threePt" dir="t"/>
+    </dgm:scene3d>
+    <dgm:sp3d/>
+    <dgm:txPr/>
+    <dgm:style>
+      <a:lnRef idx="2">
+        <a:scrgbClr r="0" g="0" b="0"/>
+      </a:lnRef>
+      <a:fillRef idx="1">
+        <a:scrgbClr r="0" g="0" b="0"/>
+      </a:fillRef>
+      <a:effectRef idx="0">
+        <a:scrgbClr r="0" g="0" b="0"/>
+      </a:effectRef>
+      <a:fontRef idx="minor"/>
+    </dgm:style>
+  </dgm:styleLbl>
+  <dgm:styleLbl name="bgImgPlace1">
+    <dgm:scene3d>
+      <a:camera prst="orthographicFront"/>
+      <a:lightRig rig="threePt" dir="t"/>
+    </dgm:scene3d>
+    <dgm:sp3d/>
+    <dgm:txPr/>
+    <dgm:style>
+      <a:lnRef idx="2">
+        <a:scrgbClr r="0" g="0" b="0"/>
+      </a:lnRef>
+      <a:fillRef idx="1">
+        <a:scrgbClr r="0" g="0" b="0"/>
+      </a:fillRef>
+      <a:effectRef idx="0">
+        <a:scrgbClr r="0" g="0" b="0"/>
+      </a:effectRef>
+      <a:fontRef idx="minor"/>
+    </dgm:style>
+  </dgm:styleLbl>
+  <dgm:styleLbl name="sibTrans2D1">
+    <dgm:scene3d>
+      <a:camera prst="orthographicFront"/>
+      <a:lightRig rig="threePt" dir="t"/>
+    </dgm:scene3d>
+    <dgm:sp3d/>
+    <dgm:txPr/>
+    <dgm:style>
+      <a:lnRef idx="0">
+        <a:scrgbClr r="0" g="0" b="0"/>
+      </a:lnRef>
+      <a:fillRef idx="1">
+        <a:scrgbClr r="0" g="0" b="0"/>
+      </a:fillRef>
+      <a:effectRef idx="0">
+        <a:scrgbClr r="0" g="0" b="0"/>
+      </a:effectRef>
+      <a:fontRef idx="minor">
+        <a:schemeClr val="lt1"/>
+      </a:fontRef>
+    </dgm:style>
+  </dgm:styleLbl>
+  <dgm:styleLbl name="fgSibTrans2D1">
+    <dgm:scene3d>
+      <a:camera prst="orthographicFront"/>
+      <a:lightRig rig="threePt" dir="t"/>
+    </dgm:scene3d>
+    <dgm:sp3d/>
+    <dgm:txPr/>
+    <dgm:style>
+      <a:lnRef idx="0">
+        <a:scrgbClr r="0" g="0" b="0"/>
+      </a:lnRef>
+      <a:fillRef idx="1">
+        <a:scrgbClr r="0" g="0" b="0"/>
+      </a:fillRef>
+      <a:effectRef idx="0">
+        <a:scrgbClr r="0" g="0" b="0"/>
+      </a:effectRef>
+      <a:fontRef idx="minor">
+        <a:schemeClr val="lt1"/>
+      </a:fontRef>
+    </dgm:style>
+  </dgm:styleLbl>
+  <dgm:styleLbl name="bgSibTrans2D1">
+    <dgm:scene3d>
+      <a:camera prst="orthographicFront"/>
+      <a:lightRig rig="threePt" dir="t"/>
+    </dgm:scene3d>
+    <dgm:sp3d/>
+    <dgm:txPr/>
+    <dgm:style>
+      <a:lnRef idx="0">
+        <a:scrgbClr r="0" g="0" b="0"/>
+      </a:lnRef>
+      <a:fillRef idx="1">
+        <a:scrgbClr r="0" g="0" b="0"/>
+      </a:fillRef>
+      <a:effectRef idx="0">
+        <a:scrgbClr r="0" g="0" b="0"/>
+      </a:effectRef>
+      <a:fontRef idx="minor">
+        <a:schemeClr val="lt1"/>
+      </a:fontRef>
+    </dgm:style>
+  </dgm:styleLbl>
+  <dgm:styleLbl name="sibTrans1D1">
+    <dgm:scene3d>
+      <a:camera prst="orthographicFront"/>
+      <a:lightRig rig="threePt" dir="t"/>
+    </dgm:scene3d>
+    <dgm:sp3d/>
+    <dgm:txPr/>
+    <dgm:style>
+      <a:lnRef idx="1">
+        <a:scrgbClr r="0" g="0" b="0"/>
+      </a:lnRef>
+      <a:fillRef idx="0">
+        <a:scrgbClr r="0" g="0" b="0"/>
+      </a:fillRef>
+      <a:effectRef idx="0">
+        <a:scrgbClr r="0" g="0" b="0"/>
+      </a:effectRef>
+      <a:fontRef idx="minor"/>
+    </dgm:style>
+  </dgm:styleLbl>
+  <dgm:styleLbl name="callout">
+    <dgm:scene3d>
+      <a:camera prst="orthographicFront"/>
+      <a:lightRig rig="threePt" dir="t"/>
+    </dgm:scene3d>
+    <dgm:sp3d/>
+    <dgm:txPr/>
+    <dgm:style>
+      <a:lnRef idx="2">
+        <a:scrgbClr r="0" g="0" b="0"/>
+      </a:lnRef>
+      <a:fillRef idx="1">
+        <a:scrgbClr r="0" g="0" b="0"/>
+      </a:fillRef>
+      <a:effectRef idx="0">
+        <a:scrgbClr r="0" g="0" b="0"/>
+      </a:effectRef>
+      <a:fontRef idx="minor"/>
+    </dgm:style>
+  </dgm:styleLbl>
+  <dgm:styleLbl name="asst0">
+    <dgm:scene3d>
+      <a:camera prst="orthographicFront"/>
+      <a:lightRig rig="threePt" dir="t"/>
+    </dgm:scene3d>
+    <dgm:sp3d/>
+    <dgm:txPr/>
+    <dgm:style>
+      <a:lnRef idx="2">
+        <a:scrgbClr r="0" g="0" b="0"/>
+      </a:lnRef>
+      <a:fillRef idx="1">
+        <a:scrgbClr r="0" g="0" b="0"/>
+      </a:fillRef>
+      <a:effectRef idx="0">
+        <a:scrgbClr r="0" g="0" b="0"/>
+      </a:effectRef>
+      <a:fontRef idx="minor">
+        <a:schemeClr val="lt1"/>
+      </a:fontRef>
+    </dgm:style>
+  </dgm:styleLbl>
+  <dgm:styleLbl name="asst1">
+    <dgm:scene3d>
+      <a:camera prst="orthographicFront"/>
+      <a:lightRig rig="threePt" dir="t"/>
+    </dgm:scene3d>
+    <dgm:sp3d/>
+    <dgm:txPr/>
+    <dgm:style>
+      <a:lnRef idx="2">
+        <a:scrgbClr r="0" g="0" b="0"/>
+      </a:lnRef>
+      <a:fillRef idx="1">
+        <a:scrgbClr r="0" g="0" b="0"/>
+      </a:fillRef>
+      <a:effectRef idx="0">
+        <a:scrgbClr r="0" g="0" b="0"/>
+      </a:effectRef>
+      <a:fontRef idx="minor">
+        <a:schemeClr val="lt1"/>
+      </a:fontRef>
+    </dgm:style>
+  </dgm:styleLbl>
+  <dgm:styleLbl name="asst2">
+    <dgm:scene3d>
+      <a:camera prst="orthographicFront"/>
+      <a:lightRig rig="threePt" dir="t"/>
+    </dgm:scene3d>
+    <dgm:sp3d/>
+    <dgm:txPr/>
+    <dgm:style>
+      <a:lnRef idx="2">
+        <a:scrgbClr r="0" g="0" b="0"/>
+      </a:lnRef>
+      <a:fillRef idx="1">
+        <a:scrgbClr r="0" g="0" b="0"/>
+      </a:fillRef>
+      <a:effectRef idx="0">
+        <a:scrgbClr r="0" g="0" b="0"/>
+      </a:effectRef>
+      <a:fontRef idx="minor">
+        <a:schemeClr val="lt1"/>
+      </a:fontRef>
+    </dgm:style>
+  </dgm:styleLbl>
+  <dgm:styleLbl name="asst3">
+    <dgm:scene3d>
+      <a:camera prst="orthographicFront"/>
+      <a:lightRig rig="threePt" dir="t"/>
+    </dgm:scene3d>
+    <dgm:sp3d/>
+    <dgm:txPr/>
+    <dgm:style>
+      <a:lnRef idx="2">
+        <a:scrgbClr r="0" g="0" b="0"/>
+      </a:lnRef>
+      <a:fillRef idx="1">
+        <a:scrgbClr r="0" g="0" b="0"/>
+      </a:fillRef>
+      <a:effectRef idx="0">
+        <a:scrgbClr r="0" g="0" b="0"/>
+      </a:effectRef>
+      <a:fontRef idx="minor">
+        <a:schemeClr val="lt1"/>
+      </a:fontRef>
+    </dgm:style>
+  </dgm:styleLbl>
+  <dgm:styleLbl name="asst4">
+    <dgm:scene3d>
+      <a:camera prst="orthographicFront"/>
+      <a:lightRig rig="threePt" dir="t"/>
+    </dgm:scene3d>
+    <dgm:sp3d/>
+    <dgm:txPr/>
+    <dgm:style>
+      <a:lnRef idx="2">
+        <a:scrgbClr r="0" g="0" b="0"/>
+      </a:lnRef>
+      <a:fillRef idx="1">
+        <a:scrgbClr r="0" g="0" b="0"/>
+      </a:fillRef>
+      <a:effectRef idx="0">
+        <a:scrgbClr r="0" g="0" b="0"/>
+      </a:effectRef>
+      <a:fontRef idx="minor">
+        <a:schemeClr val="lt1"/>
+      </a:fontRef>
+    </dgm:style>
+  </dgm:styleLbl>
+  <dgm:styleLbl name="parChTrans2D1">
+    <dgm:scene3d>
+      <a:camera prst="orthographicFront"/>
+      <a:lightRig rig="threePt" dir="t"/>
+    </dgm:scene3d>
+    <dgm:sp3d/>
+    <dgm:txPr/>
+    <dgm:style>
+      <a:lnRef idx="2">
+        <a:scrgbClr r="0" g="0" b="0"/>
+      </a:lnRef>
+      <a:fillRef idx="1">
+        <a:scrgbClr r="0" g="0" b="0"/>
+      </a:fillRef>
+      <a:effectRef idx="0">
+        <a:scrgbClr r="0" g="0" b="0"/>
+      </a:effectRef>
+      <a:fontRef idx="minor">
+        <a:schemeClr val="lt1"/>
+      </a:fontRef>
+    </dgm:style>
+  </dgm:styleLbl>
+  <dgm:styleLbl name="parChTrans2D2">
+    <dgm:scene3d>
+      <a:camera prst="orthographicFront"/>
+      <a:lightRig rig="threePt" dir="t"/>
+    </dgm:scene3d>
+    <dgm:sp3d/>
+    <dgm:txPr/>
+    <dgm:style>
+      <a:lnRef idx="2">
+        <a:scrgbClr r="0" g="0" b="0"/>
+      </a:lnRef>
+      <a:fillRef idx="1">
+        <a:scrgbClr r="0" g="0" b="0"/>
+      </a:fillRef>
+      <a:effectRef idx="0">
+        <a:scrgbClr r="0" g="0" b="0"/>
+      </a:effectRef>
+      <a:fontRef idx="minor">
+        <a:schemeClr val="lt1"/>
+      </a:fontRef>
+    </dgm:style>
+  </dgm:styleLbl>
+  <dgm:styleLbl name="parChTrans2D3">
+    <dgm:scene3d>
+      <a:camera prst="orthographicFront"/>
+      <a:lightRig rig="threePt" dir="t"/>
+    </dgm:scene3d>
+    <dgm:sp3d/>
+    <dgm:txPr/>
+    <dgm:style>
+      <a:lnRef idx="2">
+        <a:scrgbClr r="0" g="0" b="0"/>
+      </a:lnRef>
+      <a:fillRef idx="1">
+        <a:scrgbClr r="0" g="0" b="0"/>
+      </a:fillRef>
+      <a:effectRef idx="0">
+        <a:scrgbClr r="0" g="0" b="0"/>
+      </a:effectRef>
+      <a:fontRef idx="minor">
+        <a:schemeClr val="lt1"/>
+      </a:fontRef>
+    </dgm:style>
+  </dgm:styleLbl>
+  <dgm:styleLbl name="parChTrans2D4">
+    <dgm:scene3d>
+      <a:camera prst="orthographicFront"/>
+      <a:lightRig rig="threePt" dir="t"/>
+    </dgm:scene3d>
+    <dgm:sp3d/>
+    <dgm:txPr/>
+    <dgm:style>
+      <a:lnRef idx="2">
+        <a:scrgbClr r="0" g="0" b="0"/>
+      </a:lnRef>
+      <a:fillRef idx="1">
+        <a:scrgbClr r="0" g="0" b="0"/>
+      </a:fillRef>
+      <a:effectRef idx="0">
+        <a:scrgbClr r="0" g="0" b="0"/>
+      </a:effectRef>
+      <a:fontRef idx="minor">
+        <a:schemeClr val="lt1"/>
+      </a:fontRef>
+    </dgm:style>
+  </dgm:styleLbl>
+  <dgm:styleLbl name="parChTrans1D1">
+    <dgm:scene3d>
+      <a:camera prst="orthographicFront"/>
+      <a:lightRig rig="threePt" dir="t"/>
+    </dgm:scene3d>
+    <dgm:sp3d/>
+    <dgm:txPr/>
+    <dgm:style>
+      <a:lnRef idx="2">
+        <a:scrgbClr r="0" g="0" b="0"/>
+      </a:lnRef>
+      <a:fillRef idx="0">
+        <a:scrgbClr r="0" g="0" b="0"/>
+      </a:fillRef>
+      <a:effectRef idx="0">
+        <a:scrgbClr r="0" g="0" b="0"/>
+      </a:effectRef>
+      <a:fontRef idx="minor"/>
+    </dgm:style>
+  </dgm:styleLbl>
+  <dgm:styleLbl name="parChTrans1D2">
+    <dgm:scene3d>
+      <a:camera prst="orthographicFront"/>
+      <a:lightRig rig="threePt" dir="t"/>
+    </dgm:scene3d>
+    <dgm:sp3d/>
+    <dgm:txPr/>
+    <dgm:style>
+      <a:lnRef idx="2">
+        <a:scrgbClr r="0" g="0" b="0"/>
+      </a:lnRef>
+      <a:fillRef idx="0">
+        <a:scrgbClr r="0" g="0" b="0"/>
+      </a:fillRef>
+      <a:effectRef idx="0">
+        <a:scrgbClr r="0" g="0" b="0"/>
+      </a:effectRef>
+      <a:fontRef idx="minor"/>
+    </dgm:style>
+  </dgm:styleLbl>
+  <dgm:styleLbl name="parChTrans1D3">
+    <dgm:scene3d>
+      <a:camera prst="orthographicFront"/>
+      <a:lightRig rig="threePt" dir="t"/>
+    </dgm:scene3d>
+    <dgm:sp3d/>
+    <dgm:txPr/>
+    <dgm:style>
+      <a:lnRef idx="2">
+        <a:scrgbClr r="0" g="0" b="0"/>
+      </a:lnRef>
+      <a:fillRef idx="0">
+        <a:scrgbClr r="0" g="0" b="0"/>
+      </a:fillRef>
+      <a:effectRef idx="0">
+        <a:scrgbClr r="0" g="0" b="0"/>
+      </a:effectRef>
+      <a:fontRef idx="minor"/>
+    </dgm:style>
+  </dgm:styleLbl>
+  <dgm:styleLbl name="parChTrans1D4">
+    <dgm:scene3d>
+      <a:camera prst="orthographicFront"/>
+      <a:lightRig rig="threePt" dir="t"/>
+    </dgm:scene3d>
+    <dgm:sp3d/>
+    <dgm:txPr/>
+    <dgm:style>
+      <a:lnRef idx="2">
+        <a:scrgbClr r="0" g="0" b="0"/>
+      </a:lnRef>
+      <a:fillRef idx="0">
+        <a:scrgbClr r="0" g="0" b="0"/>
+      </a:fillRef>
+      <a:effectRef idx="0">
+        <a:scrgbClr r="0" g="0" b="0"/>
+      </a:effectRef>
+      <a:fontRef idx="minor"/>
+    </dgm:style>
+  </dgm:styleLbl>
+  <dgm:styleLbl name="fgAcc1">
+    <dgm:scene3d>
+      <a:camera prst="orthographicFront"/>
+      <a:lightRig rig="threePt" dir="t"/>
+    </dgm:scene3d>
+    <dgm:sp3d/>
+    <dgm:txPr/>
+    <dgm:style>
+      <a:lnRef idx="2">
+        <a:scrgbClr r="0" g="0" b="0"/>
+      </a:lnRef>
+      <a:fillRef idx="1">
+        <a:scrgbClr r="0" g="0" b="0"/>
+      </a:fillRef>
+      <a:effectRef idx="0">
+        <a:scrgbClr r="0" g="0" b="0"/>
+      </a:effectRef>
+      <a:fontRef idx="minor"/>
+    </dgm:style>
+  </dgm:styleLbl>
+  <dgm:styleLbl name="conFgAcc1">
+    <dgm:scene3d>
+      <a:camera prst="orthographicFront"/>
+      <a:lightRig rig="threePt" dir="t"/>
+    </dgm:scene3d>
+    <dgm:sp3d/>
+    <dgm:txPr/>
+    <dgm:style>
+      <a:lnRef idx="2">
+        <a:scrgbClr r="0" g="0" b="0"/>
+      </a:lnRef>
+      <a:fillRef idx="1">
+        <a:scrgbClr r="0" g="0" b="0"/>
+      </a:fillRef>
+      <a:effectRef idx="0">
+        <a:scrgbClr r="0" g="0" b="0"/>
+      </a:effectRef>
+      <a:fontRef idx="minor"/>
+    </dgm:style>
+  </dgm:styleLbl>
+  <dgm:styleLbl name="alignAcc1">
+    <dgm:scene3d>
+      <a:camera prst="orthographicFront"/>
+      <a:lightRig rig="threePt" dir="t"/>
+    </dgm:scene3d>
+    <dgm:sp3d/>
+    <dgm:txPr/>
+    <dgm:style>
+      <a:lnRef idx="2">
+        <a:scrgbClr r="0" g="0" b="0"/>
+      </a:lnRef>
+      <a:fillRef idx="1">
+        <a:scrgbClr r="0" g="0" b="0"/>
+      </a:fillRef>
+      <a:effectRef idx="0">
+        <a:scrgbClr r="0" g="0" b="0"/>
+      </a:effectRef>
+      <a:fontRef idx="minor"/>
+    </dgm:style>
+  </dgm:styleLbl>
+  <dgm:styleLbl name="trAlignAcc1">
+    <dgm:scene3d>
+      <a:camera prst="orthographicFront"/>
+      <a:lightRig rig="threePt" dir="t"/>
+    </dgm:scene3d>
+    <dgm:sp3d/>
+    <dgm:txPr/>
+    <dgm:style>
+      <a:lnRef idx="1">
+        <a:scrgbClr r="0" g="0" b="0"/>
+      </a:lnRef>
+      <a:fillRef idx="1">
+        <a:scrgbClr r="0" g="0" b="0"/>
+      </a:fillRef>
+      <a:effectRef idx="0">
+        <a:scrgbClr r="0" g="0" b="0"/>
+      </a:effectRef>
+      <a:fontRef idx="minor"/>
+    </dgm:style>
+  </dgm:styleLbl>
+  <dgm:styleLbl name="bgAcc1">
+    <dgm:scene3d>
+      <a:camera prst="orthographicFront"/>
+      <a:lightRig rig="threePt" dir="t"/>
+    </dgm:scene3d>
+    <dgm:sp3d/>
+    <dgm:txPr/>
+    <dgm:style>
+      <a:lnRef idx="2">
+        <a:scrgbClr r="0" g="0" b="0"/>
+      </a:lnRef>
+      <a:fillRef idx="1">
+        <a:scrgbClr r="0" g="0" b="0"/>
+      </a:fillRef>
+      <a:effectRef idx="0">
+        <a:scrgbClr r="0" g="0" b="0"/>
+      </a:effectRef>
+      <a:fontRef idx="minor"/>
+    </dgm:style>
+  </dgm:styleLbl>
+  <dgm:styleLbl name="solidFgAcc1">
+    <dgm:scene3d>
+      <a:camera prst="orthographicFront"/>
+      <a:lightRig rig="threePt" dir="t"/>
+    </dgm:scene3d>
+    <dgm:sp3d/>
+    <dgm:txPr/>
+    <dgm:style>
+      <a:lnRef idx="2">
+        <a:scrgbClr r="0" g="0" b="0"/>
+      </a:lnRef>
+      <a:fillRef idx="1">
+        <a:scrgbClr r="0" g="0" b="0"/>
+      </a:fillRef>
+      <a:effectRef idx="0">
+        <a:scrgbClr r="0" g="0" b="0"/>
+      </a:effectRef>
+      <a:fontRef idx="minor"/>
+    </dgm:style>
+  </dgm:styleLbl>
+  <dgm:styleLbl name="solidAlignAcc1">
+    <dgm:scene3d>
+      <a:camera prst="orthographicFront"/>
+      <a:lightRig rig="threePt" dir="t"/>
+    </dgm:scene3d>
+    <dgm:sp3d/>
+    <dgm:txPr/>
+    <dgm:style>
+      <a:lnRef idx="2">
+        <a:scrgbClr r="0" g="0" b="0"/>
+      </a:lnRef>
+      <a:fillRef idx="1">
+        <a:scrgbClr r="0" g="0" b="0"/>
+      </a:fillRef>
+      <a:effectRef idx="0">
+        <a:scrgbClr r="0" g="0" b="0"/>
+      </a:effectRef>
+      <a:fontRef idx="minor"/>
+    </dgm:style>
+  </dgm:styleLbl>
+  <dgm:styleLbl name="solidBgAcc1">
+    <dgm:scene3d>
+      <a:camera prst="orthographicFront"/>
+      <a:lightRig rig="threePt" dir="t"/>
+    </dgm:scene3d>
+    <dgm:sp3d/>
+    <dgm:txPr/>
+    <dgm:style>
+      <a:lnRef idx="2">
+        <a:scrgbClr r="0" g="0" b="0"/>
+      </a:lnRef>
+      <a:fillRef idx="1">
+        <a:scrgbClr r="0" g="0" b="0"/>
+      </a:fillRef>
+      <a:effectRef idx="0">
+        <a:scrgbClr r="0" g="0" b="0"/>
+      </a:effectRef>
+      <a:fontRef idx="minor"/>
+    </dgm:style>
+  </dgm:styleLbl>
+  <dgm:styleLbl name="fgAccFollowNode1">
+    <dgm:scene3d>
+      <a:camera prst="orthographicFront"/>
+      <a:lightRig rig="threePt" dir="t"/>
+    </dgm:scene3d>
+    <dgm:sp3d/>
+    <dgm:txPr/>
+    <dgm:style>
+      <a:lnRef idx="2">
+        <a:scrgbClr r="0" g="0" b="0"/>
+      </a:lnRef>
+      <a:fillRef idx="1">
+        <a:scrgbClr r="0" g="0" b="0"/>
+      </a:fillRef>
+      <a:effectRef idx="0">
+        <a:scrgbClr r="0" g="0" b="0"/>
+      </a:effectRef>
+      <a:fontRef idx="minor"/>
+    </dgm:style>
+  </dgm:styleLbl>
+  <dgm:styleLbl name="alignAccFollowNode1">
+    <dgm:scene3d>
+      <a:camera prst="orthographicFront"/>
+      <a:lightRig rig="threePt" dir="t"/>
+    </dgm:scene3d>
+    <dgm:sp3d/>
+    <dgm:txPr/>
+    <dgm:style>
+      <a:lnRef idx="2">
+        <a:scrgbClr r="0" g="0" b="0"/>
+      </a:lnRef>
+      <a:fillRef idx="1">
+        <a:scrgbClr r="0" g="0" b="0"/>
+      </a:fillRef>
+      <a:effectRef idx="0">
+        <a:scrgbClr r="0" g="0" b="0"/>
+      </a:effectRef>
+      <a:fontRef idx="minor"/>
+    </dgm:style>
+  </dgm:styleLbl>
+  <dgm:styleLbl name="bgAccFollowNode1">
+    <dgm:scene3d>
+      <a:camera prst="orthographicFront"/>
+      <a:lightRig rig="threePt" dir="t"/>
+    </dgm:scene3d>
+    <dgm:sp3d/>
+    <dgm:txPr/>
+    <dgm:style>
+      <a:lnRef idx="2">
+        <a:scrgbClr r="0" g="0" b="0"/>
+      </a:lnRef>
+      <a:fillRef idx="1">
+        <a:scrgbClr r="0" g="0" b="0"/>
+      </a:fillRef>
+      <a:effectRef idx="0">
+        <a:scrgbClr r="0" g="0" b="0"/>
+      </a:effectRef>
+      <a:fontRef idx="minor"/>
+    </dgm:style>
+  </dgm:styleLbl>
+  <dgm:styleLbl name="fgAcc0">
+    <dgm:scene3d>
+      <a:camera prst="orthographicFront"/>
+      <a:lightRig rig="threePt" dir="t"/>
+    </dgm:scene3d>
+    <dgm:sp3d/>
+    <dgm:txPr/>
+    <dgm:style>
+      <a:lnRef idx="2">
+        <a:scrgbClr r="0" g="0" b="0"/>
+      </a:lnRef>
+      <a:fillRef idx="1">
+        <a:scrgbClr r="0" g="0" b="0"/>
+      </a:fillRef>
+      <a:effectRef idx="0">
+        <a:scrgbClr r="0" g="0" b="0"/>
+      </a:effectRef>
+      <a:fontRef idx="minor"/>
+    </dgm:style>
+  </dgm:styleLbl>
+  <dgm:styleLbl name="fgAcc2">
+    <dgm:scene3d>
+      <a:camera prst="orthographicFront"/>
+      <a:lightRig rig="threePt" dir="t"/>
+    </dgm:scene3d>
+    <dgm:sp3d/>
+    <dgm:txPr/>
+    <dgm:style>
+      <a:lnRef idx="2">
+        <a:scrgbClr r="0" g="0" b="0"/>
+      </a:lnRef>
+      <a:fillRef idx="1">
+        <a:scrgbClr r="0" g="0" b="0"/>
+      </a:fillRef>
+      <a:effectRef idx="0">
+        <a:scrgbClr r="0" g="0" b="0"/>
+      </a:effectRef>
+      <a:fontRef idx="minor"/>
+    </dgm:style>
+  </dgm:styleLbl>
+  <dgm:styleLbl name="fgAcc3">
+    <dgm:scene3d>
+      <a:camera prst="orthographicFront"/>
+      <a:lightRig rig="threePt" dir="t"/>
+    </dgm:scene3d>
+    <dgm:sp3d/>
+    <dgm:txPr/>
+    <dgm:style>
+      <a:lnRef idx="2">
+        <a:scrgbClr r="0" g="0" b="0"/>
+      </a:lnRef>
+      <a:fillRef idx="1">
+        <a:scrgbClr r="0" g="0" b="0"/>
+      </a:fillRef>
+      <a:effectRef idx="0">
+        <a:scrgbClr r="0" g="0" b="0"/>
+      </a:effectRef>
+      <a:fontRef idx="minor"/>
+    </dgm:style>
+  </dgm:styleLbl>
+  <dgm:styleLbl name="fgAcc4">
+    <dgm:scene3d>
+      <a:camera prst="orthographicFront"/>
+      <a:lightRig rig="threePt" dir="t"/>
+    </dgm:scene3d>
+    <dgm:sp3d/>
+    <dgm:txPr/>
+    <dgm:style>
+      <a:lnRef idx="2">
+        <a:scrgbClr r="0" g="0" b="0"/>
+      </a:lnRef>
+      <a:fillRef idx="1">
+        <a:scrgbClr r="0" g="0" b="0"/>
+      </a:fillRef>
+      <a:effectRef idx="0">
+        <a:scrgbClr r="0" g="0" b="0"/>
+      </a:effectRef>
+      <a:fontRef idx="minor"/>
+    </dgm:style>
+  </dgm:styleLbl>
+  <dgm:styleLbl name="bgShp">
+    <dgm:scene3d>
+      <a:camera prst="orthographicFront"/>
+      <a:lightRig rig="threePt" dir="t"/>
+    </dgm:scene3d>
+    <dgm:sp3d/>
+    <dgm:txPr/>
+    <dgm:style>
+      <a:lnRef idx="0">
+        <a:scrgbClr r="0" g="0" b="0"/>
+      </a:lnRef>
+      <a:fillRef idx="1">
+        <a:scrgbClr r="0" g="0" b="0"/>
+      </a:fillRef>
+      <a:effectRef idx="0">
+        <a:scrgbClr r="0" g="0" b="0"/>
+      </a:effectRef>
+      <a:fontRef idx="minor"/>
+    </dgm:style>
+  </dgm:styleLbl>
+  <dgm:styleLbl name="dkBgShp">
+    <dgm:scene3d>
+      <a:camera prst="orthographicFront"/>
+      <a:lightRig rig="threePt" dir="t"/>
+    </dgm:scene3d>
+    <dgm:sp3d/>
+    <dgm:txPr/>
+    <dgm:style>
+      <a:lnRef idx="0">
+        <a:scrgbClr r="0" g="0" b="0"/>
+      </a:lnRef>
+      <a:fillRef idx="1">
+        <a:scrgbClr r="0" g="0" b="0"/>
+      </a:fillRef>
+      <a:effectRef idx="0">
+        <a:scrgbClr r="0" g="0" b="0"/>
+      </a:effectRef>
+      <a:fontRef idx="minor"/>
+    </dgm:style>
+  </dgm:styleLbl>
+  <dgm:styleLbl name="trBgShp">
+    <dgm:scene3d>
+      <a:camera prst="orthographicFront"/>
+      <a:lightRig rig="threePt" dir="t"/>
+    </dgm:scene3d>
+    <dgm:sp3d/>
+    <dgm:txPr/>
+    <dgm:style>
+      <a:lnRef idx="0">
+        <a:scrgbClr r="0" g="0" b="0"/>
+      </a:lnRef>
+      <a:fillRef idx="1">
+        <a:scrgbClr r="0" g="0" b="0"/>
+      </a:fillRef>
+      <a:effectRef idx="0">
+        <a:scrgbClr r="0" g="0" b="0"/>
+      </a:effectRef>
+      <a:fontRef idx="minor"/>
+    </dgm:style>
+  </dgm:styleLbl>
+  <dgm:styleLbl name="fgShp">
+    <dgm:scene3d>
+      <a:camera prst="orthographicFront"/>
+      <a:lightRig rig="threePt" dir="t"/>
+    </dgm:scene3d>
+    <dgm:sp3d/>
+    <dgm:txPr/>
+    <dgm:style>
+      <a:lnRef idx="2">
+        <a:scrgbClr r="0" g="0" b="0"/>
+      </a:lnRef>
+      <a:fillRef idx="1">
+        <a:scrgbClr r="0" g="0" b="0"/>
+      </a:fillRef>
+      <a:effectRef idx="0">
+        <a:scrgbClr r="0" g="0" b="0"/>
+      </a:effectRef>
+      <a:fontRef idx="minor"/>
+    </dgm:style>
+  </dgm:styleLbl>
+  <dgm:styleLbl name="revTx">
+    <dgm:scene3d>
+      <a:camera prst="orthographicFront"/>
+      <a:lightRig rig="threePt" dir="t"/>
+    </dgm:scene3d>
+    <dgm:sp3d/>
+    <dgm:txPr/>
+    <dgm:style>
+      <a:lnRef idx="0">
+        <a:scrgbClr r="0" g="0" b="0"/>
+      </a:lnRef>
+      <a:fillRef idx="0">
+        <a:scrgbClr r="0" g="0" b="0"/>
+      </a:fillRef>
+      <a:effectRef idx="0">
+        <a:scrgbClr r="0" g="0" b="0"/>
+      </a:effectRef>
+      <a:fontRef idx="minor"/>
+    </dgm:style>
+  </dgm:styleLbl>
+</dgm:styleDef>
 </file>
 
 <file path=ppt/handoutMasters/handoutMaster1.xml><?xml version="1.0" encoding="utf-8"?>
@@ -6640,15 +10024,7 @@
                   <a:schemeClr val="tx1"/>
                 </a:solidFill>
               </a:rPr>
-              <a:t>Smart City </a:t>
-            </a:r>
-            <a:r>
-              <a:rPr lang="en-CA" sz="2800" dirty="0" smtClean="0">
-                <a:solidFill>
-                  <a:schemeClr val="tx1"/>
-                </a:solidFill>
-              </a:rPr>
-              <a:t>&amp; </a:t>
+              <a:t>Smart City &amp; </a:t>
             </a:r>
             <a:r>
               <a:rPr lang="en-CA" sz="2800" dirty="0" err="1" smtClean="0">
@@ -7001,34 +10377,17 @@
           <a:p>
             <a:r>
               <a:rPr lang="en-CA" dirty="0" smtClean="0"/>
-              <a:t>Municipalities purchase fresh water and distribute it to residents.  (Especially older) water distribution lines are susceptible to slow leaks – which is a gross waste of public funds</a:t>
-            </a:r>
+              <a:t>Municipalities purchase fresh water and distribute it to residents.  (Especially older) water distribution lines are susceptible to slow leaks – which is a gross waste of public funds.</a:t>
+            </a:r>
+          </a:p>
+          <a:p>
+            <a:endParaRPr lang="en-CA" dirty="0"/>
+          </a:p>
+          <a:p>
             <a:r>
               <a:rPr lang="en-CA" dirty="0" smtClean="0"/>
-              <a:t>.</a:t>
-            </a:r>
-          </a:p>
-          <a:p>
-            <a:endParaRPr lang="en-CA" dirty="0"/>
-          </a:p>
-          <a:p>
-            <a:r>
-              <a:rPr lang="en-CA" dirty="0" smtClean="0"/>
-              <a:t>Recommended sales/</a:t>
-            </a:r>
-            <a:r>
-              <a:rPr lang="en-CA" dirty="0" smtClean="0"/>
-              <a:t>implementation</a:t>
-            </a:r>
-            <a:r>
-              <a:rPr lang="en-CA" dirty="0" smtClean="0"/>
-              <a:t> approac</a:t>
-            </a:r>
-            <a:r>
-              <a:rPr lang="en-CA" dirty="0" smtClean="0"/>
-              <a:t>h is to start on North American east coast, and/or Europe.</a:t>
-            </a:r>
-            <a:endParaRPr lang="en-CA" dirty="0" smtClean="0"/>
+              <a:t>Recommended sales/implementation approach is to start on North American east coast, and/or Europe.</a:t>
+            </a:r>
           </a:p>
           <a:p>
             <a:endParaRPr lang="en-CA" dirty="0" smtClean="0"/>
@@ -7658,14 +11017,19 @@
             <p:ph type="title"/>
           </p:nvPr>
         </p:nvSpPr>
-        <p:spPr/>
+        <p:spPr>
+          <a:xfrm>
+            <a:off x="240683" y="284169"/>
+            <a:ext cx="8391525" cy="601374"/>
+          </a:xfrm>
+        </p:spPr>
         <p:txBody>
           <a:bodyPr/>
           <a:lstStyle/>
           <a:p>
             <a:r>
               <a:rPr lang="en-CA" b="1" dirty="0" smtClean="0"/>
-              <a:t>Sample Report</a:t>
+              <a:t>Proposed Process, subsequent to {open}:hack</a:t>
             </a:r>
             <a:endParaRPr lang="en-CA" b="1" dirty="0"/>
           </a:p>
@@ -7721,6 +11085,657 @@
               <a:rPr lang="en-CA" smtClean="0"/>
               <a:pPr algn="ctr"/>
               <a:t>4</a:t>
+            </a:fld>
+            <a:r>
+              <a:rPr lang="en-CA" dirty="0" smtClean="0"/>
+              <a:t> -</a:t>
+            </a:r>
+            <a:endParaRPr lang="en-CA" dirty="0"/>
+          </a:p>
+        </p:txBody>
+      </p:sp>
+      <p:graphicFrame>
+        <p:nvGraphicFramePr>
+          <p:cNvPr id="6" name="Diagram 5"/>
+          <p:cNvGraphicFramePr/>
+          <p:nvPr>
+            <p:extLst>
+              <p:ext uri="{D42A27DB-BD31-4B8C-83A1-F6EECF244321}">
+                <p14:modId xmlns:p14="http://schemas.microsoft.com/office/powerpoint/2010/main" val="1379919531"/>
+              </p:ext>
+            </p:extLst>
+          </p:nvPr>
+        </p:nvGraphicFramePr>
+        <p:xfrm>
+          <a:off x="240683" y="825500"/>
+          <a:ext cx="8686800" cy="4064000"/>
+        </p:xfrm>
+        <a:graphic>
+          <a:graphicData uri="http://schemas.openxmlformats.org/drawingml/2006/diagram">
+            <dgm:relIds xmlns:dgm="http://schemas.openxmlformats.org/drawingml/2006/diagram" xmlns:r="http://schemas.openxmlformats.org/officeDocument/2006/relationships" r:dm="rId2" r:lo="rId3" r:qs="rId4" r:cs="rId5"/>
+          </a:graphicData>
+        </a:graphic>
+      </p:graphicFrame>
+      <p:sp>
+        <p:nvSpPr>
+          <p:cNvPr id="7" name="Circular Arrow 6"/>
+          <p:cNvSpPr/>
+          <p:nvPr/>
+        </p:nvSpPr>
+        <p:spPr>
+          <a:xfrm flipH="1">
+            <a:off x="3162297" y="1162050"/>
+            <a:ext cx="5469905" cy="1590675"/>
+          </a:xfrm>
+          <a:prstGeom prst="circularArrow">
+            <a:avLst>
+              <a:gd name="adj1" fmla="val 28658"/>
+              <a:gd name="adj2" fmla="val 485723"/>
+              <a:gd name="adj3" fmla="val 21316732"/>
+              <a:gd name="adj4" fmla="val 10705758"/>
+              <a:gd name="adj5" fmla="val 6407"/>
+            </a:avLst>
+          </a:prstGeom>
+        </p:spPr>
+        <p:style>
+          <a:lnRef idx="1">
+            <a:schemeClr val="accent1"/>
+          </a:lnRef>
+          <a:fillRef idx="3">
+            <a:schemeClr val="accent1"/>
+          </a:fillRef>
+          <a:effectRef idx="2">
+            <a:schemeClr val="accent1"/>
+          </a:effectRef>
+          <a:fontRef idx="minor">
+            <a:schemeClr val="lt1"/>
+          </a:fontRef>
+        </p:style>
+        <p:txBody>
+          <a:bodyPr rtlCol="0" anchor="ctr"/>
+          <a:lstStyle/>
+          <a:p>
+            <a:pPr algn="ctr"/>
+            <a:endParaRPr lang="en-CA" dirty="0">
+              <a:solidFill>
+                <a:schemeClr val="tx1"/>
+              </a:solidFill>
+            </a:endParaRPr>
+          </a:p>
+        </p:txBody>
+      </p:sp>
+      <p:sp>
+        <p:nvSpPr>
+          <p:cNvPr id="8" name="TextBox 7"/>
+          <p:cNvSpPr txBox="1"/>
+          <p:nvPr/>
+        </p:nvSpPr>
+        <p:spPr>
+          <a:xfrm>
+            <a:off x="240683" y="1547655"/>
+            <a:ext cx="2864951" cy="646331"/>
+          </a:xfrm>
+          <a:prstGeom prst="rect">
+            <a:avLst/>
+          </a:prstGeom>
+          <a:noFill/>
+        </p:spPr>
+        <p:txBody>
+          <a:bodyPr wrap="none" rtlCol="0">
+            <a:spAutoFit/>
+          </a:bodyPr>
+          <a:lstStyle/>
+          <a:p>
+            <a:r>
+              <a:rPr lang="en-CA" dirty="0" smtClean="0"/>
+              <a:t>Tested with data provided </a:t>
+            </a:r>
+          </a:p>
+          <a:p>
+            <a:r>
+              <a:rPr lang="en-CA" dirty="0" smtClean="0"/>
+              <a:t>by City of Surrey.</a:t>
+            </a:r>
+            <a:endParaRPr lang="en-CA" dirty="0"/>
+          </a:p>
+        </p:txBody>
+      </p:sp>
+      <p:sp>
+        <p:nvSpPr>
+          <p:cNvPr id="9" name="Rectangular Callout 8"/>
+          <p:cNvSpPr/>
+          <p:nvPr/>
+        </p:nvSpPr>
+        <p:spPr>
+          <a:xfrm>
+            <a:off x="240683" y="3733800"/>
+            <a:ext cx="914400" cy="762000"/>
+          </a:xfrm>
+          <a:prstGeom prst="wedgeRectCallout">
+            <a:avLst>
+              <a:gd name="adj1" fmla="val -4166"/>
+              <a:gd name="adj2" fmla="val -99191"/>
+            </a:avLst>
+          </a:prstGeom>
+          <a:gradFill>
+            <a:gsLst>
+              <a:gs pos="50000">
+                <a:schemeClr val="bg2"/>
+              </a:gs>
+              <a:gs pos="100000">
+                <a:schemeClr val="accent1">
+                  <a:tint val="50000"/>
+                  <a:shade val="100000"/>
+                  <a:satMod val="350000"/>
+                </a:schemeClr>
+              </a:gs>
+            </a:gsLst>
+          </a:gradFill>
+        </p:spPr>
+        <p:style>
+          <a:lnRef idx="1">
+            <a:schemeClr val="accent1"/>
+          </a:lnRef>
+          <a:fillRef idx="3">
+            <a:schemeClr val="accent1"/>
+          </a:fillRef>
+          <a:effectRef idx="2">
+            <a:schemeClr val="accent1"/>
+          </a:effectRef>
+          <a:fontRef idx="minor">
+            <a:schemeClr val="lt1"/>
+          </a:fontRef>
+        </p:style>
+        <p:txBody>
+          <a:bodyPr rtlCol="0" anchor="ctr"/>
+          <a:lstStyle/>
+          <a:p>
+            <a:pPr algn="ctr"/>
+            <a:r>
+              <a:rPr lang="en-CA" sz="1200" dirty="0" smtClean="0"/>
+              <a:t>Open Data validated</a:t>
+            </a:r>
+            <a:endParaRPr lang="en-CA" sz="1200" dirty="0"/>
+          </a:p>
+        </p:txBody>
+      </p:sp>
+      <p:sp>
+        <p:nvSpPr>
+          <p:cNvPr id="10" name="Rectangular Callout 9"/>
+          <p:cNvSpPr/>
+          <p:nvPr/>
+        </p:nvSpPr>
+        <p:spPr>
+          <a:xfrm>
+            <a:off x="1507508" y="3733800"/>
+            <a:ext cx="914400" cy="762000"/>
+          </a:xfrm>
+          <a:prstGeom prst="wedgeRectCallout">
+            <a:avLst>
+              <a:gd name="adj1" fmla="val -4166"/>
+              <a:gd name="adj2" fmla="val -99191"/>
+            </a:avLst>
+          </a:prstGeom>
+          <a:gradFill>
+            <a:gsLst>
+              <a:gs pos="50000">
+                <a:schemeClr val="bg2"/>
+              </a:gs>
+              <a:gs pos="100000">
+                <a:schemeClr val="accent1">
+                  <a:tint val="50000"/>
+                  <a:shade val="100000"/>
+                  <a:satMod val="350000"/>
+                </a:schemeClr>
+              </a:gs>
+            </a:gsLst>
+          </a:gradFill>
+        </p:spPr>
+        <p:style>
+          <a:lnRef idx="1">
+            <a:schemeClr val="accent1"/>
+          </a:lnRef>
+          <a:fillRef idx="3">
+            <a:schemeClr val="accent1"/>
+          </a:fillRef>
+          <a:effectRef idx="2">
+            <a:schemeClr val="accent1"/>
+          </a:effectRef>
+          <a:fontRef idx="minor">
+            <a:schemeClr val="lt1"/>
+          </a:fontRef>
+        </p:style>
+        <p:txBody>
+          <a:bodyPr rtlCol="0" anchor="ctr"/>
+          <a:lstStyle/>
+          <a:p>
+            <a:pPr algn="ctr"/>
+            <a:r>
+              <a:rPr lang="en-CA" sz="1200" dirty="0" smtClean="0"/>
+              <a:t>Simulated with 1</a:t>
+            </a:r>
+            <a:r>
+              <a:rPr lang="en-CA" sz="1200" baseline="30000" dirty="0" smtClean="0"/>
+              <a:t>st</a:t>
+            </a:r>
+            <a:r>
+              <a:rPr lang="en-CA" sz="1200" dirty="0" smtClean="0"/>
+              <a:t> 4 digits of Postal Code</a:t>
+            </a:r>
+            <a:endParaRPr lang="en-CA" sz="1200" dirty="0"/>
+          </a:p>
+        </p:txBody>
+      </p:sp>
+      <p:sp>
+        <p:nvSpPr>
+          <p:cNvPr id="11" name="Rectangular Callout 10"/>
+          <p:cNvSpPr/>
+          <p:nvPr/>
+        </p:nvSpPr>
+        <p:spPr>
+          <a:xfrm>
+            <a:off x="2783858" y="3733800"/>
+            <a:ext cx="914400" cy="762000"/>
+          </a:xfrm>
+          <a:prstGeom prst="wedgeRectCallout">
+            <a:avLst>
+              <a:gd name="adj1" fmla="val -4166"/>
+              <a:gd name="adj2" fmla="val -99191"/>
+            </a:avLst>
+          </a:prstGeom>
+          <a:gradFill>
+            <a:gsLst>
+              <a:gs pos="50000">
+                <a:schemeClr val="bg2"/>
+              </a:gs>
+              <a:gs pos="100000">
+                <a:schemeClr val="accent1">
+                  <a:tint val="50000"/>
+                  <a:shade val="100000"/>
+                  <a:satMod val="350000"/>
+                </a:schemeClr>
+              </a:gs>
+            </a:gsLst>
+          </a:gradFill>
+        </p:spPr>
+        <p:style>
+          <a:lnRef idx="1">
+            <a:schemeClr val="accent1"/>
+          </a:lnRef>
+          <a:fillRef idx="3">
+            <a:schemeClr val="accent1"/>
+          </a:fillRef>
+          <a:effectRef idx="2">
+            <a:schemeClr val="accent1"/>
+          </a:effectRef>
+          <a:fontRef idx="minor">
+            <a:schemeClr val="lt1"/>
+          </a:fontRef>
+        </p:style>
+        <p:txBody>
+          <a:bodyPr rtlCol="0" anchor="ctr"/>
+          <a:lstStyle/>
+          <a:p>
+            <a:pPr algn="ctr"/>
+            <a:r>
+              <a:rPr lang="en-CA" sz="1200" dirty="0" smtClean="0"/>
+              <a:t>Available, but custom extract provided</a:t>
+            </a:r>
+            <a:endParaRPr lang="en-CA" sz="1200" dirty="0"/>
+          </a:p>
+        </p:txBody>
+      </p:sp>
+      <p:sp>
+        <p:nvSpPr>
+          <p:cNvPr id="12" name="Rectangular Callout 11"/>
+          <p:cNvSpPr/>
+          <p:nvPr/>
+        </p:nvSpPr>
+        <p:spPr>
+          <a:xfrm>
+            <a:off x="4117358" y="3733800"/>
+            <a:ext cx="914400" cy="762000"/>
+          </a:xfrm>
+          <a:prstGeom prst="wedgeRectCallout">
+            <a:avLst>
+              <a:gd name="adj1" fmla="val -4166"/>
+              <a:gd name="adj2" fmla="val -99191"/>
+            </a:avLst>
+          </a:prstGeom>
+          <a:gradFill>
+            <a:gsLst>
+              <a:gs pos="50000">
+                <a:schemeClr val="bg2"/>
+              </a:gs>
+              <a:gs pos="100000">
+                <a:schemeClr val="accent1">
+                  <a:tint val="50000"/>
+                  <a:shade val="100000"/>
+                  <a:satMod val="350000"/>
+                </a:schemeClr>
+              </a:gs>
+            </a:gsLst>
+          </a:gradFill>
+        </p:spPr>
+        <p:style>
+          <a:lnRef idx="1">
+            <a:schemeClr val="accent1"/>
+          </a:lnRef>
+          <a:fillRef idx="3">
+            <a:schemeClr val="accent1"/>
+          </a:fillRef>
+          <a:effectRef idx="2">
+            <a:schemeClr val="accent1"/>
+          </a:effectRef>
+          <a:fontRef idx="minor">
+            <a:schemeClr val="lt1"/>
+          </a:fontRef>
+        </p:style>
+        <p:txBody>
+          <a:bodyPr rtlCol="0" anchor="ctr"/>
+          <a:lstStyle/>
+          <a:p>
+            <a:pPr algn="ctr"/>
+            <a:r>
+              <a:rPr lang="en-CA" sz="1200" dirty="0" smtClean="0"/>
+              <a:t>Simulated</a:t>
+            </a:r>
+            <a:endParaRPr lang="en-CA" sz="1200" dirty="0"/>
+          </a:p>
+        </p:txBody>
+      </p:sp>
+      <p:sp>
+        <p:nvSpPr>
+          <p:cNvPr id="13" name="Rectangular Callout 12"/>
+          <p:cNvSpPr/>
+          <p:nvPr/>
+        </p:nvSpPr>
+        <p:spPr>
+          <a:xfrm>
+            <a:off x="5440049" y="3733800"/>
+            <a:ext cx="914400" cy="762000"/>
+          </a:xfrm>
+          <a:prstGeom prst="wedgeRectCallout">
+            <a:avLst>
+              <a:gd name="adj1" fmla="val -4166"/>
+              <a:gd name="adj2" fmla="val -99191"/>
+            </a:avLst>
+          </a:prstGeom>
+          <a:gradFill>
+            <a:gsLst>
+              <a:gs pos="50000">
+                <a:schemeClr val="bg2"/>
+              </a:gs>
+              <a:gs pos="100000">
+                <a:schemeClr val="accent1">
+                  <a:tint val="50000"/>
+                  <a:shade val="100000"/>
+                  <a:satMod val="350000"/>
+                </a:schemeClr>
+              </a:gs>
+            </a:gsLst>
+          </a:gradFill>
+        </p:spPr>
+        <p:style>
+          <a:lnRef idx="1">
+            <a:schemeClr val="accent1"/>
+          </a:lnRef>
+          <a:fillRef idx="3">
+            <a:schemeClr val="accent1"/>
+          </a:fillRef>
+          <a:effectRef idx="2">
+            <a:schemeClr val="accent1"/>
+          </a:effectRef>
+          <a:fontRef idx="minor">
+            <a:schemeClr val="lt1"/>
+          </a:fontRef>
+        </p:style>
+        <p:txBody>
+          <a:bodyPr rtlCol="0" anchor="ctr"/>
+          <a:lstStyle/>
+          <a:p>
+            <a:pPr algn="ctr"/>
+            <a:r>
+              <a:rPr lang="en-CA" sz="1200" dirty="0" smtClean="0"/>
+              <a:t>Simulated with 1</a:t>
+            </a:r>
+            <a:r>
+              <a:rPr lang="en-CA" sz="1200" baseline="30000" dirty="0" smtClean="0"/>
+              <a:t>st</a:t>
+            </a:r>
+            <a:r>
+              <a:rPr lang="en-CA" sz="1200" dirty="0" smtClean="0"/>
+              <a:t> 4 digits of Postal Code</a:t>
+            </a:r>
+            <a:endParaRPr lang="en-CA" sz="1200" dirty="0"/>
+          </a:p>
+        </p:txBody>
+      </p:sp>
+      <p:sp>
+        <p:nvSpPr>
+          <p:cNvPr id="14" name="Rectangular Callout 13"/>
+          <p:cNvSpPr/>
+          <p:nvPr/>
+        </p:nvSpPr>
+        <p:spPr>
+          <a:xfrm>
+            <a:off x="6717683" y="3733800"/>
+            <a:ext cx="914400" cy="762000"/>
+          </a:xfrm>
+          <a:prstGeom prst="wedgeRectCallout">
+            <a:avLst>
+              <a:gd name="adj1" fmla="val -4166"/>
+              <a:gd name="adj2" fmla="val -99191"/>
+            </a:avLst>
+          </a:prstGeom>
+          <a:gradFill>
+            <a:gsLst>
+              <a:gs pos="50000">
+                <a:schemeClr val="bg2"/>
+              </a:gs>
+              <a:gs pos="100000">
+                <a:schemeClr val="accent1">
+                  <a:tint val="50000"/>
+                  <a:shade val="100000"/>
+                  <a:satMod val="350000"/>
+                </a:schemeClr>
+              </a:gs>
+            </a:gsLst>
+          </a:gradFill>
+        </p:spPr>
+        <p:style>
+          <a:lnRef idx="1">
+            <a:schemeClr val="accent1"/>
+          </a:lnRef>
+          <a:fillRef idx="3">
+            <a:schemeClr val="accent1"/>
+          </a:fillRef>
+          <a:effectRef idx="2">
+            <a:schemeClr val="accent1"/>
+          </a:effectRef>
+          <a:fontRef idx="minor">
+            <a:schemeClr val="lt1"/>
+          </a:fontRef>
+        </p:style>
+        <p:txBody>
+          <a:bodyPr rtlCol="0" anchor="ctr"/>
+          <a:lstStyle/>
+          <a:p>
+            <a:pPr algn="ctr"/>
+            <a:r>
+              <a:rPr lang="en-CA" sz="1200" dirty="0" smtClean="0"/>
+              <a:t>Calculated</a:t>
+            </a:r>
+            <a:endParaRPr lang="en-CA" sz="1200" dirty="0"/>
+          </a:p>
+        </p:txBody>
+      </p:sp>
+      <p:sp>
+        <p:nvSpPr>
+          <p:cNvPr id="15" name="Rectangular Callout 14"/>
+          <p:cNvSpPr/>
+          <p:nvPr/>
+        </p:nvSpPr>
+        <p:spPr>
+          <a:xfrm>
+            <a:off x="8013083" y="3733800"/>
+            <a:ext cx="914400" cy="762000"/>
+          </a:xfrm>
+          <a:prstGeom prst="wedgeRectCallout">
+            <a:avLst>
+              <a:gd name="adj1" fmla="val -4166"/>
+              <a:gd name="adj2" fmla="val -99191"/>
+            </a:avLst>
+          </a:prstGeom>
+          <a:gradFill>
+            <a:gsLst>
+              <a:gs pos="50000">
+                <a:schemeClr val="bg2"/>
+              </a:gs>
+              <a:gs pos="100000">
+                <a:schemeClr val="accent1">
+                  <a:tint val="50000"/>
+                  <a:shade val="100000"/>
+                  <a:satMod val="350000"/>
+                </a:schemeClr>
+              </a:gs>
+            </a:gsLst>
+          </a:gradFill>
+        </p:spPr>
+        <p:style>
+          <a:lnRef idx="1">
+            <a:schemeClr val="accent1"/>
+          </a:lnRef>
+          <a:fillRef idx="3">
+            <a:schemeClr val="accent1"/>
+          </a:fillRef>
+          <a:effectRef idx="2">
+            <a:schemeClr val="accent1"/>
+          </a:effectRef>
+          <a:fontRef idx="minor">
+            <a:schemeClr val="lt1"/>
+          </a:fontRef>
+        </p:style>
+        <p:txBody>
+          <a:bodyPr rtlCol="0" anchor="ctr"/>
+          <a:lstStyle/>
+          <a:p>
+            <a:pPr algn="ctr"/>
+            <a:r>
+              <a:rPr lang="en-CA" sz="1200" dirty="0" smtClean="0"/>
+              <a:t>Sample report generated</a:t>
+            </a:r>
+            <a:endParaRPr lang="en-CA" sz="1200" dirty="0"/>
+          </a:p>
+        </p:txBody>
+      </p:sp>
+    </p:spTree>
+    <p:extLst>
+      <p:ext uri="{BB962C8B-B14F-4D97-AF65-F5344CB8AC3E}">
+        <p14:creationId xmlns:p14="http://schemas.microsoft.com/office/powerpoint/2010/main" val="1673886483"/>
+      </p:ext>
+    </p:extLst>
+  </p:cSld>
+  <p:clrMapOvr>
+    <a:masterClrMapping/>
+  </p:clrMapOvr>
+</p:sld>
+</file>
+
+<file path=ppt/slides/slide6.xml><?xml version="1.0" encoding="utf-8"?>
+<p:sld xmlns:a="http://schemas.openxmlformats.org/drawingml/2006/main" xmlns:r="http://schemas.openxmlformats.org/officeDocument/2006/relationships" xmlns:p="http://schemas.openxmlformats.org/presentationml/2006/main" showMasterSp="0">
+  <p:cSld>
+    <p:spTree>
+      <p:nvGrpSpPr>
+        <p:cNvPr id="1" name=""/>
+        <p:cNvGrpSpPr/>
+        <p:nvPr/>
+      </p:nvGrpSpPr>
+      <p:grpSpPr>
+        <a:xfrm>
+          <a:off x="0" y="0"/>
+          <a:ext cx="0" cy="0"/>
+          <a:chOff x="0" y="0"/>
+          <a:chExt cx="0" cy="0"/>
+        </a:xfrm>
+      </p:grpSpPr>
+      <p:sp>
+        <p:nvSpPr>
+          <p:cNvPr id="2" name="Title 1"/>
+          <p:cNvSpPr>
+            <a:spLocks noGrp="1"/>
+          </p:cNvSpPr>
+          <p:nvPr>
+            <p:ph type="title"/>
+          </p:nvPr>
+        </p:nvSpPr>
+        <p:spPr/>
+        <p:txBody>
+          <a:bodyPr/>
+          <a:lstStyle/>
+          <a:p>
+            <a:r>
+              <a:rPr lang="en-CA" b="1" dirty="0" smtClean="0"/>
+              <a:t>Sample </a:t>
+            </a:r>
+            <a:r>
+              <a:rPr lang="en-CA" b="1" dirty="0" smtClean="0"/>
+              <a:t>Report 1</a:t>
+            </a:r>
+            <a:endParaRPr lang="en-CA" b="1" dirty="0"/>
+          </a:p>
+        </p:txBody>
+      </p:sp>
+      <p:sp>
+        <p:nvSpPr>
+          <p:cNvPr id="3" name="Content Placeholder 2"/>
+          <p:cNvSpPr>
+            <a:spLocks noGrp="1"/>
+          </p:cNvSpPr>
+          <p:nvPr>
+            <p:ph sz="quarter" idx="10"/>
+          </p:nvPr>
+        </p:nvSpPr>
+        <p:spPr/>
+        <p:txBody>
+          <a:bodyPr/>
+          <a:lstStyle/>
+          <a:p>
+            <a:pPr marL="457200" indent="-457200">
+              <a:buFontTx/>
+              <a:buChar char="-"/>
+            </a:pPr>
+            <a:endParaRPr lang="en-CA" dirty="0" smtClean="0"/>
+          </a:p>
+          <a:p>
+            <a:endParaRPr lang="en-CA" dirty="0" smtClean="0"/>
+          </a:p>
+        </p:txBody>
+      </p:sp>
+      <p:sp>
+        <p:nvSpPr>
+          <p:cNvPr id="4" name="Slide Number Placeholder 3"/>
+          <p:cNvSpPr>
+            <a:spLocks noGrp="1"/>
+          </p:cNvSpPr>
+          <p:nvPr>
+            <p:ph type="sldNum" sz="quarter" idx="12"/>
+          </p:nvPr>
+        </p:nvSpPr>
+        <p:spPr/>
+        <p:txBody>
+          <a:bodyPr/>
+          <a:lstStyle/>
+          <a:p>
+            <a:pPr algn="ctr"/>
+            <a:r>
+              <a:rPr lang="en-CA" dirty="0" smtClean="0"/>
+              <a:t>- </a:t>
+            </a:r>
+            <a:fld id="{F93D3C5A-921F-4515-9F35-6261197ACD81}" type="slidenum">
+              <a:rPr lang="en-CA" smtClean="0"/>
+              <a:pPr algn="ctr"/>
+              <a:t>5</a:t>
             </a:fld>
             <a:r>
               <a:rPr lang="en-CA" dirty="0" smtClean="0"/>
@@ -7764,6 +11779,152 @@
     <p:extLst>
       <p:ext uri="{BB962C8B-B14F-4D97-AF65-F5344CB8AC3E}">
         <p14:creationId xmlns:p14="http://schemas.microsoft.com/office/powerpoint/2010/main" val="1694940750"/>
+      </p:ext>
+    </p:extLst>
+  </p:cSld>
+  <p:clrMapOvr>
+    <a:masterClrMapping/>
+  </p:clrMapOvr>
+</p:sld>
+</file>
+
+<file path=ppt/slides/slide7.xml><?xml version="1.0" encoding="utf-8"?>
+<p:sld xmlns:a="http://schemas.openxmlformats.org/drawingml/2006/main" xmlns:r="http://schemas.openxmlformats.org/officeDocument/2006/relationships" xmlns:p="http://schemas.openxmlformats.org/presentationml/2006/main" showMasterSp="0">
+  <p:cSld>
+    <p:spTree>
+      <p:nvGrpSpPr>
+        <p:cNvPr id="1" name=""/>
+        <p:cNvGrpSpPr/>
+        <p:nvPr/>
+      </p:nvGrpSpPr>
+      <p:grpSpPr>
+        <a:xfrm>
+          <a:off x="0" y="0"/>
+          <a:ext cx="0" cy="0"/>
+          <a:chOff x="0" y="0"/>
+          <a:chExt cx="0" cy="0"/>
+        </a:xfrm>
+      </p:grpSpPr>
+      <p:sp>
+        <p:nvSpPr>
+          <p:cNvPr id="2" name="Title 1"/>
+          <p:cNvSpPr>
+            <a:spLocks noGrp="1"/>
+          </p:cNvSpPr>
+          <p:nvPr>
+            <p:ph type="title"/>
+          </p:nvPr>
+        </p:nvSpPr>
+        <p:spPr/>
+        <p:txBody>
+          <a:bodyPr/>
+          <a:lstStyle/>
+          <a:p>
+            <a:r>
+              <a:rPr lang="en-CA" b="1" dirty="0" smtClean="0"/>
+              <a:t>Sample </a:t>
+            </a:r>
+            <a:r>
+              <a:rPr lang="en-CA" b="1" dirty="0" smtClean="0"/>
+              <a:t>Report 2</a:t>
+            </a:r>
+            <a:endParaRPr lang="en-CA" b="1" dirty="0"/>
+          </a:p>
+        </p:txBody>
+      </p:sp>
+      <p:sp>
+        <p:nvSpPr>
+          <p:cNvPr id="3" name="Content Placeholder 2"/>
+          <p:cNvSpPr>
+            <a:spLocks noGrp="1"/>
+          </p:cNvSpPr>
+          <p:nvPr>
+            <p:ph sz="quarter" idx="10"/>
+          </p:nvPr>
+        </p:nvSpPr>
+        <p:spPr/>
+        <p:txBody>
+          <a:bodyPr/>
+          <a:lstStyle/>
+          <a:p>
+            <a:pPr marL="457200" indent="-457200">
+              <a:buFontTx/>
+              <a:buChar char="-"/>
+            </a:pPr>
+            <a:endParaRPr lang="en-CA" dirty="0" smtClean="0"/>
+          </a:p>
+          <a:p>
+            <a:endParaRPr lang="en-CA" dirty="0" smtClean="0"/>
+          </a:p>
+        </p:txBody>
+      </p:sp>
+      <p:sp>
+        <p:nvSpPr>
+          <p:cNvPr id="4" name="Slide Number Placeholder 3"/>
+          <p:cNvSpPr>
+            <a:spLocks noGrp="1"/>
+          </p:cNvSpPr>
+          <p:nvPr>
+            <p:ph type="sldNum" sz="quarter" idx="12"/>
+          </p:nvPr>
+        </p:nvSpPr>
+        <p:spPr/>
+        <p:txBody>
+          <a:bodyPr/>
+          <a:lstStyle/>
+          <a:p>
+            <a:pPr algn="ctr"/>
+            <a:r>
+              <a:rPr lang="en-CA" dirty="0" smtClean="0"/>
+              <a:t>- </a:t>
+            </a:r>
+            <a:fld id="{F93D3C5A-921F-4515-9F35-6261197ACD81}" type="slidenum">
+              <a:rPr lang="en-CA" smtClean="0"/>
+              <a:pPr algn="ctr"/>
+              <a:t>6</a:t>
+            </a:fld>
+            <a:r>
+              <a:rPr lang="en-CA" dirty="0" smtClean="0"/>
+              <a:t> -</a:t>
+            </a:r>
+            <a:endParaRPr lang="en-CA" dirty="0"/>
+          </a:p>
+        </p:txBody>
+      </p:sp>
+      <p:pic>
+        <p:nvPicPr>
+          <p:cNvPr id="5" name="Picture 4"/>
+          <p:cNvPicPr>
+            <a:picLocks noChangeAspect="1"/>
+          </p:cNvPicPr>
+          <p:nvPr/>
+        </p:nvPicPr>
+        <p:blipFill>
+          <a:blip r:embed="rId2">
+            <a:extLst>
+              <a:ext uri="{28A0092B-C50C-407E-A947-70E740481C1C}">
+                <a14:useLocalDpi xmlns:a14="http://schemas.microsoft.com/office/drawing/2010/main" val="0"/>
+              </a:ext>
+            </a:extLst>
+          </a:blip>
+          <a:stretch>
+            <a:fillRect/>
+          </a:stretch>
+        </p:blipFill>
+        <p:spPr>
+          <a:xfrm>
+            <a:off x="62853" y="876300"/>
+            <a:ext cx="8778905" cy="4465417"/>
+          </a:xfrm>
+          <a:prstGeom prst="rect">
+            <a:avLst/>
+          </a:prstGeom>
+        </p:spPr>
+      </p:pic>
+    </p:spTree>
+    <p:extLst>
+      <p:ext uri="{BB962C8B-B14F-4D97-AF65-F5344CB8AC3E}">
+        <p14:creationId xmlns:p14="http://schemas.microsoft.com/office/powerpoint/2010/main" val="1734169623"/>
       </p:ext>
     </p:extLst>
   </p:cSld>
@@ -9571,27 +13732,6 @@
 </file>
 
 <file path=customXml/item1.xml><?xml version="1.0" encoding="utf-8"?>
-<p:properties xmlns:p="http://schemas.microsoft.com/office/2006/metadata/properties" xmlns:xsi="http://www.w3.org/2001/XMLSchema-instance" xmlns:pc="http://schemas.microsoft.com/office/infopath/2007/PartnerControls">
-  <documentManagement>
-    <_dlc_DocId xmlns="5f30fe18-18b5-4c2d-8cb7-9ddc27a1765c">45UANX6N6NHT-3-440</_dlc_DocId>
-    <_dlc_DocIdUrl xmlns="5f30fe18-18b5-4c2d-8cb7-9ddc27a1765c">
-      <Url>https://project.collaborate.tsl.telus.com/sites/wesp/_layouts/DocIdRedir.aspx?ID=45UANX6N6NHT-3-440</Url>
-      <Description>45UANX6N6NHT-3-440</Description>
-    </_dlc_DocIdUrl>
-  </documentManagement>
-</p:properties>
-</file>
-
-<file path=customXml/item2.xml><?xml version="1.0" encoding="utf-8"?>
-<?mso-contentType ?>
-<FormTemplates xmlns="http://schemas.microsoft.com/sharepoint/v3/contenttype/forms">
-  <Display>DocumentLibraryForm</Display>
-  <Edit>DocumentLibraryForm</Edit>
-  <New>DocumentLibraryForm</New>
-</FormTemplates>
-</file>
-
-<file path=customXml/item3.xml><?xml version="1.0" encoding="utf-8"?>
 <?mso-contentType ?>
 <spe:Receivers xmlns:spe="http://schemas.microsoft.com/sharepoint/events">
   <Receiver>
@@ -9635,6 +13775,27 @@
     <Filter/>
   </Receiver>
 </spe:Receivers>
+</file>
+
+<file path=customXml/item2.xml><?xml version="1.0" encoding="utf-8"?>
+<?mso-contentType ?>
+<FormTemplates xmlns="http://schemas.microsoft.com/sharepoint/v3/contenttype/forms">
+  <Display>DocumentLibraryForm</Display>
+  <Edit>DocumentLibraryForm</Edit>
+  <New>DocumentLibraryForm</New>
+</FormTemplates>
+</file>
+
+<file path=customXml/item3.xml><?xml version="1.0" encoding="utf-8"?>
+<p:properties xmlns:p="http://schemas.microsoft.com/office/2006/metadata/properties" xmlns:xsi="http://www.w3.org/2001/XMLSchema-instance" xmlns:pc="http://schemas.microsoft.com/office/infopath/2007/PartnerControls">
+  <documentManagement>
+    <_dlc_DocId xmlns="5f30fe18-18b5-4c2d-8cb7-9ddc27a1765c">45UANX6N6NHT-3-440</_dlc_DocId>
+    <_dlc_DocIdUrl xmlns="5f30fe18-18b5-4c2d-8cb7-9ddc27a1765c">
+      <Url>https://project.collaborate.tsl.telus.com/sites/wesp/_layouts/DocIdRedir.aspx?ID=45UANX6N6NHT-3-440</Url>
+      <Description>45UANX6N6NHT-3-440</Description>
+    </_dlc_DocIdUrl>
+  </documentManagement>
+</p:properties>
 </file>
 
 <file path=customXml/item4.xml><?xml version="1.0" encoding="utf-8"?>
@@ -9783,17 +13944,9 @@
 </file>
 
 <file path=customXml/itemProps1.xml><?xml version="1.0" encoding="utf-8"?>
-<ds:datastoreItem xmlns:ds="http://schemas.openxmlformats.org/officeDocument/2006/customXml" ds:itemID="{380E191F-8FEF-4E3B-8EB7-B5120927D100}">
+<ds:datastoreItem xmlns:ds="http://schemas.openxmlformats.org/officeDocument/2006/customXml" ds:itemID="{7F0378A7-269C-4778-9CF0-21CEC371B404}">
   <ds:schemaRefs>
-    <ds:schemaRef ds:uri="http://purl.org/dc/terms/"/>
-    <ds:schemaRef ds:uri="http://schemas.microsoft.com/office/2006/documentManagement/types"/>
-    <ds:schemaRef ds:uri="http://www.w3.org/XML/1998/namespace"/>
-    <ds:schemaRef ds:uri="http://schemas.microsoft.com/office/infopath/2007/PartnerControls"/>
-    <ds:schemaRef ds:uri="http://schemas.openxmlformats.org/package/2006/metadata/core-properties"/>
-    <ds:schemaRef ds:uri="http://purl.org/dc/elements/1.1/"/>
-    <ds:schemaRef ds:uri="http://purl.org/dc/dcmitype/"/>
-    <ds:schemaRef ds:uri="5f30fe18-18b5-4c2d-8cb7-9ddc27a1765c"/>
-    <ds:schemaRef ds:uri="http://schemas.microsoft.com/office/2006/metadata/properties"/>
+    <ds:schemaRef ds:uri="http://schemas.microsoft.com/sharepoint/events"/>
   </ds:schemaRefs>
 </ds:datastoreItem>
 </file>
@@ -9807,9 +13960,17 @@
 </file>
 
 <file path=customXml/itemProps3.xml><?xml version="1.0" encoding="utf-8"?>
-<ds:datastoreItem xmlns:ds="http://schemas.openxmlformats.org/officeDocument/2006/customXml" ds:itemID="{7F0378A7-269C-4778-9CF0-21CEC371B404}">
+<ds:datastoreItem xmlns:ds="http://schemas.openxmlformats.org/officeDocument/2006/customXml" ds:itemID="{380E191F-8FEF-4E3B-8EB7-B5120927D100}">
   <ds:schemaRefs>
-    <ds:schemaRef ds:uri="http://schemas.microsoft.com/sharepoint/events"/>
+    <ds:schemaRef ds:uri="http://purl.org/dc/terms/"/>
+    <ds:schemaRef ds:uri="http://schemas.microsoft.com/office/2006/documentManagement/types"/>
+    <ds:schemaRef ds:uri="http://www.w3.org/XML/1998/namespace"/>
+    <ds:schemaRef ds:uri="http://schemas.microsoft.com/office/infopath/2007/PartnerControls"/>
+    <ds:schemaRef ds:uri="http://schemas.openxmlformats.org/package/2006/metadata/core-properties"/>
+    <ds:schemaRef ds:uri="http://purl.org/dc/elements/1.1/"/>
+    <ds:schemaRef ds:uri="http://purl.org/dc/dcmitype/"/>
+    <ds:schemaRef ds:uri="5f30fe18-18b5-4c2d-8cb7-9ddc27a1765c"/>
+    <ds:schemaRef ds:uri="http://schemas.microsoft.com/office/2006/metadata/properties"/>
   </ds:schemaRefs>
 </ds:datastoreItem>
 </file>

--- a/AquaSol.pptx
+++ b/AquaSol.pptx
@@ -4,21 +4,24 @@
   <p:sldMasterIdLst>
     <p:sldMasterId id="2147483648" r:id="rId5"/>
     <p:sldMasterId id="2147483743" r:id="rId6"/>
+    <p:sldMasterId id="2147483759" r:id="rId7"/>
   </p:sldMasterIdLst>
   <p:notesMasterIdLst>
-    <p:notesMasterId r:id="rId14"/>
+    <p:notesMasterId r:id="rId17"/>
   </p:notesMasterIdLst>
   <p:handoutMasterIdLst>
-    <p:handoutMasterId r:id="rId15"/>
+    <p:handoutMasterId r:id="rId18"/>
   </p:handoutMasterIdLst>
   <p:sldIdLst>
-    <p:sldId id="275" r:id="rId7"/>
-    <p:sldId id="354" r:id="rId8"/>
-    <p:sldId id="355" r:id="rId9"/>
-    <p:sldId id="356" r:id="rId10"/>
-    <p:sldId id="359" r:id="rId11"/>
-    <p:sldId id="357" r:id="rId12"/>
-    <p:sldId id="358" r:id="rId13"/>
+    <p:sldId id="275" r:id="rId8"/>
+    <p:sldId id="354" r:id="rId9"/>
+    <p:sldId id="355" r:id="rId10"/>
+    <p:sldId id="356" r:id="rId11"/>
+    <p:sldId id="359" r:id="rId12"/>
+    <p:sldId id="357" r:id="rId13"/>
+    <p:sldId id="358" r:id="rId14"/>
+    <p:sldId id="360" r:id="rId15"/>
+    <p:sldId id="361" r:id="rId16"/>
   </p:sldIdLst>
   <p:sldSz cx="9144000" cy="5715000" type="screen16x10"/>
   <p:notesSz cx="6858000" cy="9144000"/>
@@ -159,6 +162,8 @@
             <p14:sldId id="359"/>
             <p14:sldId id="357"/>
             <p14:sldId id="358"/>
+            <p14:sldId id="360"/>
+            <p14:sldId id="361"/>
           </p14:sldIdLst>
         </p14:section>
       </p14:sectionLst>
@@ -1211,10 +1216,24 @@
     <dgm:pt modelId="{FA96DE1E-2C96-4F10-9A42-57D649BC599A}" type="pres">
       <dgm:prSet presAssocID="{F3F5052F-3ECA-4AB0-B283-B686AEDF8520}" presName="sibTrans" presStyleLbl="sibTrans2D1" presStyleIdx="0" presStyleCnt="6"/>
       <dgm:spPr/>
+      <dgm:t>
+        <a:bodyPr/>
+        <a:lstStyle/>
+        <a:p>
+          <a:endParaRPr lang="en-CA"/>
+        </a:p>
+      </dgm:t>
     </dgm:pt>
     <dgm:pt modelId="{98930155-B503-4105-8C31-4870AC111E1A}" type="pres">
       <dgm:prSet presAssocID="{F3F5052F-3ECA-4AB0-B283-B686AEDF8520}" presName="connectorText" presStyleLbl="sibTrans2D1" presStyleIdx="0" presStyleCnt="6"/>
       <dgm:spPr/>
+      <dgm:t>
+        <a:bodyPr/>
+        <a:lstStyle/>
+        <a:p>
+          <a:endParaRPr lang="en-CA"/>
+        </a:p>
+      </dgm:t>
     </dgm:pt>
     <dgm:pt modelId="{533EF14F-E03E-46D2-87AE-6967FA564D3B}" type="pres">
       <dgm:prSet presAssocID="{4B92FC68-B798-44BF-905E-2DFB5F64ADEC}" presName="node" presStyleLbl="node1" presStyleIdx="1" presStyleCnt="7">
@@ -1223,14 +1242,35 @@
         </dgm:presLayoutVars>
       </dgm:prSet>
       <dgm:spPr/>
+      <dgm:t>
+        <a:bodyPr/>
+        <a:lstStyle/>
+        <a:p>
+          <a:endParaRPr lang="en-CA"/>
+        </a:p>
+      </dgm:t>
     </dgm:pt>
     <dgm:pt modelId="{F13539C2-1EE3-42A9-AE02-B1A8194BE4F1}" type="pres">
       <dgm:prSet presAssocID="{3BF5A1EF-059F-408C-AE35-FA41AC870AD0}" presName="sibTrans" presStyleLbl="sibTrans2D1" presStyleIdx="1" presStyleCnt="6"/>
       <dgm:spPr/>
+      <dgm:t>
+        <a:bodyPr/>
+        <a:lstStyle/>
+        <a:p>
+          <a:endParaRPr lang="en-CA"/>
+        </a:p>
+      </dgm:t>
     </dgm:pt>
     <dgm:pt modelId="{8C432981-7C81-4FE6-BDCB-F96003871488}" type="pres">
       <dgm:prSet presAssocID="{3BF5A1EF-059F-408C-AE35-FA41AC870AD0}" presName="connectorText" presStyleLbl="sibTrans2D1" presStyleIdx="1" presStyleCnt="6"/>
       <dgm:spPr/>
+      <dgm:t>
+        <a:bodyPr/>
+        <a:lstStyle/>
+        <a:p>
+          <a:endParaRPr lang="en-CA"/>
+        </a:p>
+      </dgm:t>
     </dgm:pt>
     <dgm:pt modelId="{0960E6F3-2D9F-4976-8598-426032845852}" type="pres">
       <dgm:prSet presAssocID="{77FD4F83-9A97-4A3C-B3EB-8E2B524FFC8C}" presName="node" presStyleLbl="node1" presStyleIdx="2" presStyleCnt="7">
@@ -1250,10 +1290,24 @@
     <dgm:pt modelId="{899EE98D-172D-4A4D-8596-794F4F1A9791}" type="pres">
       <dgm:prSet presAssocID="{79DBB6E9-634C-4E2D-83E4-88BCD95EF030}" presName="sibTrans" presStyleLbl="sibTrans2D1" presStyleIdx="2" presStyleCnt="6"/>
       <dgm:spPr/>
+      <dgm:t>
+        <a:bodyPr/>
+        <a:lstStyle/>
+        <a:p>
+          <a:endParaRPr lang="en-CA"/>
+        </a:p>
+      </dgm:t>
     </dgm:pt>
     <dgm:pt modelId="{F00A7316-8E09-4F22-B3F8-704CD81A50E3}" type="pres">
       <dgm:prSet presAssocID="{79DBB6E9-634C-4E2D-83E4-88BCD95EF030}" presName="connectorText" presStyleLbl="sibTrans2D1" presStyleIdx="2" presStyleCnt="6"/>
       <dgm:spPr/>
+      <dgm:t>
+        <a:bodyPr/>
+        <a:lstStyle/>
+        <a:p>
+          <a:endParaRPr lang="en-CA"/>
+        </a:p>
+      </dgm:t>
     </dgm:pt>
     <dgm:pt modelId="{13EFEA9D-E4BB-46FE-AC3D-F4DF4F69F47E}" type="pres">
       <dgm:prSet presAssocID="{2C99E25D-2722-4455-BB8C-A32B92FA5750}" presName="node" presStyleLbl="node1" presStyleIdx="3" presStyleCnt="7">
@@ -1262,14 +1316,35 @@
         </dgm:presLayoutVars>
       </dgm:prSet>
       <dgm:spPr/>
+      <dgm:t>
+        <a:bodyPr/>
+        <a:lstStyle/>
+        <a:p>
+          <a:endParaRPr lang="en-CA"/>
+        </a:p>
+      </dgm:t>
     </dgm:pt>
     <dgm:pt modelId="{AF6D3AE1-7600-4A2E-A59D-354913D332CB}" type="pres">
       <dgm:prSet presAssocID="{21255A2B-7920-4E1F-90F1-56AFA976EDBA}" presName="sibTrans" presStyleLbl="sibTrans2D1" presStyleIdx="3" presStyleCnt="6"/>
       <dgm:spPr/>
+      <dgm:t>
+        <a:bodyPr/>
+        <a:lstStyle/>
+        <a:p>
+          <a:endParaRPr lang="en-CA"/>
+        </a:p>
+      </dgm:t>
     </dgm:pt>
     <dgm:pt modelId="{809A4A02-DB33-4E6C-A61D-2F83FFA0D071}" type="pres">
       <dgm:prSet presAssocID="{21255A2B-7920-4E1F-90F1-56AFA976EDBA}" presName="connectorText" presStyleLbl="sibTrans2D1" presStyleIdx="3" presStyleCnt="6"/>
       <dgm:spPr/>
+      <dgm:t>
+        <a:bodyPr/>
+        <a:lstStyle/>
+        <a:p>
+          <a:endParaRPr lang="en-CA"/>
+        </a:p>
+      </dgm:t>
     </dgm:pt>
     <dgm:pt modelId="{5772F78E-7DC5-4908-A700-3738728F3A46}" type="pres">
       <dgm:prSet presAssocID="{4355F683-E0BD-4B02-A026-895F54B6308A}" presName="node" presStyleLbl="node1" presStyleIdx="4" presStyleCnt="7">
@@ -1289,10 +1364,24 @@
     <dgm:pt modelId="{07A3E70D-4FCE-48E0-AED4-63D9E5488AAF}" type="pres">
       <dgm:prSet presAssocID="{FF727AC0-DF8F-4B69-882A-FA9EAD0E4B39}" presName="sibTrans" presStyleLbl="sibTrans2D1" presStyleIdx="4" presStyleCnt="6"/>
       <dgm:spPr/>
+      <dgm:t>
+        <a:bodyPr/>
+        <a:lstStyle/>
+        <a:p>
+          <a:endParaRPr lang="en-CA"/>
+        </a:p>
+      </dgm:t>
     </dgm:pt>
     <dgm:pt modelId="{C97EC4E9-3DA7-4705-B3C8-7F3248D5F0BC}" type="pres">
       <dgm:prSet presAssocID="{FF727AC0-DF8F-4B69-882A-FA9EAD0E4B39}" presName="connectorText" presStyleLbl="sibTrans2D1" presStyleIdx="4" presStyleCnt="6"/>
       <dgm:spPr/>
+      <dgm:t>
+        <a:bodyPr/>
+        <a:lstStyle/>
+        <a:p>
+          <a:endParaRPr lang="en-CA"/>
+        </a:p>
+      </dgm:t>
     </dgm:pt>
     <dgm:pt modelId="{38EF2B51-EA83-4A86-A98F-AE8DCE7568F4}" type="pres">
       <dgm:prSet presAssocID="{F99FDF6E-A39B-4D68-9ECF-921AC73E9490}" presName="node" presStyleLbl="node1" presStyleIdx="5" presStyleCnt="7">
@@ -1312,10 +1401,24 @@
     <dgm:pt modelId="{38925A46-0CC0-4AAF-BFC5-753005BE8E9B}" type="pres">
       <dgm:prSet presAssocID="{C8604062-8451-4F4F-99E2-51262C7B8FFE}" presName="sibTrans" presStyleLbl="sibTrans2D1" presStyleIdx="5" presStyleCnt="6"/>
       <dgm:spPr/>
+      <dgm:t>
+        <a:bodyPr/>
+        <a:lstStyle/>
+        <a:p>
+          <a:endParaRPr lang="en-CA"/>
+        </a:p>
+      </dgm:t>
     </dgm:pt>
     <dgm:pt modelId="{2742BCA2-50C8-4C41-A379-8894D3713B13}" type="pres">
       <dgm:prSet presAssocID="{C8604062-8451-4F4F-99E2-51262C7B8FFE}" presName="connectorText" presStyleLbl="sibTrans2D1" presStyleIdx="5" presStyleCnt="6"/>
       <dgm:spPr/>
+      <dgm:t>
+        <a:bodyPr/>
+        <a:lstStyle/>
+        <a:p>
+          <a:endParaRPr lang="en-CA"/>
+        </a:p>
+      </dgm:t>
     </dgm:pt>
     <dgm:pt modelId="{74F465C6-C483-4C91-896A-88314E8E9524}" type="pres">
       <dgm:prSet presAssocID="{DF891D23-80B7-475A-A156-C9DD9FDA0EAA}" presName="node" presStyleLbl="node1" presStyleIdx="6" presStyleCnt="7">
@@ -1324,6 +1427,13 @@
         </dgm:presLayoutVars>
       </dgm:prSet>
       <dgm:spPr/>
+      <dgm:t>
+        <a:bodyPr/>
+        <a:lstStyle/>
+        <a:p>
+          <a:endParaRPr lang="en-CA"/>
+        </a:p>
+      </dgm:t>
     </dgm:pt>
   </dgm:ptLst>
   <dgm:cxnLst>
@@ -1342,9 +1452,9 @@
     <dgm:cxn modelId="{12E5C6E9-C3AC-4EC4-B5E4-C03648A14126}" type="presOf" srcId="{F3F5052F-3ECA-4AB0-B283-B686AEDF8520}" destId="{98930155-B503-4105-8C31-4870AC111E1A}" srcOrd="1" destOrd="0" presId="urn:microsoft.com/office/officeart/2005/8/layout/process1"/>
     <dgm:cxn modelId="{E15FAEF1-DEC8-4686-A389-2FF92E2C67D6}" type="presOf" srcId="{77FD4F83-9A97-4A3C-B3EB-8E2B524FFC8C}" destId="{0960E6F3-2D9F-4976-8598-426032845852}" srcOrd="0" destOrd="0" presId="urn:microsoft.com/office/officeart/2005/8/layout/process1"/>
     <dgm:cxn modelId="{D4C8CCF6-605E-49DC-B01E-49143ABE4705}" srcId="{53E154C2-CB2C-426C-B682-B16BD4B77059}" destId="{4B92FC68-B798-44BF-905E-2DFB5F64ADEC}" srcOrd="1" destOrd="0" parTransId="{E328DE60-4133-4744-8358-E17B24BA01E7}" sibTransId="{3BF5A1EF-059F-408C-AE35-FA41AC870AD0}"/>
+    <dgm:cxn modelId="{A8E7C8B6-B0C6-4653-AF9B-B76752390E5D}" type="presOf" srcId="{F99FDF6E-A39B-4D68-9ECF-921AC73E9490}" destId="{38EF2B51-EA83-4A86-A98F-AE8DCE7568F4}" srcOrd="0" destOrd="0" presId="urn:microsoft.com/office/officeart/2005/8/layout/process1"/>
+    <dgm:cxn modelId="{89316A24-EE3E-4216-A055-C2BE32BA6B90}" type="presOf" srcId="{C8604062-8451-4F4F-99E2-51262C7B8FFE}" destId="{2742BCA2-50C8-4C41-A379-8894D3713B13}" srcOrd="1" destOrd="0" presId="urn:microsoft.com/office/officeart/2005/8/layout/process1"/>
     <dgm:cxn modelId="{871A0CD8-4A4F-4C05-8DE4-C59F03E63BBF}" type="presOf" srcId="{79DBB6E9-634C-4E2D-83E4-88BCD95EF030}" destId="{F00A7316-8E09-4F22-B3F8-704CD81A50E3}" srcOrd="1" destOrd="0" presId="urn:microsoft.com/office/officeart/2005/8/layout/process1"/>
-    <dgm:cxn modelId="{89316A24-EE3E-4216-A055-C2BE32BA6B90}" type="presOf" srcId="{C8604062-8451-4F4F-99E2-51262C7B8FFE}" destId="{2742BCA2-50C8-4C41-A379-8894D3713B13}" srcOrd="1" destOrd="0" presId="urn:microsoft.com/office/officeart/2005/8/layout/process1"/>
-    <dgm:cxn modelId="{A8E7C8B6-B0C6-4653-AF9B-B76752390E5D}" type="presOf" srcId="{F99FDF6E-A39B-4D68-9ECF-921AC73E9490}" destId="{38EF2B51-EA83-4A86-A98F-AE8DCE7568F4}" srcOrd="0" destOrd="0" presId="urn:microsoft.com/office/officeart/2005/8/layout/process1"/>
     <dgm:cxn modelId="{AD173941-E47D-4D32-901C-DFF21DE61FEA}" srcId="{53E154C2-CB2C-426C-B682-B16BD4B77059}" destId="{F99FDF6E-A39B-4D68-9ECF-921AC73E9490}" srcOrd="5" destOrd="0" parTransId="{543F8AC6-A707-4ED5-BCDD-16C75AFCEA28}" sibTransId="{C8604062-8451-4F4F-99E2-51262C7B8FFE}"/>
     <dgm:cxn modelId="{06736AC6-4AF6-4C8F-9BE5-691C4953ACD6}" type="presOf" srcId="{F3F5052F-3ECA-4AB0-B283-B686AEDF8520}" destId="{FA96DE1E-2C96-4F10-9A42-57D649BC599A}" srcOrd="0" destOrd="0" presId="urn:microsoft.com/office/officeart/2005/8/layout/process1"/>
     <dgm:cxn modelId="{C49D8520-AF51-4E3F-BD89-047FF9A12D63}" type="presOf" srcId="{085DC0ED-B0C4-4B7B-99DD-4EAE5241B057}" destId="{AC51BA1E-B8BA-438E-AAA5-E4822B2375CB}" srcOrd="0" destOrd="0" presId="urn:microsoft.com/office/officeart/2005/8/layout/process1"/>
@@ -3649,7 +3759,7 @@
               <a:pPr>
                 <a:defRPr/>
               </a:pPr>
-              <a:t>7/13/2016</a:t>
+              <a:t>7/20/2016</a:t>
             </a:fld>
             <a:endParaRPr lang="en-US" dirty="0"/>
           </a:p>
@@ -3855,7 +3965,7 @@
               <a:pPr>
                 <a:defRPr/>
               </a:pPr>
-              <a:t>7/13/2016</a:t>
+              <a:t>7/20/2016</a:t>
             </a:fld>
             <a:endParaRPr lang="en-US" dirty="0"/>
           </a:p>
@@ -6705,6 +6815,1446 @@
 </p:sldLayout>
 </file>
 
+<file path=ppt/slideLayouts/slideLayout21.xml><?xml version="1.0" encoding="utf-8"?>
+<p:sldLayout xmlns:a="http://schemas.openxmlformats.org/drawingml/2006/main" xmlns:r="http://schemas.openxmlformats.org/officeDocument/2006/relationships" xmlns:p="http://schemas.openxmlformats.org/presentationml/2006/main" preserve="1" userDrawn="1">
+  <p:cSld name="Title Slide">
+    <p:spTree>
+      <p:nvGrpSpPr>
+        <p:cNvPr id="1" name=""/>
+        <p:cNvGrpSpPr/>
+        <p:nvPr/>
+      </p:nvGrpSpPr>
+      <p:grpSpPr>
+        <a:xfrm>
+          <a:off x="0" y="0"/>
+          <a:ext cx="0" cy="0"/>
+          <a:chOff x="0" y="0"/>
+          <a:chExt cx="0" cy="0"/>
+        </a:xfrm>
+      </p:grpSpPr>
+      <p:sp>
+        <p:nvSpPr>
+          <p:cNvPr id="7" name="Rectangle 6"/>
+          <p:cNvSpPr/>
+          <p:nvPr userDrawn="1"/>
+        </p:nvSpPr>
+        <p:spPr>
+          <a:xfrm>
+            <a:off x="4271749" y="4014717"/>
+            <a:ext cx="1583142" cy="1262304"/>
+          </a:xfrm>
+          <a:prstGeom prst="rect">
+            <a:avLst/>
+          </a:prstGeom>
+          <a:solidFill>
+            <a:schemeClr val="bg1"/>
+          </a:solidFill>
+          <a:ln>
+            <a:noFill/>
+          </a:ln>
+          <a:effectLst/>
+        </p:spPr>
+        <p:style>
+          <a:lnRef idx="1">
+            <a:schemeClr val="accent1"/>
+          </a:lnRef>
+          <a:fillRef idx="3">
+            <a:schemeClr val="accent1"/>
+          </a:fillRef>
+          <a:effectRef idx="2">
+            <a:schemeClr val="accent1"/>
+          </a:effectRef>
+          <a:fontRef idx="minor">
+            <a:schemeClr val="lt1"/>
+          </a:fontRef>
+        </p:style>
+        <p:txBody>
+          <a:bodyPr rtlCol="0" anchor="ctr"/>
+          <a:lstStyle/>
+          <a:p>
+            <a:pPr algn="ctr"/>
+            <a:endParaRPr lang="en-CA" dirty="0">
+              <a:solidFill>
+                <a:srgbClr val="FFFFFF"/>
+              </a:solidFill>
+            </a:endParaRPr>
+          </a:p>
+        </p:txBody>
+      </p:sp>
+      <p:sp>
+        <p:nvSpPr>
+          <p:cNvPr id="8" name="Text Placeholder 7"/>
+          <p:cNvSpPr>
+            <a:spLocks noGrp="1"/>
+          </p:cNvSpPr>
+          <p:nvPr>
+            <p:ph type="body" sz="quarter" idx="10"/>
+          </p:nvPr>
+        </p:nvSpPr>
+        <p:spPr>
+          <a:xfrm>
+            <a:off x="633964" y="4424732"/>
+            <a:ext cx="4170050" cy="441854"/>
+          </a:xfrm>
+          <a:prstGeom prst="rect">
+            <a:avLst/>
+          </a:prstGeom>
+        </p:spPr>
+        <p:txBody>
+          <a:bodyPr vert="horz"/>
+          <a:lstStyle>
+            <a:lvl1pPr algn="ctr">
+              <a:buFontTx/>
+              <a:buNone/>
+              <a:defRPr sz="2000" b="0" i="0" baseline="0">
+                <a:solidFill>
+                  <a:schemeClr val="bg2"/>
+                </a:solidFill>
+                <a:latin typeface="Helvetica Light"/>
+                <a:cs typeface="Helvetica Light"/>
+              </a:defRPr>
+            </a:lvl1pPr>
+            <a:lvl2pPr>
+              <a:buFontTx/>
+              <a:buNone/>
+              <a:defRPr/>
+            </a:lvl2pPr>
+            <a:lvl3pPr>
+              <a:buFontTx/>
+              <a:buNone/>
+              <a:defRPr/>
+            </a:lvl3pPr>
+            <a:lvl4pPr>
+              <a:buFontTx/>
+              <a:buNone/>
+              <a:defRPr/>
+            </a:lvl4pPr>
+            <a:lvl5pPr>
+              <a:buFontTx/>
+              <a:buNone/>
+              <a:defRPr/>
+            </a:lvl5pPr>
+          </a:lstStyle>
+          <a:p>
+            <a:pPr lvl="0"/>
+            <a:r>
+              <a:rPr lang="en-CA" dirty="0" smtClean="0"/>
+              <a:t>Click to edit Master text styles</a:t>
+            </a:r>
+          </a:p>
+        </p:txBody>
+      </p:sp>
+      <p:sp>
+        <p:nvSpPr>
+          <p:cNvPr id="3" name="Title 2"/>
+          <p:cNvSpPr>
+            <a:spLocks noGrp="1"/>
+          </p:cNvSpPr>
+          <p:nvPr>
+            <p:ph type="title" hasCustomPrompt="1"/>
+          </p:nvPr>
+        </p:nvSpPr>
+        <p:spPr>
+          <a:xfrm>
+            <a:off x="388960" y="2286011"/>
+            <a:ext cx="4565177" cy="1808329"/>
+          </a:xfrm>
+          <a:prstGeom prst="rect">
+            <a:avLst/>
+          </a:prstGeom>
+        </p:spPr>
+        <p:txBody>
+          <a:bodyPr/>
+          <a:lstStyle>
+            <a:lvl1pPr>
+              <a:defRPr baseline="0"/>
+            </a:lvl1pPr>
+          </a:lstStyle>
+          <a:p>
+            <a:r>
+              <a:rPr lang="en-US" dirty="0" smtClean="0"/>
+              <a:t>Wireless Edge Security Program</a:t>
+            </a:r>
+            <a:endParaRPr lang="en-CA" dirty="0"/>
+          </a:p>
+        </p:txBody>
+      </p:sp>
+      <p:pic>
+        <p:nvPicPr>
+          <p:cNvPr id="13" name="Picture 12"/>
+          <p:cNvPicPr>
+            <a:picLocks noChangeAspect="1"/>
+          </p:cNvPicPr>
+          <p:nvPr userDrawn="1"/>
+        </p:nvPicPr>
+        <p:blipFill>
+          <a:blip r:embed="rId2">
+            <a:extLst>
+              <a:ext uri="{28A0092B-C50C-407E-A947-70E740481C1C}">
+                <a14:useLocalDpi xmlns:a14="http://schemas.microsoft.com/office/drawing/2010/main" val="0"/>
+              </a:ext>
+            </a:extLst>
+          </a:blip>
+          <a:srcRect/>
+          <a:stretch>
+            <a:fillRect/>
+          </a:stretch>
+        </p:blipFill>
+        <p:spPr bwMode="auto">
+          <a:xfrm>
+            <a:off x="5692784" y="1194393"/>
+            <a:ext cx="3459154" cy="4520607"/>
+          </a:xfrm>
+          <a:prstGeom prst="rect">
+            <a:avLst/>
+          </a:prstGeom>
+          <a:noFill/>
+          <a:ln>
+            <a:noFill/>
+          </a:ln>
+          <a:extLst>
+            <a:ext uri="{909E8E84-426E-40DD-AFC4-6F175D3DCCD1}">
+              <a14:hiddenFill xmlns:a14="http://schemas.microsoft.com/office/drawing/2010/main">
+                <a:solidFill>
+                  <a:srgbClr val="FFFFFF"/>
+                </a:solidFill>
+              </a14:hiddenFill>
+            </a:ext>
+            <a:ext uri="{91240B29-F687-4F45-9708-019B960494DF}">
+              <a14:hiddenLine xmlns:a14="http://schemas.microsoft.com/office/drawing/2010/main" w="9525">
+                <a:solidFill>
+                  <a:srgbClr val="000000"/>
+                </a:solidFill>
+                <a:miter lim="800000"/>
+                <a:headEnd/>
+                <a:tailEnd/>
+              </a14:hiddenLine>
+            </a:ext>
+          </a:extLst>
+        </p:spPr>
+      </p:pic>
+      <p:grpSp>
+        <p:nvGrpSpPr>
+          <p:cNvPr id="14" name="Group 13"/>
+          <p:cNvGrpSpPr/>
+          <p:nvPr userDrawn="1"/>
+        </p:nvGrpSpPr>
+        <p:grpSpPr>
+          <a:xfrm>
+            <a:off x="324463" y="2"/>
+            <a:ext cx="1656744" cy="1596788"/>
+            <a:chOff x="363123" y="0"/>
+            <a:chExt cx="1779575" cy="1719618"/>
+          </a:xfrm>
+        </p:grpSpPr>
+        <p:pic>
+          <p:nvPicPr>
+            <p:cNvPr id="15" name="Picture 4"/>
+            <p:cNvPicPr>
+              <a:picLocks noChangeAspect="1" noChangeArrowheads="1"/>
+            </p:cNvPicPr>
+            <p:nvPr userDrawn="1"/>
+          </p:nvPicPr>
+          <p:blipFill>
+            <a:blip r:embed="rId3">
+              <a:duotone>
+                <a:schemeClr val="accent4">
+                  <a:shade val="45000"/>
+                  <a:satMod val="135000"/>
+                </a:schemeClr>
+                <a:prstClr val="white"/>
+              </a:duotone>
+              <a:extLst>
+                <a:ext uri="{28A0092B-C50C-407E-A947-70E740481C1C}">
+                  <a14:useLocalDpi xmlns:a14="http://schemas.microsoft.com/office/drawing/2010/main" val="0"/>
+                </a:ext>
+              </a:extLst>
+            </a:blip>
+            <a:srcRect/>
+            <a:stretch>
+              <a:fillRect/>
+            </a:stretch>
+          </p:blipFill>
+          <p:spPr bwMode="auto">
+            <a:xfrm>
+              <a:off x="363123" y="0"/>
+              <a:ext cx="1779575" cy="1719618"/>
+            </a:xfrm>
+            <a:prstGeom prst="rect">
+              <a:avLst/>
+            </a:prstGeom>
+            <a:ln>
+              <a:noFill/>
+            </a:ln>
+            <a:effectLst>
+              <a:softEdge rad="112500"/>
+            </a:effectLst>
+            <a:extLst>
+              <a:ext uri="{909E8E84-426E-40DD-AFC4-6F175D3DCCD1}">
+                <a14:hiddenFill xmlns:a14="http://schemas.microsoft.com/office/drawing/2010/main">
+                  <a:solidFill>
+                    <a:schemeClr val="accent1"/>
+                  </a:solidFill>
+                </a14:hiddenFill>
+              </a:ext>
+              <a:ext uri="{91240B29-F687-4F45-9708-019B960494DF}">
+                <a14:hiddenLine xmlns:a14="http://schemas.microsoft.com/office/drawing/2010/main" w="9525">
+                  <a:solidFill>
+                    <a:schemeClr val="tx1"/>
+                  </a:solidFill>
+                  <a:miter lim="800000"/>
+                  <a:headEnd/>
+                  <a:tailEnd/>
+                </a14:hiddenLine>
+              </a:ext>
+              <a:ext uri="{AF507438-7753-43E0-B8FC-AC1667EBCBE1}">
+                <a14:hiddenEffects xmlns:a14="http://schemas.microsoft.com/office/drawing/2010/main">
+                  <a:effectLst>
+                    <a:outerShdw dist="35921" dir="2700000" algn="ctr" rotWithShape="0">
+                      <a:schemeClr val="bg2"/>
+                    </a:outerShdw>
+                  </a:effectLst>
+                </a14:hiddenEffects>
+              </a:ext>
+            </a:extLst>
+          </p:spPr>
+        </p:pic>
+        <p:pic>
+          <p:nvPicPr>
+            <p:cNvPr id="16" name="Picture 15"/>
+            <p:cNvPicPr>
+              <a:picLocks noChangeAspect="1" noChangeArrowheads="1"/>
+            </p:cNvPicPr>
+            <p:nvPr userDrawn="1"/>
+          </p:nvPicPr>
+          <p:blipFill>
+            <a:blip r:embed="rId4">
+              <a:clrChange>
+                <a:clrFrom>
+                  <a:srgbClr val="FFFFFF"/>
+                </a:clrFrom>
+                <a:clrTo>
+                  <a:srgbClr val="FFFFFF">
+                    <a:alpha val="0"/>
+                  </a:srgbClr>
+                </a:clrTo>
+              </a:clrChange>
+              <a:extLst>
+                <a:ext uri="{28A0092B-C50C-407E-A947-70E740481C1C}">
+                  <a14:useLocalDpi xmlns:a14="http://schemas.microsoft.com/office/drawing/2010/main" val="0"/>
+                </a:ext>
+              </a:extLst>
+            </a:blip>
+            <a:srcRect/>
+            <a:stretch>
+              <a:fillRect/>
+            </a:stretch>
+          </p:blipFill>
+          <p:spPr bwMode="auto">
+            <a:xfrm>
+              <a:off x="801023" y="91403"/>
+              <a:ext cx="903775" cy="869543"/>
+            </a:xfrm>
+            <a:prstGeom prst="rect">
+              <a:avLst/>
+            </a:prstGeom>
+            <a:noFill/>
+            <a:ln>
+              <a:noFill/>
+            </a:ln>
+            <a:extLst>
+              <a:ext uri="{909E8E84-426E-40DD-AFC4-6F175D3DCCD1}">
+                <a14:hiddenFill xmlns:a14="http://schemas.microsoft.com/office/drawing/2010/main">
+                  <a:solidFill>
+                    <a:schemeClr val="accent1"/>
+                  </a:solidFill>
+                </a14:hiddenFill>
+              </a:ext>
+              <a:ext uri="{91240B29-F687-4F45-9708-019B960494DF}">
+                <a14:hiddenLine xmlns:a14="http://schemas.microsoft.com/office/drawing/2010/main" w="9525">
+                  <a:solidFill>
+                    <a:schemeClr val="tx1"/>
+                  </a:solidFill>
+                  <a:miter lim="800000"/>
+                  <a:headEnd/>
+                  <a:tailEnd/>
+                </a14:hiddenLine>
+              </a:ext>
+            </a:extLst>
+          </p:spPr>
+        </p:pic>
+      </p:grpSp>
+    </p:spTree>
+    <p:extLst>
+      <p:ext uri="{BB962C8B-B14F-4D97-AF65-F5344CB8AC3E}">
+        <p14:creationId xmlns:p14="http://schemas.microsoft.com/office/powerpoint/2010/main" val="1228898502"/>
+      </p:ext>
+    </p:extLst>
+  </p:cSld>
+  <p:clrMapOvr>
+    <a:masterClrMapping/>
+  </p:clrMapOvr>
+  <p:timing>
+    <p:tnLst>
+      <p:par>
+        <p:cTn id="1" dur="indefinite" restart="never" nodeType="tmRoot"/>
+      </p:par>
+    </p:tnLst>
+  </p:timing>
+</p:sldLayout>
+</file>
+
+<file path=ppt/slideLayouts/slideLayout22.xml><?xml version="1.0" encoding="utf-8"?>
+<p:sldLayout xmlns:a="http://schemas.openxmlformats.org/drawingml/2006/main" xmlns:r="http://schemas.openxmlformats.org/officeDocument/2006/relationships" xmlns:p="http://schemas.openxmlformats.org/presentationml/2006/main" preserve="1" userDrawn="1">
+  <p:cSld name="Custom Layout">
+    <p:spTree>
+      <p:nvGrpSpPr>
+        <p:cNvPr id="1" name=""/>
+        <p:cNvGrpSpPr/>
+        <p:nvPr/>
+      </p:nvGrpSpPr>
+      <p:grpSpPr>
+        <a:xfrm>
+          <a:off x="0" y="0"/>
+          <a:ext cx="0" cy="0"/>
+          <a:chOff x="0" y="0"/>
+          <a:chExt cx="0" cy="0"/>
+        </a:xfrm>
+      </p:grpSpPr>
+      <p:sp>
+        <p:nvSpPr>
+          <p:cNvPr id="2" name="Title 1"/>
+          <p:cNvSpPr>
+            <a:spLocks noGrp="1"/>
+          </p:cNvSpPr>
+          <p:nvPr>
+            <p:ph type="title"/>
+          </p:nvPr>
+        </p:nvSpPr>
+        <p:spPr>
+          <a:xfrm>
+            <a:off x="402608" y="284169"/>
+            <a:ext cx="8229600" cy="601374"/>
+          </a:xfrm>
+          <a:prstGeom prst="rect">
+            <a:avLst/>
+          </a:prstGeom>
+        </p:spPr>
+        <p:txBody>
+          <a:bodyPr/>
+          <a:lstStyle>
+            <a:lvl1pPr algn="l">
+              <a:defRPr sz="3200"/>
+            </a:lvl1pPr>
+          </a:lstStyle>
+          <a:p>
+            <a:r>
+              <a:rPr lang="en-US" dirty="0" smtClean="0"/>
+              <a:t>Click to edit Master title style</a:t>
+            </a:r>
+            <a:endParaRPr lang="en-CA" dirty="0"/>
+          </a:p>
+        </p:txBody>
+      </p:sp>
+      <p:sp>
+        <p:nvSpPr>
+          <p:cNvPr id="4" name="Content Placeholder 3"/>
+          <p:cNvSpPr>
+            <a:spLocks noGrp="1"/>
+          </p:cNvSpPr>
+          <p:nvPr>
+            <p:ph sz="quarter" idx="10" hasCustomPrompt="1"/>
+          </p:nvPr>
+        </p:nvSpPr>
+        <p:spPr>
+          <a:xfrm>
+            <a:off x="402608" y="1034956"/>
+            <a:ext cx="8686800" cy="4287673"/>
+          </a:xfrm>
+          <a:prstGeom prst="rect">
+            <a:avLst/>
+          </a:prstGeom>
+        </p:spPr>
+        <p:txBody>
+          <a:bodyPr/>
+          <a:lstStyle>
+            <a:lvl1pPr marL="0" marR="0" indent="0" algn="l" defTabSz="457200" rtl="0" eaLnBrk="0" fontAlgn="base" latinLnBrk="0" hangingPunct="0">
+              <a:lnSpc>
+                <a:spcPct val="100000"/>
+              </a:lnSpc>
+              <a:spcBef>
+                <a:spcPct val="20000"/>
+              </a:spcBef>
+              <a:spcAft>
+                <a:spcPct val="0"/>
+              </a:spcAft>
+              <a:buClrTx/>
+              <a:buSzTx/>
+              <a:buFont typeface="Arial" pitchFamily="34" charset="0"/>
+              <a:buNone/>
+              <a:tabLst/>
+              <a:defRPr/>
+            </a:lvl1pPr>
+            <a:lvl2pPr marL="742950" marR="0" indent="-285750" algn="l" defTabSz="457200" rtl="0" eaLnBrk="0" fontAlgn="base" latinLnBrk="0" hangingPunct="0">
+              <a:lnSpc>
+                <a:spcPct val="100000"/>
+              </a:lnSpc>
+              <a:spcBef>
+                <a:spcPct val="20000"/>
+              </a:spcBef>
+              <a:spcAft>
+                <a:spcPct val="0"/>
+              </a:spcAft>
+              <a:buClr>
+                <a:srgbClr val="92D050"/>
+              </a:buClr>
+              <a:buSzTx/>
+              <a:buFont typeface="Wingdings" panose="05000000000000000000" pitchFamily="2" charset="2"/>
+              <a:buChar char="§"/>
+              <a:tabLst/>
+              <a:defRPr/>
+            </a:lvl2pPr>
+            <a:lvl3pPr marL="1143000" marR="0" indent="-228600" algn="l" defTabSz="457200" rtl="0" eaLnBrk="0" fontAlgn="base" latinLnBrk="0" hangingPunct="0">
+              <a:lnSpc>
+                <a:spcPct val="100000"/>
+              </a:lnSpc>
+              <a:spcBef>
+                <a:spcPct val="20000"/>
+              </a:spcBef>
+              <a:spcAft>
+                <a:spcPct val="0"/>
+              </a:spcAft>
+              <a:buClr>
+                <a:srgbClr val="92D050"/>
+              </a:buClr>
+              <a:buSzTx/>
+              <a:buFont typeface="Wingdings" panose="05000000000000000000" pitchFamily="2" charset="2"/>
+              <a:buChar char="§"/>
+              <a:tabLst/>
+              <a:defRPr/>
+            </a:lvl3pPr>
+            <a:lvl4pPr marL="1600200" marR="0" indent="-228600" algn="l" defTabSz="457200" rtl="0" eaLnBrk="0" fontAlgn="base" latinLnBrk="0" hangingPunct="0">
+              <a:lnSpc>
+                <a:spcPct val="100000"/>
+              </a:lnSpc>
+              <a:spcBef>
+                <a:spcPct val="20000"/>
+              </a:spcBef>
+              <a:spcAft>
+                <a:spcPct val="0"/>
+              </a:spcAft>
+              <a:buClr>
+                <a:srgbClr val="92D050"/>
+              </a:buClr>
+              <a:buSzTx/>
+              <a:buFont typeface="Arial" pitchFamily="34" charset="0"/>
+              <a:buChar char="–"/>
+              <a:tabLst/>
+              <a:defRPr/>
+            </a:lvl4pPr>
+          </a:lstStyle>
+          <a:p>
+            <a:pPr marL="0" marR="0" lvl="0" indent="0" algn="l" defTabSz="457200" rtl="0" eaLnBrk="0" fontAlgn="base" latinLnBrk="0" hangingPunct="0">
+              <a:lnSpc>
+                <a:spcPct val="100000"/>
+              </a:lnSpc>
+              <a:spcBef>
+                <a:spcPct val="20000"/>
+              </a:spcBef>
+              <a:spcAft>
+                <a:spcPct val="0"/>
+              </a:spcAft>
+              <a:buClrTx/>
+              <a:buSzTx/>
+              <a:buFont typeface="Arial" pitchFamily="34" charset="0"/>
+              <a:buNone/>
+              <a:tabLst/>
+              <a:defRPr/>
+            </a:pPr>
+            <a:r>
+              <a:rPr kumimoji="0" lang="en-CA" altLang="en-US" sz="2400" b="0" i="0" u="none" strike="noStrike" kern="1200" cap="none" spc="0" normalizeH="0" baseline="0" noProof="0" dirty="0" smtClean="0">
+                <a:ln>
+                  <a:noFill/>
+                </a:ln>
+                <a:solidFill>
+                  <a:srgbClr val="49166D"/>
+                </a:solidFill>
+                <a:effectLst/>
+                <a:uLnTx/>
+                <a:uFillTx/>
+                <a:latin typeface="Arial"/>
+                <a:ea typeface="ＭＳ Ｐゴシック" pitchFamily="-84" charset="-128"/>
+              </a:rPr>
+              <a:t>Click to Edit</a:t>
+            </a:r>
+          </a:p>
+          <a:p>
+            <a:pPr marL="742950" marR="0" lvl="1" indent="-285750" algn="l" defTabSz="457200" rtl="0" eaLnBrk="0" fontAlgn="base" latinLnBrk="0" hangingPunct="0">
+              <a:lnSpc>
+                <a:spcPct val="100000"/>
+              </a:lnSpc>
+              <a:spcBef>
+                <a:spcPct val="20000"/>
+              </a:spcBef>
+              <a:spcAft>
+                <a:spcPct val="0"/>
+              </a:spcAft>
+              <a:buClr>
+                <a:srgbClr val="92D050"/>
+              </a:buClr>
+              <a:buSzTx/>
+              <a:buFont typeface="Wingdings" panose="05000000000000000000" pitchFamily="2" charset="2"/>
+              <a:buChar char="§"/>
+              <a:tabLst/>
+              <a:defRPr/>
+            </a:pPr>
+            <a:r>
+              <a:rPr kumimoji="0" lang="en-CA" altLang="en-US" sz="2400" b="0" i="0" u="none" strike="noStrike" kern="1200" cap="none" spc="0" normalizeH="0" baseline="0" noProof="0" dirty="0" smtClean="0">
+                <a:ln>
+                  <a:noFill/>
+                </a:ln>
+                <a:solidFill>
+                  <a:srgbClr val="49166D"/>
+                </a:solidFill>
+                <a:effectLst/>
+                <a:uLnTx/>
+                <a:uFillTx/>
+                <a:latin typeface="Arial"/>
+                <a:ea typeface="ＭＳ Ｐゴシック" pitchFamily="-84" charset="-128"/>
+                <a:cs typeface="Arial"/>
+              </a:rPr>
+              <a:t>subtitle</a:t>
+            </a:r>
+          </a:p>
+          <a:p>
+            <a:pPr marL="1143000" marR="0" lvl="2" indent="-228600" algn="l" defTabSz="457200" rtl="0" eaLnBrk="0" fontAlgn="base" latinLnBrk="0" hangingPunct="0">
+              <a:lnSpc>
+                <a:spcPct val="100000"/>
+              </a:lnSpc>
+              <a:spcBef>
+                <a:spcPct val="20000"/>
+              </a:spcBef>
+              <a:spcAft>
+                <a:spcPct val="0"/>
+              </a:spcAft>
+              <a:buClr>
+                <a:srgbClr val="92D050"/>
+              </a:buClr>
+              <a:buSzTx/>
+              <a:buFont typeface="Wingdings" panose="05000000000000000000" pitchFamily="2" charset="2"/>
+              <a:buChar char="§"/>
+              <a:tabLst/>
+              <a:defRPr/>
+            </a:pPr>
+            <a:r>
+              <a:rPr kumimoji="0" lang="en-CA" altLang="en-US" sz="2000" b="0" i="0" u="none" strike="noStrike" kern="1200" cap="none" spc="0" normalizeH="0" baseline="0" noProof="0" dirty="0" smtClean="0">
+                <a:ln>
+                  <a:noFill/>
+                </a:ln>
+                <a:solidFill>
+                  <a:srgbClr val="49166D"/>
+                </a:solidFill>
+                <a:effectLst/>
+                <a:uLnTx/>
+                <a:uFillTx/>
+                <a:latin typeface="Arial"/>
+                <a:ea typeface="ＭＳ Ｐゴシック" pitchFamily="-84" charset="-128"/>
+                <a:cs typeface="Arial"/>
+              </a:rPr>
+              <a:t>2nd</a:t>
+            </a:r>
+          </a:p>
+          <a:p>
+            <a:pPr marL="1600200" marR="0" lvl="3" indent="-228600" algn="l" defTabSz="457200" rtl="0" eaLnBrk="0" fontAlgn="base" latinLnBrk="0" hangingPunct="0">
+              <a:lnSpc>
+                <a:spcPct val="100000"/>
+              </a:lnSpc>
+              <a:spcBef>
+                <a:spcPct val="20000"/>
+              </a:spcBef>
+              <a:spcAft>
+                <a:spcPct val="0"/>
+              </a:spcAft>
+              <a:buClr>
+                <a:srgbClr val="92D050"/>
+              </a:buClr>
+              <a:buSzTx/>
+              <a:buFont typeface="Arial" pitchFamily="34" charset="0"/>
+              <a:buChar char="–"/>
+              <a:tabLst/>
+              <a:defRPr/>
+            </a:pPr>
+            <a:r>
+              <a:rPr kumimoji="0" lang="en-CA" altLang="en-US" sz="1800" b="0" i="0" u="none" strike="noStrike" kern="1200" cap="none" spc="0" normalizeH="0" baseline="0" noProof="0" dirty="0" smtClean="0">
+                <a:ln>
+                  <a:noFill/>
+                </a:ln>
+                <a:solidFill>
+                  <a:srgbClr val="49166D"/>
+                </a:solidFill>
+                <a:effectLst/>
+                <a:uLnTx/>
+                <a:uFillTx/>
+                <a:latin typeface="Arial"/>
+                <a:ea typeface="ＭＳ Ｐゴシック" pitchFamily="-84" charset="-128"/>
+                <a:cs typeface="Arial"/>
+              </a:rPr>
+              <a:t>3rd</a:t>
+            </a:r>
+          </a:p>
+        </p:txBody>
+      </p:sp>
+      <p:sp>
+        <p:nvSpPr>
+          <p:cNvPr id="5" name="Slide Number Placeholder 5"/>
+          <p:cNvSpPr>
+            <a:spLocks noGrp="1"/>
+          </p:cNvSpPr>
+          <p:nvPr>
+            <p:ph type="sldNum" sz="quarter" idx="12"/>
+          </p:nvPr>
+        </p:nvSpPr>
+        <p:spPr>
+          <a:xfrm>
+            <a:off x="4353641" y="5422070"/>
+            <a:ext cx="764273" cy="381000"/>
+          </a:xfrm>
+          <a:prstGeom prst="rect">
+            <a:avLst/>
+          </a:prstGeom>
+        </p:spPr>
+        <p:txBody>
+          <a:bodyPr lIns="64858" tIns="32429" rIns="64858" bIns="32429"/>
+          <a:lstStyle>
+            <a:lvl1pPr>
+              <a:defRPr sz="1400">
+                <a:solidFill>
+                  <a:schemeClr val="bg1">
+                    <a:lumMod val="65000"/>
+                  </a:schemeClr>
+                </a:solidFill>
+              </a:defRPr>
+            </a:lvl1pPr>
+          </a:lstStyle>
+          <a:p>
+            <a:pPr algn="ctr"/>
+            <a:r>
+              <a:rPr lang="en-CA" dirty="0" smtClean="0">
+                <a:solidFill>
+                  <a:srgbClr val="FFFFFF">
+                    <a:lumMod val="65000"/>
+                  </a:srgbClr>
+                </a:solidFill>
+              </a:rPr>
+              <a:t>- </a:t>
+            </a:r>
+            <a:fld id="{F93D3C5A-921F-4515-9F35-6261197ACD81}" type="slidenum">
+              <a:rPr lang="en-CA" smtClean="0">
+                <a:solidFill>
+                  <a:srgbClr val="FFFFFF">
+                    <a:lumMod val="65000"/>
+                  </a:srgbClr>
+                </a:solidFill>
+              </a:rPr>
+              <a:pPr algn="ctr"/>
+              <a:t>‹#›</a:t>
+            </a:fld>
+            <a:r>
+              <a:rPr lang="en-CA" dirty="0" smtClean="0">
+                <a:solidFill>
+                  <a:srgbClr val="FFFFFF">
+                    <a:lumMod val="65000"/>
+                  </a:srgbClr>
+                </a:solidFill>
+              </a:rPr>
+              <a:t> -</a:t>
+            </a:r>
+            <a:endParaRPr lang="en-CA" dirty="0">
+              <a:solidFill>
+                <a:srgbClr val="FFFFFF">
+                  <a:lumMod val="65000"/>
+                </a:srgbClr>
+              </a:solidFill>
+            </a:endParaRPr>
+          </a:p>
+        </p:txBody>
+      </p:sp>
+      <p:sp>
+        <p:nvSpPr>
+          <p:cNvPr id="6" name="TextBox 5"/>
+          <p:cNvSpPr txBox="1"/>
+          <p:nvPr userDrawn="1"/>
+        </p:nvSpPr>
+        <p:spPr>
+          <a:xfrm>
+            <a:off x="218364" y="5456193"/>
+            <a:ext cx="2743200" cy="261610"/>
+          </a:xfrm>
+          <a:prstGeom prst="rect">
+            <a:avLst/>
+          </a:prstGeom>
+          <a:noFill/>
+        </p:spPr>
+        <p:txBody>
+          <a:bodyPr wrap="square" rtlCol="0">
+            <a:spAutoFit/>
+          </a:bodyPr>
+          <a:lstStyle/>
+          <a:p>
+            <a:pPr>
+              <a:defRPr/>
+            </a:pPr>
+            <a:r>
+              <a:rPr lang="en-CA" sz="1100" b="1" dirty="0" smtClean="0">
+                <a:solidFill>
+                  <a:srgbClr val="FFFFFF">
+                    <a:lumMod val="65000"/>
+                  </a:srgbClr>
+                </a:solidFill>
+              </a:rPr>
+              <a:t>TELUS Confidential</a:t>
+            </a:r>
+          </a:p>
+        </p:txBody>
+      </p:sp>
+      <p:sp>
+        <p:nvSpPr>
+          <p:cNvPr id="7" name="Line 12"/>
+          <p:cNvSpPr>
+            <a:spLocks noChangeShapeType="1"/>
+          </p:cNvSpPr>
+          <p:nvPr userDrawn="1"/>
+        </p:nvSpPr>
+        <p:spPr bwMode="auto">
+          <a:xfrm flipV="1">
+            <a:off x="218366" y="830239"/>
+            <a:ext cx="6414447" cy="0"/>
+          </a:xfrm>
+          <a:prstGeom prst="line">
+            <a:avLst/>
+          </a:prstGeom>
+          <a:noFill/>
+          <a:ln w="9525">
+            <a:solidFill>
+              <a:srgbClr val="66CC00"/>
+            </a:solidFill>
+            <a:round/>
+            <a:headEnd/>
+            <a:tailEnd/>
+          </a:ln>
+          <a:extLst>
+            <a:ext uri="{909E8E84-426E-40DD-AFC4-6F175D3DCCD1}">
+              <a14:hiddenFill xmlns:a14="http://schemas.microsoft.com/office/drawing/2010/main">
+                <a:noFill/>
+              </a14:hiddenFill>
+            </a:ext>
+          </a:extLst>
+        </p:spPr>
+        <p:txBody>
+          <a:bodyPr wrap="none" anchor="ctr"/>
+          <a:lstStyle/>
+          <a:p>
+            <a:endParaRPr lang="en-CA" dirty="0">
+              <a:solidFill>
+                <a:srgbClr val="49166D"/>
+              </a:solidFill>
+            </a:endParaRPr>
+          </a:p>
+        </p:txBody>
+      </p:sp>
+    </p:spTree>
+    <p:extLst>
+      <p:ext uri="{BB962C8B-B14F-4D97-AF65-F5344CB8AC3E}">
+        <p14:creationId xmlns:p14="http://schemas.microsoft.com/office/powerpoint/2010/main" val="1383846897"/>
+      </p:ext>
+    </p:extLst>
+  </p:cSld>
+  <p:clrMapOvr>
+    <a:masterClrMapping/>
+  </p:clrMapOvr>
+  <p:timing>
+    <p:tnLst>
+      <p:par>
+        <p:cTn id="1" dur="indefinite" restart="never" nodeType="tmRoot"/>
+      </p:par>
+    </p:tnLst>
+  </p:timing>
+</p:sldLayout>
+</file>
+
+<file path=ppt/slideLayouts/slideLayout23.xml><?xml version="1.0" encoding="utf-8"?>
+<p:sldLayout xmlns:a="http://schemas.openxmlformats.org/drawingml/2006/main" xmlns:r="http://schemas.openxmlformats.org/officeDocument/2006/relationships" xmlns:p="http://schemas.openxmlformats.org/presentationml/2006/main" preserve="1" userDrawn="1">
+  <p:cSld name="End Slide">
+    <p:spTree>
+      <p:nvGrpSpPr>
+        <p:cNvPr id="1" name=""/>
+        <p:cNvGrpSpPr/>
+        <p:nvPr/>
+      </p:nvGrpSpPr>
+      <p:grpSpPr>
+        <a:xfrm>
+          <a:off x="0" y="0"/>
+          <a:ext cx="0" cy="0"/>
+          <a:chOff x="0" y="0"/>
+          <a:chExt cx="0" cy="0"/>
+        </a:xfrm>
+      </p:grpSpPr>
+      <p:pic>
+        <p:nvPicPr>
+          <p:cNvPr id="3" name="Picture 3"/>
+          <p:cNvPicPr>
+            <a:picLocks noChangeAspect="1" noChangeArrowheads="1"/>
+          </p:cNvPicPr>
+          <p:nvPr userDrawn="1"/>
+        </p:nvPicPr>
+        <p:blipFill>
+          <a:blip r:embed="rId2">
+            <a:extLst>
+              <a:ext uri="{28A0092B-C50C-407E-A947-70E740481C1C}">
+                <a14:useLocalDpi xmlns:a14="http://schemas.microsoft.com/office/drawing/2010/main" val="0"/>
+              </a:ext>
+            </a:extLst>
+          </a:blip>
+          <a:srcRect/>
+          <a:stretch>
+            <a:fillRect/>
+          </a:stretch>
+        </p:blipFill>
+        <p:spPr bwMode="auto">
+          <a:xfrm>
+            <a:off x="1558927" y="1244866"/>
+            <a:ext cx="5730875" cy="638969"/>
+          </a:xfrm>
+          <a:prstGeom prst="rect">
+            <a:avLst/>
+          </a:prstGeom>
+          <a:noFill/>
+          <a:ln>
+            <a:noFill/>
+          </a:ln>
+          <a:extLst>
+            <a:ext uri="{909E8E84-426E-40DD-AFC4-6F175D3DCCD1}">
+              <a14:hiddenFill xmlns:a14="http://schemas.microsoft.com/office/drawing/2010/main">
+                <a:solidFill>
+                  <a:srgbClr val="FFFFFF"/>
+                </a:solidFill>
+              </a14:hiddenFill>
+            </a:ext>
+            <a:ext uri="{91240B29-F687-4F45-9708-019B960494DF}">
+              <a14:hiddenLine xmlns:a14="http://schemas.microsoft.com/office/drawing/2010/main" w="9525">
+                <a:solidFill>
+                  <a:srgbClr val="000000"/>
+                </a:solidFill>
+                <a:miter lim="800000"/>
+                <a:headEnd/>
+                <a:tailEnd/>
+              </a14:hiddenLine>
+            </a:ext>
+          </a:extLst>
+        </p:spPr>
+      </p:pic>
+      <p:sp>
+        <p:nvSpPr>
+          <p:cNvPr id="4" name="AutoShape 2" descr="data:image/jpeg;base64,/9j/4AAQSkZJRgABAQAAAQABAAD/2wCEAAkGBhMSEBQUExQWFRUVGRcYFxgXFRcXGhoYHBgXFxUYGBYYHSYeFxojHBcVHy8gIycpLCwsFx4xNTAqNSYrLCkBCQoKDgwOGg8PGikcHxwpKSwpKSksLCkpKSkpKSkpKSkpKSkpLCkpKSwpKSwpLCwpKSwpKSksLCksKSkpLCwsLP/AABEIAMIBAwMBIgACEQEDEQH/xAAcAAABBQEBAQAAAAAAAAAAAAAEAAIDBQYBBwj/xAA9EAABAwIEAwUGBAYCAgMBAAABAAIRAyEEEjFBBVFhBiJxgZETMqGxwfAHI0LRFFJicuHxFoIVMySisgj/xAAZAQADAQEBAAAAAAAAAAAAAAABAgMABAX/xAAiEQEBAAIDAQEBAAMBAQAAAAAAAQIREiExA0ETMlFxIgT/2gAMAwEAAhEDEQA/APO8Thoc10aoN9LM9zLC5iforB9TMwD79UOxsvPMA9b7fJRxu1LEBaSQ3NmIt9k7ImhhoFgZ8f8AFkP7IsIHdL7E26gn0VmzD5814cCBrtv5JpA2jJ7xF7DmfOVXvbnfA+45qxqsdmJBOiq3YsFxMQbzslMLiBaOqc1wcDI57R0QLsSQNr9Zv4fRRsrERBJHKPI+S02A3EMywRpv5bKA4mTB11RPD8HnknN4yAP8puJpND4LZttyRY1lcF2XUkT5KelQBMnbqgcPEBwBkE3Hy6qeviC4EzFrQb9fBCCMDW5hIBcb35D5KHDtmoBE3JI2jQT0UOEOSQ095wvvA5ndPdSLD3XyTcmIk30Oq11a3hja8uInQn52KObVyh2Z2gG+gk/uqtoaCLQS640jwVpWpdwi1wZJ3lJdSj3TKdcQQDvrPqli64Aag8NgntEFggXknZD1caJhwdvafkm3sJ0NpOc52g1gXies6BT1KcBgghrmyRzIkCem6rsLxINiA4xPLdTjiIObO87RItvpHkqSksdw1BrspOYmwNrCL76yAFPUrZXXu2AL6D71UVPFQ05S0gXjMBoAFXMxpJgtJbyB+vkiC4w1NrSHEEmCO7Bubjw8VDxFhyOtBDhbXoQuYfjFJshzTIAi08lw8QbUEnSS46gDp1S3wY7TpwzvclDW4qA38sa/fqlicfmECw+aEYzuybBp9SlgiKWNLgGgdOZUTaAHvGL8vmpX1gRmBLSNAOaGpYstv719+fOd0v8Aw2+h9R5pggRJFpiwOsBVLq5zQABFvRSV6uclzj3uWw8EI2+qbHEuVTnFO5lOo1nkFrYI1MgT6lR0qEqV7QPqtWStxLo98DpASQJrDkUkeIco0dc5WwLp2GfBm1x8NUI2pnaCTHd9TyUuGebOMQJGt+S2JqlqsGeSNAV2g7vazOo8T9EQ83OYAyCPCYuIQ2Hp5n+Fp6JoVLjGODZbtOmscxz8lWHhzze17zofRWuMq5G2MbevUqsq48xBPob+KW+miOpw0tFnn/O0Qo6GCcXAuJG26Pp03mOXPePBGDDgc+f+kWQ08Tl2EAGNhMWlCvzFwLnS6bnaOQ6IyvRkgxM73UDXmSDaBe3iB4oRv1TQ4E6xJ03UzsIS0uBiIsPu6KpuvsAiS8WE335eI5rXrsZAzGBpaGi8xP8AlE1KIN5uoywTI81I2NFOd9jl6WFI5dVJia3dACf/AA7hEiB4jbZQ1DoR8vkly7psfFm9ndE7gBZ+thgXE9YRVXHOJANWSdTAMdJhNZiGtdzvMk79I1RaREMDrbROqUC+YabakXi2nVEHHNJJc9onYBKnimwRmkHYfCUJaOSpr4Ajr5X5yn0aUNmYvF4i/RG4nEZu60WFran7MIeqyQWuNx035Ksqeja7GNJuC7672C4ajjawA0i3wXGYYtN7ffxXHV3HutsLyenjstOwp8tgDXn+w81LWECI0UdIhokTOxGnlOpURdmMuM+JRZDWIJ6BNq4kaD5LlerKGIWkJamdVm2ydRsZiUMHFclNoNjqmOA91BvqSZXGMJMBFYTAuqODGtJcTaNPM8lpJG3aFCS0rOwdcgHPSH/Y/skiCtoYoMcBsrGk8ZTeRJNviqR2HcdeiucI7ulttPp/pJ4pO0tEd86Xjf7lWFGhALrQS4+X7oTBsIcCeUjxVjiagbT94Ax/tP8AgX1VcSGZliI3PyUWGwAF+h+F/wBkQ+mKpmDlFhG559QpqVFxkNDiANBA+yo8u1Jj06140c2eRHXku08SIg+v7pgBz5YNtjlJHmEVUwI1IgnrqU+y6D1nS0x5QCb7RCFe4w7NYiNWwTub7WU1Wif0u6AB26qeIYh8kGYs25vZaNUppy4CIB/qAPREUmRM6gifDT5qqp20Xa9SQSLFt/P9kQXGQERoEM7HMpkzJPLl1VOeI1P5ioHOJMk33QmDZZ7Xh48XQHOhrdAADJ3mEFUxwJOp5WgdUBlXQEeMCZ0cca6AGhogzzKgxVcvNzdRQlBCMxa5WnCApmOj3ifAIYk80g0raDaypY+JgRaFA6qSExlMlsqQYa0lDjDbphqg6k+q46qdhqpXYaPFcDO/zgfujoKh9o6E3Mb9UScu5hMDmrMjLbKGoiK1QTZDPCxaYuLq7CJShaPslwqo5xqiA1og3jVUFF8HQHxE/Bb/AIXxXJSDCAI94ARfeyTK2To+M2tTTJuCyLax+ySrv/M0+noUknLI+oytSlBMA308U2nUBqgXg6jTbRQ0nlsgmY6j480/D1Q6o2MupPVPptrnDEhw3AafpBUtHCNOd57wiIgHTSB+yHpVYJHOBPQXKL9u2Q0DeJE23PzWvjT07DAy1oAywDyMRvyTqTO8QJudkTWpxAa6xjf75qdjQ0ERBixUFArMMG7CZunVsNqXEm1hMR4qKjxBsEm0Tl3zbShcZimuLc1xyO5+ipIWncQDTRJa2IB0BuLd5Z/GhsNdfW+/gVoqePdlyTAIiJtG/gqLiFFzIY4yzVpt9yqEVNapf6KHVPc6SUs4TEqNwTmhccUg5EDz0UnsoCjbXjQLr65KA9HALmdR5ikUQ2kBClhoF7lDQntai2xVLGBoiCnfxpMADTqoadCVKKcPjYIGh5xBMkgT5qB8/BXHCuBVcVVFKgwvcTYAaDmToB1XpA//AJ+qmkCMTT9pF2ljsvgHgz5wtpnjjaJOy46y3/GPwm4hQB/Izj+am7OPHn6hY/HcHqUw4vYWwWjvAgkmfXRbQANfBRVFM4wFAUApq6uwrbgPZ6piHjuuyC7nQdOQ5krBJtZdlez7ifbPaIAJYDvbXwU+KLnvsLc5i/8ApaNvdGUAtgBsRo3kB4bqGphmxJjNeGllm32mxOij3b2v1J0BoNLWgBht1CSKD27VKR/6eoXE/Erz5veiwsn0XZKki3ko8Lun4tt5BkEWMpyL/wBqHMmP0mL8tkXh6hIkAXESfj42Vdw2sCwTefnyVjh6vfDABa5SZ+KYjqOIj3trBMxtbu5ZAJ1k7b9eiPwPBCWl9VxbMkNA73MHk1SP4JQe0w9zXnRx73gHdPBCfHLQ36RnMXVE90RaAPDSENBMc4/0jsbwwsIa8xtbedwmOwkNgA5tBcfYQk1BdpAluvw8VDXyuaW1Gy3QXghxnvAc0ScC1rBnc4n+4j0CGeKYDom25P03TbKylRhaSORhclS4t+Z7jzKhKdJ1KEoSlZiXQlC61EHQ1Ssp2SLeSdS0NkRNNO6nZTFo5KKL+COwTRYjkfVYTqTwBNp85V52Z7KuxT2ZXtlznB0kDLEXJNoIPwVCKJhWvCK8E04967f7uXmlvRnvvZvhWB4c0M9pTD3CXOJb3ojflPNFY/8AEfB0pGdzz/Q0kepgLy7stXbD6TmA5rmTqOUdFzG4YlxygAXNrgDzU/6zlqjwuttRjfxdqguFOlTNyWuLnWbsCB+rndeZ9tO0lTFH2teC4kAQMoETYDz1KPxLCXExbeAAB4bBUvHMHnFJjSHFzjtZttzva5i3ijMrR1pneHYA16wYDE6mCYG9gtNW/DwuE0qsEXIqwLf3N08IVlg6DabW06TA2Yl1szo1JfrGphW+FqDMG6iQPDZa5FmO1Xwv8Omspte5wLtSXNLhP9LDAj+p0zyRdbipoQG1C68EBrbW1bCt+I8ULc/uw0QAPC0rA4/HgljWODnAuzHx0v6o4W2mykkaZ/aovGUt/wCzomegVTi62dxMieQF/JUlXEBvUxE8jvCZhMQTUaJPWOUXVMvE5NVe4Z4DAMoNtxfndJOnw+CSns7z+jUgzfyTi/XkoiVLTEhOmucJWDKLQRJLrDxK0vCaQH5rh3joenNZvCvzgU2i5LQdLXifqtdWOUQNAEcZ+jfNJTWkk62HrqdVz+IyoaniL+M6/T4Jj6kmVQmk/EXh7J1LJNtSNx6KppY6mAXNGmpJ05a6qwZUkO8D8islisO5123N9AdhOm1pKjn6pj4l4hxd7jb3dpFyhnYufej5HT0UFPDOPiVddmuG4f2jn4t0U2CQ2/eMxtr4JdQ3bOZUxaXjj8LV9q+kz2JGXK20OgxIA0kajos0GpoTKaPnRNSAUjhZYDYXQF0JBFkrQIRBMDyQrCpHXIRF1oU2HqZXDZRtCIaBItN1qMGM/UD5LuGbcHl9FZ8N7NYnEu/Jo1KmxLWkgHq73R6rccF/BPEug16jKI3A/Md6CGj1KOmVPD2VM7cgDnH3Rlc4meQa7/C0lHsLjqtyWUp2MA+YaCfivR+CcBo4WmGUxf8AU8gZnnmT9NArFrBsknzntG538eT438K8VEirTqH+VxePRzpA9Fl8X2brUHRWpPpxMOIGUzazxY+q+g8iRYCIIBG4Nx6I2QvKvnerTioCHC229hb6KXCkte2f5gfFex8V7B4GvJfQa1x/VTmm7/62PmFiu0HYF2GYalJ5rUmmSHD8ymP5gRZ7RvYEdUlwtPMox3HnktqAQAQT1Ou6wFF7Wzc+S12Ox2YkTY2Pn1WS9iNCEcOo2UcrV5sLI3s+yXVCdmGPEqHD4AE94kAckRh6jWB4aDDu7rt9Sns2nOqmqObNn+sm++3NJDNcQIDfgupeENuoanZOps5pjW5056X8lzDdmi63tWejj9Ff0a+rc+Y2if3RYAOjYJ5DXx/dJ/6vhtRTcO4EaNQH2oPMZdY5GbeKujihBGp6SVLg+HOcTmYW9TPqi/yxDGvEyNo+PNVwmWuyZa30pA48iNdZ6JZCdFeVmkmzmnzlDHh/ev6j7hPomwVFpvNrH0Rzcc1lUsloa2GZsoMtgNmRuBIPmocTTIGk/BAuDbSAM0wNPiofW3a3znQj/wAezN+WAW6gcwPe18kzEYZgp1RABcxwAI0IuInw1C6wFgltS8nSRFksBTILgSHktIaDYzbvD73Ut2n0zfCKrcxzNDoa4hp0LrQicRwE1CHtDGNcAcs2neIlSYvhApHMJ96YNtdYWiweGHs2gjMYne0qloXtmOH9ja+Irso0AKjn3H6QI97MT7oHMrX8P/BTEtq5MU3Kw5SKtN4cyA8e0a7dpLCYMWIU3AeIHCYj2rNwWkTqDy62Wo4j+IdR1Bvs5DyS0zq0bP6g9OSfHLHXadl308V41w00cVWpFhplr3AMJzZRPdGb9ViL7oKpTy+a3WP4YcTUdXrEOduSYMaCwOyqMT2WJPccB0N/jul/pB4VnHnSBECPFS0m2lWFfszWBtlcL3B+igPC6zRem6/K/wAk0ygarlCCTOi0HB+Hiq5gjui7vAaCepsqGnhHDUEc5BC3HBaPs6Qn3jc8+g9PmhlejYzt63+HGJH8M+mAGhj7ACAAWjbxBWszLzf8NeId6u0nUMd6Eg/MLfuxbQ0kmALknQKmOO4nnexEBDYjiNKm4B1RjXHQFwBPkstxbtO6oS2mYZzGp89gs+7EMMgtE/HxN1SYf7TuT0wYkHR4PgV1pXk1Wqae7yJtlMlg55h8ldcC7cPpkNrHOx2jtXDrYXHTVbQt3iq4aLlV1THgnmNxzGhB52QmLq+1Ac05mnQjdQYXCHdLbq6Z4b28oHCYutRYAGTmYf6HCW+Y08lnsCd9Z1lb78Z8OPbUX7lpaf8AqZH/AOl57SIjWEuWM2pMqm/iRNxadOfiuVOINNhSEc9Pkm4YiYYCTzIv/hWtPgBe0vJLbbfVLuQ0+dy7Voxbf5XDzKSbWwNUOIXVuTfzr3PD/hxgm5Q8OeeZdlE+DVo+GcAw9ERTpNBG5En1Khr4kEWPIhEjF6Fd3Cfjk5Uc7Dz08goH4C+jT4tH7JU8ZGpU1TiTGtzOMBCzQbCP4BSeIfRpOB5saPiBKq8R2HwUQGvaR/LUd8Q6QncX7V91pp92SRca2UVDtATqGnrooX6YS6o3KxU8a7GNpsz0axEatqDMD4FsELP1uzGa/wCXm21Pxiy2+J4uyo00mMOd2lxHqqZ9Coz3mlvUi3qub7W73j3G55TuMXi+F1aR/MpiBu0iPI/upMJiGZbN71hBBkg8iLABaTHP/iKTqdISQQbj3styqChjaLHd97hGoLRr4iEmONvbpw+vKdq/iFGHaAg8zf4p2BxriYjKOiKx76L7sMjpJj6oTBkF9t+XRPqn3E3snknMABtlk25SlSwRvDhAvckH03RjuGPILg12mmaRzEAKEUKgAzzkbfLBieZIBJhc+Uqk0dQ4RUqgljJDTBcSGidokiT0QdWQYO2o0VhhcUJDQ9wdcgublg9Qdjz6JjKhfVzPlvVogGBqSdFmV7Q4yYJjWJ+PJdzO10VmeNUxFNsNkxc6zqTz3R9CrSgEBhaDDnNY3NNo3tHILasHcU9OgYBJb/aDccsw2nbwTMQ+DdGPrtebWF/sHkgMU4c0+BbV72IxeXGNE++17fhmHyWo7T8fhwpNdECXDmToF5pwbiPs8Zh3E2FRoPgbH5q1xuPOdxc65e6RGhB01ifIrs+eWohnO1q3GXvebxY28rAddPkk+sATNzuAbDYAmLneI8lUmsS4m4H6oILjyBJu2OpnkApH4qQJEAfpGvmdvAeZT7T0sqGPtlJmNNW/9dbH7gKvxdUF+voI/wAC3gLFMfXhstvEgR8fL0HVCcQrS1u7tbD5HT4boWjG57CcYbnNKoYBBLTI1HvD6hWvFu0ty2k2Y3XmVKoe49pM2JvuNba+q9G/hPy5AEEAz4hBnkX4j8RNSowHUZnesD6LGMK0/bxkYoz/ACj02hZqYS5emaDslQbJJ1m3ktizDgvc3ZzbfP6LG9nTlg7StdnIqNJIgi0H4Lmy9ej8v8Ar6LCbtEpKSAks2m54Xic9Cm7+kIpuIgLOdk8TOCZB92W+hVwH2XrX14uhrMTFyVWVKrq74/SEsbUtl5ovhzAxknb5pPTeA+0BZSDBq4X/AGVG17nmZt0WndwtuIdL2z1k2Chx2Hw7BlYCT0O64vp8M7lcoFAcKrBtVt/dk9dFeOxj6pyCwOvgsxTDaNWXuPeBi2l91q+GY2jTbndUaJ0vKr8dY46oeBuMMp4RjXMYM4kmDGx8uSwHadrKrhVbIzXeBt/NC1ParijagGVwM5tL8gsXQ4pRLC12ao5n6GuhsmwL3jlyHqEt7tkV+foT+GDTLXkTpMfTRE0KgYcxcJmBbU/e6YKRIsRbewQrC3UnMeht6/soYcr66staWFf2ocYdrsDMJorVw2e8APAfWUF/5F+YiY/ttPnqh83evc63M+KvpLS4bxl7fe066f5Tzx2feDT6IDBUGPljwTBJZA5iT4aK5p0wG5QxrQBqCR5nYlQy+nG6sUxw2r2VsMTLqInnJ/dE0zgyb0QZge84eVrFHcLwrTUDGtYQ439sxpb1jQjpfWF3HfwxOahQcwNPvOJbLtx7OSBHOdUs+kvWj8NfoGpDZyjK0aAbDZV+MxCIrVrnX4qoxjpmFoAKviu+2NnCFdYDiRdUeCbySLwTPvXAzG+whVPCqAdVAyZiSdYi2t5EK6xvAH0vz2xlIDouLO1H+FaBlILB0vp69YGgHh5lODfvrshadfcRBA5eWmnht4qwokQYE9dfn/tUQoepXyGJmfA+ATX1swM8vj1UbaTqjsokyr2hwdjRBdfQ20JsL+KIeKfBYrLIglxPr57ra9me0eVhZiGdwaOm46Fs3HVZ7htNswyHGDLuVzvysLdUfiaAA7ovuY1G603Gqu/EvBuxtVj8OGFjGkAHuuN5JvqLLzwcKeyoG1GlpB0IhekYajJuTlGh0HgfVX2G4fSqNh7A7q6/pyWy7GXTzDhFENeRzHyV1J7p5WWif2QpZ5a0N6hxUNXs/wC0cKOHDnv1toOpPJRuF27/AJ/fDhMb7GXxdVzXuGkFJafG9hMYajicO8nmII05ykl41rnN+hOwmJIbiKLvea7N6jZaljrLz/gOILMa5psXNt1ANvmtqa8BehMt4yvLynadhzPVtQo5/wC0Kq4W0GSdOaXE+LuNNwpiGi080LZjN0o/G8Tn8ul5lBmiGdXHkq2hx/IA0MBPQov/AJIykB3C6q73W/Uxsp/1wy8rAsTgi6qXVbNbFj6qm4v2hbdjIjon8Zw+JxBL3uABM5RIA6Khp8NIJkXHNcV+duW6pMZfRQxgbTeXCwGYnlyg85WTwNQsJJ1JkhF9oMb3RSbv3n/QfVVuCOYZXW5G/l+yv0pjND8bWfmALu7+kbQdDHNE8NqDKRyVaQGwZuduUbozh7++Z3Rhk1UHNPxUjXJVhbyTael9d0QF4HGGm5rwASJEHQ8pV6MeajgAGDSYAE/4WXpPvHNWGHxxHvAQbA5RGmh2lTywmR8crF600nmAQHEw6xAB3tvHTkrXC9jn1GS2vSgCYfnaYOkLNUMUXuDiIsfO+vwWt4G9wi+25P2FscJJ3C5ZXarxfY5zfedSN4kVhr5hA1ezYp6upmdvb0z8Fc9sGkPbFtTbmYWR4i4t8wE3HEJasmcKDKjH+0YLggSx3hOU/NX+FxBqMyO01PUiYAWBwr5cOrmz1uFqOE43L3SbGYPIk/JCdDVdjeGmkS3+U/A3nwXaNbu+P3purbihc4tESRMnpt5LPvMSPp6CfojOrocpubObxEsJiZO4+iO4dgqtTvPcWt6SOgHQa3Tuz3Cc7szx4A/AlamnhoERdtynStAUaGSIs3kPnPNW1HDC51MfT4oWuQZNgRNtp38Sh8M57u6wEyeX2Y8E3gep8RQy3Bg3MHT08YQtHH093OBM20AO3lKs6XZTGPbGQhuovlPqblPofhXiHPl1RjeepP7IbGKfCvqVqgo0xLnacr6nwAXqvZvs6zCUg0XebvcdSf2XOz/ZWjhG90ZnmxedT+wVwSp3LYlK4uFySAbfNbKjTjKbmxbNodoWszTHVeb9nK7W1C4kCBAuBvfdbOn2iw9pqDTaSujHXHRcvWhoNlt7MGv9R/ZQcXrlzGsYIBPwCDp9rMNYEuIHJqh7V8YLKoYNMrSAB/NJjxsk+2U4dfpJKjfXDO7Tu86u5eCn4LgPzgbucZknw6qhpceDQA1hJ1JMfBdwvHfzM1Quj+n0j5rj+fWUHjW5xGGJMZhPIXWQ7VNFIyDLg0mB0vdEf8ra4ZKRFEbkjvH/ALLO9ocSA2oZkuAAJ3nf5rr+mUs6PjO2XoYgueSRJdufooszmOvoPkpeHA5rc0cMJma5zgTYtb0cdCeahcu3RMdxDWe1zSb20jSevku4Z1wZ0AQVDE5Tlc2wNxoiMO8EnkqQi/qXAPNDCp3oT8M+WqKs2CDyKYD53TsUybggDW56aeKT2QAeeiTHgiDpI9EBXHDKegmbC/xOq3PCKURMbLHcPoQRluJsef8AlarD4gtiFvChu1lSajVkON1hJHJW3GsYXVBP3dZ3idbvnxQ2OMR4R/eb/c35hWPFsa4VX02wGh7gDvrzVbRHdB6hEcZd/wDIqHm76SgdqODY+KVcVCCMjbna5080LgcOKrg9wsIEDc+J+JQHBcI/EMI0YwjO7YASRJ3OwG5K9C7N9iDWYHvmnS/S0e8RzM7nmUZ2XLpXUq1MOECSYsBP+1oMF2Tr1iCQKbebpmPDX5LWcK7N0KH/AK6YB/mNz6lWoamuWkmb4f2DoUzmeXVHG5kkD0H7q/wuBp0xFNjWj+loHyU+VJzwEm7Tf9INXVD7aU6VtByjj6yjL0x5XQVTjolqSUk2UkNBt8i4HgL6jc5IbOgIN1d4Ts6AJdUjwaPqrTGPy02jmbDw3ULCXXJso59XR6ko8KpROdxjwH0WwdwvDV4fUBc8taAA4iwFphZNlEuF+63YL0DBUIa1tNt4AzEdNlX4YzKXadtlVdTsphicopHNyD3W8bp//AqA1DiT+kOP2FpsPhsjdhzJ1QuOxgAMPYwbue4D0XT/ACx/03KsfxjsNQFmPcHDn3hPVeecfBpltN0y1sTBg3METqvSsX2hwjDl9sKrjs02nq4rCdr+Ie1xAdAswADlcyub6YTHxf521V4DhzyJyyI0zX8Y1RWGxEAtc0jc/VAnGEDUzt0RlHihI74Bta8H1XPXTNRPi+FMqy64dsdfWVVV8zXkOaGnkNI6K1wuKpmwJEfpsJ530QvEaZc5kGdgIuPPdNhdXRMp+nYCreEXiKanw3ZerAJIZ43PorWlwHTM6RvFldLbPNqH0VrwngTntdVf3aQBIJ3PIc7rQ4LhVClB9nJ5nvfO3wVrxTibf4Sqyf0d0AaTzTcS8mW4K02ufELSYe5iT1VBwsjToFb4WtfVIyrxYmtlta91n+IXfEDXUSrzHVPzySgcdQGoSngZrbN6kD4rrsO6riSxl3PflHrA8rJzB7n9ysex7AcVm1cA508ibCOt0Reg8A7MMinh2/8ArYQ+s7+d3I9J+AXoNmiNANFWdnsAaVIZvedc/QI3E+6qoW7T0sTNgiQVT4UkOVi2sYuks2Ph9SryUJepWCyYWIzoKdTCeaihc87Jj3QFuOw3pK6nK4RCGGJIUzawKa42F2fKSakgO3zpxfVnn8gmjZJJc2f+VPU1c95viF6TScRREW8Ekl2f/N5U8nn3a/iFUEgVHj/u791hKtdzj3nE+JJ+aSSp9fFMFlSw7PZNOVs52XgTo7dB1DLzPVcSXnzyumIagUrvd++SSSFOgq7LUdiWAvJIkgWKSSrinl41mUZvvmpHC6SSrEHa2o8UN2gH5DvEfNJJH8aKjAbq0w57ySSiZTY0/mnxXcT7qSS19NAFM94ea0f4VNBxdxPu6+K4kmnrXx7qmVtD4LiSohDcONPBTpJIDXWKZwSSSX0YgrhCvKSSrh4TJE5dYdEklb8ILakkkpnf/9k="/>
+          <p:cNvSpPr>
+            <a:spLocks noChangeAspect="1" noChangeArrowheads="1"/>
+          </p:cNvSpPr>
+          <p:nvPr userDrawn="1"/>
+        </p:nvSpPr>
+        <p:spPr bwMode="auto">
+          <a:xfrm>
+            <a:off x="155575" y="-120384"/>
+            <a:ext cx="304800" cy="254001"/>
+          </a:xfrm>
+          <a:prstGeom prst="rect">
+            <a:avLst/>
+          </a:prstGeom>
+          <a:noFill/>
+          <a:extLst>
+            <a:ext uri="{909E8E84-426E-40DD-AFC4-6F175D3DCCD1}">
+              <a14:hiddenFill xmlns:a14="http://schemas.microsoft.com/office/drawing/2010/main">
+                <a:solidFill>
+                  <a:srgbClr val="FFFFFF"/>
+                </a:solidFill>
+              </a14:hiddenFill>
+            </a:ext>
+          </a:extLst>
+        </p:spPr>
+        <p:txBody>
+          <a:bodyPr vert="horz" wrap="square" lIns="91440" tIns="45720" rIns="91440" bIns="45720" numCol="1" anchor="t" anchorCtr="0" compatLnSpc="1">
+            <a:prstTxWarp prst="textNoShape">
+              <a:avLst/>
+            </a:prstTxWarp>
+          </a:bodyPr>
+          <a:lstStyle/>
+          <a:p>
+            <a:endParaRPr lang="en-CA" dirty="0">
+              <a:solidFill>
+                <a:srgbClr val="49166D"/>
+              </a:solidFill>
+            </a:endParaRPr>
+          </a:p>
+        </p:txBody>
+      </p:sp>
+      <p:pic>
+        <p:nvPicPr>
+          <p:cNvPr id="26628" name="Picture 4">
+            <a:hlinkClick r:id="rId3"/>
+          </p:cNvPr>
+          <p:cNvPicPr>
+            <a:picLocks noChangeAspect="1" noChangeArrowheads="1"/>
+          </p:cNvPicPr>
+          <p:nvPr userDrawn="1"/>
+        </p:nvPicPr>
+        <p:blipFill>
+          <a:blip r:embed="rId4">
+            <a:extLst>
+              <a:ext uri="{28A0092B-C50C-407E-A947-70E740481C1C}">
+                <a14:useLocalDpi xmlns:a14="http://schemas.microsoft.com/office/drawing/2010/main" val="0"/>
+              </a:ext>
+            </a:extLst>
+          </a:blip>
+          <a:srcRect/>
+          <a:stretch>
+            <a:fillRect/>
+          </a:stretch>
+        </p:blipFill>
+        <p:spPr bwMode="auto">
+          <a:xfrm>
+            <a:off x="1613516" y="1960683"/>
+            <a:ext cx="5730875" cy="3581797"/>
+          </a:xfrm>
+          <a:prstGeom prst="rect">
+            <a:avLst/>
+          </a:prstGeom>
+          <a:ln>
+            <a:noFill/>
+          </a:ln>
+          <a:effectLst>
+            <a:softEdge rad="112500"/>
+          </a:effectLst>
+          <a:extLst>
+            <a:ext uri="{909E8E84-426E-40DD-AFC4-6F175D3DCCD1}">
+              <a14:hiddenFill xmlns:a14="http://schemas.microsoft.com/office/drawing/2010/main">
+                <a:solidFill>
+                  <a:schemeClr val="accent1"/>
+                </a:solidFill>
+              </a14:hiddenFill>
+            </a:ext>
+            <a:ext uri="{91240B29-F687-4F45-9708-019B960494DF}">
+              <a14:hiddenLine xmlns:a14="http://schemas.microsoft.com/office/drawing/2010/main" w="9525">
+                <a:solidFill>
+                  <a:schemeClr val="tx1"/>
+                </a:solidFill>
+                <a:miter lim="800000"/>
+                <a:headEnd/>
+                <a:tailEnd/>
+              </a14:hiddenLine>
+            </a:ext>
+          </a:extLst>
+        </p:spPr>
+      </p:pic>
+    </p:spTree>
+    <p:extLst>
+      <p:ext uri="{BB962C8B-B14F-4D97-AF65-F5344CB8AC3E}">
+        <p14:creationId xmlns:p14="http://schemas.microsoft.com/office/powerpoint/2010/main" val="184982899"/>
+      </p:ext>
+    </p:extLst>
+  </p:cSld>
+  <p:clrMapOvr>
+    <a:masterClrMapping/>
+  </p:clrMapOvr>
+  <p:timing>
+    <p:tnLst>
+      <p:par>
+        <p:cTn id="1" dur="indefinite" restart="never" nodeType="tmRoot"/>
+      </p:par>
+    </p:tnLst>
+  </p:timing>
+</p:sldLayout>
+</file>
+
+<file path=ppt/slideLayouts/slideLayout24.xml><?xml version="1.0" encoding="utf-8"?>
+<p:sldLayout xmlns:a="http://schemas.openxmlformats.org/drawingml/2006/main" xmlns:r="http://schemas.openxmlformats.org/officeDocument/2006/relationships" xmlns:p="http://schemas.openxmlformats.org/presentationml/2006/main" userDrawn="1">
+  <p:cSld name="Title and Content w Tag Line">
+    <p:spTree>
+      <p:nvGrpSpPr>
+        <p:cNvPr id="1" name=""/>
+        <p:cNvGrpSpPr/>
+        <p:nvPr/>
+      </p:nvGrpSpPr>
+      <p:grpSpPr>
+        <a:xfrm>
+          <a:off x="0" y="0"/>
+          <a:ext cx="0" cy="0"/>
+          <a:chOff x="0" y="0"/>
+          <a:chExt cx="0" cy="0"/>
+        </a:xfrm>
+      </p:grpSpPr>
+      <p:sp>
+        <p:nvSpPr>
+          <p:cNvPr id="2" name="Title 1"/>
+          <p:cNvSpPr>
+            <a:spLocks noGrp="1"/>
+          </p:cNvSpPr>
+          <p:nvPr>
+            <p:ph type="title"/>
+          </p:nvPr>
+        </p:nvSpPr>
+        <p:spPr>
+          <a:xfrm>
+            <a:off x="393097" y="222252"/>
+            <a:ext cx="8388047" cy="349250"/>
+          </a:xfrm>
+          <a:prstGeom prst="rect">
+            <a:avLst/>
+          </a:prstGeom>
+        </p:spPr>
+        <p:txBody>
+          <a:bodyPr lIns="64858" tIns="32429" rIns="64858" bIns="32429"/>
+          <a:lstStyle/>
+          <a:p>
+            <a:r>
+              <a:rPr lang="en-US" smtClean="0"/>
+              <a:t>Click to edit Master title style</a:t>
+            </a:r>
+            <a:endParaRPr lang="en-CA" dirty="0"/>
+          </a:p>
+        </p:txBody>
+      </p:sp>
+      <p:sp>
+        <p:nvSpPr>
+          <p:cNvPr id="3" name="Content Placeholder 2"/>
+          <p:cNvSpPr>
+            <a:spLocks noGrp="1"/>
+          </p:cNvSpPr>
+          <p:nvPr>
+            <p:ph idx="1"/>
+          </p:nvPr>
+        </p:nvSpPr>
+        <p:spPr>
+          <a:xfrm>
+            <a:off x="457201" y="812287"/>
+            <a:ext cx="8229600" cy="4145451"/>
+          </a:xfrm>
+          <a:prstGeom prst="rect">
+            <a:avLst/>
+          </a:prstGeom>
+        </p:spPr>
+        <p:txBody>
+          <a:bodyPr lIns="64858" tIns="32429" rIns="64858" bIns="32429"/>
+          <a:lstStyle/>
+          <a:p>
+            <a:pPr lvl="0"/>
+            <a:r>
+              <a:rPr lang="en-US" smtClean="0"/>
+              <a:t>Click to edit Master text styles</a:t>
+            </a:r>
+          </a:p>
+          <a:p>
+            <a:pPr lvl="1"/>
+            <a:r>
+              <a:rPr lang="en-US" smtClean="0"/>
+              <a:t>Second level</a:t>
+            </a:r>
+          </a:p>
+          <a:p>
+            <a:pPr lvl="2"/>
+            <a:r>
+              <a:rPr lang="en-US" smtClean="0"/>
+              <a:t>Third level</a:t>
+            </a:r>
+          </a:p>
+          <a:p>
+            <a:pPr lvl="3"/>
+            <a:r>
+              <a:rPr lang="en-US" smtClean="0"/>
+              <a:t>Fourth level</a:t>
+            </a:r>
+          </a:p>
+          <a:p>
+            <a:pPr lvl="4"/>
+            <a:r>
+              <a:rPr lang="en-US" smtClean="0"/>
+              <a:t>Fifth level</a:t>
+            </a:r>
+            <a:endParaRPr lang="en-CA" dirty="0"/>
+          </a:p>
+        </p:txBody>
+      </p:sp>
+      <p:sp>
+        <p:nvSpPr>
+          <p:cNvPr id="6" name="Slide Number Placeholder 5"/>
+          <p:cNvSpPr>
+            <a:spLocks noGrp="1"/>
+          </p:cNvSpPr>
+          <p:nvPr>
+            <p:ph type="sldNum" sz="quarter" idx="12"/>
+          </p:nvPr>
+        </p:nvSpPr>
+        <p:spPr>
+          <a:xfrm>
+            <a:off x="7184572" y="0"/>
+            <a:ext cx="1959428" cy="381000"/>
+          </a:xfrm>
+          <a:prstGeom prst="rect">
+            <a:avLst/>
+          </a:prstGeom>
+        </p:spPr>
+        <p:txBody>
+          <a:bodyPr lIns="64858" tIns="32429" rIns="64858" bIns="32429"/>
+          <a:lstStyle/>
+          <a:p>
+            <a:fld id="{F93D3C5A-921F-4515-9F35-6261197ACD81}" type="slidenum">
+              <a:rPr lang="en-CA" smtClean="0">
+                <a:solidFill>
+                  <a:srgbClr val="49166D"/>
+                </a:solidFill>
+              </a:rPr>
+              <a:pPr/>
+              <a:t>‹#›</a:t>
+            </a:fld>
+            <a:endParaRPr lang="en-CA" dirty="0">
+              <a:solidFill>
+                <a:srgbClr val="49166D"/>
+              </a:solidFill>
+            </a:endParaRPr>
+          </a:p>
+        </p:txBody>
+      </p:sp>
+      <p:sp>
+        <p:nvSpPr>
+          <p:cNvPr id="8" name="Footer Placeholder 4"/>
+          <p:cNvSpPr>
+            <a:spLocks noGrp="1"/>
+          </p:cNvSpPr>
+          <p:nvPr>
+            <p:ph type="ftr" sz="quarter" idx="11"/>
+          </p:nvPr>
+        </p:nvSpPr>
+        <p:spPr>
+          <a:xfrm>
+            <a:off x="3143240" y="5296960"/>
+            <a:ext cx="2895600" cy="304271"/>
+          </a:xfrm>
+          <a:prstGeom prst="rect">
+            <a:avLst/>
+          </a:prstGeom>
+        </p:spPr>
+        <p:txBody>
+          <a:bodyPr lIns="74659" tIns="37329" rIns="74659" bIns="37329"/>
+          <a:lstStyle>
+            <a:lvl1pPr algn="ctr">
+              <a:defRPr/>
+            </a:lvl1pPr>
+          </a:lstStyle>
+          <a:p>
+            <a:r>
+              <a:rPr lang="en-CA" dirty="0" smtClean="0">
+                <a:solidFill>
+                  <a:srgbClr val="49166D"/>
+                </a:solidFill>
+              </a:rPr>
+              <a:t>TELUS Confidential</a:t>
+            </a:r>
+            <a:endParaRPr lang="en-CA" dirty="0">
+              <a:solidFill>
+                <a:srgbClr val="49166D"/>
+              </a:solidFill>
+            </a:endParaRPr>
+          </a:p>
+        </p:txBody>
+      </p:sp>
+      <p:sp>
+        <p:nvSpPr>
+          <p:cNvPr id="9" name="Text Placeholder 11"/>
+          <p:cNvSpPr>
+            <a:spLocks noGrp="1"/>
+          </p:cNvSpPr>
+          <p:nvPr>
+            <p:ph type="body" sz="quarter" idx="13" hasCustomPrompt="1"/>
+          </p:nvPr>
+        </p:nvSpPr>
+        <p:spPr>
+          <a:xfrm>
+            <a:off x="1357613" y="4982313"/>
+            <a:ext cx="6477000" cy="304800"/>
+          </a:xfrm>
+          <a:prstGeom prst="rect">
+            <a:avLst/>
+          </a:prstGeom>
+        </p:spPr>
+        <p:txBody>
+          <a:bodyPr lIns="64858" tIns="32429" rIns="64858" bIns="32429" anchor="ctr">
+            <a:normAutofit/>
+          </a:bodyPr>
+          <a:lstStyle>
+            <a:lvl1pPr algn="ctr">
+              <a:buNone/>
+              <a:defRPr sz="1100" b="1" baseline="0">
+                <a:solidFill>
+                  <a:schemeClr val="bg1">
+                    <a:lumMod val="95000"/>
+                  </a:schemeClr>
+                </a:solidFill>
+              </a:defRPr>
+            </a:lvl1pPr>
+          </a:lstStyle>
+          <a:p>
+            <a:pPr lvl="0"/>
+            <a:r>
+              <a:rPr lang="en-US" dirty="0" smtClean="0"/>
+              <a:t>Click to enter tag line</a:t>
+            </a:r>
+            <a:endParaRPr lang="en-CA" dirty="0"/>
+          </a:p>
+        </p:txBody>
+      </p:sp>
+    </p:spTree>
+    <p:extLst>
+      <p:ext uri="{BB962C8B-B14F-4D97-AF65-F5344CB8AC3E}">
+        <p14:creationId xmlns:p14="http://schemas.microsoft.com/office/powerpoint/2010/main" val="3324580697"/>
+      </p:ext>
+    </p:extLst>
+  </p:cSld>
+  <p:clrMapOvr>
+    <a:masterClrMapping/>
+  </p:clrMapOvr>
+  <p:timing>
+    <p:tnLst>
+      <p:par>
+        <p:cTn id="1" dur="indefinite" restart="never" nodeType="tmRoot"/>
+      </p:par>
+    </p:tnLst>
+  </p:timing>
+</p:sldLayout>
+</file>
+
+<file path=ppt/slideLayouts/slideLayout25.xml><?xml version="1.0" encoding="utf-8"?>
+<p:sldLayout xmlns:a="http://schemas.openxmlformats.org/drawingml/2006/main" xmlns:r="http://schemas.openxmlformats.org/officeDocument/2006/relationships" xmlns:p="http://schemas.openxmlformats.org/presentationml/2006/main" type="blank">
+  <p:cSld name="Blank">
+    <p:spTree>
+      <p:nvGrpSpPr>
+        <p:cNvPr id="1" name=""/>
+        <p:cNvGrpSpPr/>
+        <p:nvPr/>
+      </p:nvGrpSpPr>
+      <p:grpSpPr>
+        <a:xfrm>
+          <a:off x="0" y="0"/>
+          <a:ext cx="0" cy="0"/>
+          <a:chOff x="0" y="0"/>
+          <a:chExt cx="0" cy="0"/>
+        </a:xfrm>
+      </p:grpSpPr>
+      <p:sp>
+        <p:nvSpPr>
+          <p:cNvPr id="2" name="Date Placeholder 1"/>
+          <p:cNvSpPr>
+            <a:spLocks noGrp="1"/>
+          </p:cNvSpPr>
+          <p:nvPr>
+            <p:ph type="dt" sz="half" idx="10"/>
+          </p:nvPr>
+        </p:nvSpPr>
+        <p:spPr>
+          <a:xfrm>
+            <a:off x="72572" y="5270500"/>
+            <a:ext cx="1959428" cy="381000"/>
+          </a:xfrm>
+          <a:prstGeom prst="rect">
+            <a:avLst/>
+          </a:prstGeom>
+        </p:spPr>
+        <p:txBody>
+          <a:bodyPr lIns="64858" tIns="32429" rIns="64858" bIns="32429"/>
+          <a:lstStyle>
+            <a:lvl1pPr>
+              <a:defRPr/>
+            </a:lvl1pPr>
+          </a:lstStyle>
+          <a:p>
+            <a:fld id="{91EB5F8D-ED4A-AC42-9755-F05BB20E37B9}" type="datetime1">
+              <a:rPr lang="en-CA">
+                <a:solidFill>
+                  <a:srgbClr val="49166D"/>
+                </a:solidFill>
+              </a:rPr>
+              <a:pPr/>
+              <a:t>20/07/2016</a:t>
+            </a:fld>
+            <a:endParaRPr lang="en-CA" dirty="0">
+              <a:solidFill>
+                <a:srgbClr val="49166D"/>
+              </a:solidFill>
+            </a:endParaRPr>
+          </a:p>
+        </p:txBody>
+      </p:sp>
+      <p:sp>
+        <p:nvSpPr>
+          <p:cNvPr id="3" name="Slide Number Placeholder 2"/>
+          <p:cNvSpPr>
+            <a:spLocks noGrp="1"/>
+          </p:cNvSpPr>
+          <p:nvPr>
+            <p:ph type="sldNum" sz="quarter" idx="11"/>
+          </p:nvPr>
+        </p:nvSpPr>
+        <p:spPr>
+          <a:xfrm>
+            <a:off x="7184572" y="0"/>
+            <a:ext cx="1959428" cy="381000"/>
+          </a:xfrm>
+          <a:prstGeom prst="rect">
+            <a:avLst/>
+          </a:prstGeom>
+        </p:spPr>
+        <p:txBody>
+          <a:bodyPr lIns="64858" tIns="32429" rIns="64858" bIns="32429"/>
+          <a:lstStyle>
+            <a:lvl1pPr>
+              <a:defRPr/>
+            </a:lvl1pPr>
+          </a:lstStyle>
+          <a:p>
+            <a:fld id="{E6D07982-ADC9-9F44-8E17-7CC7F89791E4}" type="slidenum">
+              <a:rPr lang="en-CA">
+                <a:solidFill>
+                  <a:srgbClr val="49166D"/>
+                </a:solidFill>
+              </a:rPr>
+              <a:pPr/>
+              <a:t>‹#›</a:t>
+            </a:fld>
+            <a:endParaRPr lang="en-CA" dirty="0">
+              <a:solidFill>
+                <a:srgbClr val="49166D"/>
+              </a:solidFill>
+            </a:endParaRPr>
+          </a:p>
+        </p:txBody>
+      </p:sp>
+    </p:spTree>
+    <p:extLst>
+      <p:ext uri="{BB962C8B-B14F-4D97-AF65-F5344CB8AC3E}">
+        <p14:creationId xmlns:p14="http://schemas.microsoft.com/office/powerpoint/2010/main" val="1776292795"/>
+      </p:ext>
+    </p:extLst>
+  </p:cSld>
+  <p:clrMapOvr>
+    <a:masterClrMapping/>
+  </p:clrMapOvr>
+  <p:timing>
+    <p:tnLst>
+      <p:par>
+        <p:cTn id="1" dur="indefinite" restart="never" nodeType="tmRoot"/>
+      </p:par>
+    </p:tnLst>
+  </p:timing>
+</p:sldLayout>
+</file>
+
 <file path=ppt/slideLayouts/slideLayout3.xml><?xml version="1.0" encoding="utf-8"?>
 <p:sldLayout xmlns:a="http://schemas.openxmlformats.org/drawingml/2006/main" xmlns:r="http://schemas.openxmlformats.org/officeDocument/2006/relationships" xmlns:p="http://schemas.openxmlformats.org/presentationml/2006/main" preserve="1" userDrawn="1">
   <p:cSld name="End Slide">
@@ -7180,7 +8730,7 @@
             <a:fld id="{91EB5F8D-ED4A-AC42-9755-F05BB20E37B9}" type="datetime1">
               <a:rPr lang="en-CA"/>
               <a:pPr/>
-              <a:t>13/07/2016</a:t>
+              <a:t>20/07/2016</a:t>
             </a:fld>
             <a:endParaRPr lang="en-CA" dirty="0"/>
           </a:p>
@@ -9953,6 +11503,813 @@
 </p:sldMaster>
 </file>
 
+<file path=ppt/slideMasters/slideMaster3.xml><?xml version="1.0" encoding="utf-8"?>
+<p:sldMaster xmlns:a="http://schemas.openxmlformats.org/drawingml/2006/main" xmlns:r="http://schemas.openxmlformats.org/officeDocument/2006/relationships" xmlns:p="http://schemas.openxmlformats.org/presentationml/2006/main" preserve="1">
+  <p:cSld>
+    <p:bg>
+      <p:bgRef idx="1001">
+        <a:schemeClr val="bg1"/>
+      </p:bgRef>
+    </p:bg>
+    <p:spTree>
+      <p:nvGrpSpPr>
+        <p:cNvPr id="1" name=""/>
+        <p:cNvGrpSpPr/>
+        <p:nvPr/>
+      </p:nvGrpSpPr>
+      <p:grpSpPr>
+        <a:xfrm>
+          <a:off x="0" y="0"/>
+          <a:ext cx="0" cy="0"/>
+          <a:chOff x="0" y="0"/>
+          <a:chExt cx="0" cy="0"/>
+        </a:xfrm>
+      </p:grpSpPr>
+      <p:pic>
+        <p:nvPicPr>
+          <p:cNvPr id="1027" name="Picture 4"/>
+          <p:cNvPicPr>
+            <a:picLocks noChangeAspect="1"/>
+          </p:cNvPicPr>
+          <p:nvPr/>
+        </p:nvPicPr>
+        <p:blipFill>
+          <a:blip r:embed="rId7">
+            <a:extLst>
+              <a:ext uri="{28A0092B-C50C-407E-A947-70E740481C1C}">
+                <a14:useLocalDpi xmlns:a14="http://schemas.microsoft.com/office/drawing/2010/main" val="0"/>
+              </a:ext>
+            </a:extLst>
+          </a:blip>
+          <a:srcRect l="12138" t="1677"/>
+          <a:stretch>
+            <a:fillRect/>
+          </a:stretch>
+        </p:blipFill>
+        <p:spPr bwMode="auto">
+          <a:xfrm>
+            <a:off x="0" y="2"/>
+            <a:ext cx="241300" cy="5733521"/>
+          </a:xfrm>
+          <a:prstGeom prst="rect">
+            <a:avLst/>
+          </a:prstGeom>
+          <a:noFill/>
+          <a:ln>
+            <a:noFill/>
+          </a:ln>
+          <a:extLst>
+            <a:ext uri="{909E8E84-426E-40DD-AFC4-6F175D3DCCD1}">
+              <a14:hiddenFill xmlns:a14="http://schemas.microsoft.com/office/drawing/2010/main">
+                <a:solidFill>
+                  <a:srgbClr val="FFFFFF"/>
+                </a:solidFill>
+              </a14:hiddenFill>
+            </a:ext>
+            <a:ext uri="{91240B29-F687-4F45-9708-019B960494DF}">
+              <a14:hiddenLine xmlns:a14="http://schemas.microsoft.com/office/drawing/2010/main" w="9525">
+                <a:solidFill>
+                  <a:srgbClr val="000000"/>
+                </a:solidFill>
+                <a:miter lim="800000"/>
+                <a:headEnd/>
+                <a:tailEnd/>
+              </a14:hiddenLine>
+            </a:ext>
+          </a:extLst>
+        </p:spPr>
+      </p:pic>
+      <p:sp>
+        <p:nvSpPr>
+          <p:cNvPr id="6" name="Rectangle 5"/>
+          <p:cNvSpPr/>
+          <p:nvPr userDrawn="1"/>
+        </p:nvSpPr>
+        <p:spPr>
+          <a:xfrm>
+            <a:off x="219080" y="0"/>
+            <a:ext cx="117475" cy="5715000"/>
+          </a:xfrm>
+          <a:prstGeom prst="rect">
+            <a:avLst/>
+          </a:prstGeom>
+          <a:solidFill>
+            <a:schemeClr val="bg1"/>
+          </a:solidFill>
+          <a:ln>
+            <a:noFill/>
+          </a:ln>
+          <a:effectLst/>
+        </p:spPr>
+        <p:style>
+          <a:lnRef idx="1">
+            <a:schemeClr val="accent1"/>
+          </a:lnRef>
+          <a:fillRef idx="3">
+            <a:schemeClr val="accent1"/>
+          </a:fillRef>
+          <a:effectRef idx="2">
+            <a:schemeClr val="accent1"/>
+          </a:effectRef>
+          <a:fontRef idx="minor">
+            <a:schemeClr val="lt1"/>
+          </a:fontRef>
+        </p:style>
+        <p:txBody>
+          <a:bodyPr anchor="ctr"/>
+          <a:lstStyle/>
+          <a:p>
+            <a:pPr algn="ctr">
+              <a:defRPr/>
+            </a:pPr>
+            <a:endParaRPr lang="en-US" dirty="0">
+              <a:solidFill>
+                <a:srgbClr val="FFFFFF"/>
+              </a:solidFill>
+            </a:endParaRPr>
+          </a:p>
+        </p:txBody>
+      </p:sp>
+      <p:grpSp>
+        <p:nvGrpSpPr>
+          <p:cNvPr id="15" name="Group 14"/>
+          <p:cNvGrpSpPr/>
+          <p:nvPr userDrawn="1"/>
+        </p:nvGrpSpPr>
+        <p:grpSpPr>
+          <a:xfrm>
+            <a:off x="7810489" y="4683613"/>
+            <a:ext cx="1321322" cy="1065507"/>
+            <a:chOff x="5771731" y="1731646"/>
+            <a:chExt cx="2400662" cy="2524125"/>
+          </a:xfrm>
+        </p:grpSpPr>
+        <p:pic>
+          <p:nvPicPr>
+            <p:cNvPr id="16" name="Picture 4"/>
+            <p:cNvPicPr>
+              <a:picLocks noChangeAspect="1" noChangeArrowheads="1"/>
+            </p:cNvPicPr>
+            <p:nvPr userDrawn="1"/>
+          </p:nvPicPr>
+          <p:blipFill>
+            <a:blip r:embed="rId8">
+              <a:duotone>
+                <a:schemeClr val="accent4">
+                  <a:shade val="45000"/>
+                  <a:satMod val="135000"/>
+                </a:schemeClr>
+                <a:prstClr val="white"/>
+              </a:duotone>
+              <a:extLst>
+                <a:ext uri="{28A0092B-C50C-407E-A947-70E740481C1C}">
+                  <a14:useLocalDpi xmlns:a14="http://schemas.microsoft.com/office/drawing/2010/main" val="0"/>
+                </a:ext>
+              </a:extLst>
+            </a:blip>
+            <a:srcRect/>
+            <a:stretch>
+              <a:fillRect/>
+            </a:stretch>
+          </p:blipFill>
+          <p:spPr bwMode="auto">
+            <a:xfrm>
+              <a:off x="5771731" y="1731646"/>
+              <a:ext cx="2400662" cy="2524125"/>
+            </a:xfrm>
+            <a:prstGeom prst="rect">
+              <a:avLst/>
+            </a:prstGeom>
+            <a:ln>
+              <a:noFill/>
+            </a:ln>
+            <a:effectLst>
+              <a:softEdge rad="112500"/>
+            </a:effectLst>
+            <a:extLst>
+              <a:ext uri="{909E8E84-426E-40DD-AFC4-6F175D3DCCD1}">
+                <a14:hiddenFill xmlns:a14="http://schemas.microsoft.com/office/drawing/2010/main">
+                  <a:solidFill>
+                    <a:schemeClr val="accent1"/>
+                  </a:solidFill>
+                </a14:hiddenFill>
+              </a:ext>
+              <a:ext uri="{91240B29-F687-4F45-9708-019B960494DF}">
+                <a14:hiddenLine xmlns:a14="http://schemas.microsoft.com/office/drawing/2010/main" w="9525">
+                  <a:solidFill>
+                    <a:schemeClr val="tx1"/>
+                  </a:solidFill>
+                  <a:miter lim="800000"/>
+                  <a:headEnd/>
+                  <a:tailEnd/>
+                </a14:hiddenLine>
+              </a:ext>
+              <a:ext uri="{AF507438-7753-43E0-B8FC-AC1667EBCBE1}">
+                <a14:hiddenEffects xmlns:a14="http://schemas.microsoft.com/office/drawing/2010/main">
+                  <a:effectLst>
+                    <a:outerShdw dist="35921" dir="2700000" algn="ctr" rotWithShape="0">
+                      <a:schemeClr val="bg2"/>
+                    </a:outerShdw>
+                  </a:effectLst>
+                </a14:hiddenEffects>
+              </a:ext>
+            </a:extLst>
+          </p:spPr>
+        </p:pic>
+        <p:pic>
+          <p:nvPicPr>
+            <p:cNvPr id="17" name="Picture 16"/>
+            <p:cNvPicPr>
+              <a:picLocks noChangeAspect="1" noChangeArrowheads="1"/>
+            </p:cNvPicPr>
+            <p:nvPr userDrawn="1"/>
+          </p:nvPicPr>
+          <p:blipFill>
+            <a:blip r:embed="rId9">
+              <a:clrChange>
+                <a:clrFrom>
+                  <a:srgbClr val="FFFFFF"/>
+                </a:clrFrom>
+                <a:clrTo>
+                  <a:srgbClr val="FFFFFF">
+                    <a:alpha val="0"/>
+                  </a:srgbClr>
+                </a:clrTo>
+              </a:clrChange>
+              <a:extLst>
+                <a:ext uri="{28A0092B-C50C-407E-A947-70E740481C1C}">
+                  <a14:useLocalDpi xmlns:a14="http://schemas.microsoft.com/office/drawing/2010/main" val="0"/>
+                </a:ext>
+              </a:extLst>
+            </a:blip>
+            <a:srcRect/>
+            <a:stretch>
+              <a:fillRect/>
+            </a:stretch>
+          </p:blipFill>
+          <p:spPr bwMode="auto">
+            <a:xfrm>
+              <a:off x="6362462" y="1865811"/>
+              <a:ext cx="1219200" cy="1276350"/>
+            </a:xfrm>
+            <a:prstGeom prst="rect">
+              <a:avLst/>
+            </a:prstGeom>
+            <a:noFill/>
+            <a:ln>
+              <a:noFill/>
+            </a:ln>
+            <a:extLst>
+              <a:ext uri="{909E8E84-426E-40DD-AFC4-6F175D3DCCD1}">
+                <a14:hiddenFill xmlns:a14="http://schemas.microsoft.com/office/drawing/2010/main">
+                  <a:solidFill>
+                    <a:schemeClr val="accent1"/>
+                  </a:solidFill>
+                </a14:hiddenFill>
+              </a:ext>
+              <a:ext uri="{91240B29-F687-4F45-9708-019B960494DF}">
+                <a14:hiddenLine xmlns:a14="http://schemas.microsoft.com/office/drawing/2010/main" w="9525">
+                  <a:solidFill>
+                    <a:schemeClr val="tx1"/>
+                  </a:solidFill>
+                  <a:miter lim="800000"/>
+                  <a:headEnd/>
+                  <a:tailEnd/>
+                </a14:hiddenLine>
+              </a:ext>
+            </a:extLst>
+          </p:spPr>
+        </p:pic>
+      </p:grpSp>
+      <p:pic>
+        <p:nvPicPr>
+          <p:cNvPr id="18" name="Picture 6"/>
+          <p:cNvPicPr>
+            <a:picLocks noChangeAspect="1"/>
+          </p:cNvPicPr>
+          <p:nvPr userDrawn="1"/>
+        </p:nvPicPr>
+        <p:blipFill>
+          <a:blip r:embed="rId10">
+            <a:extLst>
+              <a:ext uri="{28A0092B-C50C-407E-A947-70E740481C1C}">
+                <a14:useLocalDpi xmlns:a14="http://schemas.microsoft.com/office/drawing/2010/main" val="0"/>
+              </a:ext>
+            </a:extLst>
+          </a:blip>
+          <a:srcRect t="4546" r="6024"/>
+          <a:stretch>
+            <a:fillRect/>
+          </a:stretch>
+        </p:blipFill>
+        <p:spPr bwMode="auto">
+          <a:xfrm>
+            <a:off x="6605516" y="2"/>
+            <a:ext cx="2546422" cy="779708"/>
+          </a:xfrm>
+          <a:prstGeom prst="rect">
+            <a:avLst/>
+          </a:prstGeom>
+          <a:noFill/>
+          <a:ln>
+            <a:noFill/>
+          </a:ln>
+          <a:extLst>
+            <a:ext uri="{909E8E84-426E-40DD-AFC4-6F175D3DCCD1}">
+              <a14:hiddenFill xmlns:a14="http://schemas.microsoft.com/office/drawing/2010/main">
+                <a:solidFill>
+                  <a:srgbClr val="FFFFFF"/>
+                </a:solidFill>
+              </a14:hiddenFill>
+            </a:ext>
+            <a:ext uri="{91240B29-F687-4F45-9708-019B960494DF}">
+              <a14:hiddenLine xmlns:a14="http://schemas.microsoft.com/office/drawing/2010/main" w="9525">
+                <a:solidFill>
+                  <a:srgbClr val="000000"/>
+                </a:solidFill>
+                <a:miter lim="800000"/>
+                <a:headEnd/>
+                <a:tailEnd/>
+              </a14:hiddenLine>
+            </a:ext>
+          </a:extLst>
+        </p:spPr>
+      </p:pic>
+      <p:pic>
+        <p:nvPicPr>
+          <p:cNvPr id="19" name="Picture 7" descr="TELUS_EN_Rev.eps"/>
+          <p:cNvPicPr>
+            <a:picLocks noChangeAspect="1"/>
+          </p:cNvPicPr>
+          <p:nvPr userDrawn="1"/>
+        </p:nvPicPr>
+        <p:blipFill>
+          <a:blip r:embed="rId11">
+            <a:extLst>
+              <a:ext uri="{28A0092B-C50C-407E-A947-70E740481C1C}">
+                <a14:useLocalDpi xmlns:a14="http://schemas.microsoft.com/office/drawing/2010/main" val="0"/>
+              </a:ext>
+            </a:extLst>
+          </a:blip>
+          <a:srcRect/>
+          <a:stretch>
+            <a:fillRect/>
+          </a:stretch>
+        </p:blipFill>
+        <p:spPr bwMode="auto">
+          <a:xfrm>
+            <a:off x="7165772" y="186533"/>
+            <a:ext cx="1700416" cy="267296"/>
+          </a:xfrm>
+          <a:prstGeom prst="rect">
+            <a:avLst/>
+          </a:prstGeom>
+          <a:noFill/>
+          <a:ln>
+            <a:noFill/>
+          </a:ln>
+          <a:extLst>
+            <a:ext uri="{909E8E84-426E-40DD-AFC4-6F175D3DCCD1}">
+              <a14:hiddenFill xmlns:a14="http://schemas.microsoft.com/office/drawing/2010/main">
+                <a:solidFill>
+                  <a:srgbClr val="FFFFFF"/>
+                </a:solidFill>
+              </a14:hiddenFill>
+            </a:ext>
+            <a:ext uri="{91240B29-F687-4F45-9708-019B960494DF}">
+              <a14:hiddenLine xmlns:a14="http://schemas.microsoft.com/office/drawing/2010/main" w="9525">
+                <a:solidFill>
+                  <a:srgbClr val="000000"/>
+                </a:solidFill>
+                <a:miter lim="800000"/>
+                <a:headEnd/>
+                <a:tailEnd/>
+              </a14:hiddenLine>
+            </a:ext>
+          </a:extLst>
+        </p:spPr>
+      </p:pic>
+    </p:spTree>
+    <p:extLst>
+      <p:ext uri="{BB962C8B-B14F-4D97-AF65-F5344CB8AC3E}">
+        <p14:creationId xmlns:p14="http://schemas.microsoft.com/office/powerpoint/2010/main" val="2778130549"/>
+      </p:ext>
+    </p:extLst>
+  </p:cSld>
+  <p:clrMap bg1="lt1" tx1="dk1" bg2="lt2" tx2="dk2" accent1="accent1" accent2="accent2" accent3="accent3" accent4="accent4" accent5="accent5" accent6="accent6" hlink="hlink" folHlink="folHlink"/>
+  <p:sldLayoutIdLst>
+    <p:sldLayoutId id="2147483760" r:id="rId1"/>
+    <p:sldLayoutId id="2147483761" r:id="rId2"/>
+    <p:sldLayoutId id="2147483762" r:id="rId3"/>
+    <p:sldLayoutId id="2147483763" r:id="rId4"/>
+    <p:sldLayoutId id="2147483764" r:id="rId5"/>
+  </p:sldLayoutIdLst>
+  <p:timing>
+    <p:tnLst>
+      <p:par>
+        <p:cTn id="1" dur="indefinite" restart="never" nodeType="tmRoot"/>
+      </p:par>
+    </p:tnLst>
+  </p:timing>
+  <p:hf hdr="0" ftr="0" dt="0"/>
+  <p:txStyles>
+    <p:titleStyle>
+      <a:lvl1pPr algn="ctr" defTabSz="457200" rtl="0" eaLnBrk="0" fontAlgn="base" hangingPunct="0">
+        <a:spcBef>
+          <a:spcPct val="0"/>
+        </a:spcBef>
+        <a:spcAft>
+          <a:spcPct val="0"/>
+        </a:spcAft>
+        <a:defRPr sz="4400" kern="1200">
+          <a:solidFill>
+            <a:schemeClr val="tx1"/>
+          </a:solidFill>
+          <a:latin typeface="+mj-lt"/>
+          <a:ea typeface="ＭＳ Ｐゴシック" pitchFamily="-84" charset="-128"/>
+          <a:cs typeface="ＭＳ Ｐゴシック" pitchFamily="-84" charset="-128"/>
+        </a:defRPr>
+      </a:lvl1pPr>
+      <a:lvl2pPr algn="ctr" defTabSz="457200" rtl="0" eaLnBrk="0" fontAlgn="base" hangingPunct="0">
+        <a:spcBef>
+          <a:spcPct val="0"/>
+        </a:spcBef>
+        <a:spcAft>
+          <a:spcPct val="0"/>
+        </a:spcAft>
+        <a:defRPr sz="4400">
+          <a:solidFill>
+            <a:schemeClr val="tx1"/>
+          </a:solidFill>
+          <a:latin typeface="Calibri" pitchFamily="-84" charset="0"/>
+          <a:ea typeface="ＭＳ Ｐゴシック" pitchFamily="-84" charset="-128"/>
+          <a:cs typeface="ＭＳ Ｐゴシック" pitchFamily="-84" charset="-128"/>
+        </a:defRPr>
+      </a:lvl2pPr>
+      <a:lvl3pPr algn="ctr" defTabSz="457200" rtl="0" eaLnBrk="0" fontAlgn="base" hangingPunct="0">
+        <a:spcBef>
+          <a:spcPct val="0"/>
+        </a:spcBef>
+        <a:spcAft>
+          <a:spcPct val="0"/>
+        </a:spcAft>
+        <a:defRPr sz="4400">
+          <a:solidFill>
+            <a:schemeClr val="tx1"/>
+          </a:solidFill>
+          <a:latin typeface="Calibri" pitchFamily="-84" charset="0"/>
+          <a:ea typeface="ＭＳ Ｐゴシック" pitchFamily="-84" charset="-128"/>
+          <a:cs typeface="ＭＳ Ｐゴシック" pitchFamily="-84" charset="-128"/>
+        </a:defRPr>
+      </a:lvl3pPr>
+      <a:lvl4pPr algn="ctr" defTabSz="457200" rtl="0" eaLnBrk="0" fontAlgn="base" hangingPunct="0">
+        <a:spcBef>
+          <a:spcPct val="0"/>
+        </a:spcBef>
+        <a:spcAft>
+          <a:spcPct val="0"/>
+        </a:spcAft>
+        <a:defRPr sz="4400">
+          <a:solidFill>
+            <a:schemeClr val="tx1"/>
+          </a:solidFill>
+          <a:latin typeface="Calibri" pitchFamily="-84" charset="0"/>
+          <a:ea typeface="ＭＳ Ｐゴシック" pitchFamily="-84" charset="-128"/>
+          <a:cs typeface="ＭＳ Ｐゴシック" pitchFamily="-84" charset="-128"/>
+        </a:defRPr>
+      </a:lvl4pPr>
+      <a:lvl5pPr algn="ctr" defTabSz="457200" rtl="0" eaLnBrk="0" fontAlgn="base" hangingPunct="0">
+        <a:spcBef>
+          <a:spcPct val="0"/>
+        </a:spcBef>
+        <a:spcAft>
+          <a:spcPct val="0"/>
+        </a:spcAft>
+        <a:defRPr sz="4400">
+          <a:solidFill>
+            <a:schemeClr val="tx1"/>
+          </a:solidFill>
+          <a:latin typeface="Calibri" pitchFamily="-84" charset="0"/>
+          <a:ea typeface="ＭＳ Ｐゴシック" pitchFamily="-84" charset="-128"/>
+          <a:cs typeface="ＭＳ Ｐゴシック" pitchFamily="-84" charset="-128"/>
+        </a:defRPr>
+      </a:lvl5pPr>
+      <a:lvl6pPr marL="457200" algn="ctr" defTabSz="457200" rtl="0" fontAlgn="base">
+        <a:spcBef>
+          <a:spcPct val="0"/>
+        </a:spcBef>
+        <a:spcAft>
+          <a:spcPct val="0"/>
+        </a:spcAft>
+        <a:defRPr sz="4400">
+          <a:solidFill>
+            <a:schemeClr val="tx1"/>
+          </a:solidFill>
+          <a:latin typeface="Calibri" pitchFamily="-84" charset="0"/>
+          <a:ea typeface="ＭＳ Ｐゴシック" pitchFamily="-84" charset="-128"/>
+          <a:cs typeface="ＭＳ Ｐゴシック" pitchFamily="-84" charset="-128"/>
+        </a:defRPr>
+      </a:lvl6pPr>
+      <a:lvl7pPr marL="914400" algn="ctr" defTabSz="457200" rtl="0" fontAlgn="base">
+        <a:spcBef>
+          <a:spcPct val="0"/>
+        </a:spcBef>
+        <a:spcAft>
+          <a:spcPct val="0"/>
+        </a:spcAft>
+        <a:defRPr sz="4400">
+          <a:solidFill>
+            <a:schemeClr val="tx1"/>
+          </a:solidFill>
+          <a:latin typeface="Calibri" pitchFamily="-84" charset="0"/>
+          <a:ea typeface="ＭＳ Ｐゴシック" pitchFamily="-84" charset="-128"/>
+          <a:cs typeface="ＭＳ Ｐゴシック" pitchFamily="-84" charset="-128"/>
+        </a:defRPr>
+      </a:lvl7pPr>
+      <a:lvl8pPr marL="1371600" algn="ctr" defTabSz="457200" rtl="0" fontAlgn="base">
+        <a:spcBef>
+          <a:spcPct val="0"/>
+        </a:spcBef>
+        <a:spcAft>
+          <a:spcPct val="0"/>
+        </a:spcAft>
+        <a:defRPr sz="4400">
+          <a:solidFill>
+            <a:schemeClr val="tx1"/>
+          </a:solidFill>
+          <a:latin typeface="Calibri" pitchFamily="-84" charset="0"/>
+          <a:ea typeface="ＭＳ Ｐゴシック" pitchFamily="-84" charset="-128"/>
+          <a:cs typeface="ＭＳ Ｐゴシック" pitchFamily="-84" charset="-128"/>
+        </a:defRPr>
+      </a:lvl8pPr>
+      <a:lvl9pPr marL="1828800" algn="ctr" defTabSz="457200" rtl="0" fontAlgn="base">
+        <a:spcBef>
+          <a:spcPct val="0"/>
+        </a:spcBef>
+        <a:spcAft>
+          <a:spcPct val="0"/>
+        </a:spcAft>
+        <a:defRPr sz="4400">
+          <a:solidFill>
+            <a:schemeClr val="tx1"/>
+          </a:solidFill>
+          <a:latin typeface="Calibri" pitchFamily="-84" charset="0"/>
+          <a:ea typeface="ＭＳ Ｐゴシック" pitchFamily="-84" charset="-128"/>
+          <a:cs typeface="ＭＳ Ｐゴシック" pitchFamily="-84" charset="-128"/>
+        </a:defRPr>
+      </a:lvl9pPr>
+    </p:titleStyle>
+    <p:bodyStyle>
+      <a:lvl1pPr marL="342900" indent="-342900" algn="l" defTabSz="457200" rtl="0" eaLnBrk="0" fontAlgn="base" hangingPunct="0">
+        <a:spcBef>
+          <a:spcPct val="20000"/>
+        </a:spcBef>
+        <a:spcAft>
+          <a:spcPct val="0"/>
+        </a:spcAft>
+        <a:buFont typeface="Arial" pitchFamily="34" charset="0"/>
+        <a:buChar char="•"/>
+        <a:defRPr sz="3200" kern="1200">
+          <a:solidFill>
+            <a:schemeClr val="tx1"/>
+          </a:solidFill>
+          <a:latin typeface="+mn-lt"/>
+          <a:ea typeface="ＭＳ Ｐゴシック" pitchFamily="-84" charset="-128"/>
+          <a:cs typeface="ＭＳ Ｐゴシック" pitchFamily="-84" charset="-128"/>
+        </a:defRPr>
+      </a:lvl1pPr>
+      <a:lvl2pPr marL="742950" indent="-285750" algn="l" defTabSz="457200" rtl="0" eaLnBrk="0" fontAlgn="base" hangingPunct="0">
+        <a:spcBef>
+          <a:spcPct val="20000"/>
+        </a:spcBef>
+        <a:spcAft>
+          <a:spcPct val="0"/>
+        </a:spcAft>
+        <a:buFont typeface="Arial" pitchFamily="34" charset="0"/>
+        <a:buChar char="–"/>
+        <a:defRPr sz="2800" kern="1200">
+          <a:solidFill>
+            <a:schemeClr val="tx1"/>
+          </a:solidFill>
+          <a:latin typeface="+mn-lt"/>
+          <a:ea typeface="ＭＳ Ｐゴシック" pitchFamily="-84" charset="-128"/>
+          <a:cs typeface="+mn-cs"/>
+        </a:defRPr>
+      </a:lvl2pPr>
+      <a:lvl3pPr marL="1143000" indent="-228600" algn="l" defTabSz="457200" rtl="0" eaLnBrk="0" fontAlgn="base" hangingPunct="0">
+        <a:spcBef>
+          <a:spcPct val="20000"/>
+        </a:spcBef>
+        <a:spcAft>
+          <a:spcPct val="0"/>
+        </a:spcAft>
+        <a:buFont typeface="Arial" pitchFamily="34" charset="0"/>
+        <a:buChar char="•"/>
+        <a:defRPr sz="2400" kern="1200">
+          <a:solidFill>
+            <a:schemeClr val="tx1"/>
+          </a:solidFill>
+          <a:latin typeface="+mn-lt"/>
+          <a:ea typeface="ＭＳ Ｐゴシック" pitchFamily="-84" charset="-128"/>
+          <a:cs typeface="+mn-cs"/>
+        </a:defRPr>
+      </a:lvl3pPr>
+      <a:lvl4pPr marL="1600200" indent="-228600" algn="l" defTabSz="457200" rtl="0" eaLnBrk="0" fontAlgn="base" hangingPunct="0">
+        <a:spcBef>
+          <a:spcPct val="20000"/>
+        </a:spcBef>
+        <a:spcAft>
+          <a:spcPct val="0"/>
+        </a:spcAft>
+        <a:buFont typeface="Arial" pitchFamily="34" charset="0"/>
+        <a:buChar char="–"/>
+        <a:defRPr sz="2000" kern="1200">
+          <a:solidFill>
+            <a:schemeClr val="tx1"/>
+          </a:solidFill>
+          <a:latin typeface="+mn-lt"/>
+          <a:ea typeface="ＭＳ Ｐゴシック" pitchFamily="-84" charset="-128"/>
+          <a:cs typeface="+mn-cs"/>
+        </a:defRPr>
+      </a:lvl4pPr>
+      <a:lvl5pPr marL="2057400" indent="-228600" algn="l" defTabSz="457200" rtl="0" eaLnBrk="0" fontAlgn="base" hangingPunct="0">
+        <a:spcBef>
+          <a:spcPct val="20000"/>
+        </a:spcBef>
+        <a:spcAft>
+          <a:spcPct val="0"/>
+        </a:spcAft>
+        <a:buFont typeface="Arial" pitchFamily="34" charset="0"/>
+        <a:buChar char="»"/>
+        <a:defRPr sz="2000" kern="1200">
+          <a:solidFill>
+            <a:schemeClr val="tx1"/>
+          </a:solidFill>
+          <a:latin typeface="+mn-lt"/>
+          <a:ea typeface="ＭＳ Ｐゴシック" pitchFamily="-84" charset="-128"/>
+          <a:cs typeface="+mn-cs"/>
+        </a:defRPr>
+      </a:lvl5pPr>
+      <a:lvl6pPr marL="2514600" indent="-228600" algn="l" defTabSz="457200" rtl="0" eaLnBrk="1" latinLnBrk="0" hangingPunct="1">
+        <a:spcBef>
+          <a:spcPct val="20000"/>
+        </a:spcBef>
+        <a:buFont typeface="Arial"/>
+        <a:buChar char="•"/>
+        <a:defRPr sz="2000" kern="1200">
+          <a:solidFill>
+            <a:schemeClr val="tx1"/>
+          </a:solidFill>
+          <a:latin typeface="+mn-lt"/>
+          <a:ea typeface="+mn-ea"/>
+          <a:cs typeface="+mn-cs"/>
+        </a:defRPr>
+      </a:lvl6pPr>
+      <a:lvl7pPr marL="2971800" indent="-228600" algn="l" defTabSz="457200" rtl="0" eaLnBrk="1" latinLnBrk="0" hangingPunct="1">
+        <a:spcBef>
+          <a:spcPct val="20000"/>
+        </a:spcBef>
+        <a:buFont typeface="Arial"/>
+        <a:buChar char="•"/>
+        <a:defRPr sz="2000" kern="1200">
+          <a:solidFill>
+            <a:schemeClr val="tx1"/>
+          </a:solidFill>
+          <a:latin typeface="+mn-lt"/>
+          <a:ea typeface="+mn-ea"/>
+          <a:cs typeface="+mn-cs"/>
+        </a:defRPr>
+      </a:lvl7pPr>
+      <a:lvl8pPr marL="3429000" indent="-228600" algn="l" defTabSz="457200" rtl="0" eaLnBrk="1" latinLnBrk="0" hangingPunct="1">
+        <a:spcBef>
+          <a:spcPct val="20000"/>
+        </a:spcBef>
+        <a:buFont typeface="Arial"/>
+        <a:buChar char="•"/>
+        <a:defRPr sz="2000" kern="1200">
+          <a:solidFill>
+            <a:schemeClr val="tx1"/>
+          </a:solidFill>
+          <a:latin typeface="+mn-lt"/>
+          <a:ea typeface="+mn-ea"/>
+          <a:cs typeface="+mn-cs"/>
+        </a:defRPr>
+      </a:lvl8pPr>
+      <a:lvl9pPr marL="3886200" indent="-228600" algn="l" defTabSz="457200" rtl="0" eaLnBrk="1" latinLnBrk="0" hangingPunct="1">
+        <a:spcBef>
+          <a:spcPct val="20000"/>
+        </a:spcBef>
+        <a:buFont typeface="Arial"/>
+        <a:buChar char="•"/>
+        <a:defRPr sz="2000" kern="1200">
+          <a:solidFill>
+            <a:schemeClr val="tx1"/>
+          </a:solidFill>
+          <a:latin typeface="+mn-lt"/>
+          <a:ea typeface="+mn-ea"/>
+          <a:cs typeface="+mn-cs"/>
+        </a:defRPr>
+      </a:lvl9pPr>
+    </p:bodyStyle>
+    <p:otherStyle>
+      <a:defPPr>
+        <a:defRPr lang="en-US"/>
+      </a:defPPr>
+      <a:lvl1pPr marL="0" algn="l" defTabSz="457200" rtl="0" eaLnBrk="1" latinLnBrk="0" hangingPunct="1">
+        <a:defRPr sz="1800" kern="1200">
+          <a:solidFill>
+            <a:schemeClr val="tx1"/>
+          </a:solidFill>
+          <a:latin typeface="+mn-lt"/>
+          <a:ea typeface="+mn-ea"/>
+          <a:cs typeface="+mn-cs"/>
+        </a:defRPr>
+      </a:lvl1pPr>
+      <a:lvl2pPr marL="457200" algn="l" defTabSz="457200" rtl="0" eaLnBrk="1" latinLnBrk="0" hangingPunct="1">
+        <a:defRPr sz="1800" kern="1200">
+          <a:solidFill>
+            <a:schemeClr val="tx1"/>
+          </a:solidFill>
+          <a:latin typeface="+mn-lt"/>
+          <a:ea typeface="+mn-ea"/>
+          <a:cs typeface="+mn-cs"/>
+        </a:defRPr>
+      </a:lvl2pPr>
+      <a:lvl3pPr marL="914400" algn="l" defTabSz="457200" rtl="0" eaLnBrk="1" latinLnBrk="0" hangingPunct="1">
+        <a:defRPr sz="1800" kern="1200">
+          <a:solidFill>
+            <a:schemeClr val="tx1"/>
+          </a:solidFill>
+          <a:latin typeface="+mn-lt"/>
+          <a:ea typeface="+mn-ea"/>
+          <a:cs typeface="+mn-cs"/>
+        </a:defRPr>
+      </a:lvl3pPr>
+      <a:lvl4pPr marL="1371600" algn="l" defTabSz="457200" rtl="0" eaLnBrk="1" latinLnBrk="0" hangingPunct="1">
+        <a:defRPr sz="1800" kern="1200">
+          <a:solidFill>
+            <a:schemeClr val="tx1"/>
+          </a:solidFill>
+          <a:latin typeface="+mn-lt"/>
+          <a:ea typeface="+mn-ea"/>
+          <a:cs typeface="+mn-cs"/>
+        </a:defRPr>
+      </a:lvl4pPr>
+      <a:lvl5pPr marL="1828800" algn="l" defTabSz="457200" rtl="0" eaLnBrk="1" latinLnBrk="0" hangingPunct="1">
+        <a:defRPr sz="1800" kern="1200">
+          <a:solidFill>
+            <a:schemeClr val="tx1"/>
+          </a:solidFill>
+          <a:latin typeface="+mn-lt"/>
+          <a:ea typeface="+mn-ea"/>
+          <a:cs typeface="+mn-cs"/>
+        </a:defRPr>
+      </a:lvl5pPr>
+      <a:lvl6pPr marL="2286000" algn="l" defTabSz="457200" rtl="0" eaLnBrk="1" latinLnBrk="0" hangingPunct="1">
+        <a:defRPr sz="1800" kern="1200">
+          <a:solidFill>
+            <a:schemeClr val="tx1"/>
+          </a:solidFill>
+          <a:latin typeface="+mn-lt"/>
+          <a:ea typeface="+mn-ea"/>
+          <a:cs typeface="+mn-cs"/>
+        </a:defRPr>
+      </a:lvl6pPr>
+      <a:lvl7pPr marL="2743200" algn="l" defTabSz="457200" rtl="0" eaLnBrk="1" latinLnBrk="0" hangingPunct="1">
+        <a:defRPr sz="1800" kern="1200">
+          <a:solidFill>
+            <a:schemeClr val="tx1"/>
+          </a:solidFill>
+          <a:latin typeface="+mn-lt"/>
+          <a:ea typeface="+mn-ea"/>
+          <a:cs typeface="+mn-cs"/>
+        </a:defRPr>
+      </a:lvl7pPr>
+      <a:lvl8pPr marL="3200400" algn="l" defTabSz="457200" rtl="0" eaLnBrk="1" latinLnBrk="0" hangingPunct="1">
+        <a:defRPr sz="1800" kern="1200">
+          <a:solidFill>
+            <a:schemeClr val="tx1"/>
+          </a:solidFill>
+          <a:latin typeface="+mn-lt"/>
+          <a:ea typeface="+mn-ea"/>
+          <a:cs typeface="+mn-cs"/>
+        </a:defRPr>
+      </a:lvl8pPr>
+      <a:lvl9pPr marL="3657600" algn="l" defTabSz="457200" rtl="0" eaLnBrk="1" latinLnBrk="0" hangingPunct="1">
+        <a:defRPr sz="1800" kern="1200">
+          <a:solidFill>
+            <a:schemeClr val="tx1"/>
+          </a:solidFill>
+          <a:latin typeface="+mn-lt"/>
+          <a:ea typeface="+mn-ea"/>
+          <a:cs typeface="+mn-cs"/>
+        </a:defRPr>
+      </a:lvl9pPr>
+    </p:otherStyle>
+  </p:txStyles>
+</p:sldMaster>
+</file>
+
 <file path=ppt/slides/slide1.xml><?xml version="1.0" encoding="utf-8"?>
 <p:sld xmlns:a="http://schemas.openxmlformats.org/drawingml/2006/main" xmlns:r="http://schemas.openxmlformats.org/officeDocument/2006/relationships" xmlns:p="http://schemas.openxmlformats.org/presentationml/2006/main" showMasterSp="0">
   <p:cSld>
@@ -10010,6 +12367,22 @@
           </a:p>
           <a:p>
             <a:pPr algn="l"/>
+            <a:r>
+              <a:rPr lang="en-CA" sz="1800" dirty="0" smtClean="0">
+                <a:solidFill>
+                  <a:schemeClr val="tx1"/>
+                </a:solidFill>
+              </a:rPr>
+              <a:t>a.k.a. Non-Revenue Water Management with District Metering Areas</a:t>
+            </a:r>
+            <a:endParaRPr lang="en-CA" sz="2400" b="1" dirty="0" smtClean="0">
+              <a:solidFill>
+                <a:schemeClr val="tx1"/>
+              </a:solidFill>
+            </a:endParaRPr>
+          </a:p>
+          <a:p>
+            <a:pPr algn="l"/>
             <a:endParaRPr lang="en-CA" sz="2800" b="1" dirty="0">
               <a:solidFill>
                 <a:schemeClr val="tx1"/>
@@ -10034,14 +12407,6 @@
               </a:rPr>
               <a:t>IoT</a:t>
             </a:r>
-            <a:endParaRPr lang="en-CA" sz="2800" dirty="0" smtClean="0">
-              <a:solidFill>
-                <a:schemeClr val="tx1"/>
-              </a:solidFill>
-            </a:endParaRPr>
-          </a:p>
-          <a:p>
-            <a:pPr algn="l"/>
             <a:endParaRPr lang="en-CA" sz="2800" dirty="0">
               <a:solidFill>
                 <a:schemeClr val="tx1"/>
@@ -10051,14 +12416,22 @@
           <a:p>
             <a:pPr algn="l"/>
             <a:r>
-              <a:rPr lang="en-CA" sz="2400" dirty="0" smtClean="0">
+              <a:rPr lang="en-CA" dirty="0" smtClean="0">
                 <a:solidFill>
                   <a:schemeClr val="tx1"/>
                 </a:solidFill>
               </a:rPr>
-              <a:t>Steven Shearer, Brian Fu, Jacky Lee, Robert Yuen</a:t>
-            </a:r>
-            <a:endParaRPr lang="en-CA" sz="2400" dirty="0">
+              <a:t>- Steven </a:t>
+            </a:r>
+            <a:r>
+              <a:rPr lang="en-CA" dirty="0" smtClean="0">
+                <a:solidFill>
+                  <a:schemeClr val="tx1"/>
+                </a:solidFill>
+              </a:rPr>
+              <a:t>Shearer, Brian Fu, Jacky Lee, Robert Yuen</a:t>
+            </a:r>
+            <a:endParaRPr lang="en-CA" dirty="0">
               <a:solidFill>
                 <a:schemeClr val="tx1"/>
               </a:solidFill>
@@ -10386,10 +12759,16 @@
           <a:p>
             <a:r>
               <a:rPr lang="en-CA" dirty="0" smtClean="0"/>
-              <a:t>Recommended sales/implementation approach is to start on North American east coast, and/or Europe.</a:t>
-            </a:r>
-          </a:p>
-          <a:p>
+              <a:t>Recognized as a global issue by the UN, World Bank, &amp; many Water Associations world-wide with some cities’ estimates </a:t>
+            </a:r>
+            <a:r>
+              <a:rPr lang="en-CA" i="1" dirty="0" smtClean="0"/>
+              <a:t>averaging</a:t>
+            </a:r>
+            <a:r>
+              <a:rPr lang="en-CA" dirty="0" smtClean="0"/>
+              <a:t> 30% wastage.</a:t>
+            </a:r>
             <a:endParaRPr lang="en-CA" dirty="0" smtClean="0"/>
           </a:p>
         </p:txBody>
@@ -10474,14 +12853,23 @@
             <p:ph type="title"/>
           </p:nvPr>
         </p:nvSpPr>
-        <p:spPr/>
+        <p:spPr>
+          <a:xfrm>
+            <a:off x="402608" y="284169"/>
+            <a:ext cx="8229600" cy="601374"/>
+          </a:xfrm>
+        </p:spPr>
         <p:txBody>
           <a:bodyPr/>
           <a:lstStyle/>
           <a:p>
             <a:r>
               <a:rPr lang="en-CA" b="1" dirty="0" smtClean="0"/>
-              <a:t>Solution Architecture</a:t>
+              <a:t>Solution </a:t>
+            </a:r>
+            <a:r>
+              <a:rPr lang="en-CA" b="1" dirty="0" smtClean="0"/>
+              <a:t>Approach</a:t>
             </a:r>
             <a:endParaRPr lang="en-CA" b="1" dirty="0"/>
           </a:p>
@@ -10497,76 +12885,44 @@
             <p:ph sz="quarter" idx="10"/>
           </p:nvPr>
         </p:nvSpPr>
-        <p:spPr/>
+        <p:spPr>
+          <a:xfrm>
+            <a:off x="402608" y="1034956"/>
+            <a:ext cx="8686800" cy="1317719"/>
+          </a:xfrm>
+        </p:spPr>
         <p:txBody>
           <a:bodyPr/>
           <a:lstStyle/>
+          <a:p>
+            <a:r>
+              <a:rPr lang="en-CA" dirty="0" smtClean="0"/>
+              <a:t>Measure, Analyze, Repair, Repeat</a:t>
+            </a:r>
+            <a:endParaRPr lang="en-CA" dirty="0" smtClean="0"/>
+          </a:p>
           <a:p>
             <a:pPr marL="457200" indent="-457200">
               <a:buFontTx/>
               <a:buChar char="-"/>
             </a:pPr>
             <a:r>
-              <a:rPr lang="en-CA" dirty="0" smtClean="0"/>
-              <a:t>Municipal </a:t>
-            </a:r>
-            <a:r>
-              <a:rPr lang="en-CA" dirty="0" err="1" smtClean="0"/>
-              <a:t>OpenData</a:t>
-            </a:r>
-            <a:r>
-              <a:rPr lang="en-CA" dirty="0" smtClean="0"/>
-              <a:t> water usage per Property</a:t>
-            </a:r>
-          </a:p>
-          <a:p>
-            <a:pPr marL="457200" indent="-457200">
-              <a:buFontTx/>
-              <a:buChar char="-"/>
-            </a:pPr>
-            <a:r>
-              <a:rPr lang="en-CA" dirty="0" smtClean="0"/>
-              <a:t>New </a:t>
-            </a:r>
-            <a:r>
-              <a:rPr lang="en-CA" dirty="0" err="1" smtClean="0"/>
-              <a:t>IoT</a:t>
-            </a:r>
-            <a:r>
-              <a:rPr lang="en-CA" dirty="0" smtClean="0"/>
-              <a:t> water meters at mid-points</a:t>
-            </a:r>
-          </a:p>
-          <a:p>
-            <a:pPr marL="457200" indent="-457200">
-              <a:buFontTx/>
-              <a:buChar char="-"/>
-            </a:pPr>
-            <a:r>
-              <a:rPr lang="en-CA" dirty="0" err="1" smtClean="0"/>
-              <a:t>tmForum</a:t>
-            </a:r>
-            <a:r>
-              <a:rPr lang="en-CA" dirty="0" smtClean="0"/>
-              <a:t> Trouble Ticket API</a:t>
-            </a:r>
-          </a:p>
-          <a:p>
-            <a:pPr marL="457200" indent="-457200">
-              <a:buFontTx/>
-              <a:buChar char="-"/>
-            </a:pPr>
-            <a:r>
-              <a:rPr lang="en-CA" dirty="0" smtClean="0"/>
-              <a:t>Reporting portal</a:t>
-            </a:r>
-          </a:p>
-          <a:p>
-            <a:pPr marL="457200" indent="-457200">
-              <a:buFontTx/>
-              <a:buChar char="-"/>
-            </a:pPr>
-            <a:endParaRPr lang="en-CA" dirty="0" smtClean="0"/>
+              <a:rPr lang="en-CA" sz="2400" dirty="0"/>
+              <a:t>f</a:t>
+            </a:r>
+            <a:r>
+              <a:rPr lang="en-CA" sz="2400" dirty="0" smtClean="0"/>
+              <a:t>ocus here is 1</a:t>
+            </a:r>
+            <a:r>
+              <a:rPr lang="en-CA" sz="2400" baseline="30000" dirty="0" smtClean="0"/>
+              <a:t>st</a:t>
+            </a:r>
+            <a:r>
+              <a:rPr lang="en-CA" sz="2400" dirty="0" smtClean="0"/>
+              <a:t> 2 steps</a:t>
+            </a:r>
+            <a:endParaRPr lang="en-CA" sz="2400" dirty="0" smtClean="0"/>
           </a:p>
           <a:p>
             <a:endParaRPr lang="en-CA" dirty="0" smtClean="0"/>
@@ -10603,6 +12959,453 @@
               <a:t> -</a:t>
             </a:r>
             <a:endParaRPr lang="en-CA" dirty="0"/>
+          </a:p>
+        </p:txBody>
+      </p:sp>
+      <p:sp>
+        <p:nvSpPr>
+          <p:cNvPr id="5" name="Title 1"/>
+          <p:cNvSpPr txBox="1">
+            <a:spLocks/>
+          </p:cNvSpPr>
+          <p:nvPr/>
+        </p:nvSpPr>
+        <p:spPr>
+          <a:xfrm>
+            <a:off x="402608" y="2590518"/>
+            <a:ext cx="8229600" cy="601374"/>
+          </a:xfrm>
+          <a:prstGeom prst="rect">
+            <a:avLst/>
+          </a:prstGeom>
+        </p:spPr>
+        <p:txBody>
+          <a:bodyPr/>
+          <a:lstStyle>
+            <a:lvl1pPr algn="l" defTabSz="457200" rtl="0" eaLnBrk="0" fontAlgn="base" hangingPunct="0">
+              <a:spcBef>
+                <a:spcPct val="0"/>
+              </a:spcBef>
+              <a:spcAft>
+                <a:spcPct val="0"/>
+              </a:spcAft>
+              <a:defRPr sz="3200" kern="1200">
+                <a:solidFill>
+                  <a:schemeClr val="tx1"/>
+                </a:solidFill>
+                <a:latin typeface="+mj-lt"/>
+                <a:ea typeface="ＭＳ Ｐゴシック" pitchFamily="-84" charset="-128"/>
+                <a:cs typeface="ＭＳ Ｐゴシック" pitchFamily="-84" charset="-128"/>
+              </a:defRPr>
+            </a:lvl1pPr>
+            <a:lvl2pPr algn="ctr" defTabSz="457200" rtl="0" eaLnBrk="0" fontAlgn="base" hangingPunct="0">
+              <a:spcBef>
+                <a:spcPct val="0"/>
+              </a:spcBef>
+              <a:spcAft>
+                <a:spcPct val="0"/>
+              </a:spcAft>
+              <a:defRPr sz="4400">
+                <a:solidFill>
+                  <a:schemeClr val="tx1"/>
+                </a:solidFill>
+                <a:latin typeface="Calibri" pitchFamily="-84" charset="0"/>
+                <a:ea typeface="ＭＳ Ｐゴシック" pitchFamily="-84" charset="-128"/>
+                <a:cs typeface="ＭＳ Ｐゴシック" pitchFamily="-84" charset="-128"/>
+              </a:defRPr>
+            </a:lvl2pPr>
+            <a:lvl3pPr algn="ctr" defTabSz="457200" rtl="0" eaLnBrk="0" fontAlgn="base" hangingPunct="0">
+              <a:spcBef>
+                <a:spcPct val="0"/>
+              </a:spcBef>
+              <a:spcAft>
+                <a:spcPct val="0"/>
+              </a:spcAft>
+              <a:defRPr sz="4400">
+                <a:solidFill>
+                  <a:schemeClr val="tx1"/>
+                </a:solidFill>
+                <a:latin typeface="Calibri" pitchFamily="-84" charset="0"/>
+                <a:ea typeface="ＭＳ Ｐゴシック" pitchFamily="-84" charset="-128"/>
+                <a:cs typeface="ＭＳ Ｐゴシック" pitchFamily="-84" charset="-128"/>
+              </a:defRPr>
+            </a:lvl3pPr>
+            <a:lvl4pPr algn="ctr" defTabSz="457200" rtl="0" eaLnBrk="0" fontAlgn="base" hangingPunct="0">
+              <a:spcBef>
+                <a:spcPct val="0"/>
+              </a:spcBef>
+              <a:spcAft>
+                <a:spcPct val="0"/>
+              </a:spcAft>
+              <a:defRPr sz="4400">
+                <a:solidFill>
+                  <a:schemeClr val="tx1"/>
+                </a:solidFill>
+                <a:latin typeface="Calibri" pitchFamily="-84" charset="0"/>
+                <a:ea typeface="ＭＳ Ｐゴシック" pitchFamily="-84" charset="-128"/>
+                <a:cs typeface="ＭＳ Ｐゴシック" pitchFamily="-84" charset="-128"/>
+              </a:defRPr>
+            </a:lvl4pPr>
+            <a:lvl5pPr algn="ctr" defTabSz="457200" rtl="0" eaLnBrk="0" fontAlgn="base" hangingPunct="0">
+              <a:spcBef>
+                <a:spcPct val="0"/>
+              </a:spcBef>
+              <a:spcAft>
+                <a:spcPct val="0"/>
+              </a:spcAft>
+              <a:defRPr sz="4400">
+                <a:solidFill>
+                  <a:schemeClr val="tx1"/>
+                </a:solidFill>
+                <a:latin typeface="Calibri" pitchFamily="-84" charset="0"/>
+                <a:ea typeface="ＭＳ Ｐゴシック" pitchFamily="-84" charset="-128"/>
+                <a:cs typeface="ＭＳ Ｐゴシック" pitchFamily="-84" charset="-128"/>
+              </a:defRPr>
+            </a:lvl5pPr>
+            <a:lvl6pPr marL="457200" algn="ctr" defTabSz="457200" rtl="0" fontAlgn="base">
+              <a:spcBef>
+                <a:spcPct val="0"/>
+              </a:spcBef>
+              <a:spcAft>
+                <a:spcPct val="0"/>
+              </a:spcAft>
+              <a:defRPr sz="4400">
+                <a:solidFill>
+                  <a:schemeClr val="tx1"/>
+                </a:solidFill>
+                <a:latin typeface="Calibri" pitchFamily="-84" charset="0"/>
+                <a:ea typeface="ＭＳ Ｐゴシック" pitchFamily="-84" charset="-128"/>
+                <a:cs typeface="ＭＳ Ｐゴシック" pitchFamily="-84" charset="-128"/>
+              </a:defRPr>
+            </a:lvl6pPr>
+            <a:lvl7pPr marL="914400" algn="ctr" defTabSz="457200" rtl="0" fontAlgn="base">
+              <a:spcBef>
+                <a:spcPct val="0"/>
+              </a:spcBef>
+              <a:spcAft>
+                <a:spcPct val="0"/>
+              </a:spcAft>
+              <a:defRPr sz="4400">
+                <a:solidFill>
+                  <a:schemeClr val="tx1"/>
+                </a:solidFill>
+                <a:latin typeface="Calibri" pitchFamily="-84" charset="0"/>
+                <a:ea typeface="ＭＳ Ｐゴシック" pitchFamily="-84" charset="-128"/>
+                <a:cs typeface="ＭＳ Ｐゴシック" pitchFamily="-84" charset="-128"/>
+              </a:defRPr>
+            </a:lvl7pPr>
+            <a:lvl8pPr marL="1371600" algn="ctr" defTabSz="457200" rtl="0" fontAlgn="base">
+              <a:spcBef>
+                <a:spcPct val="0"/>
+              </a:spcBef>
+              <a:spcAft>
+                <a:spcPct val="0"/>
+              </a:spcAft>
+              <a:defRPr sz="4400">
+                <a:solidFill>
+                  <a:schemeClr val="tx1"/>
+                </a:solidFill>
+                <a:latin typeface="Calibri" pitchFamily="-84" charset="0"/>
+                <a:ea typeface="ＭＳ Ｐゴシック" pitchFamily="-84" charset="-128"/>
+                <a:cs typeface="ＭＳ Ｐゴシック" pitchFamily="-84" charset="-128"/>
+              </a:defRPr>
+            </a:lvl8pPr>
+            <a:lvl9pPr marL="1828800" algn="ctr" defTabSz="457200" rtl="0" fontAlgn="base">
+              <a:spcBef>
+                <a:spcPct val="0"/>
+              </a:spcBef>
+              <a:spcAft>
+                <a:spcPct val="0"/>
+              </a:spcAft>
+              <a:defRPr sz="4400">
+                <a:solidFill>
+                  <a:schemeClr val="tx1"/>
+                </a:solidFill>
+                <a:latin typeface="Calibri" pitchFamily="-84" charset="0"/>
+                <a:ea typeface="ＭＳ Ｐゴシック" pitchFamily="-84" charset="-128"/>
+                <a:cs typeface="ＭＳ Ｐゴシック" pitchFamily="-84" charset="-128"/>
+              </a:defRPr>
+            </a:lvl9pPr>
+          </a:lstStyle>
+          <a:p>
+            <a:r>
+              <a:rPr lang="en-CA" b="1" dirty="0" smtClean="0"/>
+              <a:t>Solution Architecture</a:t>
+            </a:r>
+            <a:endParaRPr lang="en-CA" b="1" dirty="0"/>
+          </a:p>
+        </p:txBody>
+      </p:sp>
+      <p:sp>
+        <p:nvSpPr>
+          <p:cNvPr id="6" name="Content Placeholder 2"/>
+          <p:cNvSpPr txBox="1">
+            <a:spLocks/>
+          </p:cNvSpPr>
+          <p:nvPr/>
+        </p:nvSpPr>
+        <p:spPr>
+          <a:xfrm>
+            <a:off x="555008" y="3056601"/>
+            <a:ext cx="8686800" cy="2365469"/>
+          </a:xfrm>
+          <a:prstGeom prst="rect">
+            <a:avLst/>
+          </a:prstGeom>
+        </p:spPr>
+        <p:txBody>
+          <a:bodyPr/>
+          <a:lstStyle>
+            <a:lvl1pPr marL="0" marR="0" indent="0" algn="l" defTabSz="457200" rtl="0" eaLnBrk="0" fontAlgn="base" latinLnBrk="0" hangingPunct="0">
+              <a:lnSpc>
+                <a:spcPct val="100000"/>
+              </a:lnSpc>
+              <a:spcBef>
+                <a:spcPct val="20000"/>
+              </a:spcBef>
+              <a:spcAft>
+                <a:spcPct val="0"/>
+              </a:spcAft>
+              <a:buClrTx/>
+              <a:buSzTx/>
+              <a:buFont typeface="Arial" pitchFamily="34" charset="0"/>
+              <a:buNone/>
+              <a:tabLst/>
+              <a:defRPr sz="3200" kern="1200">
+                <a:solidFill>
+                  <a:schemeClr val="tx1"/>
+                </a:solidFill>
+                <a:latin typeface="+mn-lt"/>
+                <a:ea typeface="ＭＳ Ｐゴシック" pitchFamily="-84" charset="-128"/>
+                <a:cs typeface="ＭＳ Ｐゴシック" pitchFamily="-84" charset="-128"/>
+              </a:defRPr>
+            </a:lvl1pPr>
+            <a:lvl2pPr marL="742950" marR="0" indent="-285750" algn="l" defTabSz="457200" rtl="0" eaLnBrk="0" fontAlgn="base" latinLnBrk="0" hangingPunct="0">
+              <a:lnSpc>
+                <a:spcPct val="100000"/>
+              </a:lnSpc>
+              <a:spcBef>
+                <a:spcPct val="20000"/>
+              </a:spcBef>
+              <a:spcAft>
+                <a:spcPct val="0"/>
+              </a:spcAft>
+              <a:buClr>
+                <a:srgbClr val="92D050"/>
+              </a:buClr>
+              <a:buSzTx/>
+              <a:buFont typeface="Wingdings" panose="05000000000000000000" pitchFamily="2" charset="2"/>
+              <a:buChar char="§"/>
+              <a:tabLst/>
+              <a:defRPr sz="2800" kern="1200">
+                <a:solidFill>
+                  <a:schemeClr val="tx1"/>
+                </a:solidFill>
+                <a:latin typeface="+mn-lt"/>
+                <a:ea typeface="ＭＳ Ｐゴシック" pitchFamily="-84" charset="-128"/>
+                <a:cs typeface="+mn-cs"/>
+              </a:defRPr>
+            </a:lvl2pPr>
+            <a:lvl3pPr marL="1143000" marR="0" indent="-228600" algn="l" defTabSz="457200" rtl="0" eaLnBrk="0" fontAlgn="base" latinLnBrk="0" hangingPunct="0">
+              <a:lnSpc>
+                <a:spcPct val="100000"/>
+              </a:lnSpc>
+              <a:spcBef>
+                <a:spcPct val="20000"/>
+              </a:spcBef>
+              <a:spcAft>
+                <a:spcPct val="0"/>
+              </a:spcAft>
+              <a:buClr>
+                <a:srgbClr val="92D050"/>
+              </a:buClr>
+              <a:buSzTx/>
+              <a:buFont typeface="Wingdings" panose="05000000000000000000" pitchFamily="2" charset="2"/>
+              <a:buChar char="§"/>
+              <a:tabLst/>
+              <a:defRPr sz="2400" kern="1200">
+                <a:solidFill>
+                  <a:schemeClr val="tx1"/>
+                </a:solidFill>
+                <a:latin typeface="+mn-lt"/>
+                <a:ea typeface="ＭＳ Ｐゴシック" pitchFamily="-84" charset="-128"/>
+                <a:cs typeface="+mn-cs"/>
+              </a:defRPr>
+            </a:lvl3pPr>
+            <a:lvl4pPr marL="1600200" marR="0" indent="-228600" algn="l" defTabSz="457200" rtl="0" eaLnBrk="0" fontAlgn="base" latinLnBrk="0" hangingPunct="0">
+              <a:lnSpc>
+                <a:spcPct val="100000"/>
+              </a:lnSpc>
+              <a:spcBef>
+                <a:spcPct val="20000"/>
+              </a:spcBef>
+              <a:spcAft>
+                <a:spcPct val="0"/>
+              </a:spcAft>
+              <a:buClr>
+                <a:srgbClr val="92D050"/>
+              </a:buClr>
+              <a:buSzTx/>
+              <a:buFont typeface="Arial" pitchFamily="34" charset="0"/>
+              <a:buChar char="–"/>
+              <a:tabLst/>
+              <a:defRPr sz="2000" kern="1200">
+                <a:solidFill>
+                  <a:schemeClr val="tx1"/>
+                </a:solidFill>
+                <a:latin typeface="+mn-lt"/>
+                <a:ea typeface="ＭＳ Ｐゴシック" pitchFamily="-84" charset="-128"/>
+                <a:cs typeface="+mn-cs"/>
+              </a:defRPr>
+            </a:lvl4pPr>
+            <a:lvl5pPr marL="2057400" indent="-228600" algn="l" defTabSz="457200" rtl="0" eaLnBrk="0" fontAlgn="base" hangingPunct="0">
+              <a:spcBef>
+                <a:spcPct val="20000"/>
+              </a:spcBef>
+              <a:spcAft>
+                <a:spcPct val="0"/>
+              </a:spcAft>
+              <a:buFont typeface="Arial" pitchFamily="34" charset="0"/>
+              <a:buChar char="»"/>
+              <a:defRPr sz="2000" kern="1200">
+                <a:solidFill>
+                  <a:schemeClr val="tx1"/>
+                </a:solidFill>
+                <a:latin typeface="+mn-lt"/>
+                <a:ea typeface="ＭＳ Ｐゴシック" pitchFamily="-84" charset="-128"/>
+                <a:cs typeface="+mn-cs"/>
+              </a:defRPr>
+            </a:lvl5pPr>
+            <a:lvl6pPr marL="2514600" indent="-228600" algn="l" defTabSz="457200" rtl="0" eaLnBrk="1" latinLnBrk="0" hangingPunct="1">
+              <a:spcBef>
+                <a:spcPct val="20000"/>
+              </a:spcBef>
+              <a:buFont typeface="Arial"/>
+              <a:buChar char="•"/>
+              <a:defRPr sz="2000" kern="1200">
+                <a:solidFill>
+                  <a:schemeClr val="tx1"/>
+                </a:solidFill>
+                <a:latin typeface="+mn-lt"/>
+                <a:ea typeface="+mn-ea"/>
+                <a:cs typeface="+mn-cs"/>
+              </a:defRPr>
+            </a:lvl6pPr>
+            <a:lvl7pPr marL="2971800" indent="-228600" algn="l" defTabSz="457200" rtl="0" eaLnBrk="1" latinLnBrk="0" hangingPunct="1">
+              <a:spcBef>
+                <a:spcPct val="20000"/>
+              </a:spcBef>
+              <a:buFont typeface="Arial"/>
+              <a:buChar char="•"/>
+              <a:defRPr sz="2000" kern="1200">
+                <a:solidFill>
+                  <a:schemeClr val="tx1"/>
+                </a:solidFill>
+                <a:latin typeface="+mn-lt"/>
+                <a:ea typeface="+mn-ea"/>
+                <a:cs typeface="+mn-cs"/>
+              </a:defRPr>
+            </a:lvl7pPr>
+            <a:lvl8pPr marL="3429000" indent="-228600" algn="l" defTabSz="457200" rtl="0" eaLnBrk="1" latinLnBrk="0" hangingPunct="1">
+              <a:spcBef>
+                <a:spcPct val="20000"/>
+              </a:spcBef>
+              <a:buFont typeface="Arial"/>
+              <a:buChar char="•"/>
+              <a:defRPr sz="2000" kern="1200">
+                <a:solidFill>
+                  <a:schemeClr val="tx1"/>
+                </a:solidFill>
+                <a:latin typeface="+mn-lt"/>
+                <a:ea typeface="+mn-ea"/>
+                <a:cs typeface="+mn-cs"/>
+              </a:defRPr>
+            </a:lvl8pPr>
+            <a:lvl9pPr marL="3886200" indent="-228600" algn="l" defTabSz="457200" rtl="0" eaLnBrk="1" latinLnBrk="0" hangingPunct="1">
+              <a:spcBef>
+                <a:spcPct val="20000"/>
+              </a:spcBef>
+              <a:buFont typeface="Arial"/>
+              <a:buChar char="•"/>
+              <a:defRPr sz="2000" kern="1200">
+                <a:solidFill>
+                  <a:schemeClr val="tx1"/>
+                </a:solidFill>
+                <a:latin typeface="+mn-lt"/>
+                <a:ea typeface="+mn-ea"/>
+                <a:cs typeface="+mn-cs"/>
+              </a:defRPr>
+            </a:lvl9pPr>
+          </a:lstStyle>
+          <a:p>
+            <a:pPr marL="457200" indent="-457200">
+              <a:buFontTx/>
+              <a:buChar char="-"/>
+            </a:pPr>
+            <a:r>
+              <a:rPr lang="en-CA" dirty="0" smtClean="0"/>
+              <a:t>Municipal </a:t>
+            </a:r>
+            <a:r>
+              <a:rPr lang="en-CA" dirty="0" err="1" smtClean="0"/>
+              <a:t>OpenData</a:t>
+            </a:r>
+            <a:r>
+              <a:rPr lang="en-CA" dirty="0" smtClean="0"/>
+              <a:t> water usage per Property</a:t>
+            </a:r>
+          </a:p>
+          <a:p>
+            <a:pPr marL="457200" indent="-457200">
+              <a:buFontTx/>
+              <a:buChar char="-"/>
+            </a:pPr>
+            <a:r>
+              <a:rPr lang="en-CA" dirty="0" smtClean="0"/>
+              <a:t>New </a:t>
+            </a:r>
+            <a:r>
+              <a:rPr lang="en-CA" dirty="0" err="1" smtClean="0"/>
+              <a:t>IoT</a:t>
+            </a:r>
+            <a:r>
+              <a:rPr lang="en-CA" dirty="0" smtClean="0"/>
+              <a:t> water meters at mid-points</a:t>
+            </a:r>
+          </a:p>
+          <a:p>
+            <a:pPr marL="457200" indent="-457200">
+              <a:buFontTx/>
+              <a:buChar char="-"/>
+            </a:pPr>
+            <a:r>
+              <a:rPr lang="en-CA" dirty="0" err="1" smtClean="0"/>
+              <a:t>tmForum</a:t>
+            </a:r>
+            <a:r>
+              <a:rPr lang="en-CA" dirty="0" smtClean="0"/>
+              <a:t> Trouble Ticket API</a:t>
+            </a:r>
+          </a:p>
+          <a:p>
+            <a:pPr marL="457200" indent="-457200">
+              <a:buFontTx/>
+              <a:buChar char="-"/>
+            </a:pPr>
+            <a:r>
+              <a:rPr lang="en-CA" dirty="0" smtClean="0"/>
+              <a:t>Reporting portal</a:t>
+            </a:r>
+          </a:p>
+          <a:p>
+            <a:pPr marL="457200" indent="-457200">
+              <a:buFontTx/>
+              <a:buChar char="-"/>
+            </a:pPr>
+            <a:endParaRPr lang="en-CA" dirty="0" smtClean="0"/>
+          </a:p>
+          <a:p>
+            <a:endParaRPr lang="en-CA" dirty="0" smtClean="0"/>
           </a:p>
         </p:txBody>
       </p:sp>
@@ -11676,11 +14479,7 @@
           <a:p>
             <a:r>
               <a:rPr lang="en-CA" b="1" dirty="0" smtClean="0"/>
-              <a:t>Sample </a:t>
-            </a:r>
-            <a:r>
-              <a:rPr lang="en-CA" b="1" dirty="0" smtClean="0"/>
-              <a:t>Report 1</a:t>
+              <a:t>Sample Report 1</a:t>
             </a:r>
             <a:endParaRPr lang="en-CA" b="1" dirty="0"/>
           </a:p>
@@ -11822,11 +14621,7 @@
           <a:p>
             <a:r>
               <a:rPr lang="en-CA" b="1" dirty="0" smtClean="0"/>
-              <a:t>Sample </a:t>
-            </a:r>
-            <a:r>
-              <a:rPr lang="en-CA" b="1" dirty="0" smtClean="0"/>
-              <a:t>Report 2</a:t>
+              <a:t>Sample Report 2</a:t>
             </a:r>
             <a:endParaRPr lang="en-CA" b="1" dirty="0"/>
           </a:p>
@@ -11925,6 +14720,886 @@
     <p:extLst>
       <p:ext uri="{BB962C8B-B14F-4D97-AF65-F5344CB8AC3E}">
         <p14:creationId xmlns:p14="http://schemas.microsoft.com/office/powerpoint/2010/main" val="1734169623"/>
+      </p:ext>
+    </p:extLst>
+  </p:cSld>
+  <p:clrMapOvr>
+    <a:masterClrMapping/>
+  </p:clrMapOvr>
+</p:sld>
+</file>
+
+<file path=ppt/slides/slide8.xml><?xml version="1.0" encoding="utf-8"?>
+<p:sld xmlns:a="http://schemas.openxmlformats.org/drawingml/2006/main" xmlns:r="http://schemas.openxmlformats.org/officeDocument/2006/relationships" xmlns:p="http://schemas.openxmlformats.org/presentationml/2006/main" showMasterSp="0">
+  <p:cSld>
+    <p:spTree>
+      <p:nvGrpSpPr>
+        <p:cNvPr id="1" name=""/>
+        <p:cNvGrpSpPr/>
+        <p:nvPr/>
+      </p:nvGrpSpPr>
+      <p:grpSpPr>
+        <a:xfrm>
+          <a:off x="0" y="0"/>
+          <a:ext cx="0" cy="0"/>
+          <a:chOff x="0" y="0"/>
+          <a:chExt cx="0" cy="0"/>
+        </a:xfrm>
+      </p:grpSpPr>
+      <p:sp>
+        <p:nvSpPr>
+          <p:cNvPr id="2" name="Title 1"/>
+          <p:cNvSpPr>
+            <a:spLocks noGrp="1"/>
+          </p:cNvSpPr>
+          <p:nvPr>
+            <p:ph type="title"/>
+          </p:nvPr>
+        </p:nvSpPr>
+        <p:spPr/>
+        <p:txBody>
+          <a:bodyPr/>
+          <a:lstStyle/>
+          <a:p>
+            <a:r>
+              <a:rPr lang="en-CA" b="1" dirty="0" smtClean="0"/>
+              <a:t>Business Challenges</a:t>
+            </a:r>
+            <a:endParaRPr lang="en-CA" b="1" dirty="0"/>
+          </a:p>
+        </p:txBody>
+      </p:sp>
+      <p:sp>
+        <p:nvSpPr>
+          <p:cNvPr id="3" name="Content Placeholder 2"/>
+          <p:cNvSpPr>
+            <a:spLocks noGrp="1"/>
+          </p:cNvSpPr>
+          <p:nvPr>
+            <p:ph sz="quarter" idx="10"/>
+          </p:nvPr>
+        </p:nvSpPr>
+        <p:spPr/>
+        <p:txBody>
+          <a:bodyPr/>
+          <a:lstStyle/>
+          <a:p>
+            <a:pPr marL="457200" indent="-457200">
+              <a:buFontTx/>
+              <a:buChar char="-"/>
+            </a:pPr>
+            <a:endParaRPr lang="en-CA" dirty="0" smtClean="0"/>
+          </a:p>
+          <a:p>
+            <a:endParaRPr lang="en-CA" dirty="0" smtClean="0"/>
+          </a:p>
+        </p:txBody>
+      </p:sp>
+      <p:sp>
+        <p:nvSpPr>
+          <p:cNvPr id="4" name="Slide Number Placeholder 3"/>
+          <p:cNvSpPr>
+            <a:spLocks noGrp="1"/>
+          </p:cNvSpPr>
+          <p:nvPr>
+            <p:ph type="sldNum" sz="quarter" idx="12"/>
+          </p:nvPr>
+        </p:nvSpPr>
+        <p:spPr/>
+        <p:txBody>
+          <a:bodyPr/>
+          <a:lstStyle/>
+          <a:p>
+            <a:pPr algn="ctr"/>
+            <a:r>
+              <a:rPr lang="en-CA" dirty="0" smtClean="0">
+                <a:solidFill>
+                  <a:srgbClr val="FFFFFF">
+                    <a:lumMod val="65000"/>
+                  </a:srgbClr>
+                </a:solidFill>
+              </a:rPr>
+              <a:t>- </a:t>
+            </a:r>
+            <a:fld id="{F93D3C5A-921F-4515-9F35-6261197ACD81}" type="slidenum">
+              <a:rPr lang="en-CA" smtClean="0">
+                <a:solidFill>
+                  <a:srgbClr val="FFFFFF">
+                    <a:lumMod val="65000"/>
+                  </a:srgbClr>
+                </a:solidFill>
+              </a:rPr>
+              <a:pPr algn="ctr"/>
+              <a:t>7</a:t>
+            </a:fld>
+            <a:r>
+              <a:rPr lang="en-CA" dirty="0" smtClean="0">
+                <a:solidFill>
+                  <a:srgbClr val="FFFFFF">
+                    <a:lumMod val="65000"/>
+                  </a:srgbClr>
+                </a:solidFill>
+              </a:rPr>
+              <a:t> -</a:t>
+            </a:r>
+            <a:endParaRPr lang="en-CA" dirty="0">
+              <a:solidFill>
+                <a:srgbClr val="FFFFFF">
+                  <a:lumMod val="65000"/>
+                </a:srgbClr>
+              </a:solidFill>
+            </a:endParaRPr>
+          </a:p>
+        </p:txBody>
+      </p:sp>
+      <p:sp>
+        <p:nvSpPr>
+          <p:cNvPr id="5" name="Content Placeholder 2"/>
+          <p:cNvSpPr txBox="1">
+            <a:spLocks/>
+          </p:cNvSpPr>
+          <p:nvPr/>
+        </p:nvSpPr>
+        <p:spPr>
+          <a:xfrm>
+            <a:off x="555008" y="1187356"/>
+            <a:ext cx="8686800" cy="4287673"/>
+          </a:xfrm>
+          <a:prstGeom prst="rect">
+            <a:avLst/>
+          </a:prstGeom>
+        </p:spPr>
+        <p:txBody>
+          <a:bodyPr/>
+          <a:lstStyle>
+            <a:lvl1pPr marL="0" marR="0" indent="0" algn="l" defTabSz="457200" rtl="0" eaLnBrk="0" fontAlgn="base" latinLnBrk="0" hangingPunct="0">
+              <a:lnSpc>
+                <a:spcPct val="100000"/>
+              </a:lnSpc>
+              <a:spcBef>
+                <a:spcPct val="20000"/>
+              </a:spcBef>
+              <a:spcAft>
+                <a:spcPct val="0"/>
+              </a:spcAft>
+              <a:buClrTx/>
+              <a:buSzTx/>
+              <a:buFont typeface="Arial" pitchFamily="34" charset="0"/>
+              <a:buNone/>
+              <a:tabLst/>
+              <a:defRPr sz="3200" kern="1200">
+                <a:solidFill>
+                  <a:schemeClr val="tx1"/>
+                </a:solidFill>
+                <a:latin typeface="+mn-lt"/>
+                <a:ea typeface="ＭＳ Ｐゴシック" pitchFamily="-84" charset="-128"/>
+                <a:cs typeface="ＭＳ Ｐゴシック" pitchFamily="-84" charset="-128"/>
+              </a:defRPr>
+            </a:lvl1pPr>
+            <a:lvl2pPr marL="742950" marR="0" indent="-285750" algn="l" defTabSz="457200" rtl="0" eaLnBrk="0" fontAlgn="base" latinLnBrk="0" hangingPunct="0">
+              <a:lnSpc>
+                <a:spcPct val="100000"/>
+              </a:lnSpc>
+              <a:spcBef>
+                <a:spcPct val="20000"/>
+              </a:spcBef>
+              <a:spcAft>
+                <a:spcPct val="0"/>
+              </a:spcAft>
+              <a:buClr>
+                <a:srgbClr val="92D050"/>
+              </a:buClr>
+              <a:buSzTx/>
+              <a:buFont typeface="Wingdings" panose="05000000000000000000" pitchFamily="2" charset="2"/>
+              <a:buChar char="§"/>
+              <a:tabLst/>
+              <a:defRPr sz="2800" kern="1200">
+                <a:solidFill>
+                  <a:schemeClr val="tx1"/>
+                </a:solidFill>
+                <a:latin typeface="+mn-lt"/>
+                <a:ea typeface="ＭＳ Ｐゴシック" pitchFamily="-84" charset="-128"/>
+                <a:cs typeface="+mn-cs"/>
+              </a:defRPr>
+            </a:lvl2pPr>
+            <a:lvl3pPr marL="1143000" marR="0" indent="-228600" algn="l" defTabSz="457200" rtl="0" eaLnBrk="0" fontAlgn="base" latinLnBrk="0" hangingPunct="0">
+              <a:lnSpc>
+                <a:spcPct val="100000"/>
+              </a:lnSpc>
+              <a:spcBef>
+                <a:spcPct val="20000"/>
+              </a:spcBef>
+              <a:spcAft>
+                <a:spcPct val="0"/>
+              </a:spcAft>
+              <a:buClr>
+                <a:srgbClr val="92D050"/>
+              </a:buClr>
+              <a:buSzTx/>
+              <a:buFont typeface="Wingdings" panose="05000000000000000000" pitchFamily="2" charset="2"/>
+              <a:buChar char="§"/>
+              <a:tabLst/>
+              <a:defRPr sz="2400" kern="1200">
+                <a:solidFill>
+                  <a:schemeClr val="tx1"/>
+                </a:solidFill>
+                <a:latin typeface="+mn-lt"/>
+                <a:ea typeface="ＭＳ Ｐゴシック" pitchFamily="-84" charset="-128"/>
+                <a:cs typeface="+mn-cs"/>
+              </a:defRPr>
+            </a:lvl3pPr>
+            <a:lvl4pPr marL="1600200" marR="0" indent="-228600" algn="l" defTabSz="457200" rtl="0" eaLnBrk="0" fontAlgn="base" latinLnBrk="0" hangingPunct="0">
+              <a:lnSpc>
+                <a:spcPct val="100000"/>
+              </a:lnSpc>
+              <a:spcBef>
+                <a:spcPct val="20000"/>
+              </a:spcBef>
+              <a:spcAft>
+                <a:spcPct val="0"/>
+              </a:spcAft>
+              <a:buClr>
+                <a:srgbClr val="92D050"/>
+              </a:buClr>
+              <a:buSzTx/>
+              <a:buFont typeface="Arial" pitchFamily="34" charset="0"/>
+              <a:buChar char="–"/>
+              <a:tabLst/>
+              <a:defRPr sz="2000" kern="1200">
+                <a:solidFill>
+                  <a:schemeClr val="tx1"/>
+                </a:solidFill>
+                <a:latin typeface="+mn-lt"/>
+                <a:ea typeface="ＭＳ Ｐゴシック" pitchFamily="-84" charset="-128"/>
+                <a:cs typeface="+mn-cs"/>
+              </a:defRPr>
+            </a:lvl4pPr>
+            <a:lvl5pPr marL="2057400" indent="-228600" algn="l" defTabSz="457200" rtl="0" eaLnBrk="0" fontAlgn="base" hangingPunct="0">
+              <a:spcBef>
+                <a:spcPct val="20000"/>
+              </a:spcBef>
+              <a:spcAft>
+                <a:spcPct val="0"/>
+              </a:spcAft>
+              <a:buFont typeface="Arial" pitchFamily="34" charset="0"/>
+              <a:buChar char="»"/>
+              <a:defRPr sz="2000" kern="1200">
+                <a:solidFill>
+                  <a:schemeClr val="tx1"/>
+                </a:solidFill>
+                <a:latin typeface="+mn-lt"/>
+                <a:ea typeface="ＭＳ Ｐゴシック" pitchFamily="-84" charset="-128"/>
+                <a:cs typeface="+mn-cs"/>
+              </a:defRPr>
+            </a:lvl5pPr>
+            <a:lvl6pPr marL="2514600" indent="-228600" algn="l" defTabSz="457200" rtl="0" eaLnBrk="1" latinLnBrk="0" hangingPunct="1">
+              <a:spcBef>
+                <a:spcPct val="20000"/>
+              </a:spcBef>
+              <a:buFont typeface="Arial"/>
+              <a:buChar char="•"/>
+              <a:defRPr sz="2000" kern="1200">
+                <a:solidFill>
+                  <a:schemeClr val="tx1"/>
+                </a:solidFill>
+                <a:latin typeface="+mn-lt"/>
+                <a:ea typeface="+mn-ea"/>
+                <a:cs typeface="+mn-cs"/>
+              </a:defRPr>
+            </a:lvl6pPr>
+            <a:lvl7pPr marL="2971800" indent="-228600" algn="l" defTabSz="457200" rtl="0" eaLnBrk="1" latinLnBrk="0" hangingPunct="1">
+              <a:spcBef>
+                <a:spcPct val="20000"/>
+              </a:spcBef>
+              <a:buFont typeface="Arial"/>
+              <a:buChar char="•"/>
+              <a:defRPr sz="2000" kern="1200">
+                <a:solidFill>
+                  <a:schemeClr val="tx1"/>
+                </a:solidFill>
+                <a:latin typeface="+mn-lt"/>
+                <a:ea typeface="+mn-ea"/>
+                <a:cs typeface="+mn-cs"/>
+              </a:defRPr>
+            </a:lvl7pPr>
+            <a:lvl8pPr marL="3429000" indent="-228600" algn="l" defTabSz="457200" rtl="0" eaLnBrk="1" latinLnBrk="0" hangingPunct="1">
+              <a:spcBef>
+                <a:spcPct val="20000"/>
+              </a:spcBef>
+              <a:buFont typeface="Arial"/>
+              <a:buChar char="•"/>
+              <a:defRPr sz="2000" kern="1200">
+                <a:solidFill>
+                  <a:schemeClr val="tx1"/>
+                </a:solidFill>
+                <a:latin typeface="+mn-lt"/>
+                <a:ea typeface="+mn-ea"/>
+                <a:cs typeface="+mn-cs"/>
+              </a:defRPr>
+            </a:lvl8pPr>
+            <a:lvl9pPr marL="3886200" indent="-228600" algn="l" defTabSz="457200" rtl="0" eaLnBrk="1" latinLnBrk="0" hangingPunct="1">
+              <a:spcBef>
+                <a:spcPct val="20000"/>
+              </a:spcBef>
+              <a:buFont typeface="Arial"/>
+              <a:buChar char="•"/>
+              <a:defRPr sz="2000" kern="1200">
+                <a:solidFill>
+                  <a:schemeClr val="tx1"/>
+                </a:solidFill>
+                <a:latin typeface="+mn-lt"/>
+                <a:ea typeface="+mn-ea"/>
+                <a:cs typeface="+mn-cs"/>
+              </a:defRPr>
+            </a:lvl9pPr>
+          </a:lstStyle>
+          <a:p>
+            <a:r>
+              <a:rPr lang="en-CA" dirty="0" smtClean="0">
+                <a:solidFill>
+                  <a:srgbClr val="49166D"/>
+                </a:solidFill>
+              </a:rPr>
+              <a:t>According to World Bank, Dec 2006, many </a:t>
+            </a:r>
+            <a:r>
+              <a:rPr lang="en-CA" dirty="0">
+                <a:solidFill>
+                  <a:srgbClr val="49166D"/>
+                </a:solidFill>
+              </a:rPr>
+              <a:t>public water utilities </a:t>
+            </a:r>
+            <a:r>
+              <a:rPr lang="en-CA" dirty="0" smtClean="0">
+                <a:solidFill>
+                  <a:srgbClr val="49166D"/>
+                </a:solidFill>
+              </a:rPr>
+              <a:t>suffer from:</a:t>
+            </a:r>
+          </a:p>
+          <a:p>
+            <a:pPr marL="457200" indent="-457200">
+              <a:buFontTx/>
+              <a:buChar char="-"/>
+            </a:pPr>
+            <a:r>
+              <a:rPr lang="en-CA" sz="2800" dirty="0" smtClean="0">
+                <a:solidFill>
+                  <a:srgbClr val="49166D"/>
+                </a:solidFill>
+              </a:rPr>
+              <a:t>Weak governance, financial framework, staffing skills</a:t>
+            </a:r>
+          </a:p>
+          <a:p>
+            <a:pPr marL="457200" indent="-457200">
+              <a:buFontTx/>
+              <a:buChar char="-"/>
+            </a:pPr>
+            <a:r>
+              <a:rPr lang="en-CA" sz="2800" dirty="0" smtClean="0">
+                <a:solidFill>
+                  <a:srgbClr val="49166D"/>
+                </a:solidFill>
+              </a:rPr>
+              <a:t>Political &amp; economic constraints</a:t>
+            </a:r>
+          </a:p>
+          <a:p>
+            <a:pPr marL="457200" indent="-457200">
+              <a:buFontTx/>
+              <a:buChar char="-"/>
+            </a:pPr>
+            <a:r>
+              <a:rPr lang="en-CA" sz="2800" dirty="0" smtClean="0">
+                <a:solidFill>
+                  <a:srgbClr val="49166D"/>
+                </a:solidFill>
+              </a:rPr>
+              <a:t>Deteriorating infrastructure</a:t>
+            </a:r>
+          </a:p>
+          <a:p>
+            <a:pPr marL="457200" indent="-457200">
+              <a:buFontTx/>
+              <a:buChar char="-"/>
+            </a:pPr>
+            <a:endParaRPr lang="en-CA" sz="2800" dirty="0" smtClean="0">
+              <a:solidFill>
+                <a:srgbClr val="49166D"/>
+              </a:solidFill>
+            </a:endParaRPr>
+          </a:p>
+          <a:p>
+            <a:r>
+              <a:rPr lang="en-CA" dirty="0" smtClean="0">
+                <a:solidFill>
+                  <a:srgbClr val="49166D"/>
+                </a:solidFill>
+              </a:rPr>
+              <a:t>Recommendation:</a:t>
+            </a:r>
+          </a:p>
+          <a:p>
+            <a:r>
+              <a:rPr lang="en-CA" sz="2800" dirty="0" smtClean="0">
+                <a:solidFill>
+                  <a:srgbClr val="49166D"/>
+                </a:solidFill>
+              </a:rPr>
+              <a:t>-	Performance-based public-private partnerships (PPP)</a:t>
+            </a:r>
+            <a:endParaRPr lang="en-CA" sz="2800" dirty="0" smtClean="0">
+              <a:solidFill>
+                <a:srgbClr val="49166D"/>
+              </a:solidFill>
+            </a:endParaRPr>
+          </a:p>
+        </p:txBody>
+      </p:sp>
+    </p:spTree>
+    <p:extLst>
+      <p:ext uri="{BB962C8B-B14F-4D97-AF65-F5344CB8AC3E}">
+        <p14:creationId xmlns:p14="http://schemas.microsoft.com/office/powerpoint/2010/main" val="490219252"/>
+      </p:ext>
+    </p:extLst>
+  </p:cSld>
+  <p:clrMapOvr>
+    <a:masterClrMapping/>
+  </p:clrMapOvr>
+</p:sld>
+</file>
+
+<file path=ppt/slides/slide9.xml><?xml version="1.0" encoding="utf-8"?>
+<p:sld xmlns:a="http://schemas.openxmlformats.org/drawingml/2006/main" xmlns:r="http://schemas.openxmlformats.org/officeDocument/2006/relationships" xmlns:p="http://schemas.openxmlformats.org/presentationml/2006/main" showMasterSp="0">
+  <p:cSld>
+    <p:spTree>
+      <p:nvGrpSpPr>
+        <p:cNvPr id="1" name=""/>
+        <p:cNvGrpSpPr/>
+        <p:nvPr/>
+      </p:nvGrpSpPr>
+      <p:grpSpPr>
+        <a:xfrm>
+          <a:off x="0" y="0"/>
+          <a:ext cx="0" cy="0"/>
+          <a:chOff x="0" y="0"/>
+          <a:chExt cx="0" cy="0"/>
+        </a:xfrm>
+      </p:grpSpPr>
+      <p:sp>
+        <p:nvSpPr>
+          <p:cNvPr id="2" name="Title 1"/>
+          <p:cNvSpPr>
+            <a:spLocks noGrp="1"/>
+          </p:cNvSpPr>
+          <p:nvPr>
+            <p:ph type="title"/>
+          </p:nvPr>
+        </p:nvSpPr>
+        <p:spPr/>
+        <p:txBody>
+          <a:bodyPr/>
+          <a:lstStyle/>
+          <a:p>
+            <a:r>
+              <a:rPr lang="en-CA" b="1" dirty="0" smtClean="0"/>
+              <a:t>Business Challenges</a:t>
+            </a:r>
+            <a:endParaRPr lang="en-CA" b="1" dirty="0"/>
+          </a:p>
+        </p:txBody>
+      </p:sp>
+      <p:sp>
+        <p:nvSpPr>
+          <p:cNvPr id="3" name="Content Placeholder 2"/>
+          <p:cNvSpPr>
+            <a:spLocks noGrp="1"/>
+          </p:cNvSpPr>
+          <p:nvPr>
+            <p:ph sz="quarter" idx="10"/>
+          </p:nvPr>
+        </p:nvSpPr>
+        <p:spPr/>
+        <p:txBody>
+          <a:bodyPr/>
+          <a:lstStyle/>
+          <a:p>
+            <a:pPr marL="457200" indent="-457200">
+              <a:buFontTx/>
+              <a:buChar char="-"/>
+            </a:pPr>
+            <a:endParaRPr lang="en-CA" dirty="0" smtClean="0"/>
+          </a:p>
+          <a:p>
+            <a:endParaRPr lang="en-CA" dirty="0" smtClean="0"/>
+          </a:p>
+        </p:txBody>
+      </p:sp>
+      <p:sp>
+        <p:nvSpPr>
+          <p:cNvPr id="4" name="Slide Number Placeholder 3"/>
+          <p:cNvSpPr>
+            <a:spLocks noGrp="1"/>
+          </p:cNvSpPr>
+          <p:nvPr>
+            <p:ph type="sldNum" sz="quarter" idx="12"/>
+          </p:nvPr>
+        </p:nvSpPr>
+        <p:spPr/>
+        <p:txBody>
+          <a:bodyPr/>
+          <a:lstStyle/>
+          <a:p>
+            <a:pPr algn="ctr"/>
+            <a:r>
+              <a:rPr lang="en-CA" dirty="0" smtClean="0">
+                <a:solidFill>
+                  <a:srgbClr val="FFFFFF">
+                    <a:lumMod val="65000"/>
+                  </a:srgbClr>
+                </a:solidFill>
+              </a:rPr>
+              <a:t>- </a:t>
+            </a:r>
+            <a:fld id="{F93D3C5A-921F-4515-9F35-6261197ACD81}" type="slidenum">
+              <a:rPr lang="en-CA" smtClean="0">
+                <a:solidFill>
+                  <a:srgbClr val="FFFFFF">
+                    <a:lumMod val="65000"/>
+                  </a:srgbClr>
+                </a:solidFill>
+              </a:rPr>
+              <a:pPr algn="ctr"/>
+              <a:t>8</a:t>
+            </a:fld>
+            <a:r>
+              <a:rPr lang="en-CA" dirty="0" smtClean="0">
+                <a:solidFill>
+                  <a:srgbClr val="FFFFFF">
+                    <a:lumMod val="65000"/>
+                  </a:srgbClr>
+                </a:solidFill>
+              </a:rPr>
+              <a:t> -</a:t>
+            </a:r>
+            <a:endParaRPr lang="en-CA" dirty="0">
+              <a:solidFill>
+                <a:srgbClr val="FFFFFF">
+                  <a:lumMod val="65000"/>
+                </a:srgbClr>
+              </a:solidFill>
+            </a:endParaRPr>
+          </a:p>
+        </p:txBody>
+      </p:sp>
+      <p:sp>
+        <p:nvSpPr>
+          <p:cNvPr id="5" name="Content Placeholder 2"/>
+          <p:cNvSpPr txBox="1">
+            <a:spLocks/>
+          </p:cNvSpPr>
+          <p:nvPr/>
+        </p:nvSpPr>
+        <p:spPr>
+          <a:xfrm>
+            <a:off x="555008" y="1187356"/>
+            <a:ext cx="8686800" cy="4287673"/>
+          </a:xfrm>
+          <a:prstGeom prst="rect">
+            <a:avLst/>
+          </a:prstGeom>
+        </p:spPr>
+        <p:txBody>
+          <a:bodyPr/>
+          <a:lstStyle>
+            <a:lvl1pPr marL="0" marR="0" indent="0" algn="l" defTabSz="457200" rtl="0" eaLnBrk="0" fontAlgn="base" latinLnBrk="0" hangingPunct="0">
+              <a:lnSpc>
+                <a:spcPct val="100000"/>
+              </a:lnSpc>
+              <a:spcBef>
+                <a:spcPct val="20000"/>
+              </a:spcBef>
+              <a:spcAft>
+                <a:spcPct val="0"/>
+              </a:spcAft>
+              <a:buClrTx/>
+              <a:buSzTx/>
+              <a:buFont typeface="Arial" pitchFamily="34" charset="0"/>
+              <a:buNone/>
+              <a:tabLst/>
+              <a:defRPr sz="3200" kern="1200">
+                <a:solidFill>
+                  <a:schemeClr val="tx1"/>
+                </a:solidFill>
+                <a:latin typeface="+mn-lt"/>
+                <a:ea typeface="ＭＳ Ｐゴシック" pitchFamily="-84" charset="-128"/>
+                <a:cs typeface="ＭＳ Ｐゴシック" pitchFamily="-84" charset="-128"/>
+              </a:defRPr>
+            </a:lvl1pPr>
+            <a:lvl2pPr marL="742950" marR="0" indent="-285750" algn="l" defTabSz="457200" rtl="0" eaLnBrk="0" fontAlgn="base" latinLnBrk="0" hangingPunct="0">
+              <a:lnSpc>
+                <a:spcPct val="100000"/>
+              </a:lnSpc>
+              <a:spcBef>
+                <a:spcPct val="20000"/>
+              </a:spcBef>
+              <a:spcAft>
+                <a:spcPct val="0"/>
+              </a:spcAft>
+              <a:buClr>
+                <a:srgbClr val="92D050"/>
+              </a:buClr>
+              <a:buSzTx/>
+              <a:buFont typeface="Wingdings" panose="05000000000000000000" pitchFamily="2" charset="2"/>
+              <a:buChar char="§"/>
+              <a:tabLst/>
+              <a:defRPr sz="2800" kern="1200">
+                <a:solidFill>
+                  <a:schemeClr val="tx1"/>
+                </a:solidFill>
+                <a:latin typeface="+mn-lt"/>
+                <a:ea typeface="ＭＳ Ｐゴシック" pitchFamily="-84" charset="-128"/>
+                <a:cs typeface="+mn-cs"/>
+              </a:defRPr>
+            </a:lvl2pPr>
+            <a:lvl3pPr marL="1143000" marR="0" indent="-228600" algn="l" defTabSz="457200" rtl="0" eaLnBrk="0" fontAlgn="base" latinLnBrk="0" hangingPunct="0">
+              <a:lnSpc>
+                <a:spcPct val="100000"/>
+              </a:lnSpc>
+              <a:spcBef>
+                <a:spcPct val="20000"/>
+              </a:spcBef>
+              <a:spcAft>
+                <a:spcPct val="0"/>
+              </a:spcAft>
+              <a:buClr>
+                <a:srgbClr val="92D050"/>
+              </a:buClr>
+              <a:buSzTx/>
+              <a:buFont typeface="Wingdings" panose="05000000000000000000" pitchFamily="2" charset="2"/>
+              <a:buChar char="§"/>
+              <a:tabLst/>
+              <a:defRPr sz="2400" kern="1200">
+                <a:solidFill>
+                  <a:schemeClr val="tx1"/>
+                </a:solidFill>
+                <a:latin typeface="+mn-lt"/>
+                <a:ea typeface="ＭＳ Ｐゴシック" pitchFamily="-84" charset="-128"/>
+                <a:cs typeface="+mn-cs"/>
+              </a:defRPr>
+            </a:lvl3pPr>
+            <a:lvl4pPr marL="1600200" marR="0" indent="-228600" algn="l" defTabSz="457200" rtl="0" eaLnBrk="0" fontAlgn="base" latinLnBrk="0" hangingPunct="0">
+              <a:lnSpc>
+                <a:spcPct val="100000"/>
+              </a:lnSpc>
+              <a:spcBef>
+                <a:spcPct val="20000"/>
+              </a:spcBef>
+              <a:spcAft>
+                <a:spcPct val="0"/>
+              </a:spcAft>
+              <a:buClr>
+                <a:srgbClr val="92D050"/>
+              </a:buClr>
+              <a:buSzTx/>
+              <a:buFont typeface="Arial" pitchFamily="34" charset="0"/>
+              <a:buChar char="–"/>
+              <a:tabLst/>
+              <a:defRPr sz="2000" kern="1200">
+                <a:solidFill>
+                  <a:schemeClr val="tx1"/>
+                </a:solidFill>
+                <a:latin typeface="+mn-lt"/>
+                <a:ea typeface="ＭＳ Ｐゴシック" pitchFamily="-84" charset="-128"/>
+                <a:cs typeface="+mn-cs"/>
+              </a:defRPr>
+            </a:lvl4pPr>
+            <a:lvl5pPr marL="2057400" indent="-228600" algn="l" defTabSz="457200" rtl="0" eaLnBrk="0" fontAlgn="base" hangingPunct="0">
+              <a:spcBef>
+                <a:spcPct val="20000"/>
+              </a:spcBef>
+              <a:spcAft>
+                <a:spcPct val="0"/>
+              </a:spcAft>
+              <a:buFont typeface="Arial" pitchFamily="34" charset="0"/>
+              <a:buChar char="»"/>
+              <a:defRPr sz="2000" kern="1200">
+                <a:solidFill>
+                  <a:schemeClr val="tx1"/>
+                </a:solidFill>
+                <a:latin typeface="+mn-lt"/>
+                <a:ea typeface="ＭＳ Ｐゴシック" pitchFamily="-84" charset="-128"/>
+                <a:cs typeface="+mn-cs"/>
+              </a:defRPr>
+            </a:lvl5pPr>
+            <a:lvl6pPr marL="2514600" indent="-228600" algn="l" defTabSz="457200" rtl="0" eaLnBrk="1" latinLnBrk="0" hangingPunct="1">
+              <a:spcBef>
+                <a:spcPct val="20000"/>
+              </a:spcBef>
+              <a:buFont typeface="Arial"/>
+              <a:buChar char="•"/>
+              <a:defRPr sz="2000" kern="1200">
+                <a:solidFill>
+                  <a:schemeClr val="tx1"/>
+                </a:solidFill>
+                <a:latin typeface="+mn-lt"/>
+                <a:ea typeface="+mn-ea"/>
+                <a:cs typeface="+mn-cs"/>
+              </a:defRPr>
+            </a:lvl6pPr>
+            <a:lvl7pPr marL="2971800" indent="-228600" algn="l" defTabSz="457200" rtl="0" eaLnBrk="1" latinLnBrk="0" hangingPunct="1">
+              <a:spcBef>
+                <a:spcPct val="20000"/>
+              </a:spcBef>
+              <a:buFont typeface="Arial"/>
+              <a:buChar char="•"/>
+              <a:defRPr sz="2000" kern="1200">
+                <a:solidFill>
+                  <a:schemeClr val="tx1"/>
+                </a:solidFill>
+                <a:latin typeface="+mn-lt"/>
+                <a:ea typeface="+mn-ea"/>
+                <a:cs typeface="+mn-cs"/>
+              </a:defRPr>
+            </a:lvl7pPr>
+            <a:lvl8pPr marL="3429000" indent="-228600" algn="l" defTabSz="457200" rtl="0" eaLnBrk="1" latinLnBrk="0" hangingPunct="1">
+              <a:spcBef>
+                <a:spcPct val="20000"/>
+              </a:spcBef>
+              <a:buFont typeface="Arial"/>
+              <a:buChar char="•"/>
+              <a:defRPr sz="2000" kern="1200">
+                <a:solidFill>
+                  <a:schemeClr val="tx1"/>
+                </a:solidFill>
+                <a:latin typeface="+mn-lt"/>
+                <a:ea typeface="+mn-ea"/>
+                <a:cs typeface="+mn-cs"/>
+              </a:defRPr>
+            </a:lvl8pPr>
+            <a:lvl9pPr marL="3886200" indent="-228600" algn="l" defTabSz="457200" rtl="0" eaLnBrk="1" latinLnBrk="0" hangingPunct="1">
+              <a:spcBef>
+                <a:spcPct val="20000"/>
+              </a:spcBef>
+              <a:buFont typeface="Arial"/>
+              <a:buChar char="•"/>
+              <a:defRPr sz="2000" kern="1200">
+                <a:solidFill>
+                  <a:schemeClr val="tx1"/>
+                </a:solidFill>
+                <a:latin typeface="+mn-lt"/>
+                <a:ea typeface="+mn-ea"/>
+                <a:cs typeface="+mn-cs"/>
+              </a:defRPr>
+            </a:lvl9pPr>
+          </a:lstStyle>
+          <a:p>
+            <a:r>
+              <a:rPr lang="en-CA" dirty="0" smtClean="0">
+                <a:solidFill>
+                  <a:srgbClr val="49166D"/>
+                </a:solidFill>
+              </a:rPr>
+              <a:t>According to Asian Development Bank, 2010, underestimation of:</a:t>
+            </a:r>
+            <a:endParaRPr lang="en-CA" sz="2800" dirty="0" smtClean="0">
+              <a:solidFill>
+                <a:srgbClr val="49166D"/>
+              </a:solidFill>
+            </a:endParaRPr>
+          </a:p>
+          <a:p>
+            <a:pPr marL="457200" indent="-457200">
+              <a:buFontTx/>
+              <a:buChar char="-"/>
+            </a:pPr>
+            <a:r>
+              <a:rPr lang="en-CA" sz="2800" dirty="0" smtClean="0">
+                <a:solidFill>
+                  <a:srgbClr val="49166D"/>
+                </a:solidFill>
+              </a:rPr>
+              <a:t>technical difficulties, </a:t>
+            </a:r>
+          </a:p>
+          <a:p>
+            <a:pPr marL="457200" indent="-457200">
+              <a:buFontTx/>
+              <a:buChar char="-"/>
+            </a:pPr>
+            <a:r>
+              <a:rPr lang="en-CA" sz="2800" dirty="0" smtClean="0">
+                <a:solidFill>
+                  <a:srgbClr val="49166D"/>
+                </a:solidFill>
+              </a:rPr>
+              <a:t>complexity of NRW management, </a:t>
+            </a:r>
+          </a:p>
+          <a:p>
+            <a:pPr marL="457200" indent="-457200">
+              <a:buFontTx/>
+              <a:buChar char="-"/>
+            </a:pPr>
+            <a:r>
+              <a:rPr lang="en-CA" sz="2800" dirty="0" smtClean="0">
+                <a:solidFill>
+                  <a:srgbClr val="49166D"/>
+                </a:solidFill>
+              </a:rPr>
+              <a:t>potential benefits of action.</a:t>
+            </a:r>
+            <a:endParaRPr lang="en-CA" sz="2800" dirty="0">
+              <a:solidFill>
+                <a:srgbClr val="49166D"/>
+              </a:solidFill>
+            </a:endParaRPr>
+          </a:p>
+          <a:p>
+            <a:pPr marL="457200" indent="-457200">
+              <a:buFontTx/>
+              <a:buChar char="-"/>
+            </a:pPr>
+            <a:endParaRPr lang="en-CA" sz="2800" dirty="0" smtClean="0">
+              <a:solidFill>
+                <a:srgbClr val="49166D"/>
+              </a:solidFill>
+            </a:endParaRPr>
+          </a:p>
+          <a:p>
+            <a:r>
+              <a:rPr lang="en-CA" dirty="0" smtClean="0">
+                <a:solidFill>
+                  <a:srgbClr val="49166D"/>
+                </a:solidFill>
+              </a:rPr>
+              <a:t>Recommendation:</a:t>
+            </a:r>
+          </a:p>
+          <a:p>
+            <a:r>
+              <a:rPr lang="en-CA" sz="2800" dirty="0" smtClean="0">
+                <a:solidFill>
+                  <a:srgbClr val="49166D"/>
+                </a:solidFill>
+              </a:rPr>
+              <a:t>-	Performance-based public-private partnerships (PPP)</a:t>
+            </a:r>
+            <a:endParaRPr lang="en-CA" sz="2800" dirty="0" smtClean="0">
+              <a:solidFill>
+                <a:srgbClr val="49166D"/>
+              </a:solidFill>
+            </a:endParaRPr>
+          </a:p>
+        </p:txBody>
+      </p:sp>
+    </p:spTree>
+    <p:extLst>
+      <p:ext uri="{BB962C8B-B14F-4D97-AF65-F5344CB8AC3E}">
+        <p14:creationId xmlns:p14="http://schemas.microsoft.com/office/powerpoint/2010/main" val="2717458560"/>
       </p:ext>
     </p:extLst>
   </p:cSld>
@@ -13096,44 +16771,44 @@
 </file>
 
 <file path=ppt/theme/theme3.xml><?xml version="1.0" encoding="utf-8"?>
-<a:theme xmlns:a="http://schemas.openxmlformats.org/drawingml/2006/main" name="Office Theme">
+<a:theme xmlns:a="http://schemas.openxmlformats.org/drawingml/2006/main" name="1_Office Theme">
   <a:themeElements>
-    <a:clrScheme name="Office">
+    <a:clrScheme name="Custom 1">
       <a:dk1>
-        <a:sysClr val="windowText" lastClr="000000"/>
+        <a:srgbClr val="49166D"/>
       </a:dk1>
       <a:lt1>
-        <a:sysClr val="window" lastClr="FFFFFF"/>
+        <a:srgbClr val="FFFFFF"/>
       </a:lt1>
       <a:dk2>
-        <a:srgbClr val="1F497D"/>
+        <a:srgbClr val="49166D"/>
       </a:dk2>
       <a:lt2>
-        <a:srgbClr val="EEECE1"/>
+        <a:srgbClr val="66CC00"/>
       </a:lt2>
       <a:accent1>
-        <a:srgbClr val="4F81BD"/>
+        <a:srgbClr val="49166D"/>
       </a:accent1>
       <a:accent2>
-        <a:srgbClr val="C0504D"/>
+        <a:srgbClr val="66CC00"/>
       </a:accent2>
       <a:accent3>
-        <a:srgbClr val="9BBB59"/>
+        <a:srgbClr val="FFFFFF"/>
       </a:accent3>
       <a:accent4>
-        <a:srgbClr val="8064A2"/>
+        <a:srgbClr val="3D115C"/>
       </a:accent4>
       <a:accent5>
-        <a:srgbClr val="4BACC6"/>
+        <a:srgbClr val="B1ABBA"/>
       </a:accent5>
       <a:accent6>
-        <a:srgbClr val="F79646"/>
+        <a:srgbClr val="5CB900"/>
       </a:accent6>
       <a:hlink>
-        <a:srgbClr val="0000FF"/>
+        <a:srgbClr val="00B0F0"/>
       </a:hlink>
       <a:folHlink>
-        <a:srgbClr val="800080"/>
+        <a:srgbClr val="B7E07F"/>
       </a:folHlink>
     </a:clrScheme>
     <a:fontScheme name="Office">
@@ -13731,7 +17406,346 @@
 </a:theme>
 </file>
 
+<file path=ppt/theme/theme5.xml><?xml version="1.0" encoding="utf-8"?>
+<a:theme xmlns:a="http://schemas.openxmlformats.org/drawingml/2006/main" name="Office Theme">
+  <a:themeElements>
+    <a:clrScheme name="Office">
+      <a:dk1>
+        <a:sysClr val="windowText" lastClr="000000"/>
+      </a:dk1>
+      <a:lt1>
+        <a:sysClr val="window" lastClr="FFFFFF"/>
+      </a:lt1>
+      <a:dk2>
+        <a:srgbClr val="1F497D"/>
+      </a:dk2>
+      <a:lt2>
+        <a:srgbClr val="EEECE1"/>
+      </a:lt2>
+      <a:accent1>
+        <a:srgbClr val="4F81BD"/>
+      </a:accent1>
+      <a:accent2>
+        <a:srgbClr val="C0504D"/>
+      </a:accent2>
+      <a:accent3>
+        <a:srgbClr val="9BBB59"/>
+      </a:accent3>
+      <a:accent4>
+        <a:srgbClr val="8064A2"/>
+      </a:accent4>
+      <a:accent5>
+        <a:srgbClr val="4BACC6"/>
+      </a:accent5>
+      <a:accent6>
+        <a:srgbClr val="F79646"/>
+      </a:accent6>
+      <a:hlink>
+        <a:srgbClr val="0000FF"/>
+      </a:hlink>
+      <a:folHlink>
+        <a:srgbClr val="800080"/>
+      </a:folHlink>
+    </a:clrScheme>
+    <a:fontScheme name="Office">
+      <a:majorFont>
+        <a:latin typeface="Calibri"/>
+        <a:ea typeface=""/>
+        <a:cs typeface=""/>
+        <a:font script="Jpan" typeface="ＭＳ Ｐゴシック"/>
+        <a:font script="Hang" typeface="맑은 고딕"/>
+        <a:font script="Hans" typeface="宋体"/>
+        <a:font script="Hant" typeface="新細明體"/>
+        <a:font script="Arab" typeface="Times New Roman"/>
+        <a:font script="Hebr" typeface="Times New Roman"/>
+        <a:font script="Thai" typeface="Angsana New"/>
+        <a:font script="Ethi" typeface="Nyala"/>
+        <a:font script="Beng" typeface="Vrinda"/>
+        <a:font script="Gujr" typeface="Shruti"/>
+        <a:font script="Khmr" typeface="MoolBoran"/>
+        <a:font script="Knda" typeface="Tunga"/>
+        <a:font script="Guru" typeface="Raavi"/>
+        <a:font script="Cans" typeface="Euphemia"/>
+        <a:font script="Cher" typeface="Plantagenet Cherokee"/>
+        <a:font script="Yiii" typeface="Microsoft Yi Baiti"/>
+        <a:font script="Tibt" typeface="Microsoft Himalaya"/>
+        <a:font script="Thaa" typeface="MV Boli"/>
+        <a:font script="Deva" typeface="Mangal"/>
+        <a:font script="Telu" typeface="Gautami"/>
+        <a:font script="Taml" typeface="Latha"/>
+        <a:font script="Syrc" typeface="Estrangelo Edessa"/>
+        <a:font script="Orya" typeface="Kalinga"/>
+        <a:font script="Mlym" typeface="Kartika"/>
+        <a:font script="Laoo" typeface="DokChampa"/>
+        <a:font script="Sinh" typeface="Iskoola Pota"/>
+        <a:font script="Mong" typeface="Mongolian Baiti"/>
+        <a:font script="Viet" typeface="Times New Roman"/>
+        <a:font script="Uigh" typeface="Microsoft Uighur"/>
+      </a:majorFont>
+      <a:minorFont>
+        <a:latin typeface="Calibri"/>
+        <a:ea typeface=""/>
+        <a:cs typeface=""/>
+        <a:font script="Jpan" typeface="ＭＳ Ｐゴシック"/>
+        <a:font script="Hang" typeface="맑은 고딕"/>
+        <a:font script="Hans" typeface="宋体"/>
+        <a:font script="Hant" typeface="新細明體"/>
+        <a:font script="Arab" typeface="Arial"/>
+        <a:font script="Hebr" typeface="Arial"/>
+        <a:font script="Thai" typeface="Cordia New"/>
+        <a:font script="Ethi" typeface="Nyala"/>
+        <a:font script="Beng" typeface="Vrinda"/>
+        <a:font script="Gujr" typeface="Shruti"/>
+        <a:font script="Khmr" typeface="DaunPenh"/>
+        <a:font script="Knda" typeface="Tunga"/>
+        <a:font script="Guru" typeface="Raavi"/>
+        <a:font script="Cans" typeface="Euphemia"/>
+        <a:font script="Cher" typeface="Plantagenet Cherokee"/>
+        <a:font script="Yiii" typeface="Microsoft Yi Baiti"/>
+        <a:font script="Tibt" typeface="Microsoft Himalaya"/>
+        <a:font script="Thaa" typeface="MV Boli"/>
+        <a:font script="Deva" typeface="Mangal"/>
+        <a:font script="Telu" typeface="Gautami"/>
+        <a:font script="Taml" typeface="Latha"/>
+        <a:font script="Syrc" typeface="Estrangelo Edessa"/>
+        <a:font script="Orya" typeface="Kalinga"/>
+        <a:font script="Mlym" typeface="Kartika"/>
+        <a:font script="Laoo" typeface="DokChampa"/>
+        <a:font script="Sinh" typeface="Iskoola Pota"/>
+        <a:font script="Mong" typeface="Mongolian Baiti"/>
+        <a:font script="Viet" typeface="Arial"/>
+        <a:font script="Uigh" typeface="Microsoft Uighur"/>
+      </a:minorFont>
+    </a:fontScheme>
+    <a:fmtScheme name="Office">
+      <a:fillStyleLst>
+        <a:solidFill>
+          <a:schemeClr val="phClr"/>
+        </a:solidFill>
+        <a:gradFill rotWithShape="1">
+          <a:gsLst>
+            <a:gs pos="0">
+              <a:schemeClr val="phClr">
+                <a:tint val="50000"/>
+                <a:satMod val="300000"/>
+              </a:schemeClr>
+            </a:gs>
+            <a:gs pos="35000">
+              <a:schemeClr val="phClr">
+                <a:tint val="37000"/>
+                <a:satMod val="300000"/>
+              </a:schemeClr>
+            </a:gs>
+            <a:gs pos="100000">
+              <a:schemeClr val="phClr">
+                <a:tint val="15000"/>
+                <a:satMod val="350000"/>
+              </a:schemeClr>
+            </a:gs>
+          </a:gsLst>
+          <a:lin ang="16200000" scaled="1"/>
+        </a:gradFill>
+        <a:gradFill rotWithShape="1">
+          <a:gsLst>
+            <a:gs pos="0">
+              <a:schemeClr val="phClr">
+                <a:tint val="100000"/>
+                <a:shade val="100000"/>
+                <a:satMod val="130000"/>
+              </a:schemeClr>
+            </a:gs>
+            <a:gs pos="100000">
+              <a:schemeClr val="phClr">
+                <a:tint val="50000"/>
+                <a:shade val="100000"/>
+                <a:satMod val="350000"/>
+              </a:schemeClr>
+            </a:gs>
+          </a:gsLst>
+          <a:lin ang="16200000" scaled="0"/>
+        </a:gradFill>
+      </a:fillStyleLst>
+      <a:lnStyleLst>
+        <a:ln w="9525" cap="flat" cmpd="sng" algn="ctr">
+          <a:solidFill>
+            <a:schemeClr val="phClr">
+              <a:shade val="95000"/>
+              <a:satMod val="105000"/>
+            </a:schemeClr>
+          </a:solidFill>
+          <a:prstDash val="solid"/>
+        </a:ln>
+        <a:ln w="25400" cap="flat" cmpd="sng" algn="ctr">
+          <a:solidFill>
+            <a:schemeClr val="phClr"/>
+          </a:solidFill>
+          <a:prstDash val="solid"/>
+        </a:ln>
+        <a:ln w="38100" cap="flat" cmpd="sng" algn="ctr">
+          <a:solidFill>
+            <a:schemeClr val="phClr"/>
+          </a:solidFill>
+          <a:prstDash val="solid"/>
+        </a:ln>
+      </a:lnStyleLst>
+      <a:effectStyleLst>
+        <a:effectStyle>
+          <a:effectLst>
+            <a:outerShdw blurRad="40000" dist="20000" dir="5400000" rotWithShape="0">
+              <a:srgbClr val="000000">
+                <a:alpha val="38000"/>
+              </a:srgbClr>
+            </a:outerShdw>
+          </a:effectLst>
+        </a:effectStyle>
+        <a:effectStyle>
+          <a:effectLst>
+            <a:outerShdw blurRad="40000" dist="23000" dir="5400000" rotWithShape="0">
+              <a:srgbClr val="000000">
+                <a:alpha val="35000"/>
+              </a:srgbClr>
+            </a:outerShdw>
+          </a:effectLst>
+        </a:effectStyle>
+        <a:effectStyle>
+          <a:effectLst>
+            <a:outerShdw blurRad="40000" dist="23000" dir="5400000" rotWithShape="0">
+              <a:srgbClr val="000000">
+                <a:alpha val="35000"/>
+              </a:srgbClr>
+            </a:outerShdw>
+          </a:effectLst>
+          <a:scene3d>
+            <a:camera prst="orthographicFront">
+              <a:rot lat="0" lon="0" rev="0"/>
+            </a:camera>
+            <a:lightRig rig="threePt" dir="t">
+              <a:rot lat="0" lon="0" rev="1200000"/>
+            </a:lightRig>
+          </a:scene3d>
+          <a:sp3d>
+            <a:bevelT w="63500" h="25400"/>
+          </a:sp3d>
+        </a:effectStyle>
+      </a:effectStyleLst>
+      <a:bgFillStyleLst>
+        <a:solidFill>
+          <a:schemeClr val="phClr"/>
+        </a:solidFill>
+        <a:gradFill rotWithShape="1">
+          <a:gsLst>
+            <a:gs pos="0">
+              <a:schemeClr val="phClr">
+                <a:tint val="40000"/>
+                <a:satMod val="350000"/>
+              </a:schemeClr>
+            </a:gs>
+            <a:gs pos="40000">
+              <a:schemeClr val="phClr">
+                <a:tint val="45000"/>
+                <a:shade val="99000"/>
+                <a:satMod val="350000"/>
+              </a:schemeClr>
+            </a:gs>
+            <a:gs pos="100000">
+              <a:schemeClr val="phClr">
+                <a:shade val="20000"/>
+                <a:satMod val="255000"/>
+              </a:schemeClr>
+            </a:gs>
+          </a:gsLst>
+          <a:path path="circle">
+            <a:fillToRect l="50000" t="-80000" r="50000" b="180000"/>
+          </a:path>
+        </a:gradFill>
+        <a:gradFill rotWithShape="1">
+          <a:gsLst>
+            <a:gs pos="0">
+              <a:schemeClr val="phClr">
+                <a:tint val="80000"/>
+                <a:satMod val="300000"/>
+              </a:schemeClr>
+            </a:gs>
+            <a:gs pos="100000">
+              <a:schemeClr val="phClr">
+                <a:shade val="30000"/>
+                <a:satMod val="200000"/>
+              </a:schemeClr>
+            </a:gs>
+          </a:gsLst>
+          <a:path path="circle">
+            <a:fillToRect l="50000" t="50000" r="50000" b="50000"/>
+          </a:path>
+        </a:gradFill>
+      </a:bgFillStyleLst>
+    </a:fmtScheme>
+  </a:themeElements>
+  <a:objectDefaults>
+    <a:spDef>
+      <a:spPr/>
+      <a:bodyPr/>
+      <a:lstStyle/>
+      <a:style>
+        <a:lnRef idx="1">
+          <a:schemeClr val="accent1"/>
+        </a:lnRef>
+        <a:fillRef idx="3">
+          <a:schemeClr val="accent1"/>
+        </a:fillRef>
+        <a:effectRef idx="2">
+          <a:schemeClr val="accent1"/>
+        </a:effectRef>
+        <a:fontRef idx="minor">
+          <a:schemeClr val="lt1"/>
+        </a:fontRef>
+      </a:style>
+    </a:spDef>
+    <a:lnDef>
+      <a:spPr/>
+      <a:bodyPr/>
+      <a:lstStyle/>
+      <a:style>
+        <a:lnRef idx="2">
+          <a:schemeClr val="accent1"/>
+        </a:lnRef>
+        <a:fillRef idx="0">
+          <a:schemeClr val="accent1"/>
+        </a:fillRef>
+        <a:effectRef idx="1">
+          <a:schemeClr val="accent1"/>
+        </a:effectRef>
+        <a:fontRef idx="minor">
+          <a:schemeClr val="tx1"/>
+        </a:fontRef>
+      </a:style>
+    </a:lnDef>
+  </a:objectDefaults>
+  <a:extraClrSchemeLst/>
+</a:theme>
+</file>
+
 <file path=customXml/item1.xml><?xml version="1.0" encoding="utf-8"?>
+<p:properties xmlns:p="http://schemas.microsoft.com/office/2006/metadata/properties" xmlns:xsi="http://www.w3.org/2001/XMLSchema-instance" xmlns:pc="http://schemas.microsoft.com/office/infopath/2007/PartnerControls">
+  <documentManagement>
+    <_dlc_DocId xmlns="5f30fe18-18b5-4c2d-8cb7-9ddc27a1765c">45UANX6N6NHT-3-440</_dlc_DocId>
+    <_dlc_DocIdUrl xmlns="5f30fe18-18b5-4c2d-8cb7-9ddc27a1765c">
+      <Url>https://project.collaborate.tsl.telus.com/sites/wesp/_layouts/DocIdRedir.aspx?ID=45UANX6N6NHT-3-440</Url>
+      <Description>45UANX6N6NHT-3-440</Description>
+    </_dlc_DocIdUrl>
+  </documentManagement>
+</p:properties>
+</file>
+
+<file path=customXml/item2.xml><?xml version="1.0" encoding="utf-8"?>
+<?mso-contentType ?>
+<FormTemplates xmlns="http://schemas.microsoft.com/sharepoint/v3/contenttype/forms">
+  <Display>DocumentLibraryForm</Display>
+  <Edit>DocumentLibraryForm</Edit>
+  <New>DocumentLibraryForm</New>
+</FormTemplates>
+</file>
+
+<file path=customXml/item3.xml><?xml version="1.0" encoding="utf-8"?>
 <?mso-contentType ?>
 <spe:Receivers xmlns:spe="http://schemas.microsoft.com/sharepoint/events">
   <Receiver>
@@ -13775,27 +17789,6 @@
     <Filter/>
   </Receiver>
 </spe:Receivers>
-</file>
-
-<file path=customXml/item2.xml><?xml version="1.0" encoding="utf-8"?>
-<?mso-contentType ?>
-<FormTemplates xmlns="http://schemas.microsoft.com/sharepoint/v3/contenttype/forms">
-  <Display>DocumentLibraryForm</Display>
-  <Edit>DocumentLibraryForm</Edit>
-  <New>DocumentLibraryForm</New>
-</FormTemplates>
-</file>
-
-<file path=customXml/item3.xml><?xml version="1.0" encoding="utf-8"?>
-<p:properties xmlns:p="http://schemas.microsoft.com/office/2006/metadata/properties" xmlns:xsi="http://www.w3.org/2001/XMLSchema-instance" xmlns:pc="http://schemas.microsoft.com/office/infopath/2007/PartnerControls">
-  <documentManagement>
-    <_dlc_DocId xmlns="5f30fe18-18b5-4c2d-8cb7-9ddc27a1765c">45UANX6N6NHT-3-440</_dlc_DocId>
-    <_dlc_DocIdUrl xmlns="5f30fe18-18b5-4c2d-8cb7-9ddc27a1765c">
-      <Url>https://project.collaborate.tsl.telus.com/sites/wesp/_layouts/DocIdRedir.aspx?ID=45UANX6N6NHT-3-440</Url>
-      <Description>45UANX6N6NHT-3-440</Description>
-    </_dlc_DocIdUrl>
-  </documentManagement>
-</p:properties>
 </file>
 
 <file path=customXml/item4.xml><?xml version="1.0" encoding="utf-8"?>
@@ -13944,9 +17937,17 @@
 </file>
 
 <file path=customXml/itemProps1.xml><?xml version="1.0" encoding="utf-8"?>
-<ds:datastoreItem xmlns:ds="http://schemas.openxmlformats.org/officeDocument/2006/customXml" ds:itemID="{7F0378A7-269C-4778-9CF0-21CEC371B404}">
+<ds:datastoreItem xmlns:ds="http://schemas.openxmlformats.org/officeDocument/2006/customXml" ds:itemID="{380E191F-8FEF-4E3B-8EB7-B5120927D100}">
   <ds:schemaRefs>
-    <ds:schemaRef ds:uri="http://schemas.microsoft.com/sharepoint/events"/>
+    <ds:schemaRef ds:uri="http://purl.org/dc/terms/"/>
+    <ds:schemaRef ds:uri="http://schemas.microsoft.com/office/2006/documentManagement/types"/>
+    <ds:schemaRef ds:uri="http://www.w3.org/XML/1998/namespace"/>
+    <ds:schemaRef ds:uri="http://schemas.microsoft.com/office/infopath/2007/PartnerControls"/>
+    <ds:schemaRef ds:uri="http://schemas.openxmlformats.org/package/2006/metadata/core-properties"/>
+    <ds:schemaRef ds:uri="http://purl.org/dc/elements/1.1/"/>
+    <ds:schemaRef ds:uri="http://purl.org/dc/dcmitype/"/>
+    <ds:schemaRef ds:uri="5f30fe18-18b5-4c2d-8cb7-9ddc27a1765c"/>
+    <ds:schemaRef ds:uri="http://schemas.microsoft.com/office/2006/metadata/properties"/>
   </ds:schemaRefs>
 </ds:datastoreItem>
 </file>
@@ -13960,17 +17961,9 @@
 </file>
 
 <file path=customXml/itemProps3.xml><?xml version="1.0" encoding="utf-8"?>
-<ds:datastoreItem xmlns:ds="http://schemas.openxmlformats.org/officeDocument/2006/customXml" ds:itemID="{380E191F-8FEF-4E3B-8EB7-B5120927D100}">
+<ds:datastoreItem xmlns:ds="http://schemas.openxmlformats.org/officeDocument/2006/customXml" ds:itemID="{7F0378A7-269C-4778-9CF0-21CEC371B404}">
   <ds:schemaRefs>
-    <ds:schemaRef ds:uri="http://purl.org/dc/terms/"/>
-    <ds:schemaRef ds:uri="http://schemas.microsoft.com/office/2006/documentManagement/types"/>
-    <ds:schemaRef ds:uri="http://www.w3.org/XML/1998/namespace"/>
-    <ds:schemaRef ds:uri="http://schemas.microsoft.com/office/infopath/2007/PartnerControls"/>
-    <ds:schemaRef ds:uri="http://schemas.openxmlformats.org/package/2006/metadata/core-properties"/>
-    <ds:schemaRef ds:uri="http://purl.org/dc/elements/1.1/"/>
-    <ds:schemaRef ds:uri="http://purl.org/dc/dcmitype/"/>
-    <ds:schemaRef ds:uri="5f30fe18-18b5-4c2d-8cb7-9ddc27a1765c"/>
-    <ds:schemaRef ds:uri="http://schemas.microsoft.com/office/2006/metadata/properties"/>
+    <ds:schemaRef ds:uri="http://schemas.microsoft.com/sharepoint/events"/>
   </ds:schemaRefs>
 </ds:datastoreItem>
 </file>
